--- a/slides/Tag-1_6-Git-Workflow-im-Team.pptx
+++ b/slides/Tag-1_6-Git-Workflow-im-Team.pptx
@@ -4,38 +4,40 @@
   <p:sldMasterIdLst>
     <p:sldMasterId id="2147483648" r:id="rId1"/>
     <p:sldMasterId id="2147483649" r:id="rId2"/>
+    <p:sldMasterId id="2147483897" r:id="rId3"/>
   </p:sldMasterIdLst>
   <p:notesMasterIdLst>
-    <p:notesMasterId r:id="rId27"/>
+    <p:notesMasterId r:id="rId29"/>
   </p:notesMasterIdLst>
   <p:handoutMasterIdLst>
-    <p:handoutMasterId r:id="rId28"/>
+    <p:handoutMasterId r:id="rId30"/>
   </p:handoutMasterIdLst>
   <p:sldIdLst>
-    <p:sldId id="288" r:id="rId3"/>
-    <p:sldId id="287" r:id="rId4"/>
-    <p:sldId id="326" r:id="rId5"/>
-    <p:sldId id="420" r:id="rId6"/>
-    <p:sldId id="439" r:id="rId7"/>
-    <p:sldId id="421" r:id="rId8"/>
-    <p:sldId id="422" r:id="rId9"/>
-    <p:sldId id="423" r:id="rId10"/>
-    <p:sldId id="424" r:id="rId11"/>
-    <p:sldId id="440" r:id="rId12"/>
-    <p:sldId id="426" r:id="rId13"/>
-    <p:sldId id="427" r:id="rId14"/>
-    <p:sldId id="428" r:id="rId15"/>
-    <p:sldId id="429" r:id="rId16"/>
-    <p:sldId id="431" r:id="rId17"/>
-    <p:sldId id="430" r:id="rId18"/>
-    <p:sldId id="432" r:id="rId19"/>
-    <p:sldId id="433" r:id="rId20"/>
-    <p:sldId id="434" r:id="rId21"/>
-    <p:sldId id="435" r:id="rId22"/>
-    <p:sldId id="436" r:id="rId23"/>
-    <p:sldId id="437" r:id="rId24"/>
-    <p:sldId id="441" r:id="rId25"/>
-    <p:sldId id="438" r:id="rId26"/>
+    <p:sldId id="288" r:id="rId4"/>
+    <p:sldId id="387" r:id="rId5"/>
+    <p:sldId id="287" r:id="rId6"/>
+    <p:sldId id="596" r:id="rId7"/>
+    <p:sldId id="326" r:id="rId8"/>
+    <p:sldId id="420" r:id="rId9"/>
+    <p:sldId id="421" r:id="rId10"/>
+    <p:sldId id="422" r:id="rId11"/>
+    <p:sldId id="423" r:id="rId12"/>
+    <p:sldId id="424" r:id="rId13"/>
+    <p:sldId id="597" r:id="rId14"/>
+    <p:sldId id="426" r:id="rId15"/>
+    <p:sldId id="427" r:id="rId16"/>
+    <p:sldId id="428" r:id="rId17"/>
+    <p:sldId id="429" r:id="rId18"/>
+    <p:sldId id="431" r:id="rId19"/>
+    <p:sldId id="430" r:id="rId20"/>
+    <p:sldId id="432" r:id="rId21"/>
+    <p:sldId id="433" r:id="rId22"/>
+    <p:sldId id="434" r:id="rId23"/>
+    <p:sldId id="435" r:id="rId24"/>
+    <p:sldId id="436" r:id="rId25"/>
+    <p:sldId id="437" r:id="rId26"/>
+    <p:sldId id="598" r:id="rId27"/>
+    <p:sldId id="438" r:id="rId28"/>
   </p:sldIdLst>
   <p:sldSz cx="9144000" cy="6858000" type="screen4x3"/>
   <p:notesSz cx="6784975" cy="9921875"/>
@@ -1105,7 +1107,7 @@
                 <a:latin typeface="Arial" panose="020B0604020202020204" pitchFamily="34" charset="0"/>
               </a:rPr>
               <a:pPr/>
-              <a:t>2</a:t>
+              <a:t>3</a:t>
             </a:fld>
             <a:endParaRPr lang="de-DE" altLang="de-DE" sz="1000">
               <a:latin typeface="Arial" panose="020B0604020202020204" pitchFamily="34" charset="0"/>
@@ -1190,783 +1192,6 @@
         </p:txBody>
       </p:sp>
     </p:spTree>
-  </p:cSld>
-  <p:clrMapOvr>
-    <a:masterClrMapping/>
-  </p:clrMapOvr>
-</p:notes>
-</file>
-
-<file path=ppt/notesSlides/notesSlide2.xml><?xml version="1.0" encoding="utf-8"?>
-<p:notes xmlns:a="http://schemas.openxmlformats.org/drawingml/2006/main" xmlns:r="http://schemas.openxmlformats.org/officeDocument/2006/relationships" xmlns:p="http://schemas.openxmlformats.org/presentationml/2006/main">
-  <p:cSld>
-    <p:spTree>
-      <p:nvGrpSpPr>
-        <p:cNvPr id="1" name=""/>
-        <p:cNvGrpSpPr/>
-        <p:nvPr/>
-      </p:nvGrpSpPr>
-      <p:grpSpPr>
-        <a:xfrm>
-          <a:off x="0" y="0"/>
-          <a:ext cx="0" cy="0"/>
-          <a:chOff x="0" y="0"/>
-          <a:chExt cx="0" cy="0"/>
-        </a:xfrm>
-      </p:grpSpPr>
-      <p:sp>
-        <p:nvSpPr>
-          <p:cNvPr id="9218" name="Rectangle 5">
-            <a:extLst>
-              <a:ext uri="{FF2B5EF4-FFF2-40B4-BE49-F238E27FC236}">
-                <a16:creationId xmlns:a16="http://schemas.microsoft.com/office/drawing/2014/main" id="{CAB5EC0A-C9CC-A6BA-EE54-8860552589C9}"/>
-              </a:ext>
-            </a:extLst>
-          </p:cNvPr>
-          <p:cNvSpPr>
-            <a:spLocks noGrp="1" noChangeArrowheads="1"/>
-          </p:cNvSpPr>
-          <p:nvPr>
-            <p:ph type="sldNum" sz="quarter" idx="5"/>
-          </p:nvPr>
-        </p:nvSpPr>
-        <p:spPr>
-          <a:noFill/>
-          <a:ln/>
-          <a:extLst>
-            <a:ext uri="{909E8E84-426E-40DD-AFC4-6F175D3DCCD1}">
-              <a14:hiddenFill xmlns:a14="http://schemas.microsoft.com/office/drawing/2010/main">
-                <a:solidFill>
-                  <a:srgbClr val="FFFFFF"/>
-                </a:solidFill>
-              </a14:hiddenFill>
-            </a:ext>
-            <a:ext uri="{91240B29-F687-4F45-9708-019B960494DF}">
-              <a14:hiddenLine xmlns:a14="http://schemas.microsoft.com/office/drawing/2010/main" w="9525">
-                <a:solidFill>
-                  <a:srgbClr val="000000"/>
-                </a:solidFill>
-                <a:miter lim="800000"/>
-                <a:headEnd/>
-                <a:tailEnd/>
-              </a14:hiddenLine>
-            </a:ext>
-          </a:extLst>
-        </p:spPr>
-        <p:txBody>
-          <a:bodyPr/>
-          <a:lstStyle>
-            <a:lvl1pPr defTabSz="762000">
-              <a:defRPr sz="2400">
-                <a:solidFill>
-                  <a:schemeClr val="tx1"/>
-                </a:solidFill>
-                <a:latin typeface="Times New Roman" panose="02020603050405020304" pitchFamily="18" charset="0"/>
-              </a:defRPr>
-            </a:lvl1pPr>
-            <a:lvl2pPr marL="742950" indent="-285750" defTabSz="762000">
-              <a:defRPr sz="2400">
-                <a:solidFill>
-                  <a:schemeClr val="tx1"/>
-                </a:solidFill>
-                <a:latin typeface="Times New Roman" panose="02020603050405020304" pitchFamily="18" charset="0"/>
-              </a:defRPr>
-            </a:lvl2pPr>
-            <a:lvl3pPr marL="1143000" indent="-228600" defTabSz="762000">
-              <a:defRPr sz="2400">
-                <a:solidFill>
-                  <a:schemeClr val="tx1"/>
-                </a:solidFill>
-                <a:latin typeface="Times New Roman" panose="02020603050405020304" pitchFamily="18" charset="0"/>
-              </a:defRPr>
-            </a:lvl3pPr>
-            <a:lvl4pPr marL="1600200" indent="-228600" defTabSz="762000">
-              <a:defRPr sz="2400">
-                <a:solidFill>
-                  <a:schemeClr val="tx1"/>
-                </a:solidFill>
-                <a:latin typeface="Times New Roman" panose="02020603050405020304" pitchFamily="18" charset="0"/>
-              </a:defRPr>
-            </a:lvl4pPr>
-            <a:lvl5pPr marL="2057400" indent="-228600" defTabSz="762000">
-              <a:defRPr sz="2400">
-                <a:solidFill>
-                  <a:schemeClr val="tx1"/>
-                </a:solidFill>
-                <a:latin typeface="Times New Roman" panose="02020603050405020304" pitchFamily="18" charset="0"/>
-              </a:defRPr>
-            </a:lvl5pPr>
-            <a:lvl6pPr marL="2514600" indent="-228600" defTabSz="762000" eaLnBrk="0" fontAlgn="base" hangingPunct="0">
-              <a:spcBef>
-                <a:spcPct val="0"/>
-              </a:spcBef>
-              <a:spcAft>
-                <a:spcPct val="0"/>
-              </a:spcAft>
-              <a:defRPr sz="2400">
-                <a:solidFill>
-                  <a:schemeClr val="tx1"/>
-                </a:solidFill>
-                <a:latin typeface="Times New Roman" panose="02020603050405020304" pitchFamily="18" charset="0"/>
-              </a:defRPr>
-            </a:lvl6pPr>
-            <a:lvl7pPr marL="2971800" indent="-228600" defTabSz="762000" eaLnBrk="0" fontAlgn="base" hangingPunct="0">
-              <a:spcBef>
-                <a:spcPct val="0"/>
-              </a:spcBef>
-              <a:spcAft>
-                <a:spcPct val="0"/>
-              </a:spcAft>
-              <a:defRPr sz="2400">
-                <a:solidFill>
-                  <a:schemeClr val="tx1"/>
-                </a:solidFill>
-                <a:latin typeface="Times New Roman" panose="02020603050405020304" pitchFamily="18" charset="0"/>
-              </a:defRPr>
-            </a:lvl7pPr>
-            <a:lvl8pPr marL="3429000" indent="-228600" defTabSz="762000" eaLnBrk="0" fontAlgn="base" hangingPunct="0">
-              <a:spcBef>
-                <a:spcPct val="0"/>
-              </a:spcBef>
-              <a:spcAft>
-                <a:spcPct val="0"/>
-              </a:spcAft>
-              <a:defRPr sz="2400">
-                <a:solidFill>
-                  <a:schemeClr val="tx1"/>
-                </a:solidFill>
-                <a:latin typeface="Times New Roman" panose="02020603050405020304" pitchFamily="18" charset="0"/>
-              </a:defRPr>
-            </a:lvl8pPr>
-            <a:lvl9pPr marL="3886200" indent="-228600" defTabSz="762000" eaLnBrk="0" fontAlgn="base" hangingPunct="0">
-              <a:spcBef>
-                <a:spcPct val="0"/>
-              </a:spcBef>
-              <a:spcAft>
-                <a:spcPct val="0"/>
-              </a:spcAft>
-              <a:defRPr sz="2400">
-                <a:solidFill>
-                  <a:schemeClr val="tx1"/>
-                </a:solidFill>
-                <a:latin typeface="Times New Roman" panose="02020603050405020304" pitchFamily="18" charset="0"/>
-              </a:defRPr>
-            </a:lvl9pPr>
-          </a:lstStyle>
-          <a:p>
-            <a:fld id="{0DFA95FD-393F-42A8-A207-199B4A6476FA}" type="slidenum">
-              <a:rPr lang="de-DE" altLang="de-DE" sz="1000">
-                <a:latin typeface="Arial" panose="020B0604020202020204" pitchFamily="34" charset="0"/>
-              </a:rPr>
-              <a:pPr/>
-              <a:t>5</a:t>
-            </a:fld>
-            <a:endParaRPr lang="de-DE" altLang="de-DE" sz="1000">
-              <a:latin typeface="Arial" panose="020B0604020202020204" pitchFamily="34" charset="0"/>
-            </a:endParaRPr>
-          </a:p>
-        </p:txBody>
-      </p:sp>
-      <p:sp>
-        <p:nvSpPr>
-          <p:cNvPr id="9219" name="Rectangle 2">
-            <a:extLst>
-              <a:ext uri="{FF2B5EF4-FFF2-40B4-BE49-F238E27FC236}">
-                <a16:creationId xmlns:a16="http://schemas.microsoft.com/office/drawing/2014/main" id="{55ADAD09-5AD8-D6A8-82FA-8696898FF393}"/>
-              </a:ext>
-            </a:extLst>
-          </p:cNvPr>
-          <p:cNvSpPr>
-            <a:spLocks noGrp="1" noRot="1" noChangeAspect="1" noChangeArrowheads="1" noTextEdit="1"/>
-          </p:cNvSpPr>
-          <p:nvPr>
-            <p:ph type="sldImg"/>
-          </p:nvPr>
-        </p:nvSpPr>
-        <p:spPr>
-          <a:xfrm>
-            <a:off x="911225" y="744538"/>
-            <a:ext cx="4962525" cy="3722687"/>
-          </a:xfrm>
-          <a:ln/>
-        </p:spPr>
-      </p:sp>
-      <p:sp>
-        <p:nvSpPr>
-          <p:cNvPr id="9220" name="Rectangle 3">
-            <a:extLst>
-              <a:ext uri="{FF2B5EF4-FFF2-40B4-BE49-F238E27FC236}">
-                <a16:creationId xmlns:a16="http://schemas.microsoft.com/office/drawing/2014/main" id="{6CD01483-3634-269A-689A-A2F198F34B73}"/>
-              </a:ext>
-            </a:extLst>
-          </p:cNvPr>
-          <p:cNvSpPr>
-            <a:spLocks noGrp="1" noChangeArrowheads="1"/>
-          </p:cNvSpPr>
-          <p:nvPr>
-            <p:ph type="body" idx="1"/>
-          </p:nvPr>
-        </p:nvSpPr>
-        <p:spPr>
-          <a:xfrm>
-            <a:off x="679450" y="4713288"/>
-            <a:ext cx="5426075" cy="4464050"/>
-          </a:xfrm>
-          <a:noFill/>
-          <a:ln/>
-          <a:extLst>
-            <a:ext uri="{909E8E84-426E-40DD-AFC4-6F175D3DCCD1}">
-              <a14:hiddenFill xmlns:a14="http://schemas.microsoft.com/office/drawing/2010/main">
-                <a:solidFill>
-                  <a:srgbClr val="FFFFFF"/>
-                </a:solidFill>
-              </a14:hiddenFill>
-            </a:ext>
-            <a:ext uri="{91240B29-F687-4F45-9708-019B960494DF}">
-              <a14:hiddenLine xmlns:a14="http://schemas.microsoft.com/office/drawing/2010/main" w="9525">
-                <a:solidFill>
-                  <a:srgbClr val="000000"/>
-                </a:solidFill>
-                <a:miter lim="800000"/>
-                <a:headEnd/>
-                <a:tailEnd/>
-              </a14:hiddenLine>
-            </a:ext>
-          </a:extLst>
-        </p:spPr>
-        <p:txBody>
-          <a:bodyPr/>
-          <a:lstStyle/>
-          <a:p>
-            <a:pPr defTabSz="914400" eaLnBrk="1" hangingPunct="1"/>
-            <a:endParaRPr lang="de-DE" altLang="de-DE"/>
-          </a:p>
-        </p:txBody>
-      </p:sp>
-    </p:spTree>
-    <p:extLst>
-      <p:ext uri="{BB962C8B-B14F-4D97-AF65-F5344CB8AC3E}">
-        <p14:creationId xmlns:p14="http://schemas.microsoft.com/office/powerpoint/2010/main" val="2790511589"/>
-      </p:ext>
-    </p:extLst>
-  </p:cSld>
-  <p:clrMapOvr>
-    <a:masterClrMapping/>
-  </p:clrMapOvr>
-</p:notes>
-</file>
-
-<file path=ppt/notesSlides/notesSlide3.xml><?xml version="1.0" encoding="utf-8"?>
-<p:notes xmlns:a="http://schemas.openxmlformats.org/drawingml/2006/main" xmlns:r="http://schemas.openxmlformats.org/officeDocument/2006/relationships" xmlns:p="http://schemas.openxmlformats.org/presentationml/2006/main">
-  <p:cSld>
-    <p:spTree>
-      <p:nvGrpSpPr>
-        <p:cNvPr id="1" name=""/>
-        <p:cNvGrpSpPr/>
-        <p:nvPr/>
-      </p:nvGrpSpPr>
-      <p:grpSpPr>
-        <a:xfrm>
-          <a:off x="0" y="0"/>
-          <a:ext cx="0" cy="0"/>
-          <a:chOff x="0" y="0"/>
-          <a:chExt cx="0" cy="0"/>
-        </a:xfrm>
-      </p:grpSpPr>
-      <p:sp>
-        <p:nvSpPr>
-          <p:cNvPr id="9218" name="Rectangle 5">
-            <a:extLst>
-              <a:ext uri="{FF2B5EF4-FFF2-40B4-BE49-F238E27FC236}">
-                <a16:creationId xmlns:a16="http://schemas.microsoft.com/office/drawing/2014/main" id="{CAB5EC0A-C9CC-A6BA-EE54-8860552589C9}"/>
-              </a:ext>
-            </a:extLst>
-          </p:cNvPr>
-          <p:cNvSpPr>
-            <a:spLocks noGrp="1" noChangeArrowheads="1"/>
-          </p:cNvSpPr>
-          <p:nvPr>
-            <p:ph type="sldNum" sz="quarter" idx="5"/>
-          </p:nvPr>
-        </p:nvSpPr>
-        <p:spPr>
-          <a:noFill/>
-          <a:ln/>
-          <a:extLst>
-            <a:ext uri="{909E8E84-426E-40DD-AFC4-6F175D3DCCD1}">
-              <a14:hiddenFill xmlns:a14="http://schemas.microsoft.com/office/drawing/2010/main">
-                <a:solidFill>
-                  <a:srgbClr val="FFFFFF"/>
-                </a:solidFill>
-              </a14:hiddenFill>
-            </a:ext>
-            <a:ext uri="{91240B29-F687-4F45-9708-019B960494DF}">
-              <a14:hiddenLine xmlns:a14="http://schemas.microsoft.com/office/drawing/2010/main" w="9525">
-                <a:solidFill>
-                  <a:srgbClr val="000000"/>
-                </a:solidFill>
-                <a:miter lim="800000"/>
-                <a:headEnd/>
-                <a:tailEnd/>
-              </a14:hiddenLine>
-            </a:ext>
-          </a:extLst>
-        </p:spPr>
-        <p:txBody>
-          <a:bodyPr/>
-          <a:lstStyle>
-            <a:lvl1pPr defTabSz="762000">
-              <a:defRPr sz="2400">
-                <a:solidFill>
-                  <a:schemeClr val="tx1"/>
-                </a:solidFill>
-                <a:latin typeface="Times New Roman" panose="02020603050405020304" pitchFamily="18" charset="0"/>
-              </a:defRPr>
-            </a:lvl1pPr>
-            <a:lvl2pPr marL="742950" indent="-285750" defTabSz="762000">
-              <a:defRPr sz="2400">
-                <a:solidFill>
-                  <a:schemeClr val="tx1"/>
-                </a:solidFill>
-                <a:latin typeface="Times New Roman" panose="02020603050405020304" pitchFamily="18" charset="0"/>
-              </a:defRPr>
-            </a:lvl2pPr>
-            <a:lvl3pPr marL="1143000" indent="-228600" defTabSz="762000">
-              <a:defRPr sz="2400">
-                <a:solidFill>
-                  <a:schemeClr val="tx1"/>
-                </a:solidFill>
-                <a:latin typeface="Times New Roman" panose="02020603050405020304" pitchFamily="18" charset="0"/>
-              </a:defRPr>
-            </a:lvl3pPr>
-            <a:lvl4pPr marL="1600200" indent="-228600" defTabSz="762000">
-              <a:defRPr sz="2400">
-                <a:solidFill>
-                  <a:schemeClr val="tx1"/>
-                </a:solidFill>
-                <a:latin typeface="Times New Roman" panose="02020603050405020304" pitchFamily="18" charset="0"/>
-              </a:defRPr>
-            </a:lvl4pPr>
-            <a:lvl5pPr marL="2057400" indent="-228600" defTabSz="762000">
-              <a:defRPr sz="2400">
-                <a:solidFill>
-                  <a:schemeClr val="tx1"/>
-                </a:solidFill>
-                <a:latin typeface="Times New Roman" panose="02020603050405020304" pitchFamily="18" charset="0"/>
-              </a:defRPr>
-            </a:lvl5pPr>
-            <a:lvl6pPr marL="2514600" indent="-228600" defTabSz="762000" eaLnBrk="0" fontAlgn="base" hangingPunct="0">
-              <a:spcBef>
-                <a:spcPct val="0"/>
-              </a:spcBef>
-              <a:spcAft>
-                <a:spcPct val="0"/>
-              </a:spcAft>
-              <a:defRPr sz="2400">
-                <a:solidFill>
-                  <a:schemeClr val="tx1"/>
-                </a:solidFill>
-                <a:latin typeface="Times New Roman" panose="02020603050405020304" pitchFamily="18" charset="0"/>
-              </a:defRPr>
-            </a:lvl6pPr>
-            <a:lvl7pPr marL="2971800" indent="-228600" defTabSz="762000" eaLnBrk="0" fontAlgn="base" hangingPunct="0">
-              <a:spcBef>
-                <a:spcPct val="0"/>
-              </a:spcBef>
-              <a:spcAft>
-                <a:spcPct val="0"/>
-              </a:spcAft>
-              <a:defRPr sz="2400">
-                <a:solidFill>
-                  <a:schemeClr val="tx1"/>
-                </a:solidFill>
-                <a:latin typeface="Times New Roman" panose="02020603050405020304" pitchFamily="18" charset="0"/>
-              </a:defRPr>
-            </a:lvl7pPr>
-            <a:lvl8pPr marL="3429000" indent="-228600" defTabSz="762000" eaLnBrk="0" fontAlgn="base" hangingPunct="0">
-              <a:spcBef>
-                <a:spcPct val="0"/>
-              </a:spcBef>
-              <a:spcAft>
-                <a:spcPct val="0"/>
-              </a:spcAft>
-              <a:defRPr sz="2400">
-                <a:solidFill>
-                  <a:schemeClr val="tx1"/>
-                </a:solidFill>
-                <a:latin typeface="Times New Roman" panose="02020603050405020304" pitchFamily="18" charset="0"/>
-              </a:defRPr>
-            </a:lvl8pPr>
-            <a:lvl9pPr marL="3886200" indent="-228600" defTabSz="762000" eaLnBrk="0" fontAlgn="base" hangingPunct="0">
-              <a:spcBef>
-                <a:spcPct val="0"/>
-              </a:spcBef>
-              <a:spcAft>
-                <a:spcPct val="0"/>
-              </a:spcAft>
-              <a:defRPr sz="2400">
-                <a:solidFill>
-                  <a:schemeClr val="tx1"/>
-                </a:solidFill>
-                <a:latin typeface="Times New Roman" panose="02020603050405020304" pitchFamily="18" charset="0"/>
-              </a:defRPr>
-            </a:lvl9pPr>
-          </a:lstStyle>
-          <a:p>
-            <a:fld id="{0DFA95FD-393F-42A8-A207-199B4A6476FA}" type="slidenum">
-              <a:rPr lang="de-DE" altLang="de-DE" sz="1000">
-                <a:latin typeface="Arial" panose="020B0604020202020204" pitchFamily="34" charset="0"/>
-              </a:rPr>
-              <a:pPr/>
-              <a:t>10</a:t>
-            </a:fld>
-            <a:endParaRPr lang="de-DE" altLang="de-DE" sz="1000">
-              <a:latin typeface="Arial" panose="020B0604020202020204" pitchFamily="34" charset="0"/>
-            </a:endParaRPr>
-          </a:p>
-        </p:txBody>
-      </p:sp>
-      <p:sp>
-        <p:nvSpPr>
-          <p:cNvPr id="9219" name="Rectangle 2">
-            <a:extLst>
-              <a:ext uri="{FF2B5EF4-FFF2-40B4-BE49-F238E27FC236}">
-                <a16:creationId xmlns:a16="http://schemas.microsoft.com/office/drawing/2014/main" id="{55ADAD09-5AD8-D6A8-82FA-8696898FF393}"/>
-              </a:ext>
-            </a:extLst>
-          </p:cNvPr>
-          <p:cNvSpPr>
-            <a:spLocks noGrp="1" noRot="1" noChangeAspect="1" noChangeArrowheads="1" noTextEdit="1"/>
-          </p:cNvSpPr>
-          <p:nvPr>
-            <p:ph type="sldImg"/>
-          </p:nvPr>
-        </p:nvSpPr>
-        <p:spPr>
-          <a:xfrm>
-            <a:off x="911225" y="744538"/>
-            <a:ext cx="4962525" cy="3722687"/>
-          </a:xfrm>
-          <a:ln/>
-        </p:spPr>
-      </p:sp>
-      <p:sp>
-        <p:nvSpPr>
-          <p:cNvPr id="9220" name="Rectangle 3">
-            <a:extLst>
-              <a:ext uri="{FF2B5EF4-FFF2-40B4-BE49-F238E27FC236}">
-                <a16:creationId xmlns:a16="http://schemas.microsoft.com/office/drawing/2014/main" id="{6CD01483-3634-269A-689A-A2F198F34B73}"/>
-              </a:ext>
-            </a:extLst>
-          </p:cNvPr>
-          <p:cNvSpPr>
-            <a:spLocks noGrp="1" noChangeArrowheads="1"/>
-          </p:cNvSpPr>
-          <p:nvPr>
-            <p:ph type="body" idx="1"/>
-          </p:nvPr>
-        </p:nvSpPr>
-        <p:spPr>
-          <a:xfrm>
-            <a:off x="679450" y="4713288"/>
-            <a:ext cx="5426075" cy="4464050"/>
-          </a:xfrm>
-          <a:noFill/>
-          <a:ln/>
-          <a:extLst>
-            <a:ext uri="{909E8E84-426E-40DD-AFC4-6F175D3DCCD1}">
-              <a14:hiddenFill xmlns:a14="http://schemas.microsoft.com/office/drawing/2010/main">
-                <a:solidFill>
-                  <a:srgbClr val="FFFFFF"/>
-                </a:solidFill>
-              </a14:hiddenFill>
-            </a:ext>
-            <a:ext uri="{91240B29-F687-4F45-9708-019B960494DF}">
-              <a14:hiddenLine xmlns:a14="http://schemas.microsoft.com/office/drawing/2010/main" w="9525">
-                <a:solidFill>
-                  <a:srgbClr val="000000"/>
-                </a:solidFill>
-                <a:miter lim="800000"/>
-                <a:headEnd/>
-                <a:tailEnd/>
-              </a14:hiddenLine>
-            </a:ext>
-          </a:extLst>
-        </p:spPr>
-        <p:txBody>
-          <a:bodyPr/>
-          <a:lstStyle/>
-          <a:p>
-            <a:pPr defTabSz="914400" eaLnBrk="1" hangingPunct="1"/>
-            <a:endParaRPr lang="de-DE" altLang="de-DE"/>
-          </a:p>
-        </p:txBody>
-      </p:sp>
-    </p:spTree>
-    <p:extLst>
-      <p:ext uri="{BB962C8B-B14F-4D97-AF65-F5344CB8AC3E}">
-        <p14:creationId xmlns:p14="http://schemas.microsoft.com/office/powerpoint/2010/main" val="80027343"/>
-      </p:ext>
-    </p:extLst>
-  </p:cSld>
-  <p:clrMapOvr>
-    <a:masterClrMapping/>
-  </p:clrMapOvr>
-</p:notes>
-</file>
-
-<file path=ppt/notesSlides/notesSlide4.xml><?xml version="1.0" encoding="utf-8"?>
-<p:notes xmlns:a="http://schemas.openxmlformats.org/drawingml/2006/main" xmlns:r="http://schemas.openxmlformats.org/officeDocument/2006/relationships" xmlns:p="http://schemas.openxmlformats.org/presentationml/2006/main">
-  <p:cSld>
-    <p:spTree>
-      <p:nvGrpSpPr>
-        <p:cNvPr id="1" name=""/>
-        <p:cNvGrpSpPr/>
-        <p:nvPr/>
-      </p:nvGrpSpPr>
-      <p:grpSpPr>
-        <a:xfrm>
-          <a:off x="0" y="0"/>
-          <a:ext cx="0" cy="0"/>
-          <a:chOff x="0" y="0"/>
-          <a:chExt cx="0" cy="0"/>
-        </a:xfrm>
-      </p:grpSpPr>
-      <p:sp>
-        <p:nvSpPr>
-          <p:cNvPr id="9218" name="Rectangle 5">
-            <a:extLst>
-              <a:ext uri="{FF2B5EF4-FFF2-40B4-BE49-F238E27FC236}">
-                <a16:creationId xmlns:a16="http://schemas.microsoft.com/office/drawing/2014/main" id="{CAB5EC0A-C9CC-A6BA-EE54-8860552589C9}"/>
-              </a:ext>
-            </a:extLst>
-          </p:cNvPr>
-          <p:cNvSpPr>
-            <a:spLocks noGrp="1" noChangeArrowheads="1"/>
-          </p:cNvSpPr>
-          <p:nvPr>
-            <p:ph type="sldNum" sz="quarter" idx="5"/>
-          </p:nvPr>
-        </p:nvSpPr>
-        <p:spPr>
-          <a:noFill/>
-          <a:ln/>
-          <a:extLst>
-            <a:ext uri="{909E8E84-426E-40DD-AFC4-6F175D3DCCD1}">
-              <a14:hiddenFill xmlns:a14="http://schemas.microsoft.com/office/drawing/2010/main">
-                <a:solidFill>
-                  <a:srgbClr val="FFFFFF"/>
-                </a:solidFill>
-              </a14:hiddenFill>
-            </a:ext>
-            <a:ext uri="{91240B29-F687-4F45-9708-019B960494DF}">
-              <a14:hiddenLine xmlns:a14="http://schemas.microsoft.com/office/drawing/2010/main" w="9525">
-                <a:solidFill>
-                  <a:srgbClr val="000000"/>
-                </a:solidFill>
-                <a:miter lim="800000"/>
-                <a:headEnd/>
-                <a:tailEnd/>
-              </a14:hiddenLine>
-            </a:ext>
-          </a:extLst>
-        </p:spPr>
-        <p:txBody>
-          <a:bodyPr/>
-          <a:lstStyle>
-            <a:lvl1pPr defTabSz="762000">
-              <a:defRPr sz="2400">
-                <a:solidFill>
-                  <a:schemeClr val="tx1"/>
-                </a:solidFill>
-                <a:latin typeface="Times New Roman" panose="02020603050405020304" pitchFamily="18" charset="0"/>
-              </a:defRPr>
-            </a:lvl1pPr>
-            <a:lvl2pPr marL="742950" indent="-285750" defTabSz="762000">
-              <a:defRPr sz="2400">
-                <a:solidFill>
-                  <a:schemeClr val="tx1"/>
-                </a:solidFill>
-                <a:latin typeface="Times New Roman" panose="02020603050405020304" pitchFamily="18" charset="0"/>
-              </a:defRPr>
-            </a:lvl2pPr>
-            <a:lvl3pPr marL="1143000" indent="-228600" defTabSz="762000">
-              <a:defRPr sz="2400">
-                <a:solidFill>
-                  <a:schemeClr val="tx1"/>
-                </a:solidFill>
-                <a:latin typeface="Times New Roman" panose="02020603050405020304" pitchFamily="18" charset="0"/>
-              </a:defRPr>
-            </a:lvl3pPr>
-            <a:lvl4pPr marL="1600200" indent="-228600" defTabSz="762000">
-              <a:defRPr sz="2400">
-                <a:solidFill>
-                  <a:schemeClr val="tx1"/>
-                </a:solidFill>
-                <a:latin typeface="Times New Roman" panose="02020603050405020304" pitchFamily="18" charset="0"/>
-              </a:defRPr>
-            </a:lvl4pPr>
-            <a:lvl5pPr marL="2057400" indent="-228600" defTabSz="762000">
-              <a:defRPr sz="2400">
-                <a:solidFill>
-                  <a:schemeClr val="tx1"/>
-                </a:solidFill>
-                <a:latin typeface="Times New Roman" panose="02020603050405020304" pitchFamily="18" charset="0"/>
-              </a:defRPr>
-            </a:lvl5pPr>
-            <a:lvl6pPr marL="2514600" indent="-228600" defTabSz="762000" eaLnBrk="0" fontAlgn="base" hangingPunct="0">
-              <a:spcBef>
-                <a:spcPct val="0"/>
-              </a:spcBef>
-              <a:spcAft>
-                <a:spcPct val="0"/>
-              </a:spcAft>
-              <a:defRPr sz="2400">
-                <a:solidFill>
-                  <a:schemeClr val="tx1"/>
-                </a:solidFill>
-                <a:latin typeface="Times New Roman" panose="02020603050405020304" pitchFamily="18" charset="0"/>
-              </a:defRPr>
-            </a:lvl6pPr>
-            <a:lvl7pPr marL="2971800" indent="-228600" defTabSz="762000" eaLnBrk="0" fontAlgn="base" hangingPunct="0">
-              <a:spcBef>
-                <a:spcPct val="0"/>
-              </a:spcBef>
-              <a:spcAft>
-                <a:spcPct val="0"/>
-              </a:spcAft>
-              <a:defRPr sz="2400">
-                <a:solidFill>
-                  <a:schemeClr val="tx1"/>
-                </a:solidFill>
-                <a:latin typeface="Times New Roman" panose="02020603050405020304" pitchFamily="18" charset="0"/>
-              </a:defRPr>
-            </a:lvl7pPr>
-            <a:lvl8pPr marL="3429000" indent="-228600" defTabSz="762000" eaLnBrk="0" fontAlgn="base" hangingPunct="0">
-              <a:spcBef>
-                <a:spcPct val="0"/>
-              </a:spcBef>
-              <a:spcAft>
-                <a:spcPct val="0"/>
-              </a:spcAft>
-              <a:defRPr sz="2400">
-                <a:solidFill>
-                  <a:schemeClr val="tx1"/>
-                </a:solidFill>
-                <a:latin typeface="Times New Roman" panose="02020603050405020304" pitchFamily="18" charset="0"/>
-              </a:defRPr>
-            </a:lvl8pPr>
-            <a:lvl9pPr marL="3886200" indent="-228600" defTabSz="762000" eaLnBrk="0" fontAlgn="base" hangingPunct="0">
-              <a:spcBef>
-                <a:spcPct val="0"/>
-              </a:spcBef>
-              <a:spcAft>
-                <a:spcPct val="0"/>
-              </a:spcAft>
-              <a:defRPr sz="2400">
-                <a:solidFill>
-                  <a:schemeClr val="tx1"/>
-                </a:solidFill>
-                <a:latin typeface="Times New Roman" panose="02020603050405020304" pitchFamily="18" charset="0"/>
-              </a:defRPr>
-            </a:lvl9pPr>
-          </a:lstStyle>
-          <a:p>
-            <a:fld id="{0DFA95FD-393F-42A8-A207-199B4A6476FA}" type="slidenum">
-              <a:rPr lang="de-DE" altLang="de-DE" sz="1000">
-                <a:latin typeface="Arial" panose="020B0604020202020204" pitchFamily="34" charset="0"/>
-              </a:rPr>
-              <a:pPr/>
-              <a:t>23</a:t>
-            </a:fld>
-            <a:endParaRPr lang="de-DE" altLang="de-DE" sz="1000">
-              <a:latin typeface="Arial" panose="020B0604020202020204" pitchFamily="34" charset="0"/>
-            </a:endParaRPr>
-          </a:p>
-        </p:txBody>
-      </p:sp>
-      <p:sp>
-        <p:nvSpPr>
-          <p:cNvPr id="9219" name="Rectangle 2">
-            <a:extLst>
-              <a:ext uri="{FF2B5EF4-FFF2-40B4-BE49-F238E27FC236}">
-                <a16:creationId xmlns:a16="http://schemas.microsoft.com/office/drawing/2014/main" id="{55ADAD09-5AD8-D6A8-82FA-8696898FF393}"/>
-              </a:ext>
-            </a:extLst>
-          </p:cNvPr>
-          <p:cNvSpPr>
-            <a:spLocks noGrp="1" noRot="1" noChangeAspect="1" noChangeArrowheads="1" noTextEdit="1"/>
-          </p:cNvSpPr>
-          <p:nvPr>
-            <p:ph type="sldImg"/>
-          </p:nvPr>
-        </p:nvSpPr>
-        <p:spPr>
-          <a:xfrm>
-            <a:off x="911225" y="744538"/>
-            <a:ext cx="4962525" cy="3722687"/>
-          </a:xfrm>
-          <a:ln/>
-        </p:spPr>
-      </p:sp>
-      <p:sp>
-        <p:nvSpPr>
-          <p:cNvPr id="9220" name="Rectangle 3">
-            <a:extLst>
-              <a:ext uri="{FF2B5EF4-FFF2-40B4-BE49-F238E27FC236}">
-                <a16:creationId xmlns:a16="http://schemas.microsoft.com/office/drawing/2014/main" id="{6CD01483-3634-269A-689A-A2F198F34B73}"/>
-              </a:ext>
-            </a:extLst>
-          </p:cNvPr>
-          <p:cNvSpPr>
-            <a:spLocks noGrp="1" noChangeArrowheads="1"/>
-          </p:cNvSpPr>
-          <p:nvPr>
-            <p:ph type="body" idx="1"/>
-          </p:nvPr>
-        </p:nvSpPr>
-        <p:spPr>
-          <a:xfrm>
-            <a:off x="679450" y="4713288"/>
-            <a:ext cx="5426075" cy="4464050"/>
-          </a:xfrm>
-          <a:noFill/>
-          <a:ln/>
-          <a:extLst>
-            <a:ext uri="{909E8E84-426E-40DD-AFC4-6F175D3DCCD1}">
-              <a14:hiddenFill xmlns:a14="http://schemas.microsoft.com/office/drawing/2010/main">
-                <a:solidFill>
-                  <a:srgbClr val="FFFFFF"/>
-                </a:solidFill>
-              </a14:hiddenFill>
-            </a:ext>
-            <a:ext uri="{91240B29-F687-4F45-9708-019B960494DF}">
-              <a14:hiddenLine xmlns:a14="http://schemas.microsoft.com/office/drawing/2010/main" w="9525">
-                <a:solidFill>
-                  <a:srgbClr val="000000"/>
-                </a:solidFill>
-                <a:miter lim="800000"/>
-                <a:headEnd/>
-                <a:tailEnd/>
-              </a14:hiddenLine>
-            </a:ext>
-          </a:extLst>
-        </p:spPr>
-        <p:txBody>
-          <a:bodyPr/>
-          <a:lstStyle/>
-          <a:p>
-            <a:pPr defTabSz="914400" eaLnBrk="1" hangingPunct="1"/>
-            <a:endParaRPr lang="de-DE" altLang="de-DE"/>
-          </a:p>
-        </p:txBody>
-      </p:sp>
-    </p:spTree>
-    <p:extLst>
-      <p:ext uri="{BB962C8B-B14F-4D97-AF65-F5344CB8AC3E}">
-        <p14:creationId xmlns:p14="http://schemas.microsoft.com/office/powerpoint/2010/main" val="694104834"/>
-      </p:ext>
-    </p:extLst>
   </p:cSld>
   <p:clrMapOvr>
     <a:masterClrMapping/>
@@ -2129,6 +1354,132 @@
 </file>
 
 <file path=ppt/slideLayouts/slideLayout2.xml><?xml version="1.0" encoding="utf-8"?>
+<p:sldLayout xmlns:a="http://schemas.openxmlformats.org/drawingml/2006/main" xmlns:r="http://schemas.openxmlformats.org/officeDocument/2006/relationships" xmlns:p="http://schemas.openxmlformats.org/presentationml/2006/main" type="secHead">
+  <p:cSld name="Abschnittsüberschrift">
+    <p:spTree>
+      <p:nvGrpSpPr>
+        <p:cNvPr id="1" name=""/>
+        <p:cNvGrpSpPr/>
+        <p:nvPr/>
+      </p:nvGrpSpPr>
+      <p:grpSpPr>
+        <a:xfrm>
+          <a:off x="0" y="0"/>
+          <a:ext cx="0" cy="0"/>
+          <a:chOff x="0" y="0"/>
+          <a:chExt cx="0" cy="0"/>
+        </a:xfrm>
+      </p:grpSpPr>
+      <p:sp>
+        <p:nvSpPr>
+          <p:cNvPr id="2" name="Titel 1"/>
+          <p:cNvSpPr>
+            <a:spLocks noGrp="1"/>
+          </p:cNvSpPr>
+          <p:nvPr>
+            <p:ph type="title"/>
+          </p:nvPr>
+        </p:nvSpPr>
+        <p:spPr>
+          <a:xfrm>
+            <a:off x="722313" y="4406900"/>
+            <a:ext cx="7772400" cy="1362075"/>
+          </a:xfrm>
+        </p:spPr>
+        <p:txBody>
+          <a:bodyPr anchor="t"/>
+          <a:lstStyle>
+            <a:lvl1pPr algn="l">
+              <a:defRPr sz="4000" b="1" cap="all"/>
+            </a:lvl1pPr>
+          </a:lstStyle>
+          <a:p>
+            <a:r>
+              <a:rPr lang="de-DE" dirty="0"/>
+              <a:t>Titelmasterformat durch Klicken bearbeiten</a:t>
+            </a:r>
+          </a:p>
+        </p:txBody>
+      </p:sp>
+      <p:sp>
+        <p:nvSpPr>
+          <p:cNvPr id="3" name="Textplatzhalter 2"/>
+          <p:cNvSpPr>
+            <a:spLocks noGrp="1"/>
+          </p:cNvSpPr>
+          <p:nvPr>
+            <p:ph type="body" idx="1"/>
+          </p:nvPr>
+        </p:nvSpPr>
+        <p:spPr>
+          <a:xfrm>
+            <a:off x="722313" y="2906713"/>
+            <a:ext cx="7772400" cy="1500187"/>
+          </a:xfrm>
+        </p:spPr>
+        <p:txBody>
+          <a:bodyPr anchor="b"/>
+          <a:lstStyle>
+            <a:lvl1pPr marL="0" indent="0">
+              <a:buNone/>
+              <a:defRPr sz="2000"/>
+            </a:lvl1pPr>
+            <a:lvl2pPr marL="457200" indent="0">
+              <a:buNone/>
+              <a:defRPr sz="1800"/>
+            </a:lvl2pPr>
+            <a:lvl3pPr marL="914400" indent="0">
+              <a:buNone/>
+              <a:defRPr sz="1600"/>
+            </a:lvl3pPr>
+            <a:lvl4pPr marL="1371600" indent="0">
+              <a:buNone/>
+              <a:defRPr sz="1400"/>
+            </a:lvl4pPr>
+            <a:lvl5pPr marL="1828800" indent="0">
+              <a:buNone/>
+              <a:defRPr sz="1400"/>
+            </a:lvl5pPr>
+            <a:lvl6pPr marL="2286000" indent="0">
+              <a:buNone/>
+              <a:defRPr sz="1400"/>
+            </a:lvl6pPr>
+            <a:lvl7pPr marL="2743200" indent="0">
+              <a:buNone/>
+              <a:defRPr sz="1400"/>
+            </a:lvl7pPr>
+            <a:lvl8pPr marL="3200400" indent="0">
+              <a:buNone/>
+              <a:defRPr sz="1400"/>
+            </a:lvl8pPr>
+            <a:lvl9pPr marL="3657600" indent="0">
+              <a:buNone/>
+              <a:defRPr sz="1400"/>
+            </a:lvl9pPr>
+          </a:lstStyle>
+          <a:p>
+            <a:pPr lvl="0"/>
+            <a:r>
+              <a:rPr lang="de-DE"/>
+              <a:t>Textmasterformate durch Klicken bearbeiten</a:t>
+            </a:r>
+          </a:p>
+        </p:txBody>
+      </p:sp>
+    </p:spTree>
+    <p:extLst>
+      <p:ext uri="{BB962C8B-B14F-4D97-AF65-F5344CB8AC3E}">
+        <p14:creationId xmlns:p14="http://schemas.microsoft.com/office/powerpoint/2010/main" val="490747251"/>
+      </p:ext>
+    </p:extLst>
+  </p:cSld>
+  <p:clrMapOvr>
+    <a:masterClrMapping/>
+  </p:clrMapOvr>
+</p:sldLayout>
+</file>
+
+<file path=ppt/slideLayouts/slideLayout3.xml><?xml version="1.0" encoding="utf-8"?>
 <p:sldLayout xmlns:a="http://schemas.openxmlformats.org/drawingml/2006/main" xmlns:r="http://schemas.openxmlformats.org/officeDocument/2006/relationships" xmlns:p="http://schemas.openxmlformats.org/presentationml/2006/main" preserve="1" userDrawn="1">
   <p:cSld name="Titelfolie">
     <p:spTree>
@@ -2194,6 +1545,241 @@
     <p:extLst>
       <p:ext uri="{BB962C8B-B14F-4D97-AF65-F5344CB8AC3E}">
         <p14:creationId xmlns:p14="http://schemas.microsoft.com/office/powerpoint/2010/main" val="1327672931"/>
+      </p:ext>
+    </p:extLst>
+  </p:cSld>
+  <p:clrMapOvr>
+    <a:masterClrMapping/>
+  </p:clrMapOvr>
+</p:sldLayout>
+</file>
+
+<file path=ppt/slideLayouts/slideLayout4.xml><?xml version="1.0" encoding="utf-8"?>
+<p:sldLayout xmlns:a="http://schemas.openxmlformats.org/drawingml/2006/main" xmlns:r="http://schemas.openxmlformats.org/officeDocument/2006/relationships" xmlns:p="http://schemas.openxmlformats.org/presentationml/2006/main" type="obj" preserve="1">
+  <p:cSld name="Titel und Inhalt">
+    <p:spTree>
+      <p:nvGrpSpPr>
+        <p:cNvPr id="1" name=""/>
+        <p:cNvGrpSpPr/>
+        <p:nvPr/>
+      </p:nvGrpSpPr>
+      <p:grpSpPr>
+        <a:xfrm>
+          <a:off x="0" y="0"/>
+          <a:ext cx="0" cy="0"/>
+          <a:chOff x="0" y="0"/>
+          <a:chExt cx="0" cy="0"/>
+        </a:xfrm>
+      </p:grpSpPr>
+      <p:sp>
+        <p:nvSpPr>
+          <p:cNvPr id="2" name="Titel 1"/>
+          <p:cNvSpPr>
+            <a:spLocks noGrp="1"/>
+          </p:cNvSpPr>
+          <p:nvPr>
+            <p:ph type="title"/>
+          </p:nvPr>
+        </p:nvSpPr>
+        <p:spPr>
+          <a:xfrm>
+            <a:off x="285720" y="150795"/>
+            <a:ext cx="5554663" cy="706437"/>
+          </a:xfrm>
+        </p:spPr>
+        <p:txBody>
+          <a:bodyPr/>
+          <a:lstStyle/>
+          <a:p>
+            <a:r>
+              <a:rPr lang="de-DE"/>
+              <a:t>Mastertitelformat bearbeiten</a:t>
+            </a:r>
+          </a:p>
+        </p:txBody>
+      </p:sp>
+      <p:sp>
+        <p:nvSpPr>
+          <p:cNvPr id="3" name="Inhaltsplatzhalter 2"/>
+          <p:cNvSpPr>
+            <a:spLocks noGrp="1"/>
+          </p:cNvSpPr>
+          <p:nvPr>
+            <p:ph idx="1"/>
+          </p:nvPr>
+        </p:nvSpPr>
+        <p:spPr/>
+        <p:txBody>
+          <a:bodyPr/>
+          <a:lstStyle/>
+          <a:p>
+            <a:pPr lvl="0"/>
+            <a:r>
+              <a:rPr lang="de-DE"/>
+              <a:t>Mastertextformat bearbeiten</a:t>
+            </a:r>
+          </a:p>
+          <a:p>
+            <a:pPr lvl="1"/>
+            <a:r>
+              <a:rPr lang="de-DE"/>
+              <a:t>Zweite Ebene</a:t>
+            </a:r>
+          </a:p>
+          <a:p>
+            <a:pPr lvl="2"/>
+            <a:r>
+              <a:rPr lang="de-DE"/>
+              <a:t>Dritte Ebene</a:t>
+            </a:r>
+          </a:p>
+          <a:p>
+            <a:pPr lvl="3"/>
+            <a:r>
+              <a:rPr lang="de-DE"/>
+              <a:t>Vierte Ebene</a:t>
+            </a:r>
+          </a:p>
+          <a:p>
+            <a:pPr lvl="4"/>
+            <a:r>
+              <a:rPr lang="de-DE"/>
+              <a:t>Fünfte Ebene</a:t>
+            </a:r>
+            <a:endParaRPr lang="de-DE" dirty="0"/>
+          </a:p>
+        </p:txBody>
+      </p:sp>
+    </p:spTree>
+    <p:extLst>
+      <p:ext uri="{BB962C8B-B14F-4D97-AF65-F5344CB8AC3E}">
+        <p14:creationId xmlns:p14="http://schemas.microsoft.com/office/powerpoint/2010/main" val="3135908669"/>
+      </p:ext>
+    </p:extLst>
+  </p:cSld>
+  <p:clrMapOvr>
+    <a:masterClrMapping/>
+  </p:clrMapOvr>
+</p:sldLayout>
+</file>
+
+<file path=ppt/slideLayouts/slideLayout5.xml><?xml version="1.0" encoding="utf-8"?>
+<p:sldLayout xmlns:a="http://schemas.openxmlformats.org/drawingml/2006/main" xmlns:r="http://schemas.openxmlformats.org/officeDocument/2006/relationships" xmlns:p="http://schemas.openxmlformats.org/presentationml/2006/main" type="secHead">
+  <p:cSld name="Abschnittsüberschrift">
+    <p:spTree>
+      <p:nvGrpSpPr>
+        <p:cNvPr id="1" name=""/>
+        <p:cNvGrpSpPr/>
+        <p:nvPr/>
+      </p:nvGrpSpPr>
+      <p:grpSpPr>
+        <a:xfrm>
+          <a:off x="0" y="0"/>
+          <a:ext cx="0" cy="0"/>
+          <a:chOff x="0" y="0"/>
+          <a:chExt cx="0" cy="0"/>
+        </a:xfrm>
+      </p:grpSpPr>
+      <p:sp>
+        <p:nvSpPr>
+          <p:cNvPr id="2" name="Titel 1"/>
+          <p:cNvSpPr>
+            <a:spLocks noGrp="1"/>
+          </p:cNvSpPr>
+          <p:nvPr>
+            <p:ph type="title"/>
+          </p:nvPr>
+        </p:nvSpPr>
+        <p:spPr>
+          <a:xfrm>
+            <a:off x="722313" y="4406900"/>
+            <a:ext cx="7772400" cy="1362075"/>
+          </a:xfrm>
+        </p:spPr>
+        <p:txBody>
+          <a:bodyPr anchor="t"/>
+          <a:lstStyle>
+            <a:lvl1pPr algn="l">
+              <a:defRPr sz="4000" b="1" cap="all"/>
+            </a:lvl1pPr>
+          </a:lstStyle>
+          <a:p>
+            <a:r>
+              <a:rPr lang="de-DE" dirty="0"/>
+              <a:t>Titelmasterformat durch Klicken bearbeiten</a:t>
+            </a:r>
+          </a:p>
+        </p:txBody>
+      </p:sp>
+      <p:sp>
+        <p:nvSpPr>
+          <p:cNvPr id="3" name="Textplatzhalter 2"/>
+          <p:cNvSpPr>
+            <a:spLocks noGrp="1"/>
+          </p:cNvSpPr>
+          <p:nvPr>
+            <p:ph type="body" idx="1"/>
+          </p:nvPr>
+        </p:nvSpPr>
+        <p:spPr>
+          <a:xfrm>
+            <a:off x="722313" y="2906713"/>
+            <a:ext cx="7772400" cy="1500187"/>
+          </a:xfrm>
+        </p:spPr>
+        <p:txBody>
+          <a:bodyPr anchor="b"/>
+          <a:lstStyle>
+            <a:lvl1pPr marL="0" indent="0">
+              <a:buNone/>
+              <a:defRPr sz="2000"/>
+            </a:lvl1pPr>
+            <a:lvl2pPr marL="457200" indent="0">
+              <a:buNone/>
+              <a:defRPr sz="1800"/>
+            </a:lvl2pPr>
+            <a:lvl3pPr marL="914400" indent="0">
+              <a:buNone/>
+              <a:defRPr sz="1600"/>
+            </a:lvl3pPr>
+            <a:lvl4pPr marL="1371600" indent="0">
+              <a:buNone/>
+              <a:defRPr sz="1400"/>
+            </a:lvl4pPr>
+            <a:lvl5pPr marL="1828800" indent="0">
+              <a:buNone/>
+              <a:defRPr sz="1400"/>
+            </a:lvl5pPr>
+            <a:lvl6pPr marL="2286000" indent="0">
+              <a:buNone/>
+              <a:defRPr sz="1400"/>
+            </a:lvl6pPr>
+            <a:lvl7pPr marL="2743200" indent="0">
+              <a:buNone/>
+              <a:defRPr sz="1400"/>
+            </a:lvl7pPr>
+            <a:lvl8pPr marL="3200400" indent="0">
+              <a:buNone/>
+              <a:defRPr sz="1400"/>
+            </a:lvl8pPr>
+            <a:lvl9pPr marL="3657600" indent="0">
+              <a:buNone/>
+              <a:defRPr sz="1400"/>
+            </a:lvl9pPr>
+          </a:lstStyle>
+          <a:p>
+            <a:pPr lvl="0"/>
+            <a:r>
+              <a:rPr lang="de-DE"/>
+              <a:t>Textmasterformate durch Klicken bearbeiten</a:t>
+            </a:r>
+          </a:p>
+        </p:txBody>
+      </p:sp>
+    </p:spTree>
+    <p:extLst>
+      <p:ext uri="{BB962C8B-B14F-4D97-AF65-F5344CB8AC3E}">
+        <p14:creationId xmlns:p14="http://schemas.microsoft.com/office/powerpoint/2010/main" val="1653056510"/>
       </p:ext>
     </p:extLst>
   </p:cSld>
@@ -2368,7 +1954,7 @@
               <a:pPr algn="ctr">
                 <a:defRPr/>
               </a:pPr>
-              <a:t>28.05.2024</a:t>
+              <a:t>06.06.2024</a:t>
             </a:fld>
             <a:endParaRPr lang="de-DE" sz="1000" dirty="0">
               <a:solidFill>
@@ -2806,7 +2392,7 @@
       <p:sp>
         <p:nvSpPr>
           <p:cNvPr id="1063" name="Rectangle 39">
-            <a:hlinkClick r:id="rId3"/>
+            <a:hlinkClick r:id="rId4"/>
             <a:extLst>
               <a:ext uri="{FF2B5EF4-FFF2-40B4-BE49-F238E27FC236}">
                 <a16:creationId xmlns:a16="http://schemas.microsoft.com/office/drawing/2014/main" id="{613611E0-DAA0-F230-CD0B-8592F1472163}"/>
@@ -3057,7 +2643,7 @@
           <p:nvPr userDrawn="1"/>
         </p:nvPicPr>
         <p:blipFill>
-          <a:blip r:embed="rId4">
+          <a:blip r:embed="rId5">
             <a:extLst>
               <a:ext uri="{28A0092B-C50C-407E-A947-70E740481C1C}">
                 <a14:useLocalDpi xmlns:a14="http://schemas.microsoft.com/office/drawing/2010/main" val="0"/>
@@ -3117,7 +2703,7 @@
           <p:nvPr userDrawn="1"/>
         </p:nvPicPr>
         <p:blipFill>
-          <a:blip r:embed="rId5">
+          <a:blip r:embed="rId6">
             <a:extLst>
               <a:ext uri="{28A0092B-C50C-407E-A947-70E740481C1C}">
                 <a14:useLocalDpi xmlns:a14="http://schemas.microsoft.com/office/drawing/2010/main" val="0"/>
@@ -3231,6 +2817,7 @@
   <p:clrMap bg1="lt1" tx1="dk1" bg2="lt2" tx2="dk2" accent1="accent1" accent2="accent2" accent3="accent3" accent4="accent4" accent5="accent5" accent6="accent6" hlink="hlink" folHlink="folHlink"/>
   <p:sldLayoutIdLst>
     <p:sldLayoutId id="2147483895" r:id="rId1"/>
+    <p:sldLayoutId id="2147483900" r:id="rId2"/>
   </p:sldLayoutIdLst>
   <p:txStyles>
     <p:titleStyle>
@@ -4309,6 +3896,1452 @@
 </p:sldMaster>
 </file>
 
+<file path=ppt/slideMasters/slideMaster3.xml><?xml version="1.0" encoding="utf-8"?>
+<p:sldMaster xmlns:a="http://schemas.openxmlformats.org/drawingml/2006/main" xmlns:r="http://schemas.openxmlformats.org/officeDocument/2006/relationships" xmlns:p="http://schemas.openxmlformats.org/presentationml/2006/main">
+  <p:cSld>
+    <p:bg>
+      <p:bgPr>
+        <a:solidFill>
+          <a:schemeClr val="bg1"/>
+        </a:solidFill>
+        <a:effectLst/>
+      </p:bgPr>
+    </p:bg>
+    <p:spTree>
+      <p:nvGrpSpPr>
+        <p:cNvPr id="1" name=""/>
+        <p:cNvGrpSpPr/>
+        <p:nvPr/>
+      </p:nvGrpSpPr>
+      <p:grpSpPr>
+        <a:xfrm>
+          <a:off x="0" y="0"/>
+          <a:ext cx="0" cy="0"/>
+          <a:chOff x="0" y="0"/>
+          <a:chExt cx="0" cy="0"/>
+        </a:xfrm>
+      </p:grpSpPr>
+      <p:sp>
+        <p:nvSpPr>
+          <p:cNvPr id="1071" name="Rectangle 47">
+            <a:extLst>
+              <a:ext uri="{FF2B5EF4-FFF2-40B4-BE49-F238E27FC236}">
+                <a16:creationId xmlns:a16="http://schemas.microsoft.com/office/drawing/2014/main" id="{BAECF73F-51DF-FDBE-6AE5-F37C2B1BD435}"/>
+              </a:ext>
+            </a:extLst>
+          </p:cNvPr>
+          <p:cNvSpPr>
+            <a:spLocks noChangeArrowheads="1"/>
+          </p:cNvSpPr>
+          <p:nvPr userDrawn="1"/>
+        </p:nvSpPr>
+        <p:spPr bwMode="auto">
+          <a:xfrm>
+            <a:off x="0" y="6453188"/>
+            <a:ext cx="9144000" cy="404812"/>
+          </a:xfrm>
+          <a:prstGeom prst="rect">
+            <a:avLst/>
+          </a:prstGeom>
+          <a:solidFill>
+            <a:srgbClr val="0D4F3C"/>
+          </a:solidFill>
+          <a:ln w="9525">
+            <a:noFill/>
+            <a:miter lim="800000"/>
+            <a:headEnd/>
+            <a:tailEnd/>
+          </a:ln>
+          <a:effectLst/>
+        </p:spPr>
+        <p:txBody>
+          <a:bodyPr wrap="none" anchor="ctr"/>
+          <a:lstStyle/>
+          <a:p>
+            <a:pPr>
+              <a:defRPr/>
+            </a:pPr>
+            <a:endParaRPr lang="de-DE" dirty="0">
+              <a:latin typeface="Arial" pitchFamily="34" charset="0"/>
+            </a:endParaRPr>
+          </a:p>
+        </p:txBody>
+      </p:sp>
+      <p:sp>
+        <p:nvSpPr>
+          <p:cNvPr id="1029" name="Rectangle 5">
+            <a:extLst>
+              <a:ext uri="{FF2B5EF4-FFF2-40B4-BE49-F238E27FC236}">
+                <a16:creationId xmlns:a16="http://schemas.microsoft.com/office/drawing/2014/main" id="{05F4B649-D280-50F3-C67E-6AAA9D00BFF3}"/>
+              </a:ext>
+            </a:extLst>
+          </p:cNvPr>
+          <p:cNvSpPr>
+            <a:spLocks noChangeArrowheads="1"/>
+          </p:cNvSpPr>
+          <p:nvPr/>
+        </p:nvSpPr>
+        <p:spPr bwMode="auto">
+          <a:xfrm>
+            <a:off x="7924800" y="457200"/>
+            <a:ext cx="895350" cy="457200"/>
+          </a:xfrm>
+          <a:prstGeom prst="rect">
+            <a:avLst/>
+          </a:prstGeom>
+          <a:noFill/>
+          <a:ln w="9525">
+            <a:noFill/>
+            <a:miter lim="800000"/>
+            <a:headEnd/>
+            <a:tailEnd/>
+          </a:ln>
+          <a:effectLst/>
+        </p:spPr>
+        <p:txBody>
+          <a:bodyPr wrap="none" anchor="ctr"/>
+          <a:lstStyle/>
+          <a:p>
+            <a:pPr>
+              <a:defRPr/>
+            </a:pPr>
+            <a:endParaRPr lang="de-DE" dirty="0">
+              <a:latin typeface="Arial" pitchFamily="34" charset="0"/>
+            </a:endParaRPr>
+          </a:p>
+        </p:txBody>
+      </p:sp>
+      <p:sp>
+        <p:nvSpPr>
+          <p:cNvPr id="1030" name="Rectangle 6">
+            <a:extLst>
+              <a:ext uri="{FF2B5EF4-FFF2-40B4-BE49-F238E27FC236}">
+                <a16:creationId xmlns:a16="http://schemas.microsoft.com/office/drawing/2014/main" id="{84F4050C-4DDC-EEE7-1F55-0CF6892CBFB1}"/>
+              </a:ext>
+            </a:extLst>
+          </p:cNvPr>
+          <p:cNvSpPr>
+            <a:spLocks noChangeArrowheads="1"/>
+          </p:cNvSpPr>
+          <p:nvPr/>
+        </p:nvSpPr>
+        <p:spPr bwMode="auto">
+          <a:xfrm>
+            <a:off x="4456113" y="6615113"/>
+            <a:ext cx="812800" cy="244475"/>
+          </a:xfrm>
+          <a:prstGeom prst="rect">
+            <a:avLst/>
+          </a:prstGeom>
+          <a:noFill/>
+          <a:ln w="9525">
+            <a:noFill/>
+            <a:miter lim="800000"/>
+            <a:headEnd/>
+            <a:tailEnd/>
+          </a:ln>
+          <a:effectLst/>
+        </p:spPr>
+        <p:txBody>
+          <a:bodyPr wrap="none" lIns="92075" tIns="46038" rIns="92075" bIns="46038" anchor="ctr">
+            <a:spAutoFit/>
+          </a:bodyPr>
+          <a:lstStyle/>
+          <a:p>
+            <a:pPr algn="ctr">
+              <a:defRPr/>
+            </a:pPr>
+            <a:fld id="{61B3D086-5D28-4B67-8868-985D0752D18E}" type="datetime1">
+              <a:rPr lang="de-DE" sz="1000">
+                <a:solidFill>
+                  <a:schemeClr val="bg1"/>
+                </a:solidFill>
+                <a:latin typeface="Arial" charset="0"/>
+              </a:rPr>
+              <a:pPr algn="ctr">
+                <a:defRPr/>
+              </a:pPr>
+              <a:t>06.06.2024</a:t>
+            </a:fld>
+            <a:endParaRPr lang="de-DE" sz="1000">
+              <a:solidFill>
+                <a:schemeClr val="bg1"/>
+              </a:solidFill>
+              <a:latin typeface="Arial" charset="0"/>
+            </a:endParaRPr>
+          </a:p>
+        </p:txBody>
+      </p:sp>
+      <p:sp>
+        <p:nvSpPr>
+          <p:cNvPr id="1031" name="Rectangle 7">
+            <a:extLst>
+              <a:ext uri="{FF2B5EF4-FFF2-40B4-BE49-F238E27FC236}">
+                <a16:creationId xmlns:a16="http://schemas.microsoft.com/office/drawing/2014/main" id="{F275FE2A-62CE-89A3-6F74-188DBF7725EF}"/>
+              </a:ext>
+            </a:extLst>
+          </p:cNvPr>
+          <p:cNvSpPr>
+            <a:spLocks noChangeArrowheads="1"/>
+          </p:cNvSpPr>
+          <p:nvPr/>
+        </p:nvSpPr>
+        <p:spPr bwMode="auto">
+          <a:xfrm>
+            <a:off x="8308975" y="6515100"/>
+            <a:ext cx="439738" cy="244475"/>
+          </a:xfrm>
+          <a:prstGeom prst="rect">
+            <a:avLst/>
+          </a:prstGeom>
+          <a:noFill/>
+          <a:ln w="9525">
+            <a:noFill/>
+            <a:miter lim="800000"/>
+            <a:headEnd/>
+            <a:tailEnd/>
+          </a:ln>
+          <a:effectLst/>
+        </p:spPr>
+        <p:txBody>
+          <a:bodyPr wrap="none" lIns="92075" tIns="46038" rIns="92075" bIns="46038" anchor="ctr">
+            <a:spAutoFit/>
+          </a:bodyPr>
+          <a:lstStyle>
+            <a:lvl1pPr>
+              <a:defRPr sz="2400">
+                <a:solidFill>
+                  <a:schemeClr val="tx1"/>
+                </a:solidFill>
+                <a:latin typeface="Times New Roman" panose="02020603050405020304" pitchFamily="18" charset="0"/>
+              </a:defRPr>
+            </a:lvl1pPr>
+            <a:lvl2pPr marL="742950" indent="-285750">
+              <a:defRPr sz="2400">
+                <a:solidFill>
+                  <a:schemeClr val="tx1"/>
+                </a:solidFill>
+                <a:latin typeface="Times New Roman" panose="02020603050405020304" pitchFamily="18" charset="0"/>
+              </a:defRPr>
+            </a:lvl2pPr>
+            <a:lvl3pPr marL="1143000" indent="-228600">
+              <a:defRPr sz="2400">
+                <a:solidFill>
+                  <a:schemeClr val="tx1"/>
+                </a:solidFill>
+                <a:latin typeface="Times New Roman" panose="02020603050405020304" pitchFamily="18" charset="0"/>
+              </a:defRPr>
+            </a:lvl3pPr>
+            <a:lvl4pPr marL="1600200" indent="-228600">
+              <a:defRPr sz="2400">
+                <a:solidFill>
+                  <a:schemeClr val="tx1"/>
+                </a:solidFill>
+                <a:latin typeface="Times New Roman" panose="02020603050405020304" pitchFamily="18" charset="0"/>
+              </a:defRPr>
+            </a:lvl4pPr>
+            <a:lvl5pPr marL="2057400" indent="-228600">
+              <a:defRPr sz="2400">
+                <a:solidFill>
+                  <a:schemeClr val="tx1"/>
+                </a:solidFill>
+                <a:latin typeface="Times New Roman" panose="02020603050405020304" pitchFamily="18" charset="0"/>
+              </a:defRPr>
+            </a:lvl5pPr>
+            <a:lvl6pPr marL="2514600" indent="-228600" eaLnBrk="0" fontAlgn="base" hangingPunct="0">
+              <a:spcBef>
+                <a:spcPct val="0"/>
+              </a:spcBef>
+              <a:spcAft>
+                <a:spcPct val="0"/>
+              </a:spcAft>
+              <a:defRPr sz="2400">
+                <a:solidFill>
+                  <a:schemeClr val="tx1"/>
+                </a:solidFill>
+                <a:latin typeface="Times New Roman" panose="02020603050405020304" pitchFamily="18" charset="0"/>
+              </a:defRPr>
+            </a:lvl6pPr>
+            <a:lvl7pPr marL="2971800" indent="-228600" eaLnBrk="0" fontAlgn="base" hangingPunct="0">
+              <a:spcBef>
+                <a:spcPct val="0"/>
+              </a:spcBef>
+              <a:spcAft>
+                <a:spcPct val="0"/>
+              </a:spcAft>
+              <a:defRPr sz="2400">
+                <a:solidFill>
+                  <a:schemeClr val="tx1"/>
+                </a:solidFill>
+                <a:latin typeface="Times New Roman" panose="02020603050405020304" pitchFamily="18" charset="0"/>
+              </a:defRPr>
+            </a:lvl7pPr>
+            <a:lvl8pPr marL="3429000" indent="-228600" eaLnBrk="0" fontAlgn="base" hangingPunct="0">
+              <a:spcBef>
+                <a:spcPct val="0"/>
+              </a:spcBef>
+              <a:spcAft>
+                <a:spcPct val="0"/>
+              </a:spcAft>
+              <a:defRPr sz="2400">
+                <a:solidFill>
+                  <a:schemeClr val="tx1"/>
+                </a:solidFill>
+                <a:latin typeface="Times New Roman" panose="02020603050405020304" pitchFamily="18" charset="0"/>
+              </a:defRPr>
+            </a:lvl8pPr>
+            <a:lvl9pPr marL="3886200" indent="-228600" eaLnBrk="0" fontAlgn="base" hangingPunct="0">
+              <a:spcBef>
+                <a:spcPct val="0"/>
+              </a:spcBef>
+              <a:spcAft>
+                <a:spcPct val="0"/>
+              </a:spcAft>
+              <a:defRPr sz="2400">
+                <a:solidFill>
+                  <a:schemeClr val="tx1"/>
+                </a:solidFill>
+                <a:latin typeface="Times New Roman" panose="02020603050405020304" pitchFamily="18" charset="0"/>
+              </a:defRPr>
+            </a:lvl9pPr>
+          </a:lstStyle>
+          <a:p>
+            <a:pPr algn="r"/>
+            <a:fld id="{412D5C9A-5062-4B85-AFEB-13425A69A721}" type="slidenum">
+              <a:rPr lang="de-DE" altLang="de-DE" sz="1000">
+                <a:solidFill>
+                  <a:schemeClr val="bg1"/>
+                </a:solidFill>
+                <a:latin typeface="Arial" panose="020B0604020202020204" pitchFamily="34" charset="0"/>
+              </a:rPr>
+              <a:pPr algn="r"/>
+              <a:t>‹Nr.›</a:t>
+            </a:fld>
+            <a:endParaRPr lang="de-DE" altLang="de-DE" sz="1000">
+              <a:solidFill>
+                <a:schemeClr val="bg1"/>
+              </a:solidFill>
+              <a:latin typeface="Arial" panose="020B0604020202020204" pitchFamily="34" charset="0"/>
+            </a:endParaRPr>
+          </a:p>
+        </p:txBody>
+      </p:sp>
+      <p:sp>
+        <p:nvSpPr>
+          <p:cNvPr id="2" name="Rectangle 9">
+            <a:extLst>
+              <a:ext uri="{FF2B5EF4-FFF2-40B4-BE49-F238E27FC236}">
+                <a16:creationId xmlns:a16="http://schemas.microsoft.com/office/drawing/2014/main" id="{2C8B5109-8C77-C5A8-61F4-5A9D9A719833}"/>
+              </a:ext>
+            </a:extLst>
+          </p:cNvPr>
+          <p:cNvSpPr>
+            <a:spLocks noGrp="1" noChangeArrowheads="1"/>
+          </p:cNvSpPr>
+          <p:nvPr>
+            <p:ph type="body" idx="1"/>
+          </p:nvPr>
+        </p:nvSpPr>
+        <p:spPr bwMode="auto">
+          <a:xfrm>
+            <a:off x="303213" y="981075"/>
+            <a:ext cx="8516937" cy="5400675"/>
+          </a:xfrm>
+          <a:prstGeom prst="rect">
+            <a:avLst/>
+          </a:prstGeom>
+          <a:noFill/>
+          <a:ln>
+            <a:noFill/>
+          </a:ln>
+          <a:extLst>
+            <a:ext uri="{909E8E84-426E-40DD-AFC4-6F175D3DCCD1}">
+              <a14:hiddenFill xmlns:a14="http://schemas.microsoft.com/office/drawing/2010/main">
+                <a:solidFill>
+                  <a:srgbClr val="FFFFFF"/>
+                </a:solidFill>
+              </a14:hiddenFill>
+            </a:ext>
+            <a:ext uri="{91240B29-F687-4F45-9708-019B960494DF}">
+              <a14:hiddenLine xmlns:a14="http://schemas.microsoft.com/office/drawing/2010/main" w="9525">
+                <a:solidFill>
+                  <a:srgbClr val="000000"/>
+                </a:solidFill>
+                <a:miter lim="800000"/>
+                <a:headEnd/>
+                <a:tailEnd/>
+              </a14:hiddenLine>
+            </a:ext>
+          </a:extLst>
+        </p:spPr>
+        <p:txBody>
+          <a:bodyPr vert="horz" wrap="square" lIns="92075" tIns="46038" rIns="92075" bIns="46038" numCol="1" anchor="t" anchorCtr="0" compatLnSpc="1">
+            <a:prstTxWarp prst="textNoShape">
+              <a:avLst/>
+            </a:prstTxWarp>
+          </a:bodyPr>
+          <a:lstStyle/>
+          <a:p>
+            <a:pPr lvl="0"/>
+            <a:r>
+              <a:rPr lang="de-DE" altLang="de-DE" dirty="0"/>
+              <a:t>Klicken Sie,  um die Formate des Vorlagentextes zu bearbeiten</a:t>
+            </a:r>
+          </a:p>
+          <a:p>
+            <a:pPr lvl="1"/>
+            <a:r>
+              <a:rPr lang="de-DE" altLang="de-DE" dirty="0"/>
+              <a:t>Zweite Ebene</a:t>
+            </a:r>
+          </a:p>
+          <a:p>
+            <a:pPr lvl="2"/>
+            <a:r>
+              <a:rPr lang="de-DE" altLang="de-DE" dirty="0"/>
+              <a:t>Dritte Ebene</a:t>
+            </a:r>
+          </a:p>
+          <a:p>
+            <a:pPr lvl="3"/>
+            <a:r>
+              <a:rPr lang="de-DE" altLang="de-DE" dirty="0"/>
+              <a:t>Vierte Ebene</a:t>
+            </a:r>
+          </a:p>
+          <a:p>
+            <a:pPr lvl="4"/>
+            <a:r>
+              <a:rPr lang="de-DE" altLang="de-DE"/>
+              <a:t>Fünfte Ebene</a:t>
+            </a:r>
+          </a:p>
+        </p:txBody>
+      </p:sp>
+      <p:sp>
+        <p:nvSpPr>
+          <p:cNvPr id="1048" name="Text Box 24">
+            <a:extLst>
+              <a:ext uri="{FF2B5EF4-FFF2-40B4-BE49-F238E27FC236}">
+                <a16:creationId xmlns:a16="http://schemas.microsoft.com/office/drawing/2014/main" id="{F1840321-693F-91D3-D149-F3E33CC4DB5D}"/>
+              </a:ext>
+            </a:extLst>
+          </p:cNvPr>
+          <p:cNvSpPr txBox="1">
+            <a:spLocks noChangeArrowheads="1"/>
+          </p:cNvSpPr>
+          <p:nvPr/>
+        </p:nvSpPr>
+        <p:spPr bwMode="auto">
+          <a:xfrm>
+            <a:off x="250825" y="6429375"/>
+            <a:ext cx="3035300" cy="427038"/>
+          </a:xfrm>
+          <a:prstGeom prst="rect">
+            <a:avLst/>
+          </a:prstGeom>
+          <a:noFill/>
+          <a:ln w="12700">
+            <a:noFill/>
+            <a:miter lim="800000"/>
+            <a:headEnd type="none" w="sm" len="sm"/>
+            <a:tailEnd type="none" w="sm" len="sm"/>
+          </a:ln>
+          <a:effectLst/>
+        </p:spPr>
+        <p:txBody>
+          <a:bodyPr wrap="none">
+            <a:spAutoFit/>
+          </a:bodyPr>
+          <a:lstStyle/>
+          <a:p>
+            <a:pPr defTabSz="762000">
+              <a:defRPr/>
+            </a:pPr>
+            <a:r>
+              <a:rPr lang="de-DE" sz="1000" dirty="0" err="1">
+                <a:solidFill>
+                  <a:schemeClr val="bg1"/>
+                </a:solidFill>
+                <a:latin typeface="Arial" charset="0"/>
+              </a:rPr>
+              <a:t>anderScore</a:t>
+            </a:r>
+            <a:r>
+              <a:rPr lang="de-DE" sz="1000" dirty="0">
+                <a:solidFill>
+                  <a:schemeClr val="bg1"/>
+                </a:solidFill>
+                <a:latin typeface="Arial" charset="0"/>
+              </a:rPr>
+              <a:t> GmbH </a:t>
+            </a:r>
+            <a:r>
+              <a:rPr lang="de-DE" sz="1200" dirty="0">
+                <a:solidFill>
+                  <a:schemeClr val="bg1"/>
+                </a:solidFill>
+                <a:latin typeface="Arial" charset="0"/>
+              </a:rPr>
+              <a:t>•</a:t>
+            </a:r>
+            <a:r>
+              <a:rPr lang="de-DE" sz="1000" dirty="0">
+                <a:solidFill>
+                  <a:schemeClr val="bg1"/>
+                </a:solidFill>
+                <a:latin typeface="Arial" charset="0"/>
+              </a:rPr>
+              <a:t> Frankenwerft 35 </a:t>
+            </a:r>
+            <a:r>
+              <a:rPr lang="de-DE" sz="1200" dirty="0">
+                <a:solidFill>
+                  <a:schemeClr val="bg1"/>
+                </a:solidFill>
+                <a:latin typeface="Arial" charset="0"/>
+              </a:rPr>
+              <a:t>•</a:t>
+            </a:r>
+            <a:r>
+              <a:rPr lang="de-DE" sz="1000" dirty="0">
+                <a:solidFill>
+                  <a:schemeClr val="bg1"/>
+                </a:solidFill>
+                <a:latin typeface="Arial" charset="0"/>
+              </a:rPr>
+              <a:t> 50667 Köln</a:t>
+            </a:r>
+          </a:p>
+          <a:p>
+            <a:pPr defTabSz="762000">
+              <a:defRPr/>
+            </a:pPr>
+            <a:r>
+              <a:rPr lang="de-DE" sz="1000" dirty="0">
+                <a:solidFill>
+                  <a:schemeClr val="bg1"/>
+                </a:solidFill>
+                <a:latin typeface="Arial" charset="0"/>
+              </a:rPr>
+              <a:t>&lt;Autor&gt;</a:t>
+            </a:r>
+          </a:p>
+        </p:txBody>
+      </p:sp>
+      <p:sp>
+        <p:nvSpPr>
+          <p:cNvPr id="1054" name="Text Box 30">
+            <a:extLst>
+              <a:ext uri="{FF2B5EF4-FFF2-40B4-BE49-F238E27FC236}">
+                <a16:creationId xmlns:a16="http://schemas.microsoft.com/office/drawing/2014/main" id="{9346920B-D70B-3A57-06DF-529E537954C8}"/>
+              </a:ext>
+            </a:extLst>
+          </p:cNvPr>
+          <p:cNvSpPr txBox="1">
+            <a:spLocks noChangeArrowheads="1"/>
+          </p:cNvSpPr>
+          <p:nvPr/>
+        </p:nvSpPr>
+        <p:spPr bwMode="auto">
+          <a:xfrm>
+            <a:off x="4252913" y="6424613"/>
+            <a:ext cx="1891865" cy="246221"/>
+          </a:xfrm>
+          <a:prstGeom prst="rect">
+            <a:avLst/>
+          </a:prstGeom>
+          <a:noFill/>
+          <a:ln w="12700">
+            <a:noFill/>
+            <a:miter lim="800000"/>
+            <a:headEnd type="none" w="sm" len="sm"/>
+            <a:tailEnd type="none" w="sm" len="sm"/>
+          </a:ln>
+          <a:effectLst/>
+        </p:spPr>
+        <p:txBody>
+          <a:bodyPr wrap="none">
+            <a:spAutoFit/>
+          </a:bodyPr>
+          <a:lstStyle/>
+          <a:p>
+            <a:pPr defTabSz="762000">
+              <a:defRPr/>
+            </a:pPr>
+            <a:r>
+              <a:rPr lang="de-DE" sz="1000" dirty="0">
+                <a:solidFill>
+                  <a:schemeClr val="bg1"/>
+                </a:solidFill>
+                <a:latin typeface="Arial" charset="0"/>
+              </a:rPr>
+              <a:t>Tag-3_2_1-GitLab-Runner.ppt</a:t>
+            </a:r>
+            <a:endParaRPr lang="de-DE" dirty="0">
+              <a:solidFill>
+                <a:schemeClr val="bg1"/>
+              </a:solidFill>
+              <a:latin typeface="Arial" pitchFamily="34" charset="0"/>
+            </a:endParaRPr>
+          </a:p>
+        </p:txBody>
+      </p:sp>
+      <p:sp>
+        <p:nvSpPr>
+          <p:cNvPr id="1063" name="Rectangle 39">
+            <a:hlinkClick r:id="rId4"/>
+            <a:extLst>
+              <a:ext uri="{FF2B5EF4-FFF2-40B4-BE49-F238E27FC236}">
+                <a16:creationId xmlns:a16="http://schemas.microsoft.com/office/drawing/2014/main" id="{613611E0-DAA0-F230-CD0B-8592F1472163}"/>
+              </a:ext>
+            </a:extLst>
+          </p:cNvPr>
+          <p:cNvSpPr>
+            <a:spLocks noChangeArrowheads="1"/>
+          </p:cNvSpPr>
+          <p:nvPr userDrawn="1"/>
+        </p:nvSpPr>
+        <p:spPr bwMode="auto">
+          <a:xfrm>
+            <a:off x="3914775" y="3105150"/>
+            <a:ext cx="9144000" cy="461963"/>
+          </a:xfrm>
+          <a:prstGeom prst="rect">
+            <a:avLst/>
+          </a:prstGeom>
+          <a:noFill/>
+          <a:ln w="12700">
+            <a:noFill/>
+            <a:miter lim="800000"/>
+            <a:headEnd type="none" w="sm" len="sm"/>
+            <a:tailEnd type="none" w="sm" len="sm"/>
+          </a:ln>
+          <a:effectLst/>
+        </p:spPr>
+        <p:txBody>
+          <a:bodyPr>
+            <a:spAutoFit/>
+          </a:bodyPr>
+          <a:lstStyle/>
+          <a:p>
+            <a:pPr>
+              <a:defRPr/>
+            </a:pPr>
+            <a:endParaRPr lang="de-DE" dirty="0">
+              <a:latin typeface="Arial" pitchFamily="34" charset="0"/>
+            </a:endParaRPr>
+          </a:p>
+        </p:txBody>
+      </p:sp>
+      <p:sp>
+        <p:nvSpPr>
+          <p:cNvPr id="1064" name="Rectangle 40">
+            <a:extLst>
+              <a:ext uri="{FF2B5EF4-FFF2-40B4-BE49-F238E27FC236}">
+                <a16:creationId xmlns:a16="http://schemas.microsoft.com/office/drawing/2014/main" id="{29E915F4-DDDF-F121-AC80-954D75E00DFB}"/>
+              </a:ext>
+            </a:extLst>
+          </p:cNvPr>
+          <p:cNvSpPr>
+            <a:spLocks noChangeArrowheads="1"/>
+          </p:cNvSpPr>
+          <p:nvPr userDrawn="1"/>
+        </p:nvSpPr>
+        <p:spPr bwMode="auto">
+          <a:xfrm>
+            <a:off x="0" y="0"/>
+            <a:ext cx="252413" cy="260350"/>
+          </a:xfrm>
+          <a:prstGeom prst="rect">
+            <a:avLst/>
+          </a:prstGeom>
+          <a:noFill/>
+          <a:ln w="12700">
+            <a:noFill/>
+            <a:miter lim="800000"/>
+            <a:headEnd type="none" w="sm" len="sm"/>
+            <a:tailEnd type="none" w="sm" len="sm"/>
+          </a:ln>
+          <a:effectLst/>
+        </p:spPr>
+        <p:txBody>
+          <a:bodyPr wrap="none" anchor="ctr">
+            <a:spAutoFit/>
+          </a:bodyPr>
+          <a:lstStyle/>
+          <a:p>
+            <a:pPr defTabSz="762000">
+              <a:defRPr/>
+            </a:pPr>
+            <a:r>
+              <a:rPr lang="de-DE" sz="800" dirty="0">
+                <a:latin typeface="Arial" charset="0"/>
+                <a:ea typeface="Times New Roman" pitchFamily="18" charset="0"/>
+                <a:cs typeface="Arial" charset="0"/>
+              </a:rPr>
+              <a:t> </a:t>
+            </a:r>
+            <a:r>
+              <a:rPr lang="de-DE" sz="1100" dirty="0">
+                <a:latin typeface="Arial" pitchFamily="34" charset="0"/>
+                <a:ea typeface="Times New Roman" pitchFamily="18" charset="0"/>
+                <a:cs typeface="Arial" charset="0"/>
+              </a:rPr>
+              <a:t> </a:t>
+            </a:r>
+            <a:endParaRPr lang="de-DE" dirty="0">
+              <a:latin typeface="Arial" pitchFamily="34" charset="0"/>
+              <a:ea typeface="Times New Roman" pitchFamily="18" charset="0"/>
+              <a:cs typeface="Arial" charset="0"/>
+            </a:endParaRPr>
+          </a:p>
+        </p:txBody>
+      </p:sp>
+      <p:sp>
+        <p:nvSpPr>
+          <p:cNvPr id="1065" name="Rectangle 41">
+            <a:extLst>
+              <a:ext uri="{FF2B5EF4-FFF2-40B4-BE49-F238E27FC236}">
+                <a16:creationId xmlns:a16="http://schemas.microsoft.com/office/drawing/2014/main" id="{1AC20BC3-24D2-D550-0D11-5B051D92208E}"/>
+              </a:ext>
+            </a:extLst>
+          </p:cNvPr>
+          <p:cNvSpPr>
+            <a:spLocks noChangeArrowheads="1"/>
+          </p:cNvSpPr>
+          <p:nvPr userDrawn="1"/>
+        </p:nvSpPr>
+        <p:spPr bwMode="auto">
+          <a:xfrm>
+            <a:off x="0" y="0"/>
+            <a:ext cx="252413" cy="260350"/>
+          </a:xfrm>
+          <a:prstGeom prst="rect">
+            <a:avLst/>
+          </a:prstGeom>
+          <a:noFill/>
+          <a:ln w="12700">
+            <a:noFill/>
+            <a:miter lim="800000"/>
+            <a:headEnd type="none" w="sm" len="sm"/>
+            <a:tailEnd type="none" w="sm" len="sm"/>
+          </a:ln>
+          <a:effectLst/>
+        </p:spPr>
+        <p:txBody>
+          <a:bodyPr wrap="none" anchor="ctr">
+            <a:spAutoFit/>
+          </a:bodyPr>
+          <a:lstStyle/>
+          <a:p>
+            <a:pPr defTabSz="762000">
+              <a:defRPr/>
+            </a:pPr>
+            <a:r>
+              <a:rPr lang="de-DE" sz="800" dirty="0">
+                <a:latin typeface="Arial" charset="0"/>
+                <a:ea typeface="Times New Roman" pitchFamily="18" charset="0"/>
+                <a:cs typeface="Arial" charset="0"/>
+              </a:rPr>
+              <a:t> </a:t>
+            </a:r>
+            <a:r>
+              <a:rPr lang="de-DE" sz="1100" dirty="0">
+                <a:latin typeface="Arial" pitchFamily="34" charset="0"/>
+                <a:ea typeface="Times New Roman" pitchFamily="18" charset="0"/>
+                <a:cs typeface="Arial" charset="0"/>
+              </a:rPr>
+              <a:t> </a:t>
+            </a:r>
+            <a:endParaRPr lang="de-DE" dirty="0">
+              <a:latin typeface="Arial" pitchFamily="34" charset="0"/>
+              <a:ea typeface="Times New Roman" pitchFamily="18" charset="0"/>
+              <a:cs typeface="Arial" charset="0"/>
+            </a:endParaRPr>
+          </a:p>
+        </p:txBody>
+      </p:sp>
+      <p:sp>
+        <p:nvSpPr>
+          <p:cNvPr id="1066" name="Rectangle 42">
+            <a:extLst>
+              <a:ext uri="{FF2B5EF4-FFF2-40B4-BE49-F238E27FC236}">
+                <a16:creationId xmlns:a16="http://schemas.microsoft.com/office/drawing/2014/main" id="{492F53AD-7BED-DC98-EB8F-A0EE8D11CB43}"/>
+              </a:ext>
+            </a:extLst>
+          </p:cNvPr>
+          <p:cNvSpPr>
+            <a:spLocks noChangeArrowheads="1"/>
+          </p:cNvSpPr>
+          <p:nvPr userDrawn="1"/>
+        </p:nvSpPr>
+        <p:spPr bwMode="auto">
+          <a:xfrm>
+            <a:off x="0" y="0"/>
+            <a:ext cx="252413" cy="260350"/>
+          </a:xfrm>
+          <a:prstGeom prst="rect">
+            <a:avLst/>
+          </a:prstGeom>
+          <a:noFill/>
+          <a:ln w="12700">
+            <a:noFill/>
+            <a:miter lim="800000"/>
+            <a:headEnd type="none" w="sm" len="sm"/>
+            <a:tailEnd type="none" w="sm" len="sm"/>
+          </a:ln>
+          <a:effectLst/>
+        </p:spPr>
+        <p:txBody>
+          <a:bodyPr wrap="none" anchor="ctr">
+            <a:spAutoFit/>
+          </a:bodyPr>
+          <a:lstStyle/>
+          <a:p>
+            <a:pPr defTabSz="762000">
+              <a:defRPr/>
+            </a:pPr>
+            <a:r>
+              <a:rPr lang="de-DE" sz="800" dirty="0">
+                <a:latin typeface="Arial" charset="0"/>
+                <a:ea typeface="Times New Roman" pitchFamily="18" charset="0"/>
+                <a:cs typeface="Arial" charset="0"/>
+              </a:rPr>
+              <a:t> </a:t>
+            </a:r>
+            <a:r>
+              <a:rPr lang="de-DE" sz="1100" dirty="0">
+                <a:latin typeface="Arial" pitchFamily="34" charset="0"/>
+                <a:ea typeface="Times New Roman" pitchFamily="18" charset="0"/>
+                <a:cs typeface="Arial" charset="0"/>
+              </a:rPr>
+              <a:t> </a:t>
+            </a:r>
+            <a:endParaRPr lang="de-DE" dirty="0">
+              <a:latin typeface="Arial" pitchFamily="34" charset="0"/>
+              <a:ea typeface="Times New Roman" pitchFamily="18" charset="0"/>
+              <a:cs typeface="Arial" charset="0"/>
+            </a:endParaRPr>
+          </a:p>
+        </p:txBody>
+      </p:sp>
+      <p:pic>
+        <p:nvPicPr>
+          <p:cNvPr id="1037" name="713fdfc0-1a72-49da-bd13-b47278f75372" descr="EAF3711E-BEB0-47E0-BD76-8002A3B4EEFA@localdomain">
+            <a:extLst>
+              <a:ext uri="{FF2B5EF4-FFF2-40B4-BE49-F238E27FC236}">
+                <a16:creationId xmlns:a16="http://schemas.microsoft.com/office/drawing/2014/main" id="{4AE00106-8F78-C96F-8B30-D2683A6B8AAD}"/>
+              </a:ext>
+            </a:extLst>
+          </p:cNvPr>
+          <p:cNvPicPr>
+            <a:picLocks noChangeAspect="1" noChangeArrowheads="1"/>
+          </p:cNvPicPr>
+          <p:nvPr userDrawn="1"/>
+        </p:nvPicPr>
+        <p:blipFill>
+          <a:blip r:embed="rId5">
+            <a:extLst>
+              <a:ext uri="{28A0092B-C50C-407E-A947-70E740481C1C}">
+                <a14:useLocalDpi xmlns:a14="http://schemas.microsoft.com/office/drawing/2010/main" val="0"/>
+              </a:ext>
+            </a:extLst>
+          </a:blip>
+          <a:srcRect/>
+          <a:stretch>
+            <a:fillRect/>
+          </a:stretch>
+        </p:blipFill>
+        <p:spPr bwMode="auto">
+          <a:xfrm>
+            <a:off x="0" y="0"/>
+            <a:ext cx="9144000" cy="955675"/>
+          </a:xfrm>
+          <a:prstGeom prst="rect">
+            <a:avLst/>
+          </a:prstGeom>
+          <a:noFill/>
+          <a:ln>
+            <a:noFill/>
+          </a:ln>
+          <a:extLst>
+            <a:ext uri="{909E8E84-426E-40DD-AFC4-6F175D3DCCD1}">
+              <a14:hiddenFill xmlns:a14="http://schemas.microsoft.com/office/drawing/2010/main">
+                <a:solidFill>
+                  <a:srgbClr val="FFFFFF"/>
+                </a:solidFill>
+              </a14:hiddenFill>
+            </a:ext>
+            <a:ext uri="{91240B29-F687-4F45-9708-019B960494DF}">
+              <a14:hiddenLine xmlns:a14="http://schemas.microsoft.com/office/drawing/2010/main" w="9525">
+                <a:solidFill>
+                  <a:srgbClr val="000000"/>
+                </a:solidFill>
+                <a:miter lim="800000"/>
+                <a:headEnd/>
+                <a:tailEnd/>
+              </a14:hiddenLine>
+            </a:ext>
+          </a:extLst>
+        </p:spPr>
+      </p:pic>
+      <p:pic>
+        <p:nvPicPr>
+          <p:cNvPr id="1038" name="Picture 43" descr="_anderScore-Logo_2773x575_new">
+            <a:extLst>
+              <a:ext uri="{FF2B5EF4-FFF2-40B4-BE49-F238E27FC236}">
+                <a16:creationId xmlns:a16="http://schemas.microsoft.com/office/drawing/2014/main" id="{CC9E1C11-27DD-E217-D73D-AA9C236B0D54}"/>
+              </a:ext>
+            </a:extLst>
+          </p:cNvPr>
+          <p:cNvPicPr>
+            <a:picLocks noChangeAspect="1" noChangeArrowheads="1"/>
+          </p:cNvPicPr>
+          <p:nvPr userDrawn="1"/>
+        </p:nvPicPr>
+        <p:blipFill>
+          <a:blip r:embed="rId6">
+            <a:extLst>
+              <a:ext uri="{28A0092B-C50C-407E-A947-70E740481C1C}">
+                <a14:useLocalDpi xmlns:a14="http://schemas.microsoft.com/office/drawing/2010/main" val="0"/>
+              </a:ext>
+            </a:extLst>
+          </a:blip>
+          <a:srcRect/>
+          <a:stretch>
+            <a:fillRect/>
+          </a:stretch>
+        </p:blipFill>
+        <p:spPr bwMode="auto">
+          <a:xfrm>
+            <a:off x="6084888" y="231775"/>
+            <a:ext cx="2754312" cy="576263"/>
+          </a:xfrm>
+          <a:prstGeom prst="rect">
+            <a:avLst/>
+          </a:prstGeom>
+          <a:noFill/>
+          <a:ln>
+            <a:noFill/>
+          </a:ln>
+          <a:extLst>
+            <a:ext uri="{909E8E84-426E-40DD-AFC4-6F175D3DCCD1}">
+              <a14:hiddenFill xmlns:a14="http://schemas.microsoft.com/office/drawing/2010/main">
+                <a:solidFill>
+                  <a:srgbClr val="FFFFFF"/>
+                </a:solidFill>
+              </a14:hiddenFill>
+            </a:ext>
+            <a:ext uri="{91240B29-F687-4F45-9708-019B960494DF}">
+              <a14:hiddenLine xmlns:a14="http://schemas.microsoft.com/office/drawing/2010/main" w="9525">
+                <a:solidFill>
+                  <a:srgbClr val="000000"/>
+                </a:solidFill>
+                <a:miter lim="800000"/>
+                <a:headEnd/>
+                <a:tailEnd/>
+              </a14:hiddenLine>
+            </a:ext>
+          </a:extLst>
+        </p:spPr>
+      </p:pic>
+      <p:sp>
+        <p:nvSpPr>
+          <p:cNvPr id="1039" name="Rectangle 45">
+            <a:extLst>
+              <a:ext uri="{FF2B5EF4-FFF2-40B4-BE49-F238E27FC236}">
+                <a16:creationId xmlns:a16="http://schemas.microsoft.com/office/drawing/2014/main" id="{ECFE2338-BCA1-E902-1A46-C4FCCF006FB2}"/>
+              </a:ext>
+            </a:extLst>
+          </p:cNvPr>
+          <p:cNvSpPr>
+            <a:spLocks noGrp="1" noChangeArrowheads="1"/>
+          </p:cNvSpPr>
+          <p:nvPr>
+            <p:ph type="title"/>
+          </p:nvPr>
+        </p:nvSpPr>
+        <p:spPr bwMode="auto">
+          <a:xfrm>
+            <a:off x="303213" y="115888"/>
+            <a:ext cx="5554662" cy="706437"/>
+          </a:xfrm>
+          <a:prstGeom prst="rect">
+            <a:avLst/>
+          </a:prstGeom>
+          <a:noFill/>
+          <a:ln>
+            <a:noFill/>
+          </a:ln>
+          <a:extLst>
+            <a:ext uri="{909E8E84-426E-40DD-AFC4-6F175D3DCCD1}">
+              <a14:hiddenFill xmlns:a14="http://schemas.microsoft.com/office/drawing/2010/main">
+                <a:solidFill>
+                  <a:srgbClr val="FFFFFF"/>
+                </a:solidFill>
+              </a14:hiddenFill>
+            </a:ext>
+            <a:ext uri="{91240B29-F687-4F45-9708-019B960494DF}">
+              <a14:hiddenLine xmlns:a14="http://schemas.microsoft.com/office/drawing/2010/main" w="9525">
+                <a:solidFill>
+                  <a:srgbClr val="000000"/>
+                </a:solidFill>
+                <a:miter lim="800000"/>
+                <a:headEnd/>
+                <a:tailEnd/>
+              </a14:hiddenLine>
+            </a:ext>
+          </a:extLst>
+        </p:spPr>
+        <p:txBody>
+          <a:bodyPr vert="horz" wrap="square" lIns="91440" tIns="45720" rIns="91440" bIns="45720" numCol="1" anchor="ctr" anchorCtr="0" compatLnSpc="1">
+            <a:prstTxWarp prst="textNoShape">
+              <a:avLst/>
+            </a:prstTxWarp>
+          </a:bodyPr>
+          <a:lstStyle/>
+          <a:p>
+            <a:pPr lvl="0"/>
+            <a:r>
+              <a:rPr lang="de-DE" altLang="de-DE"/>
+              <a:t>Titelmasterformat durch Klicken bearbeiten</a:t>
+            </a:r>
+          </a:p>
+        </p:txBody>
+      </p:sp>
+    </p:spTree>
+    <p:extLst>
+      <p:ext uri="{BB962C8B-B14F-4D97-AF65-F5344CB8AC3E}">
+        <p14:creationId xmlns:p14="http://schemas.microsoft.com/office/powerpoint/2010/main" val="563849704"/>
+      </p:ext>
+    </p:extLst>
+  </p:cSld>
+  <p:clrMap bg1="lt1" tx1="dk1" bg2="lt2" tx2="dk2" accent1="accent1" accent2="accent2" accent3="accent3" accent4="accent4" accent5="accent5" accent6="accent6" hlink="hlink" folHlink="folHlink"/>
+  <p:sldLayoutIdLst>
+    <p:sldLayoutId id="2147483898" r:id="rId1"/>
+    <p:sldLayoutId id="2147483899" r:id="rId2"/>
+  </p:sldLayoutIdLst>
+  <p:txStyles>
+    <p:titleStyle>
+      <a:lvl1pPr algn="l" rtl="0" eaLnBrk="1" fontAlgn="base" hangingPunct="1">
+        <a:lnSpc>
+          <a:spcPct val="90000"/>
+        </a:lnSpc>
+        <a:spcBef>
+          <a:spcPct val="0"/>
+        </a:spcBef>
+        <a:spcAft>
+          <a:spcPct val="0"/>
+        </a:spcAft>
+        <a:defRPr sz="3000">
+          <a:solidFill>
+            <a:srgbClr val="0D4F3C"/>
+          </a:solidFill>
+          <a:latin typeface="+mj-lt"/>
+          <a:ea typeface="+mj-ea"/>
+          <a:cs typeface="+mj-cs"/>
+        </a:defRPr>
+      </a:lvl1pPr>
+      <a:lvl2pPr algn="l" rtl="0" eaLnBrk="1" fontAlgn="base" hangingPunct="1">
+        <a:lnSpc>
+          <a:spcPct val="90000"/>
+        </a:lnSpc>
+        <a:spcBef>
+          <a:spcPct val="0"/>
+        </a:spcBef>
+        <a:spcAft>
+          <a:spcPct val="0"/>
+        </a:spcAft>
+        <a:defRPr sz="3000">
+          <a:solidFill>
+            <a:srgbClr val="0D4F3C"/>
+          </a:solidFill>
+          <a:latin typeface="Arial" charset="0"/>
+        </a:defRPr>
+      </a:lvl2pPr>
+      <a:lvl3pPr algn="l" rtl="0" eaLnBrk="1" fontAlgn="base" hangingPunct="1">
+        <a:lnSpc>
+          <a:spcPct val="90000"/>
+        </a:lnSpc>
+        <a:spcBef>
+          <a:spcPct val="0"/>
+        </a:spcBef>
+        <a:spcAft>
+          <a:spcPct val="0"/>
+        </a:spcAft>
+        <a:defRPr sz="3000">
+          <a:solidFill>
+            <a:srgbClr val="0D4F3C"/>
+          </a:solidFill>
+          <a:latin typeface="Arial" charset="0"/>
+        </a:defRPr>
+      </a:lvl3pPr>
+      <a:lvl4pPr algn="l" rtl="0" eaLnBrk="1" fontAlgn="base" hangingPunct="1">
+        <a:lnSpc>
+          <a:spcPct val="90000"/>
+        </a:lnSpc>
+        <a:spcBef>
+          <a:spcPct val="0"/>
+        </a:spcBef>
+        <a:spcAft>
+          <a:spcPct val="0"/>
+        </a:spcAft>
+        <a:defRPr sz="3000">
+          <a:solidFill>
+            <a:srgbClr val="0D4F3C"/>
+          </a:solidFill>
+          <a:latin typeface="Arial" charset="0"/>
+        </a:defRPr>
+      </a:lvl4pPr>
+      <a:lvl5pPr algn="l" rtl="0" eaLnBrk="1" fontAlgn="base" hangingPunct="1">
+        <a:lnSpc>
+          <a:spcPct val="90000"/>
+        </a:lnSpc>
+        <a:spcBef>
+          <a:spcPct val="0"/>
+        </a:spcBef>
+        <a:spcAft>
+          <a:spcPct val="0"/>
+        </a:spcAft>
+        <a:defRPr sz="3000">
+          <a:solidFill>
+            <a:srgbClr val="0D4F3C"/>
+          </a:solidFill>
+          <a:latin typeface="Arial" charset="0"/>
+        </a:defRPr>
+      </a:lvl5pPr>
+      <a:lvl6pPr marL="457200" algn="l" rtl="0" eaLnBrk="1" fontAlgn="base" hangingPunct="1">
+        <a:spcBef>
+          <a:spcPct val="0"/>
+        </a:spcBef>
+        <a:spcAft>
+          <a:spcPct val="0"/>
+        </a:spcAft>
+        <a:defRPr sz="3000">
+          <a:solidFill>
+            <a:srgbClr val="0D4F3C"/>
+          </a:solidFill>
+          <a:latin typeface="Arial" charset="0"/>
+        </a:defRPr>
+      </a:lvl6pPr>
+      <a:lvl7pPr marL="914400" algn="l" rtl="0" eaLnBrk="1" fontAlgn="base" hangingPunct="1">
+        <a:spcBef>
+          <a:spcPct val="0"/>
+        </a:spcBef>
+        <a:spcAft>
+          <a:spcPct val="0"/>
+        </a:spcAft>
+        <a:defRPr sz="3000">
+          <a:solidFill>
+            <a:srgbClr val="0D4F3C"/>
+          </a:solidFill>
+          <a:latin typeface="Arial" charset="0"/>
+        </a:defRPr>
+      </a:lvl7pPr>
+      <a:lvl8pPr marL="1371600" algn="l" rtl="0" eaLnBrk="1" fontAlgn="base" hangingPunct="1">
+        <a:spcBef>
+          <a:spcPct val="0"/>
+        </a:spcBef>
+        <a:spcAft>
+          <a:spcPct val="0"/>
+        </a:spcAft>
+        <a:defRPr sz="3000">
+          <a:solidFill>
+            <a:srgbClr val="0D4F3C"/>
+          </a:solidFill>
+          <a:latin typeface="Arial" charset="0"/>
+        </a:defRPr>
+      </a:lvl8pPr>
+      <a:lvl9pPr marL="1828800" algn="l" rtl="0" eaLnBrk="1" fontAlgn="base" hangingPunct="1">
+        <a:spcBef>
+          <a:spcPct val="0"/>
+        </a:spcBef>
+        <a:spcAft>
+          <a:spcPct val="0"/>
+        </a:spcAft>
+        <a:defRPr sz="3000">
+          <a:solidFill>
+            <a:srgbClr val="0D4F3C"/>
+          </a:solidFill>
+          <a:latin typeface="Arial" charset="0"/>
+        </a:defRPr>
+      </a:lvl9pPr>
+    </p:titleStyle>
+    <p:bodyStyle>
+      <a:lvl1pPr marL="342900" indent="-342900" algn="l" rtl="0" eaLnBrk="1" fontAlgn="base" hangingPunct="1">
+        <a:spcBef>
+          <a:spcPct val="20000"/>
+        </a:spcBef>
+        <a:spcAft>
+          <a:spcPct val="0"/>
+        </a:spcAft>
+        <a:buClr>
+          <a:srgbClr val="008C5A"/>
+        </a:buClr>
+        <a:buFont typeface="Monotype Sorts" pitchFamily="2" charset="2"/>
+        <a:buChar char="l"/>
+        <a:defRPr sz="2400">
+          <a:solidFill>
+            <a:schemeClr val="tx1"/>
+          </a:solidFill>
+          <a:latin typeface="+mn-lt"/>
+          <a:ea typeface="+mn-ea"/>
+          <a:cs typeface="+mn-cs"/>
+        </a:defRPr>
+      </a:lvl1pPr>
+      <a:lvl2pPr marL="742950" indent="-285750" algn="l" rtl="0" eaLnBrk="1" fontAlgn="base" hangingPunct="1">
+        <a:spcBef>
+          <a:spcPct val="20000"/>
+        </a:spcBef>
+        <a:spcAft>
+          <a:spcPct val="0"/>
+        </a:spcAft>
+        <a:buClr>
+          <a:srgbClr val="008C5A"/>
+        </a:buClr>
+        <a:buFont typeface="Monotype Sorts" pitchFamily="2" charset="2"/>
+        <a:buChar char="l"/>
+        <a:defRPr sz="2000">
+          <a:solidFill>
+            <a:schemeClr val="tx1"/>
+          </a:solidFill>
+          <a:latin typeface="+mn-lt"/>
+        </a:defRPr>
+      </a:lvl2pPr>
+      <a:lvl3pPr marL="1143000" indent="-228600" algn="l" rtl="0" eaLnBrk="1" fontAlgn="base" hangingPunct="1">
+        <a:spcBef>
+          <a:spcPct val="20000"/>
+        </a:spcBef>
+        <a:spcAft>
+          <a:spcPct val="0"/>
+        </a:spcAft>
+        <a:buClr>
+          <a:srgbClr val="008C5A"/>
+        </a:buClr>
+        <a:buFont typeface="Monotype Sorts" pitchFamily="2" charset="2"/>
+        <a:buChar char="l"/>
+        <a:defRPr sz="2400">
+          <a:solidFill>
+            <a:schemeClr val="tx1"/>
+          </a:solidFill>
+          <a:latin typeface="+mn-lt"/>
+        </a:defRPr>
+      </a:lvl3pPr>
+      <a:lvl4pPr marL="1562100" indent="-228600" algn="l" rtl="0" eaLnBrk="1" fontAlgn="base" hangingPunct="1">
+        <a:spcBef>
+          <a:spcPct val="20000"/>
+        </a:spcBef>
+        <a:spcAft>
+          <a:spcPct val="0"/>
+        </a:spcAft>
+        <a:buClr>
+          <a:srgbClr val="008C5A"/>
+        </a:buClr>
+        <a:buFont typeface="Monotype Sorts" pitchFamily="2" charset="2"/>
+        <a:buChar char="l"/>
+        <a:defRPr sz="1600">
+          <a:solidFill>
+            <a:schemeClr val="tx1"/>
+          </a:solidFill>
+          <a:latin typeface="+mn-lt"/>
+        </a:defRPr>
+      </a:lvl4pPr>
+      <a:lvl5pPr marL="1981200" indent="-228600" algn="l" rtl="0" eaLnBrk="1" fontAlgn="base" hangingPunct="1">
+        <a:spcBef>
+          <a:spcPct val="20000"/>
+        </a:spcBef>
+        <a:spcAft>
+          <a:spcPct val="0"/>
+        </a:spcAft>
+        <a:buClr>
+          <a:srgbClr val="008C5A"/>
+        </a:buClr>
+        <a:buFont typeface="Monotype Sorts" pitchFamily="2" charset="2"/>
+        <a:buChar char="l"/>
+        <a:defRPr sz="1600">
+          <a:solidFill>
+            <a:schemeClr val="tx1"/>
+          </a:solidFill>
+          <a:latin typeface="+mn-lt"/>
+        </a:defRPr>
+      </a:lvl5pPr>
+      <a:lvl6pPr marL="2438400" indent="-228600" algn="l" rtl="0" eaLnBrk="1" fontAlgn="base" hangingPunct="1">
+        <a:spcBef>
+          <a:spcPct val="20000"/>
+        </a:spcBef>
+        <a:spcAft>
+          <a:spcPct val="0"/>
+        </a:spcAft>
+        <a:buClr>
+          <a:srgbClr val="008C5A"/>
+        </a:buClr>
+        <a:buFont typeface="Monotype Sorts" pitchFamily="2" charset="2"/>
+        <a:buChar char="l"/>
+        <a:defRPr sz="1600">
+          <a:solidFill>
+            <a:schemeClr val="tx1"/>
+          </a:solidFill>
+          <a:latin typeface="+mn-lt"/>
+        </a:defRPr>
+      </a:lvl6pPr>
+      <a:lvl7pPr marL="2895600" indent="-228600" algn="l" rtl="0" eaLnBrk="1" fontAlgn="base" hangingPunct="1">
+        <a:spcBef>
+          <a:spcPct val="20000"/>
+        </a:spcBef>
+        <a:spcAft>
+          <a:spcPct val="0"/>
+        </a:spcAft>
+        <a:buClr>
+          <a:srgbClr val="008C5A"/>
+        </a:buClr>
+        <a:buFont typeface="Monotype Sorts" pitchFamily="2" charset="2"/>
+        <a:buChar char="l"/>
+        <a:defRPr sz="1600">
+          <a:solidFill>
+            <a:schemeClr val="tx1"/>
+          </a:solidFill>
+          <a:latin typeface="+mn-lt"/>
+        </a:defRPr>
+      </a:lvl7pPr>
+      <a:lvl8pPr marL="3352800" indent="-228600" algn="l" rtl="0" eaLnBrk="1" fontAlgn="base" hangingPunct="1">
+        <a:spcBef>
+          <a:spcPct val="20000"/>
+        </a:spcBef>
+        <a:spcAft>
+          <a:spcPct val="0"/>
+        </a:spcAft>
+        <a:buClr>
+          <a:srgbClr val="008C5A"/>
+        </a:buClr>
+        <a:buFont typeface="Monotype Sorts" pitchFamily="2" charset="2"/>
+        <a:buChar char="l"/>
+        <a:defRPr sz="1600">
+          <a:solidFill>
+            <a:schemeClr val="tx1"/>
+          </a:solidFill>
+          <a:latin typeface="+mn-lt"/>
+        </a:defRPr>
+      </a:lvl8pPr>
+      <a:lvl9pPr marL="3810000" indent="-228600" algn="l" rtl="0" eaLnBrk="1" fontAlgn="base" hangingPunct="1">
+        <a:spcBef>
+          <a:spcPct val="20000"/>
+        </a:spcBef>
+        <a:spcAft>
+          <a:spcPct val="0"/>
+        </a:spcAft>
+        <a:buClr>
+          <a:srgbClr val="008C5A"/>
+        </a:buClr>
+        <a:buFont typeface="Monotype Sorts" pitchFamily="2" charset="2"/>
+        <a:buChar char="l"/>
+        <a:defRPr sz="1600">
+          <a:solidFill>
+            <a:schemeClr val="tx1"/>
+          </a:solidFill>
+          <a:latin typeface="+mn-lt"/>
+        </a:defRPr>
+      </a:lvl9pPr>
+    </p:bodyStyle>
+    <p:otherStyle>
+      <a:defPPr>
+        <a:defRPr lang="de-DE"/>
+      </a:defPPr>
+      <a:lvl1pPr marL="0" algn="l" defTabSz="914400" rtl="0" eaLnBrk="1" latinLnBrk="0" hangingPunct="1">
+        <a:defRPr sz="1800" kern="1200">
+          <a:solidFill>
+            <a:schemeClr val="tx1"/>
+          </a:solidFill>
+          <a:latin typeface="+mn-lt"/>
+          <a:ea typeface="+mn-ea"/>
+          <a:cs typeface="+mn-cs"/>
+        </a:defRPr>
+      </a:lvl1pPr>
+      <a:lvl2pPr marL="457200" algn="l" defTabSz="914400" rtl="0" eaLnBrk="1" latinLnBrk="0" hangingPunct="1">
+        <a:defRPr sz="1800" kern="1200">
+          <a:solidFill>
+            <a:schemeClr val="tx1"/>
+          </a:solidFill>
+          <a:latin typeface="+mn-lt"/>
+          <a:ea typeface="+mn-ea"/>
+          <a:cs typeface="+mn-cs"/>
+        </a:defRPr>
+      </a:lvl2pPr>
+      <a:lvl3pPr marL="914400" algn="l" defTabSz="914400" rtl="0" eaLnBrk="1" latinLnBrk="0" hangingPunct="1">
+        <a:defRPr sz="1800" kern="1200">
+          <a:solidFill>
+            <a:schemeClr val="tx1"/>
+          </a:solidFill>
+          <a:latin typeface="+mn-lt"/>
+          <a:ea typeface="+mn-ea"/>
+          <a:cs typeface="+mn-cs"/>
+        </a:defRPr>
+      </a:lvl3pPr>
+      <a:lvl4pPr marL="1371600" algn="l" defTabSz="914400" rtl="0" eaLnBrk="1" latinLnBrk="0" hangingPunct="1">
+        <a:defRPr sz="1800" kern="1200">
+          <a:solidFill>
+            <a:schemeClr val="tx1"/>
+          </a:solidFill>
+          <a:latin typeface="+mn-lt"/>
+          <a:ea typeface="+mn-ea"/>
+          <a:cs typeface="+mn-cs"/>
+        </a:defRPr>
+      </a:lvl4pPr>
+      <a:lvl5pPr marL="1828800" algn="l" defTabSz="914400" rtl="0" eaLnBrk="1" latinLnBrk="0" hangingPunct="1">
+        <a:defRPr sz="1800" kern="1200">
+          <a:solidFill>
+            <a:schemeClr val="tx1"/>
+          </a:solidFill>
+          <a:latin typeface="+mn-lt"/>
+          <a:ea typeface="+mn-ea"/>
+          <a:cs typeface="+mn-cs"/>
+        </a:defRPr>
+      </a:lvl5pPr>
+      <a:lvl6pPr marL="2286000" algn="l" defTabSz="914400" rtl="0" eaLnBrk="1" latinLnBrk="0" hangingPunct="1">
+        <a:defRPr sz="1800" kern="1200">
+          <a:solidFill>
+            <a:schemeClr val="tx1"/>
+          </a:solidFill>
+          <a:latin typeface="+mn-lt"/>
+          <a:ea typeface="+mn-ea"/>
+          <a:cs typeface="+mn-cs"/>
+        </a:defRPr>
+      </a:lvl6pPr>
+      <a:lvl7pPr marL="2743200" algn="l" defTabSz="914400" rtl="0" eaLnBrk="1" latinLnBrk="0" hangingPunct="1">
+        <a:defRPr sz="1800" kern="1200">
+          <a:solidFill>
+            <a:schemeClr val="tx1"/>
+          </a:solidFill>
+          <a:latin typeface="+mn-lt"/>
+          <a:ea typeface="+mn-ea"/>
+          <a:cs typeface="+mn-cs"/>
+        </a:defRPr>
+      </a:lvl7pPr>
+      <a:lvl8pPr marL="3200400" algn="l" defTabSz="914400" rtl="0" eaLnBrk="1" latinLnBrk="0" hangingPunct="1">
+        <a:defRPr sz="1800" kern="1200">
+          <a:solidFill>
+            <a:schemeClr val="tx1"/>
+          </a:solidFill>
+          <a:latin typeface="+mn-lt"/>
+          <a:ea typeface="+mn-ea"/>
+          <a:cs typeface="+mn-cs"/>
+        </a:defRPr>
+      </a:lvl8pPr>
+      <a:lvl9pPr marL="3657600" algn="l" defTabSz="914400" rtl="0" eaLnBrk="1" latinLnBrk="0" hangingPunct="1">
+        <a:defRPr sz="1800" kern="1200">
+          <a:solidFill>
+            <a:schemeClr val="tx1"/>
+          </a:solidFill>
+          <a:latin typeface="+mn-lt"/>
+          <a:ea typeface="+mn-ea"/>
+          <a:cs typeface="+mn-cs"/>
+        </a:defRPr>
+      </a:lvl9pPr>
+    </p:otherStyle>
+  </p:txStyles>
+</p:sldMaster>
+</file>
+
 <file path=ppt/slides/slide1.xml><?xml version="1.0" encoding="utf-8"?>
 <p:sld xmlns:a="http://schemas.openxmlformats.org/drawingml/2006/main" xmlns:r="http://schemas.openxmlformats.org/officeDocument/2006/relationships" xmlns:p="http://schemas.openxmlformats.org/presentationml/2006/main">
   <p:cSld>
@@ -4634,10 +5667,112 @@
       </p:grpSpPr>
       <p:sp>
         <p:nvSpPr>
-          <p:cNvPr id="5123" name="Rectangle 6">
-            <a:extLst>
-              <a:ext uri="{FF2B5EF4-FFF2-40B4-BE49-F238E27FC236}">
-                <a16:creationId xmlns:a16="http://schemas.microsoft.com/office/drawing/2014/main" id="{BC4BC2CC-AA18-345B-63ED-7D24CA6BD3B5}"/>
+          <p:cNvPr id="6146" name="Inhaltsplatzhalter 18">
+            <a:extLst>
+              <a:ext uri="{FF2B5EF4-FFF2-40B4-BE49-F238E27FC236}">
+                <a16:creationId xmlns:a16="http://schemas.microsoft.com/office/drawing/2014/main" id="{BE3C4C95-FD5D-27F0-ED0C-AB8113CAC9F1}"/>
+              </a:ext>
+            </a:extLst>
+          </p:cNvPr>
+          <p:cNvSpPr>
+            <a:spLocks noGrp="1"/>
+          </p:cNvSpPr>
+          <p:nvPr>
+            <p:ph idx="1"/>
+          </p:nvPr>
+        </p:nvSpPr>
+        <p:spPr>
+          <a:xfrm>
+            <a:off x="303214" y="981075"/>
+            <a:ext cx="8517258" cy="5400675"/>
+          </a:xfrm>
+        </p:spPr>
+        <p:txBody>
+          <a:bodyPr/>
+          <a:lstStyle/>
+          <a:p>
+            <a:r>
+              <a:rPr lang="de-DE" altLang="de-DE" dirty="0"/>
+              <a:t>Durch die gemeinsame Arbeit auf einem Branch steigt das Konfliktpotenzial</a:t>
+            </a:r>
+          </a:p>
+          <a:p>
+            <a:pPr lvl="1"/>
+            <a:r>
+              <a:rPr lang="de-DE" altLang="de-DE" dirty="0"/>
+              <a:t>Häufige Kommunikation nötig</a:t>
+            </a:r>
+          </a:p>
+          <a:p>
+            <a:pPr lvl="1"/>
+            <a:r>
+              <a:rPr lang="de-DE" altLang="de-DE" dirty="0"/>
+              <a:t>Entwickler sollten mit Umgang von Konflikten in </a:t>
+            </a:r>
+            <a:r>
+              <a:rPr lang="de-DE" altLang="de-DE" dirty="0" err="1"/>
+              <a:t>Git</a:t>
+            </a:r>
+            <a:r>
+              <a:rPr lang="de-DE" altLang="de-DE" dirty="0"/>
+              <a:t> vertraut sein und diese sauber auflösen können</a:t>
+            </a:r>
+          </a:p>
+          <a:p>
+            <a:r>
+              <a:rPr lang="de-DE" altLang="de-DE" dirty="0"/>
+              <a:t>Ein zentraler </a:t>
+            </a:r>
+            <a:r>
+              <a:rPr lang="de-DE" altLang="de-DE" dirty="0" err="1"/>
+              <a:t>Git</a:t>
+            </a:r>
+            <a:r>
+              <a:rPr lang="de-DE" altLang="de-DE" dirty="0"/>
+              <a:t>-Workflow bietet weniger Flexibilität als andere Workflows</a:t>
+            </a:r>
+          </a:p>
+          <a:p>
+            <a:pPr lvl="1"/>
+            <a:r>
+              <a:rPr lang="de-DE" altLang="de-DE" dirty="0"/>
+              <a:t>Komplexere Projekte mit vielen parallelen und inhaltlich getrennten Features können hier von anderen Workflows profitieren</a:t>
+            </a:r>
+          </a:p>
+          <a:p>
+            <a:r>
+              <a:rPr lang="de-DE" altLang="de-DE" dirty="0"/>
+              <a:t>Zentraler </a:t>
+            </a:r>
+            <a:r>
+              <a:rPr lang="de-DE" altLang="de-DE" dirty="0" err="1"/>
+              <a:t>Git</a:t>
+            </a:r>
+            <a:r>
+              <a:rPr lang="de-DE" altLang="de-DE" dirty="0"/>
+              <a:t>-Workflow entfaltet seine Vorteile meinst in kleineren Teams</a:t>
+            </a:r>
+          </a:p>
+          <a:p>
+            <a:pPr marL="0" indent="0">
+              <a:buNone/>
+            </a:pPr>
+            <a:endParaRPr lang="de-DE" altLang="de-DE" dirty="0"/>
+          </a:p>
+          <a:p>
+            <a:pPr marL="0" indent="0">
+              <a:buNone/>
+            </a:pPr>
+            <a:endParaRPr lang="de-DE" altLang="de-DE" dirty="0"/>
+          </a:p>
+        </p:txBody>
+      </p:sp>
+      <p:sp>
+        <p:nvSpPr>
+          <p:cNvPr id="6147" name="Rectangle 1062">
+            <a:extLst>
+              <a:ext uri="{FF2B5EF4-FFF2-40B4-BE49-F238E27FC236}">
+                <a16:creationId xmlns:a16="http://schemas.microsoft.com/office/drawing/2014/main" id="{C46E9340-3256-8D55-A265-94F2F41E288E}"/>
               </a:ext>
             </a:extLst>
           </p:cNvPr>
@@ -4650,8 +5785,8 @@
         </p:nvSpPr>
         <p:spPr>
           <a:xfrm>
-            <a:off x="457200" y="115888"/>
-            <a:ext cx="3409950" cy="706437"/>
+            <a:off x="285750" y="142875"/>
+            <a:ext cx="5654675" cy="706438"/>
           </a:xfrm>
         </p:spPr>
         <p:txBody>
@@ -4659,46 +5794,8 @@
           <a:lstStyle/>
           <a:p>
             <a:r>
-              <a:rPr lang="de-DE" altLang="de-DE"/>
-              <a:t>Inhalt</a:t>
-            </a:r>
-          </a:p>
-        </p:txBody>
-      </p:sp>
-      <p:sp>
-        <p:nvSpPr>
-          <p:cNvPr id="3" name="Inhaltsplatzhalter 18">
-            <a:extLst>
-              <a:ext uri="{FF2B5EF4-FFF2-40B4-BE49-F238E27FC236}">
-                <a16:creationId xmlns:a16="http://schemas.microsoft.com/office/drawing/2014/main" id="{722A59E8-4DC4-18C6-04BE-E59EF5F3246C}"/>
-              </a:ext>
-            </a:extLst>
-          </p:cNvPr>
-          <p:cNvSpPr>
-            <a:spLocks noGrp="1"/>
-          </p:cNvSpPr>
-          <p:nvPr>
-            <p:ph idx="1"/>
-          </p:nvPr>
-        </p:nvSpPr>
-        <p:spPr>
-          <a:xfrm>
-            <a:off x="303214" y="981075"/>
-            <a:ext cx="8517258" cy="5400675"/>
-          </a:xfrm>
-        </p:spPr>
-        <p:txBody>
-          <a:bodyPr/>
-          <a:lstStyle/>
-          <a:p>
-            <a:pPr>
-              <a:spcBef>
-                <a:spcPts val="300"/>
-              </a:spcBef>
-            </a:pPr>
-            <a:r>
               <a:rPr lang="de-DE" altLang="de-DE" dirty="0"/>
-              <a:t>Was sind </a:t>
+              <a:t>Zentraler </a:t>
             </a:r>
             <a:r>
               <a:rPr lang="de-DE" altLang="de-DE" dirty="0" err="1"/>
@@ -4706,97 +5803,15 @@
             </a:r>
             <a:r>
               <a:rPr lang="de-DE" altLang="de-DE" dirty="0"/>
-              <a:t>-Workflows? </a:t>
-            </a:r>
-          </a:p>
-          <a:p>
-            <a:pPr>
-              <a:spcBef>
-                <a:spcPts val="300"/>
-              </a:spcBef>
-            </a:pPr>
-            <a:r>
-              <a:rPr lang="de-DE" altLang="de-DE" dirty="0"/>
-              <a:t>Zentraler </a:t>
-            </a:r>
-            <a:r>
-              <a:rPr lang="de-DE" altLang="de-DE" dirty="0" err="1"/>
-              <a:t>Git</a:t>
-            </a:r>
-            <a:r>
-              <a:rPr lang="de-DE" altLang="de-DE" dirty="0"/>
               <a:t>-Workflow</a:t>
             </a:r>
-          </a:p>
-          <a:p>
-            <a:pPr lvl="1">
-              <a:spcBef>
-                <a:spcPts val="300"/>
-              </a:spcBef>
-            </a:pPr>
-            <a:r>
-              <a:rPr lang="de-DE" altLang="de-DE" dirty="0"/>
-              <a:t>Konzept</a:t>
-            </a:r>
-          </a:p>
-          <a:p>
-            <a:pPr lvl="1">
-              <a:spcBef>
-                <a:spcPts val="300"/>
-              </a:spcBef>
-            </a:pPr>
-            <a:r>
-              <a:rPr lang="de-DE" altLang="de-DE" dirty="0">
-                <a:solidFill>
-                  <a:srgbClr val="008C5A"/>
-                </a:solidFill>
-              </a:rPr>
-              <a:t>Ablauf</a:t>
-            </a:r>
-          </a:p>
-          <a:p>
-            <a:pPr>
-              <a:spcBef>
-                <a:spcPts val="300"/>
-              </a:spcBef>
-            </a:pPr>
-            <a:r>
-              <a:rPr lang="de-DE" altLang="de-DE" dirty="0"/>
-              <a:t>Andere </a:t>
-            </a:r>
-            <a:r>
-              <a:rPr lang="de-DE" altLang="de-DE" dirty="0" err="1"/>
-              <a:t>Git</a:t>
-            </a:r>
-            <a:r>
-              <a:rPr lang="de-DE" altLang="de-DE" dirty="0"/>
-              <a:t>-Workflows</a:t>
-            </a:r>
-          </a:p>
-          <a:p>
-            <a:pPr>
-              <a:spcBef>
-                <a:spcPts val="300"/>
-              </a:spcBef>
-            </a:pPr>
-            <a:endParaRPr lang="de-DE" altLang="de-DE" dirty="0"/>
-          </a:p>
-          <a:p>
-            <a:pPr lvl="1"/>
-            <a:endParaRPr lang="de-DE" altLang="de-DE" dirty="0"/>
-          </a:p>
-          <a:p>
-            <a:pPr marL="0" indent="0">
-              <a:buNone/>
-            </a:pPr>
-            <a:endParaRPr lang="de-DE" altLang="de-DE" dirty="0"/>
           </a:p>
         </p:txBody>
       </p:sp>
     </p:spTree>
     <p:extLst>
       <p:ext uri="{BB962C8B-B14F-4D97-AF65-F5344CB8AC3E}">
-        <p14:creationId xmlns:p14="http://schemas.microsoft.com/office/powerpoint/2010/main" val="1303759925"/>
+        <p14:creationId xmlns:p14="http://schemas.microsoft.com/office/powerpoint/2010/main" val="1341278311"/>
       </p:ext>
     </p:extLst>
   </p:cSld>
@@ -4825,6 +5840,86 @@
       </p:grpSpPr>
       <p:sp>
         <p:nvSpPr>
+          <p:cNvPr id="2" name="Titel 1"/>
+          <p:cNvSpPr>
+            <a:spLocks noGrp="1"/>
+          </p:cNvSpPr>
+          <p:nvPr>
+            <p:ph type="title"/>
+          </p:nvPr>
+        </p:nvSpPr>
+        <p:spPr>
+          <a:xfrm>
+            <a:off x="722312" y="4406900"/>
+            <a:ext cx="7954143" cy="1362075"/>
+          </a:xfrm>
+        </p:spPr>
+        <p:txBody>
+          <a:bodyPr/>
+          <a:lstStyle/>
+          <a:p>
+            <a:r>
+              <a:rPr lang="de-DE" cap="none" dirty="0"/>
+              <a:t>Arbeiten im zentralen Workflow</a:t>
+            </a:r>
+          </a:p>
+        </p:txBody>
+      </p:sp>
+      <p:sp>
+        <p:nvSpPr>
+          <p:cNvPr id="3" name="Untertitel 2"/>
+          <p:cNvSpPr>
+            <a:spLocks noGrp="1"/>
+          </p:cNvSpPr>
+          <p:nvPr>
+            <p:ph type="body" idx="1"/>
+          </p:nvPr>
+        </p:nvSpPr>
+        <p:spPr/>
+        <p:txBody>
+          <a:bodyPr/>
+          <a:lstStyle/>
+          <a:p>
+            <a:r>
+              <a:rPr lang="de-DE" dirty="0" err="1"/>
+              <a:t>Git</a:t>
+            </a:r>
+            <a:endParaRPr lang="de-DE" dirty="0"/>
+          </a:p>
+        </p:txBody>
+      </p:sp>
+    </p:spTree>
+    <p:extLst>
+      <p:ext uri="{BB962C8B-B14F-4D97-AF65-F5344CB8AC3E}">
+        <p14:creationId xmlns:p14="http://schemas.microsoft.com/office/powerpoint/2010/main" val="1608299096"/>
+      </p:ext>
+    </p:extLst>
+  </p:cSld>
+  <p:clrMapOvr>
+    <a:masterClrMapping/>
+  </p:clrMapOvr>
+</p:sld>
+</file>
+
+<file path=ppt/slides/slide12.xml><?xml version="1.0" encoding="utf-8"?>
+<p:sld xmlns:a="http://schemas.openxmlformats.org/drawingml/2006/main" xmlns:r="http://schemas.openxmlformats.org/officeDocument/2006/relationships" xmlns:p="http://schemas.openxmlformats.org/presentationml/2006/main">
+  <p:cSld>
+    <p:spTree>
+      <p:nvGrpSpPr>
+        <p:cNvPr id="1" name=""/>
+        <p:cNvGrpSpPr/>
+        <p:nvPr/>
+      </p:nvGrpSpPr>
+      <p:grpSpPr>
+        <a:xfrm>
+          <a:off x="0" y="0"/>
+          <a:ext cx="0" cy="0"/>
+          <a:chOff x="0" y="0"/>
+          <a:chExt cx="0" cy="0"/>
+        </a:xfrm>
+      </p:grpSpPr>
+      <p:sp>
+        <p:nvSpPr>
           <p:cNvPr id="6146" name="Inhaltsplatzhalter 18">
             <a:extLst>
               <a:ext uri="{FF2B5EF4-FFF2-40B4-BE49-F238E27FC236}">
@@ -4889,17 +5984,10 @@
           <a:lstStyle/>
           <a:p>
             <a:r>
-              <a:rPr lang="de-DE" altLang="de-DE" dirty="0"/>
-              <a:t>Zentraler </a:t>
-            </a:r>
-            <a:r>
-              <a:rPr lang="de-DE" altLang="de-DE" dirty="0" err="1"/>
-              <a:t>Git</a:t>
-            </a:r>
-            <a:r>
-              <a:rPr lang="de-DE" altLang="de-DE" dirty="0"/>
-              <a:t>-Workflow - Ablauf</a:t>
-            </a:r>
+              <a:rPr lang="de-DE" cap="none" dirty="0"/>
+              <a:t>Arbeiten im zentralen Workflow</a:t>
+            </a:r>
+            <a:endParaRPr lang="de-DE" altLang="de-DE" dirty="0"/>
           </a:p>
         </p:txBody>
       </p:sp>
@@ -6012,7 +7100,7 @@
 </p:sld>
 </file>
 
-<file path=ppt/slides/slide12.xml><?xml version="1.0" encoding="utf-8"?>
+<file path=ppt/slides/slide13.xml><?xml version="1.0" encoding="utf-8"?>
 <p:sld xmlns:a="http://schemas.openxmlformats.org/drawingml/2006/main" xmlns:r="http://schemas.openxmlformats.org/officeDocument/2006/relationships" xmlns:p="http://schemas.openxmlformats.org/presentationml/2006/main">
   <p:cSld>
     <p:spTree>
@@ -6095,17 +7183,10 @@
           <a:lstStyle/>
           <a:p>
             <a:r>
-              <a:rPr lang="de-DE" altLang="de-DE" dirty="0"/>
-              <a:t>Zentraler </a:t>
-            </a:r>
-            <a:r>
-              <a:rPr lang="de-DE" altLang="de-DE" dirty="0" err="1"/>
-              <a:t>Git</a:t>
-            </a:r>
-            <a:r>
-              <a:rPr lang="de-DE" altLang="de-DE" dirty="0"/>
-              <a:t>-Workflow - Ablauf</a:t>
-            </a:r>
+              <a:rPr lang="de-DE" cap="none" dirty="0"/>
+              <a:t>Arbeiten im zentralen Workflow</a:t>
+            </a:r>
+            <a:endParaRPr lang="de-DE" altLang="de-DE" dirty="0"/>
           </a:p>
         </p:txBody>
       </p:sp>
@@ -8087,7 +9168,7 @@
 </p:sld>
 </file>
 
-<file path=ppt/slides/slide13.xml><?xml version="1.0" encoding="utf-8"?>
+<file path=ppt/slides/slide14.xml><?xml version="1.0" encoding="utf-8"?>
 <p:sld xmlns:a="http://schemas.openxmlformats.org/drawingml/2006/main" xmlns:r="http://schemas.openxmlformats.org/officeDocument/2006/relationships" xmlns:p="http://schemas.openxmlformats.org/presentationml/2006/main">
   <p:cSld>
     <p:spTree>
@@ -8170,17 +9251,10 @@
           <a:lstStyle/>
           <a:p>
             <a:r>
-              <a:rPr lang="de-DE" altLang="de-DE" dirty="0"/>
-              <a:t>Zentraler </a:t>
-            </a:r>
-            <a:r>
-              <a:rPr lang="de-DE" altLang="de-DE" dirty="0" err="1"/>
-              <a:t>Git</a:t>
-            </a:r>
-            <a:r>
-              <a:rPr lang="de-DE" altLang="de-DE" dirty="0"/>
-              <a:t>-Workflow - Ablauf</a:t>
-            </a:r>
+              <a:rPr lang="de-DE" cap="none" dirty="0"/>
+              <a:t>Arbeiten im zentralen Workflow</a:t>
+            </a:r>
+            <a:endParaRPr lang="de-DE" altLang="de-DE" dirty="0"/>
           </a:p>
         </p:txBody>
       </p:sp>
@@ -10366,7 +11440,7 @@
 </p:sld>
 </file>
 
-<file path=ppt/slides/slide14.xml><?xml version="1.0" encoding="utf-8"?>
+<file path=ppt/slides/slide15.xml><?xml version="1.0" encoding="utf-8"?>
 <p:sld xmlns:a="http://schemas.openxmlformats.org/drawingml/2006/main" xmlns:r="http://schemas.openxmlformats.org/officeDocument/2006/relationships" xmlns:p="http://schemas.openxmlformats.org/presentationml/2006/main">
   <p:cSld>
     <p:spTree>
@@ -10449,17 +11523,10 @@
           <a:lstStyle/>
           <a:p>
             <a:r>
-              <a:rPr lang="de-DE" altLang="de-DE" dirty="0"/>
-              <a:t>Zentraler </a:t>
-            </a:r>
-            <a:r>
-              <a:rPr lang="de-DE" altLang="de-DE" dirty="0" err="1"/>
-              <a:t>Git</a:t>
-            </a:r>
-            <a:r>
-              <a:rPr lang="de-DE" altLang="de-DE" dirty="0"/>
-              <a:t>-Workflow - Ablauf</a:t>
-            </a:r>
+              <a:rPr lang="de-DE" cap="none" dirty="0"/>
+              <a:t>Arbeiten im zentralen Workflow</a:t>
+            </a:r>
+            <a:endParaRPr lang="de-DE" altLang="de-DE" dirty="0"/>
           </a:p>
         </p:txBody>
       </p:sp>
@@ -12861,7 +13928,7 @@
 </p:sld>
 </file>
 
-<file path=ppt/slides/slide15.xml><?xml version="1.0" encoding="utf-8"?>
+<file path=ppt/slides/slide16.xml><?xml version="1.0" encoding="utf-8"?>
 <p:sld xmlns:a="http://schemas.openxmlformats.org/drawingml/2006/main" xmlns:r="http://schemas.openxmlformats.org/officeDocument/2006/relationships" xmlns:p="http://schemas.openxmlformats.org/presentationml/2006/main">
   <p:cSld>
     <p:spTree>
@@ -12944,17 +14011,10 @@
           <a:lstStyle/>
           <a:p>
             <a:r>
-              <a:rPr lang="de-DE" altLang="de-DE" dirty="0"/>
-              <a:t>Zentraler </a:t>
-            </a:r>
-            <a:r>
-              <a:rPr lang="de-DE" altLang="de-DE" dirty="0" err="1"/>
-              <a:t>Git</a:t>
-            </a:r>
-            <a:r>
-              <a:rPr lang="de-DE" altLang="de-DE" dirty="0"/>
-              <a:t>-Workflow - Ablauf</a:t>
-            </a:r>
+              <a:rPr lang="de-DE" cap="none" dirty="0"/>
+              <a:t>Arbeiten im zentralen Workflow</a:t>
+            </a:r>
+            <a:endParaRPr lang="de-DE" altLang="de-DE" dirty="0"/>
           </a:p>
         </p:txBody>
       </p:sp>
@@ -15655,7 +16715,7 @@
 </p:sld>
 </file>
 
-<file path=ppt/slides/slide16.xml><?xml version="1.0" encoding="utf-8"?>
+<file path=ppt/slides/slide17.xml><?xml version="1.0" encoding="utf-8"?>
 <p:sld xmlns:a="http://schemas.openxmlformats.org/drawingml/2006/main" xmlns:r="http://schemas.openxmlformats.org/officeDocument/2006/relationships" xmlns:p="http://schemas.openxmlformats.org/presentationml/2006/main">
   <p:cSld>
     <p:spTree>
@@ -15738,17 +16798,10 @@
           <a:lstStyle/>
           <a:p>
             <a:r>
-              <a:rPr lang="de-DE" altLang="de-DE" dirty="0"/>
-              <a:t>Zentraler </a:t>
-            </a:r>
-            <a:r>
-              <a:rPr lang="de-DE" altLang="de-DE" dirty="0" err="1"/>
-              <a:t>Git</a:t>
-            </a:r>
-            <a:r>
-              <a:rPr lang="de-DE" altLang="de-DE" dirty="0"/>
-              <a:t>-Workflow - Ablauf</a:t>
-            </a:r>
+              <a:rPr lang="de-DE" cap="none" dirty="0"/>
+              <a:t>Arbeiten im zentralen Workflow</a:t>
+            </a:r>
+            <a:endParaRPr lang="de-DE" altLang="de-DE" dirty="0"/>
           </a:p>
         </p:txBody>
       </p:sp>
@@ -18437,7 +19490,7 @@
 </p:sld>
 </file>
 
-<file path=ppt/slides/slide17.xml><?xml version="1.0" encoding="utf-8"?>
+<file path=ppt/slides/slide18.xml><?xml version="1.0" encoding="utf-8"?>
 <p:sld xmlns:a="http://schemas.openxmlformats.org/drawingml/2006/main" xmlns:r="http://schemas.openxmlformats.org/officeDocument/2006/relationships" xmlns:p="http://schemas.openxmlformats.org/presentationml/2006/main">
   <p:cSld>
     <p:spTree>
@@ -18520,17 +19573,10 @@
           <a:lstStyle/>
           <a:p>
             <a:r>
-              <a:rPr lang="de-DE" altLang="de-DE" dirty="0"/>
-              <a:t>Zentraler </a:t>
-            </a:r>
-            <a:r>
-              <a:rPr lang="de-DE" altLang="de-DE" dirty="0" err="1"/>
-              <a:t>Git</a:t>
-            </a:r>
-            <a:r>
-              <a:rPr lang="de-DE" altLang="de-DE" dirty="0"/>
-              <a:t>-Workflow - Ablauf</a:t>
-            </a:r>
+              <a:rPr lang="de-DE" cap="none" dirty="0"/>
+              <a:t>Arbeiten im zentralen Workflow</a:t>
+            </a:r>
+            <a:endParaRPr lang="de-DE" altLang="de-DE" dirty="0"/>
           </a:p>
         </p:txBody>
       </p:sp>
@@ -21504,7 +22550,7 @@
 </p:sld>
 </file>
 
-<file path=ppt/slides/slide18.xml><?xml version="1.0" encoding="utf-8"?>
+<file path=ppt/slides/slide19.xml><?xml version="1.0" encoding="utf-8"?>
 <p:sld xmlns:a="http://schemas.openxmlformats.org/drawingml/2006/main" xmlns:r="http://schemas.openxmlformats.org/officeDocument/2006/relationships" xmlns:p="http://schemas.openxmlformats.org/presentationml/2006/main">
   <p:cSld>
     <p:spTree>
@@ -21587,17 +22633,10 @@
           <a:lstStyle/>
           <a:p>
             <a:r>
-              <a:rPr lang="de-DE" altLang="de-DE" dirty="0"/>
-              <a:t>Zentraler </a:t>
-            </a:r>
-            <a:r>
-              <a:rPr lang="de-DE" altLang="de-DE" dirty="0" err="1"/>
-              <a:t>Git</a:t>
-            </a:r>
-            <a:r>
-              <a:rPr lang="de-DE" altLang="de-DE" dirty="0"/>
-              <a:t>-Workflow - Ablauf</a:t>
-            </a:r>
+              <a:rPr lang="de-DE" cap="none" dirty="0"/>
+              <a:t>Arbeiten im zentralen Workflow</a:t>
+            </a:r>
+            <a:endParaRPr lang="de-DE" altLang="de-DE" dirty="0"/>
           </a:p>
         </p:txBody>
       </p:sp>
@@ -24512,7 +25551,7 @@
 </p:sld>
 </file>
 
-<file path=ppt/slides/slide19.xml><?xml version="1.0" encoding="utf-8"?>
+<file path=ppt/slides/slide2.xml><?xml version="1.0" encoding="utf-8"?>
 <p:sld xmlns:a="http://schemas.openxmlformats.org/drawingml/2006/main" xmlns:r="http://schemas.openxmlformats.org/officeDocument/2006/relationships" xmlns:p="http://schemas.openxmlformats.org/presentationml/2006/main">
   <p:cSld>
     <p:spTree>
@@ -24545,26 +25584,319 @@
             <p:ph idx="1"/>
           </p:nvPr>
         </p:nvSpPr>
-        <p:spPr>
-          <a:xfrm>
-            <a:off x="3189018" y="3959434"/>
-            <a:ext cx="926469" cy="97545"/>
-          </a:xfrm>
-        </p:spPr>
+        <p:spPr/>
         <p:txBody>
           <a:bodyPr/>
           <a:lstStyle/>
           <a:p>
-            <a:pPr marL="0" indent="0">
-              <a:buNone/>
+            <a:pPr>
+              <a:buFont typeface="Arial" panose="020B0604020202020204" pitchFamily="34" charset="0"/>
+              <a:buChar char="•"/>
             </a:pPr>
-            <a:endParaRPr lang="de-DE" altLang="de-DE" dirty="0"/>
-          </a:p>
-          <a:p>
-            <a:pPr marL="0" indent="0">
-              <a:buNone/>
+            <a:endParaRPr lang="de-DE" altLang="de-DE" sz="1800" b="1" dirty="0"/>
+          </a:p>
+          <a:p>
+            <a:pPr>
+              <a:buFont typeface="Arial" panose="020B0604020202020204" pitchFamily="34" charset="0"/>
+              <a:buChar char="•"/>
             </a:pPr>
-            <a:endParaRPr lang="de-DE" altLang="de-DE" dirty="0"/>
+            <a:r>
+              <a:rPr lang="de-DE" altLang="de-DE" sz="1800" b="1" dirty="0"/>
+              <a:t>Tag 1 – Einführung in </a:t>
+            </a:r>
+            <a:r>
+              <a:rPr lang="de-DE" altLang="de-DE" sz="1800" b="1" dirty="0" err="1"/>
+              <a:t>Git</a:t>
+            </a:r>
+            <a:r>
+              <a:rPr lang="de-DE" altLang="de-DE" sz="1800" b="1" dirty="0"/>
+              <a:t> und </a:t>
+            </a:r>
+            <a:r>
+              <a:rPr lang="de-DE" altLang="de-DE" sz="1800" b="1" dirty="0" err="1"/>
+              <a:t>GitLab</a:t>
+            </a:r>
+            <a:r>
+              <a:rPr lang="de-DE" altLang="de-DE" sz="1800" b="1" dirty="0"/>
+              <a:t>, </a:t>
+            </a:r>
+            <a:r>
+              <a:rPr lang="de-DE" altLang="de-DE" sz="1800" b="1" dirty="0" err="1"/>
+              <a:t>Git</a:t>
+            </a:r>
+            <a:r>
+              <a:rPr lang="de-DE" altLang="de-DE" sz="1800" b="1" dirty="0"/>
+              <a:t>-Workflow im Team</a:t>
+            </a:r>
+          </a:p>
+          <a:p>
+            <a:pPr lvl="1">
+              <a:buFont typeface="Arial" panose="020B0604020202020204" pitchFamily="34" charset="0"/>
+              <a:buChar char="•"/>
+            </a:pPr>
+            <a:r>
+              <a:rPr lang="de-DE" altLang="de-DE" sz="1400" dirty="0"/>
+              <a:t>Einführung &amp; Kursüberblick</a:t>
+            </a:r>
+          </a:p>
+          <a:p>
+            <a:pPr lvl="1">
+              <a:buFont typeface="Arial" panose="020B0604020202020204" pitchFamily="34" charset="0"/>
+              <a:buChar char="•"/>
+            </a:pPr>
+            <a:r>
+              <a:rPr lang="de-DE" altLang="de-DE" sz="1400" dirty="0"/>
+              <a:t>Grundlagen von </a:t>
+            </a:r>
+            <a:r>
+              <a:rPr lang="de-DE" altLang="de-DE" sz="1400" dirty="0" err="1"/>
+              <a:t>Git</a:t>
+            </a:r>
+            <a:r>
+              <a:rPr lang="de-DE" altLang="de-DE" sz="1400" dirty="0"/>
+              <a:t> und </a:t>
+            </a:r>
+            <a:r>
+              <a:rPr lang="de-DE" altLang="de-DE" sz="1400" dirty="0" err="1"/>
+              <a:t>GitLab</a:t>
+            </a:r>
+            <a:endParaRPr lang="de-DE" altLang="de-DE" sz="1400" dirty="0"/>
+          </a:p>
+          <a:p>
+            <a:pPr lvl="1">
+              <a:buFont typeface="Arial" panose="020B0604020202020204" pitchFamily="34" charset="0"/>
+              <a:buChar char="•"/>
+            </a:pPr>
+            <a:r>
+              <a:rPr lang="de-DE" altLang="de-DE" sz="1400" dirty="0" err="1"/>
+              <a:t>Git</a:t>
+            </a:r>
+            <a:r>
+              <a:rPr lang="de-DE" altLang="de-DE" sz="1400" dirty="0"/>
+              <a:t> </a:t>
+            </a:r>
+            <a:r>
+              <a:rPr lang="de-DE" altLang="de-DE" sz="1400" dirty="0" err="1"/>
+              <a:t>Rebase</a:t>
+            </a:r>
+            <a:r>
+              <a:rPr lang="de-DE" altLang="de-DE" sz="1400" dirty="0"/>
+              <a:t> &amp; </a:t>
+            </a:r>
+            <a:r>
+              <a:rPr lang="de-DE" altLang="de-DE" sz="1400" dirty="0" err="1"/>
+              <a:t>Merge</a:t>
+            </a:r>
+            <a:r>
+              <a:rPr lang="de-DE" altLang="de-DE" sz="1400" dirty="0"/>
+              <a:t>-Strategien</a:t>
+            </a:r>
+          </a:p>
+          <a:p>
+            <a:pPr lvl="1">
+              <a:buFont typeface="Arial" panose="020B0604020202020204" pitchFamily="34" charset="0"/>
+              <a:buChar char="•"/>
+            </a:pPr>
+            <a:r>
+              <a:rPr lang="de-DE" altLang="de-DE" sz="1400" dirty="0" err="1"/>
+              <a:t>Git</a:t>
+            </a:r>
+            <a:r>
+              <a:rPr lang="de-DE" altLang="de-DE" sz="1400" dirty="0"/>
+              <a:t>-Workflow im Team</a:t>
+            </a:r>
+          </a:p>
+          <a:p>
+            <a:pPr lvl="1">
+              <a:buFont typeface="Arial" panose="020B0604020202020204" pitchFamily="34" charset="0"/>
+              <a:buChar char="•"/>
+            </a:pPr>
+            <a:endParaRPr lang="de-DE" altLang="de-DE" sz="1400" dirty="0"/>
+          </a:p>
+          <a:p>
+            <a:pPr>
+              <a:buFont typeface="Arial" panose="020B0604020202020204" pitchFamily="34" charset="0"/>
+              <a:buChar char="•"/>
+            </a:pPr>
+            <a:r>
+              <a:rPr lang="de-DE" altLang="de-DE" sz="1800" b="1" dirty="0"/>
+              <a:t>Tag 2 – Vertiefung </a:t>
+            </a:r>
+            <a:r>
+              <a:rPr lang="de-DE" altLang="de-DE" sz="1800" b="1" dirty="0" err="1"/>
+              <a:t>Git</a:t>
+            </a:r>
+            <a:r>
+              <a:rPr lang="de-DE" altLang="de-DE" sz="1800" b="1" dirty="0"/>
+              <a:t>-Workflow, CI/CD &amp; </a:t>
+            </a:r>
+            <a:r>
+              <a:rPr lang="de-DE" altLang="de-DE" sz="1800" b="1" dirty="0" err="1"/>
+              <a:t>GitOps</a:t>
+            </a:r>
+            <a:endParaRPr lang="de-DE" altLang="de-DE" sz="1800" b="1" dirty="0"/>
+          </a:p>
+          <a:p>
+            <a:pPr lvl="1">
+              <a:buFont typeface="Arial" panose="020B0604020202020204" pitchFamily="34" charset="0"/>
+              <a:buChar char="•"/>
+            </a:pPr>
+            <a:r>
+              <a:rPr lang="de-DE" altLang="de-DE" sz="1400" dirty="0" err="1"/>
+              <a:t>Gitflow</a:t>
+            </a:r>
+            <a:r>
+              <a:rPr lang="de-DE" altLang="de-DE" sz="1400" dirty="0"/>
+              <a:t>-Workflow</a:t>
+            </a:r>
+          </a:p>
+          <a:p>
+            <a:pPr lvl="1">
+              <a:buFont typeface="Arial" panose="020B0604020202020204" pitchFamily="34" charset="0"/>
+              <a:buChar char="•"/>
+            </a:pPr>
+            <a:r>
+              <a:rPr lang="de-DE" altLang="de-DE" sz="1400" dirty="0"/>
+              <a:t>Tags, Releases &amp; deren Verwaltung</a:t>
+            </a:r>
+          </a:p>
+          <a:p>
+            <a:pPr lvl="1">
+              <a:buFont typeface="Arial" panose="020B0604020202020204" pitchFamily="34" charset="0"/>
+              <a:buChar char="•"/>
+            </a:pPr>
+            <a:r>
+              <a:rPr lang="de-DE" altLang="de-DE" sz="1400" dirty="0"/>
+              <a:t>Einführung in </a:t>
+            </a:r>
+            <a:r>
+              <a:rPr lang="de-DE" altLang="de-DE" sz="1400" dirty="0" err="1"/>
+              <a:t>GitLab</a:t>
+            </a:r>
+            <a:r>
+              <a:rPr lang="de-DE" altLang="de-DE" sz="1400" dirty="0"/>
+              <a:t> CI/CD &amp; </a:t>
+            </a:r>
+            <a:r>
+              <a:rPr lang="de-DE" altLang="de-DE" sz="1400" dirty="0" err="1"/>
+              <a:t>gitlab.yml</a:t>
+            </a:r>
+            <a:endParaRPr lang="de-DE" altLang="de-DE" sz="1400" dirty="0"/>
+          </a:p>
+          <a:p>
+            <a:pPr lvl="1">
+              <a:buFont typeface="Arial" panose="020B0604020202020204" pitchFamily="34" charset="0"/>
+              <a:buChar char="•"/>
+            </a:pPr>
+            <a:r>
+              <a:rPr lang="de-DE" altLang="de-DE" sz="1400" dirty="0"/>
+              <a:t>Grundlagen von </a:t>
+            </a:r>
+            <a:r>
+              <a:rPr lang="de-DE" altLang="de-DE" sz="1400" dirty="0" err="1"/>
+              <a:t>GitOps</a:t>
+            </a:r>
+            <a:endParaRPr lang="de-DE" altLang="de-DE" sz="1400" dirty="0"/>
+          </a:p>
+          <a:p>
+            <a:pPr lvl="1">
+              <a:buFont typeface="Arial" panose="020B0604020202020204" pitchFamily="34" charset="0"/>
+              <a:buChar char="•"/>
+            </a:pPr>
+            <a:endParaRPr lang="de-DE" altLang="de-DE" sz="1400" dirty="0"/>
+          </a:p>
+          <a:p>
+            <a:pPr>
+              <a:buFont typeface="Arial" panose="020B0604020202020204" pitchFamily="34" charset="0"/>
+              <a:buChar char="•"/>
+            </a:pPr>
+            <a:r>
+              <a:rPr lang="de-DE" altLang="de-DE" sz="1800" b="1" dirty="0"/>
+              <a:t>Tag 3 – Docker in der Entwicklung, </a:t>
+            </a:r>
+            <a:r>
+              <a:rPr lang="de-DE" altLang="de-DE" sz="1800" b="1" dirty="0" err="1"/>
+              <a:t>GitLab</a:t>
+            </a:r>
+            <a:r>
+              <a:rPr lang="de-DE" altLang="de-DE" sz="1800" b="1" dirty="0"/>
+              <a:t> CI und </a:t>
+            </a:r>
+            <a:r>
+              <a:rPr lang="de-DE" altLang="de-DE" sz="1800" b="1" dirty="0" err="1"/>
+              <a:t>Deployment</a:t>
+            </a:r>
+            <a:r>
+              <a:rPr lang="de-DE" altLang="de-DE" sz="1800" b="1" dirty="0"/>
+              <a:t>-Strategien</a:t>
+            </a:r>
+          </a:p>
+          <a:p>
+            <a:pPr lvl="1">
+              <a:buFont typeface="Arial" panose="020B0604020202020204" pitchFamily="34" charset="0"/>
+              <a:buChar char="•"/>
+            </a:pPr>
+            <a:r>
+              <a:rPr lang="de-DE" altLang="de-DE" sz="1400" dirty="0"/>
+              <a:t>Lokale Entwicklung mit Docker</a:t>
+            </a:r>
+          </a:p>
+          <a:p>
+            <a:pPr lvl="1">
+              <a:buFont typeface="Arial" panose="020B0604020202020204" pitchFamily="34" charset="0"/>
+              <a:buChar char="•"/>
+            </a:pPr>
+            <a:r>
+              <a:rPr lang="de-DE" altLang="de-DE" sz="1400" dirty="0" err="1"/>
+              <a:t>GitLab</a:t>
+            </a:r>
+            <a:r>
+              <a:rPr lang="de-DE" altLang="de-DE" sz="1400" dirty="0"/>
+              <a:t>-Runner &amp; Docker-Registry</a:t>
+            </a:r>
+          </a:p>
+          <a:p>
+            <a:pPr lvl="1">
+              <a:buFont typeface="Arial" panose="020B0604020202020204" pitchFamily="34" charset="0"/>
+              <a:buChar char="•"/>
+            </a:pPr>
+            <a:r>
+              <a:rPr lang="de-DE" altLang="de-DE" sz="1400" dirty="0"/>
+              <a:t>Erstellen von Release- und </a:t>
+            </a:r>
+            <a:r>
+              <a:rPr lang="de-DE" altLang="de-DE" sz="1400" dirty="0" err="1"/>
+              <a:t>Tagged</a:t>
+            </a:r>
+            <a:r>
+              <a:rPr lang="de-DE" altLang="de-DE" sz="1400" dirty="0"/>
+              <a:t>-Images</a:t>
+            </a:r>
+          </a:p>
+          <a:p>
+            <a:pPr lvl="1">
+              <a:buFont typeface="Arial" panose="020B0604020202020204" pitchFamily="34" charset="0"/>
+              <a:buChar char="•"/>
+            </a:pPr>
+            <a:r>
+              <a:rPr lang="de-DE" altLang="de-DE" sz="1400" dirty="0"/>
+              <a:t>Möglichkeiten des </a:t>
+            </a:r>
+            <a:r>
+              <a:rPr lang="de-DE" altLang="de-DE" sz="1400" dirty="0" err="1"/>
+              <a:t>Deployments</a:t>
+            </a:r>
+            <a:r>
+              <a:rPr lang="de-DE" altLang="de-DE" sz="1400" dirty="0"/>
+              <a:t> &amp; Verwaltung von Konfiguration</a:t>
+            </a:r>
+          </a:p>
+          <a:p>
+            <a:pPr lvl="1">
+              <a:buFont typeface="Arial" panose="020B0604020202020204" pitchFamily="34" charset="0"/>
+              <a:buChar char="•"/>
+            </a:pPr>
+            <a:endParaRPr lang="de-DE" altLang="de-DE" sz="1400" dirty="0"/>
           </a:p>
         </p:txBody>
       </p:sp>
@@ -24596,16 +25928,106 @@
           <a:p>
             <a:r>
               <a:rPr lang="de-DE" altLang="de-DE" dirty="0"/>
-              <a:t>Zentraler </a:t>
-            </a:r>
-            <a:r>
-              <a:rPr lang="de-DE" altLang="de-DE" dirty="0" err="1"/>
-              <a:t>Git</a:t>
-            </a:r>
-            <a:r>
-              <a:rPr lang="de-DE" altLang="de-DE" dirty="0"/>
-              <a:t>-Workflow - Ablauf</a:t>
-            </a:r>
+              <a:t>Agenda</a:t>
+            </a:r>
+          </a:p>
+        </p:txBody>
+      </p:sp>
+    </p:spTree>
+  </p:cSld>
+  <p:clrMapOvr>
+    <a:masterClrMapping/>
+  </p:clrMapOvr>
+</p:sld>
+</file>
+
+<file path=ppt/slides/slide20.xml><?xml version="1.0" encoding="utf-8"?>
+<p:sld xmlns:a="http://schemas.openxmlformats.org/drawingml/2006/main" xmlns:r="http://schemas.openxmlformats.org/officeDocument/2006/relationships" xmlns:p="http://schemas.openxmlformats.org/presentationml/2006/main">
+  <p:cSld>
+    <p:spTree>
+      <p:nvGrpSpPr>
+        <p:cNvPr id="1" name=""/>
+        <p:cNvGrpSpPr/>
+        <p:nvPr/>
+      </p:nvGrpSpPr>
+      <p:grpSpPr>
+        <a:xfrm>
+          <a:off x="0" y="0"/>
+          <a:ext cx="0" cy="0"/>
+          <a:chOff x="0" y="0"/>
+          <a:chExt cx="0" cy="0"/>
+        </a:xfrm>
+      </p:grpSpPr>
+      <p:sp>
+        <p:nvSpPr>
+          <p:cNvPr id="6146" name="Inhaltsplatzhalter 18">
+            <a:extLst>
+              <a:ext uri="{FF2B5EF4-FFF2-40B4-BE49-F238E27FC236}">
+                <a16:creationId xmlns:a16="http://schemas.microsoft.com/office/drawing/2014/main" id="{BE3C4C95-FD5D-27F0-ED0C-AB8113CAC9F1}"/>
+              </a:ext>
+            </a:extLst>
+          </p:cNvPr>
+          <p:cNvSpPr>
+            <a:spLocks noGrp="1"/>
+          </p:cNvSpPr>
+          <p:nvPr>
+            <p:ph idx="1"/>
+          </p:nvPr>
+        </p:nvSpPr>
+        <p:spPr>
+          <a:xfrm>
+            <a:off x="3189018" y="3959434"/>
+            <a:ext cx="926469" cy="97545"/>
+          </a:xfrm>
+        </p:spPr>
+        <p:txBody>
+          <a:bodyPr/>
+          <a:lstStyle/>
+          <a:p>
+            <a:pPr marL="0" indent="0">
+              <a:buNone/>
+            </a:pPr>
+            <a:endParaRPr lang="de-DE" altLang="de-DE" dirty="0"/>
+          </a:p>
+          <a:p>
+            <a:pPr marL="0" indent="0">
+              <a:buNone/>
+            </a:pPr>
+            <a:endParaRPr lang="de-DE" altLang="de-DE" dirty="0"/>
+          </a:p>
+        </p:txBody>
+      </p:sp>
+      <p:sp>
+        <p:nvSpPr>
+          <p:cNvPr id="6147" name="Rectangle 1062">
+            <a:extLst>
+              <a:ext uri="{FF2B5EF4-FFF2-40B4-BE49-F238E27FC236}">
+                <a16:creationId xmlns:a16="http://schemas.microsoft.com/office/drawing/2014/main" id="{C46E9340-3256-8D55-A265-94F2F41E288E}"/>
+              </a:ext>
+            </a:extLst>
+          </p:cNvPr>
+          <p:cNvSpPr>
+            <a:spLocks noGrp="1" noChangeArrowheads="1"/>
+          </p:cNvSpPr>
+          <p:nvPr>
+            <p:ph type="title"/>
+          </p:nvPr>
+        </p:nvSpPr>
+        <p:spPr>
+          <a:xfrm>
+            <a:off x="285750" y="142875"/>
+            <a:ext cx="5654675" cy="706438"/>
+          </a:xfrm>
+        </p:spPr>
+        <p:txBody>
+          <a:bodyPr/>
+          <a:lstStyle/>
+          <a:p>
+            <a:r>
+              <a:rPr lang="de-DE" cap="none" dirty="0"/>
+              <a:t>Arbeiten im zentralen Workflow</a:t>
+            </a:r>
+            <a:endParaRPr lang="de-DE" altLang="de-DE" dirty="0"/>
           </a:p>
         </p:txBody>
       </p:sp>
@@ -27439,189 +28861,7 @@
 </p:sld>
 </file>
 
-<file path=ppt/slides/slide2.xml><?xml version="1.0" encoding="utf-8"?>
-<p:sld xmlns:a="http://schemas.openxmlformats.org/drawingml/2006/main" xmlns:r="http://schemas.openxmlformats.org/officeDocument/2006/relationships" xmlns:p="http://schemas.openxmlformats.org/presentationml/2006/main">
-  <p:cSld>
-    <p:spTree>
-      <p:nvGrpSpPr>
-        <p:cNvPr id="1" name=""/>
-        <p:cNvGrpSpPr/>
-        <p:nvPr/>
-      </p:nvGrpSpPr>
-      <p:grpSpPr>
-        <a:xfrm>
-          <a:off x="0" y="0"/>
-          <a:ext cx="0" cy="0"/>
-          <a:chOff x="0" y="0"/>
-          <a:chExt cx="0" cy="0"/>
-        </a:xfrm>
-      </p:grpSpPr>
-      <p:sp>
-        <p:nvSpPr>
-          <p:cNvPr id="5123" name="Rectangle 6">
-            <a:extLst>
-              <a:ext uri="{FF2B5EF4-FFF2-40B4-BE49-F238E27FC236}">
-                <a16:creationId xmlns:a16="http://schemas.microsoft.com/office/drawing/2014/main" id="{BC4BC2CC-AA18-345B-63ED-7D24CA6BD3B5}"/>
-              </a:ext>
-            </a:extLst>
-          </p:cNvPr>
-          <p:cNvSpPr>
-            <a:spLocks noGrp="1" noChangeArrowheads="1"/>
-          </p:cNvSpPr>
-          <p:nvPr>
-            <p:ph type="title"/>
-          </p:nvPr>
-        </p:nvSpPr>
-        <p:spPr>
-          <a:xfrm>
-            <a:off x="457200" y="115888"/>
-            <a:ext cx="3409950" cy="706437"/>
-          </a:xfrm>
-        </p:spPr>
-        <p:txBody>
-          <a:bodyPr/>
-          <a:lstStyle/>
-          <a:p>
-            <a:r>
-              <a:rPr lang="de-DE" altLang="de-DE"/>
-              <a:t>Inhalt</a:t>
-            </a:r>
-          </a:p>
-        </p:txBody>
-      </p:sp>
-      <p:sp>
-        <p:nvSpPr>
-          <p:cNvPr id="3" name="Inhaltsplatzhalter 18">
-            <a:extLst>
-              <a:ext uri="{FF2B5EF4-FFF2-40B4-BE49-F238E27FC236}">
-                <a16:creationId xmlns:a16="http://schemas.microsoft.com/office/drawing/2014/main" id="{722A59E8-4DC4-18C6-04BE-E59EF5F3246C}"/>
-              </a:ext>
-            </a:extLst>
-          </p:cNvPr>
-          <p:cNvSpPr>
-            <a:spLocks noGrp="1"/>
-          </p:cNvSpPr>
-          <p:nvPr>
-            <p:ph idx="1"/>
-          </p:nvPr>
-        </p:nvSpPr>
-        <p:spPr>
-          <a:xfrm>
-            <a:off x="303214" y="981075"/>
-            <a:ext cx="8517258" cy="5400675"/>
-          </a:xfrm>
-        </p:spPr>
-        <p:txBody>
-          <a:bodyPr/>
-          <a:lstStyle/>
-          <a:p>
-            <a:pPr>
-              <a:spcBef>
-                <a:spcPts val="300"/>
-              </a:spcBef>
-            </a:pPr>
-            <a:r>
-              <a:rPr lang="de-DE" altLang="de-DE" dirty="0"/>
-              <a:t>Was sind </a:t>
-            </a:r>
-            <a:r>
-              <a:rPr lang="de-DE" altLang="de-DE" dirty="0" err="1"/>
-              <a:t>Git</a:t>
-            </a:r>
-            <a:r>
-              <a:rPr lang="de-DE" altLang="de-DE" dirty="0"/>
-              <a:t>-Workflows? </a:t>
-            </a:r>
-          </a:p>
-          <a:p>
-            <a:pPr>
-              <a:spcBef>
-                <a:spcPts val="300"/>
-              </a:spcBef>
-            </a:pPr>
-            <a:r>
-              <a:rPr lang="de-DE" altLang="de-DE" dirty="0"/>
-              <a:t>Zentraler </a:t>
-            </a:r>
-            <a:r>
-              <a:rPr lang="de-DE" altLang="de-DE" dirty="0" err="1"/>
-              <a:t>Git</a:t>
-            </a:r>
-            <a:r>
-              <a:rPr lang="de-DE" altLang="de-DE" dirty="0"/>
-              <a:t>-Workflow</a:t>
-            </a:r>
-          </a:p>
-          <a:p>
-            <a:pPr lvl="1">
-              <a:spcBef>
-                <a:spcPts val="300"/>
-              </a:spcBef>
-            </a:pPr>
-            <a:r>
-              <a:rPr lang="de-DE" altLang="de-DE" dirty="0"/>
-              <a:t>Konzept</a:t>
-            </a:r>
-          </a:p>
-          <a:p>
-            <a:pPr lvl="1">
-              <a:spcBef>
-                <a:spcPts val="300"/>
-              </a:spcBef>
-            </a:pPr>
-            <a:r>
-              <a:rPr lang="de-DE" altLang="de-DE" dirty="0"/>
-              <a:t>Ablauf</a:t>
-            </a:r>
-          </a:p>
-          <a:p>
-            <a:pPr>
-              <a:spcBef>
-                <a:spcPts val="300"/>
-              </a:spcBef>
-            </a:pPr>
-            <a:r>
-              <a:rPr lang="de-DE" altLang="de-DE" dirty="0"/>
-              <a:t>Andere </a:t>
-            </a:r>
-            <a:r>
-              <a:rPr lang="de-DE" altLang="de-DE" dirty="0" err="1"/>
-              <a:t>Git</a:t>
-            </a:r>
-            <a:r>
-              <a:rPr lang="de-DE" altLang="de-DE" dirty="0"/>
-              <a:t>-Workflows</a:t>
-            </a:r>
-          </a:p>
-          <a:p>
-            <a:pPr>
-              <a:spcBef>
-                <a:spcPts val="300"/>
-              </a:spcBef>
-            </a:pPr>
-            <a:endParaRPr lang="de-DE" altLang="de-DE" dirty="0"/>
-          </a:p>
-          <a:p>
-            <a:pPr lvl="1"/>
-            <a:endParaRPr lang="de-DE" altLang="de-DE" dirty="0"/>
-          </a:p>
-          <a:p>
-            <a:pPr marL="0" indent="0">
-              <a:buNone/>
-            </a:pPr>
-            <a:endParaRPr lang="de-DE" altLang="de-DE" dirty="0"/>
-          </a:p>
-        </p:txBody>
-      </p:sp>
-    </p:spTree>
-  </p:cSld>
-  <p:clrMapOvr>
-    <a:masterClrMapping/>
-  </p:clrMapOvr>
-</p:sld>
-</file>
-
-<file path=ppt/slides/slide20.xml><?xml version="1.0" encoding="utf-8"?>
+<file path=ppt/slides/slide21.xml><?xml version="1.0" encoding="utf-8"?>
 <p:sld xmlns:a="http://schemas.openxmlformats.org/drawingml/2006/main" xmlns:r="http://schemas.openxmlformats.org/officeDocument/2006/relationships" xmlns:p="http://schemas.openxmlformats.org/presentationml/2006/main">
   <p:cSld>
     <p:spTree>
@@ -27704,17 +28944,10 @@
           <a:lstStyle/>
           <a:p>
             <a:r>
-              <a:rPr lang="de-DE" altLang="de-DE" dirty="0"/>
-              <a:t>Zentraler </a:t>
-            </a:r>
-            <a:r>
-              <a:rPr lang="de-DE" altLang="de-DE" dirty="0" err="1"/>
-              <a:t>Git</a:t>
-            </a:r>
-            <a:r>
-              <a:rPr lang="de-DE" altLang="de-DE" dirty="0"/>
-              <a:t>-Workflow - Ablauf</a:t>
-            </a:r>
+              <a:rPr lang="de-DE" cap="none" dirty="0"/>
+              <a:t>Arbeiten im zentralen Workflow</a:t>
+            </a:r>
+            <a:endParaRPr lang="de-DE" altLang="de-DE" dirty="0"/>
           </a:p>
         </p:txBody>
       </p:sp>
@@ -30732,7 +31965,7 @@
 </p:sld>
 </file>
 
-<file path=ppt/slides/slide21.xml><?xml version="1.0" encoding="utf-8"?>
+<file path=ppt/slides/slide22.xml><?xml version="1.0" encoding="utf-8"?>
 <p:sld xmlns:a="http://schemas.openxmlformats.org/drawingml/2006/main" xmlns:r="http://schemas.openxmlformats.org/officeDocument/2006/relationships" xmlns:p="http://schemas.openxmlformats.org/presentationml/2006/main">
   <p:cSld>
     <p:spTree>
@@ -30815,17 +32048,10 @@
           <a:lstStyle/>
           <a:p>
             <a:r>
-              <a:rPr lang="de-DE" altLang="de-DE" dirty="0"/>
-              <a:t>Zentraler </a:t>
-            </a:r>
-            <a:r>
-              <a:rPr lang="de-DE" altLang="de-DE" dirty="0" err="1"/>
-              <a:t>Git</a:t>
-            </a:r>
-            <a:r>
-              <a:rPr lang="de-DE" altLang="de-DE" dirty="0"/>
-              <a:t>-Workflow - Ablauf</a:t>
-            </a:r>
+              <a:rPr lang="de-DE" cap="none" dirty="0"/>
+              <a:t>Arbeiten im zentralen Workflow</a:t>
+            </a:r>
+            <a:endParaRPr lang="de-DE" altLang="de-DE" dirty="0"/>
           </a:p>
         </p:txBody>
       </p:sp>
@@ -34052,7 +35278,7 @@
 </p:sld>
 </file>
 
-<file path=ppt/slides/slide22.xml><?xml version="1.0" encoding="utf-8"?>
+<file path=ppt/slides/slide23.xml><?xml version="1.0" encoding="utf-8"?>
 <p:sld xmlns:a="http://schemas.openxmlformats.org/drawingml/2006/main" xmlns:r="http://schemas.openxmlformats.org/officeDocument/2006/relationships" xmlns:p="http://schemas.openxmlformats.org/presentationml/2006/main">
   <p:cSld>
     <p:spTree>
@@ -34224,17 +35450,10 @@
           <a:lstStyle/>
           <a:p>
             <a:r>
-              <a:rPr lang="de-DE" altLang="de-DE" dirty="0"/>
-              <a:t>Zentraler </a:t>
-            </a:r>
-            <a:r>
-              <a:rPr lang="de-DE" altLang="de-DE" dirty="0" err="1"/>
-              <a:t>Git</a:t>
-            </a:r>
-            <a:r>
-              <a:rPr lang="de-DE" altLang="de-DE" dirty="0"/>
-              <a:t>-Workflow - Ablauf</a:t>
-            </a:r>
+              <a:rPr lang="de-DE" cap="none" dirty="0"/>
+              <a:t>Arbeiten im zentralen Workflow</a:t>
+            </a:r>
+            <a:endParaRPr lang="de-DE" altLang="de-DE" dirty="0"/>
           </a:p>
         </p:txBody>
       </p:sp>
@@ -34242,205 +35461,6 @@
     <p:extLst>
       <p:ext uri="{BB962C8B-B14F-4D97-AF65-F5344CB8AC3E}">
         <p14:creationId xmlns:p14="http://schemas.microsoft.com/office/powerpoint/2010/main" val="3572776613"/>
-      </p:ext>
-    </p:extLst>
-  </p:cSld>
-  <p:clrMapOvr>
-    <a:masterClrMapping/>
-  </p:clrMapOvr>
-</p:sld>
-</file>
-
-<file path=ppt/slides/slide23.xml><?xml version="1.0" encoding="utf-8"?>
-<p:sld xmlns:a="http://schemas.openxmlformats.org/drawingml/2006/main" xmlns:r="http://schemas.openxmlformats.org/officeDocument/2006/relationships" xmlns:p="http://schemas.openxmlformats.org/presentationml/2006/main">
-  <p:cSld>
-    <p:spTree>
-      <p:nvGrpSpPr>
-        <p:cNvPr id="1" name=""/>
-        <p:cNvGrpSpPr/>
-        <p:nvPr/>
-      </p:nvGrpSpPr>
-      <p:grpSpPr>
-        <a:xfrm>
-          <a:off x="0" y="0"/>
-          <a:ext cx="0" cy="0"/>
-          <a:chOff x="0" y="0"/>
-          <a:chExt cx="0" cy="0"/>
-        </a:xfrm>
-      </p:grpSpPr>
-      <p:sp>
-        <p:nvSpPr>
-          <p:cNvPr id="5123" name="Rectangle 6">
-            <a:extLst>
-              <a:ext uri="{FF2B5EF4-FFF2-40B4-BE49-F238E27FC236}">
-                <a16:creationId xmlns:a16="http://schemas.microsoft.com/office/drawing/2014/main" id="{BC4BC2CC-AA18-345B-63ED-7D24CA6BD3B5}"/>
-              </a:ext>
-            </a:extLst>
-          </p:cNvPr>
-          <p:cNvSpPr>
-            <a:spLocks noGrp="1" noChangeArrowheads="1"/>
-          </p:cNvSpPr>
-          <p:nvPr>
-            <p:ph type="title"/>
-          </p:nvPr>
-        </p:nvSpPr>
-        <p:spPr>
-          <a:xfrm>
-            <a:off x="457200" y="115888"/>
-            <a:ext cx="3409950" cy="706437"/>
-          </a:xfrm>
-        </p:spPr>
-        <p:txBody>
-          <a:bodyPr/>
-          <a:lstStyle/>
-          <a:p>
-            <a:r>
-              <a:rPr lang="de-DE" altLang="de-DE"/>
-              <a:t>Inhalt</a:t>
-            </a:r>
-          </a:p>
-        </p:txBody>
-      </p:sp>
-      <p:sp>
-        <p:nvSpPr>
-          <p:cNvPr id="3" name="Inhaltsplatzhalter 18">
-            <a:extLst>
-              <a:ext uri="{FF2B5EF4-FFF2-40B4-BE49-F238E27FC236}">
-                <a16:creationId xmlns:a16="http://schemas.microsoft.com/office/drawing/2014/main" id="{722A59E8-4DC4-18C6-04BE-E59EF5F3246C}"/>
-              </a:ext>
-            </a:extLst>
-          </p:cNvPr>
-          <p:cNvSpPr>
-            <a:spLocks noGrp="1"/>
-          </p:cNvSpPr>
-          <p:nvPr>
-            <p:ph idx="1"/>
-          </p:nvPr>
-        </p:nvSpPr>
-        <p:spPr>
-          <a:xfrm>
-            <a:off x="303214" y="981075"/>
-            <a:ext cx="8517258" cy="5400675"/>
-          </a:xfrm>
-        </p:spPr>
-        <p:txBody>
-          <a:bodyPr/>
-          <a:lstStyle/>
-          <a:p>
-            <a:pPr>
-              <a:spcBef>
-                <a:spcPts val="300"/>
-              </a:spcBef>
-            </a:pPr>
-            <a:r>
-              <a:rPr lang="de-DE" altLang="de-DE" dirty="0"/>
-              <a:t>Was sind </a:t>
-            </a:r>
-            <a:r>
-              <a:rPr lang="de-DE" altLang="de-DE" dirty="0" err="1"/>
-              <a:t>Git</a:t>
-            </a:r>
-            <a:r>
-              <a:rPr lang="de-DE" altLang="de-DE" dirty="0"/>
-              <a:t>-Workflows? </a:t>
-            </a:r>
-          </a:p>
-          <a:p>
-            <a:pPr>
-              <a:spcBef>
-                <a:spcPts val="300"/>
-              </a:spcBef>
-            </a:pPr>
-            <a:r>
-              <a:rPr lang="de-DE" altLang="de-DE" dirty="0"/>
-              <a:t>Zentraler </a:t>
-            </a:r>
-            <a:r>
-              <a:rPr lang="de-DE" altLang="de-DE" dirty="0" err="1"/>
-              <a:t>Git</a:t>
-            </a:r>
-            <a:r>
-              <a:rPr lang="de-DE" altLang="de-DE" dirty="0"/>
-              <a:t>-Workflow</a:t>
-            </a:r>
-          </a:p>
-          <a:p>
-            <a:pPr lvl="1">
-              <a:spcBef>
-                <a:spcPts val="300"/>
-              </a:spcBef>
-            </a:pPr>
-            <a:r>
-              <a:rPr lang="de-DE" altLang="de-DE" dirty="0"/>
-              <a:t>Konzept</a:t>
-            </a:r>
-          </a:p>
-          <a:p>
-            <a:pPr lvl="1">
-              <a:spcBef>
-                <a:spcPts val="300"/>
-              </a:spcBef>
-            </a:pPr>
-            <a:r>
-              <a:rPr lang="de-DE" altLang="de-DE" dirty="0"/>
-              <a:t>Ablauf</a:t>
-            </a:r>
-          </a:p>
-          <a:p>
-            <a:pPr>
-              <a:spcBef>
-                <a:spcPts val="300"/>
-              </a:spcBef>
-            </a:pPr>
-            <a:r>
-              <a:rPr lang="de-DE" altLang="de-DE" dirty="0">
-                <a:solidFill>
-                  <a:srgbClr val="008C5A"/>
-                </a:solidFill>
-              </a:rPr>
-              <a:t>Andere </a:t>
-            </a:r>
-            <a:r>
-              <a:rPr lang="de-DE" altLang="de-DE" dirty="0" err="1">
-                <a:solidFill>
-                  <a:srgbClr val="008C5A"/>
-                </a:solidFill>
-              </a:rPr>
-              <a:t>Git</a:t>
-            </a:r>
-            <a:r>
-              <a:rPr lang="de-DE" altLang="de-DE" dirty="0">
-                <a:solidFill>
-                  <a:srgbClr val="008C5A"/>
-                </a:solidFill>
-              </a:rPr>
-              <a:t>-Workflows</a:t>
-            </a:r>
-          </a:p>
-          <a:p>
-            <a:pPr>
-              <a:spcBef>
-                <a:spcPts val="300"/>
-              </a:spcBef>
-            </a:pPr>
-            <a:endParaRPr lang="de-DE" altLang="de-DE" dirty="0"/>
-          </a:p>
-          <a:p>
-            <a:pPr lvl="1"/>
-            <a:endParaRPr lang="de-DE" altLang="de-DE" dirty="0"/>
-          </a:p>
-          <a:p>
-            <a:pPr marL="0" indent="0">
-              <a:buNone/>
-            </a:pPr>
-            <a:endParaRPr lang="de-DE" altLang="de-DE" dirty="0"/>
-          </a:p>
-        </p:txBody>
-      </p:sp>
-    </p:spTree>
-    <p:extLst>
-      <p:ext uri="{BB962C8B-B14F-4D97-AF65-F5344CB8AC3E}">
-        <p14:creationId xmlns:p14="http://schemas.microsoft.com/office/powerpoint/2010/main" val="2200174927"/>
       </p:ext>
     </p:extLst>
   </p:cSld>
@@ -34469,6 +35489,86 @@
       </p:grpSpPr>
       <p:sp>
         <p:nvSpPr>
+          <p:cNvPr id="2" name="Titel 1"/>
+          <p:cNvSpPr>
+            <a:spLocks noGrp="1"/>
+          </p:cNvSpPr>
+          <p:nvPr>
+            <p:ph type="title"/>
+          </p:nvPr>
+        </p:nvSpPr>
+        <p:spPr>
+          <a:xfrm>
+            <a:off x="722312" y="4406900"/>
+            <a:ext cx="7954143" cy="1362075"/>
+          </a:xfrm>
+        </p:spPr>
+        <p:txBody>
+          <a:bodyPr/>
+          <a:lstStyle/>
+          <a:p>
+            <a:r>
+              <a:rPr lang="de-DE" cap="none" dirty="0"/>
+              <a:t>Alternative Workflows</a:t>
+            </a:r>
+          </a:p>
+        </p:txBody>
+      </p:sp>
+      <p:sp>
+        <p:nvSpPr>
+          <p:cNvPr id="3" name="Untertitel 2"/>
+          <p:cNvSpPr>
+            <a:spLocks noGrp="1"/>
+          </p:cNvSpPr>
+          <p:nvPr>
+            <p:ph type="body" idx="1"/>
+          </p:nvPr>
+        </p:nvSpPr>
+        <p:spPr/>
+        <p:txBody>
+          <a:bodyPr/>
+          <a:lstStyle/>
+          <a:p>
+            <a:r>
+              <a:rPr lang="de-DE" dirty="0" err="1"/>
+              <a:t>Git</a:t>
+            </a:r>
+            <a:endParaRPr lang="de-DE" dirty="0"/>
+          </a:p>
+        </p:txBody>
+      </p:sp>
+    </p:spTree>
+    <p:extLst>
+      <p:ext uri="{BB962C8B-B14F-4D97-AF65-F5344CB8AC3E}">
+        <p14:creationId xmlns:p14="http://schemas.microsoft.com/office/powerpoint/2010/main" val="379782793"/>
+      </p:ext>
+    </p:extLst>
+  </p:cSld>
+  <p:clrMapOvr>
+    <a:masterClrMapping/>
+  </p:clrMapOvr>
+</p:sld>
+</file>
+
+<file path=ppt/slides/slide25.xml><?xml version="1.0" encoding="utf-8"?>
+<p:sld xmlns:a="http://schemas.openxmlformats.org/drawingml/2006/main" xmlns:r="http://schemas.openxmlformats.org/officeDocument/2006/relationships" xmlns:p="http://schemas.openxmlformats.org/presentationml/2006/main">
+  <p:cSld>
+    <p:spTree>
+      <p:nvGrpSpPr>
+        <p:cNvPr id="1" name=""/>
+        <p:cNvGrpSpPr/>
+        <p:nvPr/>
+      </p:nvGrpSpPr>
+      <p:grpSpPr>
+        <a:xfrm>
+          <a:off x="0" y="0"/>
+          <a:ext cx="0" cy="0"/>
+          <a:chOff x="0" y="0"/>
+          <a:chExt cx="0" cy="0"/>
+        </a:xfrm>
+      </p:grpSpPr>
+      <p:sp>
+        <p:nvSpPr>
           <p:cNvPr id="6146" name="Inhaltsplatzhalter 18">
             <a:extLst>
               <a:ext uri="{FF2B5EF4-FFF2-40B4-BE49-F238E27FC236}">
@@ -34665,17 +35765,10 @@
           <a:lstStyle/>
           <a:p>
             <a:r>
-              <a:rPr lang="de-DE" altLang="de-DE" dirty="0"/>
-              <a:t>Andere </a:t>
-            </a:r>
-            <a:r>
-              <a:rPr lang="de-DE" altLang="de-DE" dirty="0" err="1"/>
-              <a:t>Git</a:t>
-            </a:r>
-            <a:r>
-              <a:rPr lang="de-DE" altLang="de-DE" dirty="0"/>
-              <a:t>-Workflows</a:t>
-            </a:r>
+              <a:rPr lang="de-DE" cap="none" dirty="0"/>
+              <a:t>Alternative Workflows</a:t>
+            </a:r>
+            <a:endParaRPr lang="de-DE" altLang="de-DE" dirty="0"/>
           </a:p>
         </p:txBody>
       </p:sp>
@@ -34711,10 +35804,43 @@
       </p:grpSpPr>
       <p:sp>
         <p:nvSpPr>
-          <p:cNvPr id="6146" name="Inhaltsplatzhalter 18">
-            <a:extLst>
-              <a:ext uri="{FF2B5EF4-FFF2-40B4-BE49-F238E27FC236}">
-                <a16:creationId xmlns:a16="http://schemas.microsoft.com/office/drawing/2014/main" id="{BE3C4C95-FD5D-27F0-ED0C-AB8113CAC9F1}"/>
+          <p:cNvPr id="5123" name="Rectangle 6">
+            <a:extLst>
+              <a:ext uri="{FF2B5EF4-FFF2-40B4-BE49-F238E27FC236}">
+                <a16:creationId xmlns:a16="http://schemas.microsoft.com/office/drawing/2014/main" id="{BC4BC2CC-AA18-345B-63ED-7D24CA6BD3B5}"/>
+              </a:ext>
+            </a:extLst>
+          </p:cNvPr>
+          <p:cNvSpPr>
+            <a:spLocks noGrp="1" noChangeArrowheads="1"/>
+          </p:cNvSpPr>
+          <p:nvPr>
+            <p:ph type="title"/>
+          </p:nvPr>
+        </p:nvSpPr>
+        <p:spPr>
+          <a:xfrm>
+            <a:off x="457200" y="115888"/>
+            <a:ext cx="3409950" cy="706437"/>
+          </a:xfrm>
+        </p:spPr>
+        <p:txBody>
+          <a:bodyPr/>
+          <a:lstStyle/>
+          <a:p>
+            <a:r>
+              <a:rPr lang="de-DE" altLang="de-DE"/>
+              <a:t>Inhalt</a:t>
+            </a:r>
+          </a:p>
+        </p:txBody>
+      </p:sp>
+      <p:sp>
+        <p:nvSpPr>
+          <p:cNvPr id="3" name="Inhaltsplatzhalter 18">
+            <a:extLst>
+              <a:ext uri="{FF2B5EF4-FFF2-40B4-BE49-F238E27FC236}">
+                <a16:creationId xmlns:a16="http://schemas.microsoft.com/office/drawing/2014/main" id="{722A59E8-4DC4-18C6-04BE-E59EF5F3246C}"/>
               </a:ext>
             </a:extLst>
           </p:cNvPr>
@@ -34735,9 +35861,14 @@
           <a:bodyPr/>
           <a:lstStyle/>
           <a:p>
+            <a:pPr>
+              <a:spcBef>
+                <a:spcPts val="300"/>
+              </a:spcBef>
+            </a:pPr>
             <a:r>
               <a:rPr lang="de-DE" altLang="de-DE" dirty="0"/>
-              <a:t>Workflows sind Empfehlungen und Strategien zum Arbeiten mit </a:t>
+              <a:t>Was sind </a:t>
             </a:r>
             <a:r>
               <a:rPr lang="de-DE" altLang="de-DE" dirty="0" err="1"/>
@@ -34745,13 +35876,18 @@
             </a:r>
             <a:r>
               <a:rPr lang="de-DE" altLang="de-DE" dirty="0"/>
-              <a:t>, speziell im Remote Kontext</a:t>
-            </a:r>
-          </a:p>
-          <a:p>
+              <a:t>-Workflows? </a:t>
+            </a:r>
+          </a:p>
+          <a:p>
+            <a:pPr>
+              <a:spcBef>
+                <a:spcPts val="300"/>
+              </a:spcBef>
+            </a:pPr>
             <a:r>
               <a:rPr lang="de-DE" altLang="de-DE" dirty="0"/>
-              <a:t>Sollen im Team für eine konsistente und effektive Nutzung von </a:t>
+              <a:t>Zentraler </a:t>
             </a:r>
             <a:r>
               <a:rPr lang="de-DE" altLang="de-DE" dirty="0" err="1"/>
@@ -34759,7 +35895,40 @@
             </a:r>
             <a:r>
               <a:rPr lang="de-DE" altLang="de-DE" dirty="0"/>
-              <a:t> und </a:t>
+              <a:t>-Workflow</a:t>
+            </a:r>
+          </a:p>
+          <a:p>
+            <a:pPr lvl="1">
+              <a:spcBef>
+                <a:spcPts val="300"/>
+              </a:spcBef>
+            </a:pPr>
+            <a:r>
+              <a:rPr lang="de-DE" altLang="de-DE" dirty="0"/>
+              <a:t>Konzept</a:t>
+            </a:r>
+          </a:p>
+          <a:p>
+            <a:pPr lvl="1">
+              <a:spcBef>
+                <a:spcPts val="300"/>
+              </a:spcBef>
+            </a:pPr>
+            <a:r>
+              <a:rPr lang="de-DE" altLang="de-DE" dirty="0"/>
+              <a:t>Ablauf</a:t>
+            </a:r>
+          </a:p>
+          <a:p>
+            <a:pPr>
+              <a:spcBef>
+                <a:spcPts val="300"/>
+              </a:spcBef>
+            </a:pPr>
+            <a:r>
+              <a:rPr lang="de-DE" altLang="de-DE" dirty="0"/>
+              <a:t>Andere </a:t>
             </a:r>
             <a:r>
               <a:rPr lang="de-DE" altLang="de-DE" dirty="0" err="1"/>
@@ -34767,22 +35936,20 @@
             </a:r>
             <a:r>
               <a:rPr lang="de-DE" altLang="de-DE" dirty="0"/>
-              <a:t>-Plattformen wie </a:t>
-            </a:r>
-            <a:r>
-              <a:rPr lang="de-DE" altLang="de-DE" dirty="0" err="1"/>
-              <a:t>GitLab</a:t>
-            </a:r>
-            <a:r>
-              <a:rPr lang="de-DE" altLang="de-DE" dirty="0"/>
-              <a:t> sorgen</a:t>
-            </a:r>
-          </a:p>
-          <a:p>
-            <a:r>
-              <a:rPr lang="de-DE" altLang="de-DE" dirty="0"/>
-              <a:t>Workflows sind eher als Empfehlungen und nicht als absolute Regeln zu verstehen</a:t>
-            </a:r>
+              <a:t>-Workflows</a:t>
+            </a:r>
+          </a:p>
+          <a:p>
+            <a:pPr>
+              <a:spcBef>
+                <a:spcPts val="300"/>
+              </a:spcBef>
+            </a:pPr>
+            <a:endParaRPr lang="de-DE" altLang="de-DE" dirty="0"/>
+          </a:p>
+          <a:p>
+            <a:pPr lvl="1"/>
+            <a:endParaRPr lang="de-DE" altLang="de-DE" dirty="0"/>
           </a:p>
           <a:p>
             <a:pPr marL="0" indent="0">
@@ -34790,61 +35957,9 @@
             </a:pPr>
             <a:endParaRPr lang="de-DE" altLang="de-DE" dirty="0"/>
           </a:p>
-          <a:p>
-            <a:pPr marL="0" indent="0">
-              <a:buNone/>
-            </a:pPr>
-            <a:endParaRPr lang="de-DE" altLang="de-DE" dirty="0"/>
-          </a:p>
-        </p:txBody>
-      </p:sp>
-      <p:sp>
-        <p:nvSpPr>
-          <p:cNvPr id="6147" name="Rectangle 1062">
-            <a:extLst>
-              <a:ext uri="{FF2B5EF4-FFF2-40B4-BE49-F238E27FC236}">
-                <a16:creationId xmlns:a16="http://schemas.microsoft.com/office/drawing/2014/main" id="{C46E9340-3256-8D55-A265-94F2F41E288E}"/>
-              </a:ext>
-            </a:extLst>
-          </p:cNvPr>
-          <p:cNvSpPr>
-            <a:spLocks noGrp="1" noChangeArrowheads="1"/>
-          </p:cNvSpPr>
-          <p:nvPr>
-            <p:ph type="title"/>
-          </p:nvPr>
-        </p:nvSpPr>
-        <p:spPr>
-          <a:xfrm>
-            <a:off x="285750" y="142875"/>
-            <a:ext cx="5654675" cy="706438"/>
-          </a:xfrm>
-        </p:spPr>
-        <p:txBody>
-          <a:bodyPr/>
-          <a:lstStyle/>
-          <a:p>
-            <a:r>
-              <a:rPr lang="de-DE" altLang="de-DE" dirty="0"/>
-              <a:t>Was sind </a:t>
-            </a:r>
-            <a:r>
-              <a:rPr lang="de-DE" altLang="de-DE" dirty="0" err="1"/>
-              <a:t>Git</a:t>
-            </a:r>
-            <a:r>
-              <a:rPr lang="de-DE" altLang="de-DE" dirty="0"/>
-              <a:t>-Workflows?</a:t>
-            </a:r>
-          </a:p>
         </p:txBody>
       </p:sp>
     </p:spTree>
-    <p:extLst>
-      <p:ext uri="{BB962C8B-B14F-4D97-AF65-F5344CB8AC3E}">
-        <p14:creationId xmlns:p14="http://schemas.microsoft.com/office/powerpoint/2010/main" val="1842692015"/>
-      </p:ext>
-    </p:extLst>
   </p:cSld>
   <p:clrMapOvr>
     <a:masterClrMapping/>
@@ -34871,191 +35986,53 @@
       </p:grpSpPr>
       <p:sp>
         <p:nvSpPr>
-          <p:cNvPr id="6146" name="Inhaltsplatzhalter 18">
-            <a:extLst>
-              <a:ext uri="{FF2B5EF4-FFF2-40B4-BE49-F238E27FC236}">
-                <a16:creationId xmlns:a16="http://schemas.microsoft.com/office/drawing/2014/main" id="{BE3C4C95-FD5D-27F0-ED0C-AB8113CAC9F1}"/>
-              </a:ext>
-            </a:extLst>
-          </p:cNvPr>
+          <p:cNvPr id="2" name="Titel 1"/>
           <p:cNvSpPr>
             <a:spLocks noGrp="1"/>
-          </p:cNvSpPr>
-          <p:nvPr>
-            <p:ph idx="1"/>
-          </p:nvPr>
-        </p:nvSpPr>
-        <p:spPr>
-          <a:xfrm>
-            <a:off x="303214" y="981075"/>
-            <a:ext cx="8517258" cy="5400675"/>
-          </a:xfrm>
-        </p:spPr>
-        <p:txBody>
-          <a:bodyPr/>
-          <a:lstStyle/>
-          <a:p>
-            <a:pPr marL="0" indent="0">
-              <a:buNone/>
-            </a:pPr>
-            <a:r>
-              <a:rPr lang="de-DE" altLang="de-DE" b="1" dirty="0"/>
-              <a:t>Es gibt nicht den einen </a:t>
-            </a:r>
-            <a:r>
-              <a:rPr lang="de-DE" altLang="de-DE" b="1" dirty="0" err="1"/>
-              <a:t>Git</a:t>
-            </a:r>
-            <a:r>
-              <a:rPr lang="de-DE" altLang="de-DE" b="1" dirty="0"/>
-              <a:t>-Workflow</a:t>
-            </a:r>
-          </a:p>
-          <a:p>
-            <a:r>
-              <a:rPr lang="de-DE" altLang="de-DE" dirty="0" err="1"/>
-              <a:t>Git</a:t>
-            </a:r>
-            <a:r>
-              <a:rPr lang="de-DE" altLang="de-DE" dirty="0"/>
-              <a:t> und </a:t>
-            </a:r>
-            <a:r>
-              <a:rPr lang="de-DE" altLang="de-DE" dirty="0" err="1"/>
-              <a:t>GitLab</a:t>
-            </a:r>
-            <a:r>
-              <a:rPr lang="de-DE" altLang="de-DE" dirty="0"/>
-              <a:t> bieten durch eine Vielzahl an Konzepten und Feature ganz unterschiedliche Möglichkeiten zum Einsatz</a:t>
-            </a:r>
-          </a:p>
-          <a:p>
-            <a:r>
-              <a:rPr lang="de-DE" altLang="de-DE" dirty="0"/>
-              <a:t>Daher existieren auch viele </a:t>
-            </a:r>
-            <a:r>
-              <a:rPr lang="de-DE" altLang="de-DE" dirty="0" err="1"/>
-              <a:t>Git</a:t>
-            </a:r>
-            <a:r>
-              <a:rPr lang="de-DE" altLang="de-DE" dirty="0"/>
-              <a:t>-Workflows mit unterschiedlichen Konzepten</a:t>
-            </a:r>
-          </a:p>
-          <a:p>
-            <a:r>
-              <a:rPr lang="de-DE" altLang="de-DE" dirty="0"/>
-              <a:t>Auswahl des passenden Workflows richtet sich nach bestimmten Kriterien</a:t>
-            </a:r>
-          </a:p>
-          <a:p>
-            <a:pPr lvl="1"/>
-            <a:r>
-              <a:rPr lang="de-DE" altLang="de-DE" dirty="0"/>
-              <a:t>Art des Projekts, indem </a:t>
-            </a:r>
-            <a:r>
-              <a:rPr lang="de-DE" altLang="de-DE" dirty="0" err="1"/>
-              <a:t>Git</a:t>
-            </a:r>
-            <a:r>
-              <a:rPr lang="de-DE" altLang="de-DE" dirty="0"/>
-              <a:t> verwendet wird</a:t>
-            </a:r>
-          </a:p>
-          <a:p>
-            <a:pPr lvl="1"/>
-            <a:r>
-              <a:rPr lang="de-DE" altLang="de-DE" dirty="0"/>
-              <a:t>Projektgröße und Umfang</a:t>
-            </a:r>
-          </a:p>
-          <a:p>
-            <a:pPr lvl="1"/>
-            <a:r>
-              <a:rPr lang="de-DE" altLang="de-DE" dirty="0"/>
-              <a:t>Teamgröße</a:t>
-            </a:r>
-          </a:p>
-          <a:p>
-            <a:pPr lvl="1"/>
-            <a:r>
-              <a:rPr lang="de-DE" altLang="de-DE" dirty="0"/>
-              <a:t>Teamkultur</a:t>
-            </a:r>
-          </a:p>
-          <a:p>
-            <a:r>
-              <a:rPr lang="de-DE" altLang="de-DE" dirty="0"/>
-              <a:t>Teammitglieder müssen mit dem gewählten Workflow vertraut sein und diesen produktiv in ihre Arbeit integrieren</a:t>
-            </a:r>
-          </a:p>
-          <a:p>
-            <a:r>
-              <a:rPr lang="de-DE" altLang="de-DE" dirty="0"/>
-              <a:t>Workflow darf keinen unnötigen Overhead erzeugen</a:t>
-            </a:r>
-          </a:p>
-          <a:p>
-            <a:pPr marL="0" indent="0">
-              <a:buNone/>
-            </a:pPr>
-            <a:endParaRPr lang="de-DE" altLang="de-DE" dirty="0"/>
-          </a:p>
-          <a:p>
-            <a:pPr marL="0" indent="0">
-              <a:buNone/>
-            </a:pPr>
-            <a:endParaRPr lang="de-DE" altLang="de-DE" dirty="0"/>
-          </a:p>
-        </p:txBody>
-      </p:sp>
-      <p:sp>
-        <p:nvSpPr>
-          <p:cNvPr id="6147" name="Rectangle 1062">
-            <a:extLst>
-              <a:ext uri="{FF2B5EF4-FFF2-40B4-BE49-F238E27FC236}">
-                <a16:creationId xmlns:a16="http://schemas.microsoft.com/office/drawing/2014/main" id="{C46E9340-3256-8D55-A265-94F2F41E288E}"/>
-              </a:ext>
-            </a:extLst>
-          </p:cNvPr>
-          <p:cNvSpPr>
-            <a:spLocks noGrp="1" noChangeArrowheads="1"/>
           </p:cNvSpPr>
           <p:nvPr>
             <p:ph type="title"/>
           </p:nvPr>
         </p:nvSpPr>
-        <p:spPr>
-          <a:xfrm>
-            <a:off x="285750" y="142875"/>
-            <a:ext cx="5654675" cy="706438"/>
-          </a:xfrm>
-        </p:spPr>
+        <p:spPr/>
         <p:txBody>
           <a:bodyPr/>
           <a:lstStyle/>
           <a:p>
             <a:r>
-              <a:rPr lang="de-DE" altLang="de-DE" dirty="0"/>
-              <a:t>Was sind </a:t>
-            </a:r>
-            <a:r>
-              <a:rPr lang="de-DE" altLang="de-DE" dirty="0" err="1"/>
+              <a:rPr lang="de-DE" cap="none" dirty="0"/>
+              <a:t>Workflows</a:t>
+            </a:r>
+          </a:p>
+        </p:txBody>
+      </p:sp>
+      <p:sp>
+        <p:nvSpPr>
+          <p:cNvPr id="3" name="Untertitel 2"/>
+          <p:cNvSpPr>
+            <a:spLocks noGrp="1"/>
+          </p:cNvSpPr>
+          <p:nvPr>
+            <p:ph type="body" idx="1"/>
+          </p:nvPr>
+        </p:nvSpPr>
+        <p:spPr/>
+        <p:txBody>
+          <a:bodyPr/>
+          <a:lstStyle/>
+          <a:p>
+            <a:r>
+              <a:rPr lang="de-DE" dirty="0" err="1"/>
               <a:t>Git</a:t>
             </a:r>
-            <a:r>
-              <a:rPr lang="de-DE" altLang="de-DE" dirty="0"/>
-              <a:t>-Workflows?</a:t>
-            </a:r>
+            <a:endParaRPr lang="de-DE" dirty="0"/>
           </a:p>
         </p:txBody>
       </p:sp>
     </p:spTree>
     <p:extLst>
       <p:ext uri="{BB962C8B-B14F-4D97-AF65-F5344CB8AC3E}">
-        <p14:creationId xmlns:p14="http://schemas.microsoft.com/office/powerpoint/2010/main" val="3770332963"/>
+        <p14:creationId xmlns:p14="http://schemas.microsoft.com/office/powerpoint/2010/main" val="3092047359"/>
       </p:ext>
     </p:extLst>
   </p:cSld>
@@ -35084,10 +36061,99 @@
       </p:grpSpPr>
       <p:sp>
         <p:nvSpPr>
-          <p:cNvPr id="5123" name="Rectangle 6">
-            <a:extLst>
-              <a:ext uri="{FF2B5EF4-FFF2-40B4-BE49-F238E27FC236}">
-                <a16:creationId xmlns:a16="http://schemas.microsoft.com/office/drawing/2014/main" id="{BC4BC2CC-AA18-345B-63ED-7D24CA6BD3B5}"/>
+          <p:cNvPr id="6146" name="Inhaltsplatzhalter 18">
+            <a:extLst>
+              <a:ext uri="{FF2B5EF4-FFF2-40B4-BE49-F238E27FC236}">
+                <a16:creationId xmlns:a16="http://schemas.microsoft.com/office/drawing/2014/main" id="{BE3C4C95-FD5D-27F0-ED0C-AB8113CAC9F1}"/>
+              </a:ext>
+            </a:extLst>
+          </p:cNvPr>
+          <p:cNvSpPr>
+            <a:spLocks noGrp="1"/>
+          </p:cNvSpPr>
+          <p:nvPr>
+            <p:ph idx="1"/>
+          </p:nvPr>
+        </p:nvSpPr>
+        <p:spPr>
+          <a:xfrm>
+            <a:off x="303214" y="981075"/>
+            <a:ext cx="8517258" cy="5400675"/>
+          </a:xfrm>
+        </p:spPr>
+        <p:txBody>
+          <a:bodyPr/>
+          <a:lstStyle/>
+          <a:p>
+            <a:r>
+              <a:rPr lang="de-DE" altLang="de-DE" dirty="0"/>
+              <a:t>Workflows sind Empfehlungen und Strategien zum Arbeiten mit </a:t>
+            </a:r>
+            <a:r>
+              <a:rPr lang="de-DE" altLang="de-DE" dirty="0" err="1"/>
+              <a:t>Git</a:t>
+            </a:r>
+            <a:r>
+              <a:rPr lang="de-DE" altLang="de-DE" dirty="0"/>
+              <a:t>, speziell im Remote Kontext</a:t>
+            </a:r>
+          </a:p>
+          <a:p>
+            <a:r>
+              <a:rPr lang="de-DE" altLang="de-DE" dirty="0"/>
+              <a:t>Sollen im Team für eine konsistente und effektive Nutzung von </a:t>
+            </a:r>
+            <a:r>
+              <a:rPr lang="de-DE" altLang="de-DE" dirty="0" err="1"/>
+              <a:t>Git</a:t>
+            </a:r>
+            <a:r>
+              <a:rPr lang="de-DE" altLang="de-DE" dirty="0"/>
+              <a:t> und </a:t>
+            </a:r>
+            <a:r>
+              <a:rPr lang="de-DE" altLang="de-DE" dirty="0" err="1"/>
+              <a:t>Git</a:t>
+            </a:r>
+            <a:r>
+              <a:rPr lang="de-DE" altLang="de-DE" dirty="0"/>
+              <a:t>-Plattformen wie </a:t>
+            </a:r>
+            <a:r>
+              <a:rPr lang="de-DE" altLang="de-DE" dirty="0" err="1"/>
+              <a:t>GitLab</a:t>
+            </a:r>
+            <a:r>
+              <a:rPr lang="de-DE" altLang="de-DE" dirty="0"/>
+              <a:t> sorgen</a:t>
+            </a:r>
+          </a:p>
+          <a:p>
+            <a:r>
+              <a:rPr lang="de-DE" altLang="de-DE" dirty="0"/>
+              <a:t>Workflows sind eher als Empfehlungen und nicht als absolute Regeln zu verstehen</a:t>
+            </a:r>
+          </a:p>
+          <a:p>
+            <a:pPr marL="0" indent="0">
+              <a:buNone/>
+            </a:pPr>
+            <a:endParaRPr lang="de-DE" altLang="de-DE" dirty="0"/>
+          </a:p>
+          <a:p>
+            <a:pPr marL="0" indent="0">
+              <a:buNone/>
+            </a:pPr>
+            <a:endParaRPr lang="de-DE" altLang="de-DE" dirty="0"/>
+          </a:p>
+        </p:txBody>
+      </p:sp>
+      <p:sp>
+        <p:nvSpPr>
+          <p:cNvPr id="6147" name="Rectangle 1062">
+            <a:extLst>
+              <a:ext uri="{FF2B5EF4-FFF2-40B4-BE49-F238E27FC236}">
+                <a16:creationId xmlns:a16="http://schemas.microsoft.com/office/drawing/2014/main" id="{C46E9340-3256-8D55-A265-94F2F41E288E}"/>
               </a:ext>
             </a:extLst>
           </p:cNvPr>
@@ -35100,8 +36166,8 @@
         </p:nvSpPr>
         <p:spPr>
           <a:xfrm>
-            <a:off x="457200" y="115888"/>
-            <a:ext cx="3409950" cy="706437"/>
+            <a:off x="285750" y="142875"/>
+            <a:ext cx="5654675" cy="706438"/>
           </a:xfrm>
         </p:spPr>
         <p:txBody>
@@ -35109,44 +36175,6 @@
           <a:lstStyle/>
           <a:p>
             <a:r>
-              <a:rPr lang="de-DE" altLang="de-DE"/>
-              <a:t>Inhalt</a:t>
-            </a:r>
-          </a:p>
-        </p:txBody>
-      </p:sp>
-      <p:sp>
-        <p:nvSpPr>
-          <p:cNvPr id="3" name="Inhaltsplatzhalter 18">
-            <a:extLst>
-              <a:ext uri="{FF2B5EF4-FFF2-40B4-BE49-F238E27FC236}">
-                <a16:creationId xmlns:a16="http://schemas.microsoft.com/office/drawing/2014/main" id="{722A59E8-4DC4-18C6-04BE-E59EF5F3246C}"/>
-              </a:ext>
-            </a:extLst>
-          </p:cNvPr>
-          <p:cNvSpPr>
-            <a:spLocks noGrp="1"/>
-          </p:cNvSpPr>
-          <p:nvPr>
-            <p:ph idx="1"/>
-          </p:nvPr>
-        </p:nvSpPr>
-        <p:spPr>
-          <a:xfrm>
-            <a:off x="303214" y="981075"/>
-            <a:ext cx="8517258" cy="5400675"/>
-          </a:xfrm>
-        </p:spPr>
-        <p:txBody>
-          <a:bodyPr/>
-          <a:lstStyle/>
-          <a:p>
-            <a:pPr>
-              <a:spcBef>
-                <a:spcPts val="300"/>
-              </a:spcBef>
-            </a:pPr>
-            <a:r>
               <a:rPr lang="de-DE" altLang="de-DE" dirty="0"/>
               <a:t>Was sind </a:t>
             </a:r>
@@ -35156,109 +36184,15 @@
             </a:r>
             <a:r>
               <a:rPr lang="de-DE" altLang="de-DE" dirty="0"/>
-              <a:t>-Workflows? </a:t>
-            </a:r>
-          </a:p>
-          <a:p>
-            <a:pPr>
-              <a:spcBef>
-                <a:spcPts val="300"/>
-              </a:spcBef>
-            </a:pPr>
-            <a:r>
-              <a:rPr lang="de-DE" altLang="de-DE" dirty="0">
-                <a:solidFill>
-                  <a:srgbClr val="008C5A"/>
-                </a:solidFill>
-              </a:rPr>
-              <a:t>Zentraler </a:t>
-            </a:r>
-            <a:r>
-              <a:rPr lang="de-DE" altLang="de-DE" dirty="0" err="1">
-                <a:solidFill>
-                  <a:srgbClr val="008C5A"/>
-                </a:solidFill>
-              </a:rPr>
-              <a:t>Git</a:t>
-            </a:r>
-            <a:r>
-              <a:rPr lang="de-DE" altLang="de-DE" dirty="0">
-                <a:solidFill>
-                  <a:srgbClr val="008C5A"/>
-                </a:solidFill>
-              </a:rPr>
-              <a:t>-Workflow</a:t>
-            </a:r>
-          </a:p>
-          <a:p>
-            <a:pPr lvl="1">
-              <a:spcBef>
-                <a:spcPts val="300"/>
-              </a:spcBef>
-            </a:pPr>
-            <a:r>
-              <a:rPr lang="de-DE" altLang="de-DE" dirty="0">
-                <a:solidFill>
-                  <a:srgbClr val="008C5A"/>
-                </a:solidFill>
-              </a:rPr>
-              <a:t>Konzept</a:t>
-            </a:r>
-          </a:p>
-          <a:p>
-            <a:pPr lvl="1">
-              <a:spcBef>
-                <a:spcPts val="300"/>
-              </a:spcBef>
-            </a:pPr>
-            <a:r>
-              <a:rPr lang="de-DE" altLang="de-DE" dirty="0"/>
-              <a:t>Ablauf</a:t>
-            </a:r>
-          </a:p>
-          <a:p>
-            <a:pPr>
-              <a:spcBef>
-                <a:spcPts val="300"/>
-              </a:spcBef>
-            </a:pPr>
-            <a:r>
-              <a:rPr lang="de-DE" altLang="de-DE" dirty="0"/>
-              <a:t>Andere </a:t>
-            </a:r>
-            <a:r>
-              <a:rPr lang="de-DE" altLang="de-DE" dirty="0" err="1"/>
-              <a:t>Git</a:t>
-            </a:r>
-            <a:r>
-              <a:rPr lang="de-DE" altLang="de-DE" dirty="0"/>
-              <a:t>-Workflows</a:t>
-            </a:r>
-          </a:p>
-          <a:p>
-            <a:pPr>
-              <a:spcBef>
-                <a:spcPts val="300"/>
-              </a:spcBef>
-            </a:pPr>
-            <a:endParaRPr lang="de-DE" altLang="de-DE" dirty="0"/>
-          </a:p>
-          <a:p>
-            <a:pPr lvl="1"/>
-            <a:endParaRPr lang="de-DE" altLang="de-DE" dirty="0"/>
-          </a:p>
-          <a:p>
-            <a:pPr marL="0" indent="0">
-              <a:buNone/>
-            </a:pPr>
-            <a:endParaRPr lang="de-DE" altLang="de-DE" dirty="0"/>
+              <a:t>-Workflows?</a:t>
+            </a:r>
           </a:p>
         </p:txBody>
       </p:sp>
     </p:spTree>
     <p:extLst>
       <p:ext uri="{BB962C8B-B14F-4D97-AF65-F5344CB8AC3E}">
-        <p14:creationId xmlns:p14="http://schemas.microsoft.com/office/powerpoint/2010/main" val="694979482"/>
+        <p14:creationId xmlns:p14="http://schemas.microsoft.com/office/powerpoint/2010/main" val="1842692015"/>
       </p:ext>
     </p:extLst>
   </p:cSld>
@@ -35311,119 +36245,107 @@
           <a:bodyPr/>
           <a:lstStyle/>
           <a:p>
-            <a:r>
-              <a:rPr lang="de-DE" altLang="de-DE" dirty="0"/>
-              <a:t>Ein zentraler </a:t>
-            </a:r>
+            <a:pPr marL="0" indent="0">
+              <a:buNone/>
+            </a:pPr>
+            <a:r>
+              <a:rPr lang="de-DE" altLang="de-DE" b="1" dirty="0"/>
+              <a:t>Es gibt nicht den einen </a:t>
+            </a:r>
+            <a:r>
+              <a:rPr lang="de-DE" altLang="de-DE" b="1" dirty="0" err="1"/>
+              <a:t>Git</a:t>
+            </a:r>
+            <a:r>
+              <a:rPr lang="de-DE" altLang="de-DE" b="1" dirty="0"/>
+              <a:t>-Workflow</a:t>
+            </a:r>
+          </a:p>
+          <a:p>
             <a:r>
               <a:rPr lang="de-DE" altLang="de-DE" dirty="0" err="1"/>
               <a:t>Git</a:t>
             </a:r>
             <a:r>
               <a:rPr lang="de-DE" altLang="de-DE" dirty="0"/>
-              <a:t>-Workflow ist einfacher Workflow</a:t>
-            </a:r>
-          </a:p>
-          <a:p>
+              <a:t> und </a:t>
+            </a:r>
+            <a:r>
+              <a:rPr lang="de-DE" altLang="de-DE" dirty="0" err="1"/>
+              <a:t>GitLab</a:t>
+            </a:r>
             <a:r>
               <a:rPr lang="de-DE" altLang="de-DE" dirty="0"/>
-              <a:t>Im zentralen Ansatz wird nur ein Branch benötigt</a:t>
+              <a:t> bieten durch eine Vielzahl an Konzepten und Feature ganz unterschiedliche Möglichkeiten zum Einsatz</a:t>
+            </a:r>
+          </a:p>
+          <a:p>
+            <a:r>
+              <a:rPr lang="de-DE" altLang="de-DE" dirty="0"/>
+              <a:t>Daher existieren auch viele </a:t>
+            </a:r>
+            <a:r>
+              <a:rPr lang="de-DE" altLang="de-DE" dirty="0" err="1"/>
+              <a:t>Git</a:t>
+            </a:r>
+            <a:r>
+              <a:rPr lang="de-DE" altLang="de-DE" dirty="0"/>
+              <a:t>-Workflows mit unterschiedlichen Konzepten</a:t>
+            </a:r>
+          </a:p>
+          <a:p>
+            <a:r>
+              <a:rPr lang="de-DE" altLang="de-DE" dirty="0"/>
+              <a:t>Auswahl des passenden Workflows richtet sich nach bestimmten Kriterien</a:t>
             </a:r>
           </a:p>
           <a:p>
             <a:pPr lvl="1"/>
             <a:r>
               <a:rPr lang="de-DE" altLang="de-DE" dirty="0"/>
-              <a:t>Häufig </a:t>
-            </a:r>
-            <a:r>
-              <a:rPr lang="de-DE" altLang="de-DE" b="1" dirty="0" err="1"/>
-              <a:t>main</a:t>
+              <a:t>Art des Projekts, indem </a:t>
+            </a:r>
+            <a:r>
+              <a:rPr lang="de-DE" altLang="de-DE" dirty="0" err="1"/>
+              <a:t>Git</a:t>
             </a:r>
             <a:r>
               <a:rPr lang="de-DE" altLang="de-DE" dirty="0"/>
-              <a:t>, andere Bezeichnungen sind </a:t>
-            </a:r>
-            <a:r>
-              <a:rPr lang="de-DE" altLang="de-DE" b="1" dirty="0" err="1"/>
-              <a:t>trunk</a:t>
-            </a:r>
+              <a:t> verwendet wird</a:t>
+            </a:r>
+          </a:p>
+          <a:p>
+            <a:pPr lvl="1"/>
             <a:r>
               <a:rPr lang="de-DE" altLang="de-DE" dirty="0"/>
-              <a:t> oder </a:t>
-            </a:r>
-            <a:r>
-              <a:rPr lang="de-DE" altLang="de-DE" b="1" dirty="0" err="1"/>
-              <a:t>master</a:t>
-            </a:r>
+              <a:t>Projektgröße und Umfang</a:t>
+            </a:r>
+          </a:p>
+          <a:p>
+            <a:pPr lvl="1"/>
             <a:r>
               <a:rPr lang="de-DE" altLang="de-DE" dirty="0"/>
-              <a:t> (veraltet)</a:t>
+              <a:t>Teamgröße</a:t>
             </a:r>
           </a:p>
           <a:p>
             <a:pPr lvl="1"/>
             <a:r>
               <a:rPr lang="de-DE" altLang="de-DE" dirty="0"/>
-              <a:t>Sämtliche Änderungen werden hier committet</a:t>
-            </a:r>
-          </a:p>
-          <a:p>
-            <a:pPr lvl="1"/>
+              <a:t>Teamkultur</a:t>
+            </a:r>
+          </a:p>
+          <a:p>
             <a:r>
               <a:rPr lang="de-DE" altLang="de-DE" dirty="0"/>
-              <a:t>Vermeidet Overhead durch Verwaltung von </a:t>
-            </a:r>
-            <a:r>
-              <a:rPr lang="de-DE" altLang="de-DE" dirty="0" err="1"/>
-              <a:t>Branches</a:t>
-            </a:r>
-            <a:endParaRPr lang="de-DE" altLang="de-DE" dirty="0"/>
+              <a:t>Teammitglieder müssen mit dem gewählten Workflow vertraut sein und diesen produktiv in ihre Arbeit integrieren</a:t>
+            </a:r>
           </a:p>
           <a:p>
             <a:r>
               <a:rPr lang="de-DE" altLang="de-DE" dirty="0"/>
-              <a:t>Dadurch einfach und schnell zu verstehen </a:t>
-            </a:r>
-          </a:p>
-          <a:p>
-            <a:r>
-              <a:rPr lang="de-DE" altLang="de-DE" dirty="0"/>
-              <a:t>Eignet sich gut bei Umstieg von einem CVCS wie bspw. Subversion</a:t>
-            </a:r>
-          </a:p>
-          <a:p>
-            <a:r>
-              <a:rPr lang="de-DE" altLang="de-DE" dirty="0"/>
-              <a:t>Erfreut sich in verschiedenen Varianten durch gute Kompatibilität zu </a:t>
-            </a:r>
-            <a:r>
-              <a:rPr lang="de-DE" altLang="de-DE" dirty="0" err="1"/>
-              <a:t>Continuous</a:t>
-            </a:r>
-            <a:r>
-              <a:rPr lang="de-DE" altLang="de-DE" dirty="0"/>
-              <a:t> Integration und </a:t>
-            </a:r>
-            <a:r>
-              <a:rPr lang="de-DE" altLang="de-DE" dirty="0" err="1"/>
-              <a:t>Continuous</a:t>
-            </a:r>
-            <a:r>
-              <a:rPr lang="de-DE" altLang="de-DE" dirty="0"/>
-              <a:t> </a:t>
-            </a:r>
-            <a:r>
-              <a:rPr lang="de-DE" altLang="de-DE" dirty="0" err="1"/>
-              <a:t>Deployment</a:t>
-            </a:r>
-            <a:r>
-              <a:rPr lang="de-DE" altLang="de-DE" dirty="0"/>
-              <a:t> (CI/CD) großer Beliebtheit </a:t>
-            </a:r>
-          </a:p>
-          <a:p>
-            <a:endParaRPr lang="de-DE" altLang="de-DE" dirty="0"/>
+              <a:t>Workflow darf keinen unnötigen Overhead erzeugen</a:t>
+            </a:r>
           </a:p>
           <a:p>
             <a:pPr marL="0" indent="0">
@@ -35467,7 +36389,7 @@
           <a:p>
             <a:r>
               <a:rPr lang="de-DE" altLang="de-DE" dirty="0"/>
-              <a:t>Zentraler </a:t>
+              <a:t>Was sind </a:t>
             </a:r>
             <a:r>
               <a:rPr lang="de-DE" altLang="de-DE" dirty="0" err="1"/>
@@ -35475,7 +36397,7 @@
             </a:r>
             <a:r>
               <a:rPr lang="de-DE" altLang="de-DE" dirty="0"/>
-              <a:t>-Workflow</a:t>
+              <a:t>-Workflows?</a:t>
             </a:r>
           </a:p>
         </p:txBody>
@@ -35483,7 +36405,7 @@
     </p:spTree>
     <p:extLst>
       <p:ext uri="{BB962C8B-B14F-4D97-AF65-F5344CB8AC3E}">
-        <p14:creationId xmlns:p14="http://schemas.microsoft.com/office/powerpoint/2010/main" val="1242079246"/>
+        <p14:creationId xmlns:p14="http://schemas.microsoft.com/office/powerpoint/2010/main" val="3770332963"/>
       </p:ext>
     </p:extLst>
   </p:cSld>
@@ -35536,120 +36458,119 @@
           <a:bodyPr/>
           <a:lstStyle/>
           <a:p>
-            <a:pPr marL="0" indent="0">
-              <a:buNone/>
-            </a:pPr>
-            <a:r>
-              <a:rPr lang="de-DE" altLang="de-DE" b="1" dirty="0"/>
-              <a:t>Entwickler committen ihre Änderungen direkt auf </a:t>
+            <a:r>
+              <a:rPr lang="de-DE" altLang="de-DE" dirty="0"/>
+              <a:t>Ein zentraler </a:t>
+            </a:r>
+            <a:r>
+              <a:rPr lang="de-DE" altLang="de-DE" dirty="0" err="1"/>
+              <a:t>Git</a:t>
+            </a:r>
+            <a:r>
+              <a:rPr lang="de-DE" altLang="de-DE" dirty="0"/>
+              <a:t>-Workflow ist einfacher Workflow</a:t>
+            </a:r>
+          </a:p>
+          <a:p>
+            <a:r>
+              <a:rPr lang="de-DE" altLang="de-DE" dirty="0"/>
+              <a:t>Im zentralen Ansatz wird nur ein Branch benötigt</a:t>
+            </a:r>
+          </a:p>
+          <a:p>
+            <a:pPr lvl="1"/>
+            <a:r>
+              <a:rPr lang="de-DE" altLang="de-DE" dirty="0"/>
+              <a:t>Häufig </a:t>
             </a:r>
             <a:r>
               <a:rPr lang="de-DE" altLang="de-DE" b="1" dirty="0" err="1"/>
               <a:t>main</a:t>
             </a:r>
-            <a:endParaRPr lang="de-DE" altLang="de-DE" b="1" dirty="0"/>
-          </a:p>
-          <a:p>
             <a:r>
               <a:rPr lang="de-DE" altLang="de-DE" dirty="0"/>
-              <a:t>main-Branch erhält dadurch oft neue Änderungen, da diese nicht längerlebigen </a:t>
+              <a:t>, andere Bezeichnungen sind </a:t>
+            </a:r>
+            <a:r>
+              <a:rPr lang="de-DE" altLang="de-DE" b="1" dirty="0" err="1"/>
+              <a:t>trunk</a:t>
+            </a:r>
+            <a:r>
+              <a:rPr lang="de-DE" altLang="de-DE" dirty="0"/>
+              <a:t> oder </a:t>
+            </a:r>
+            <a:r>
+              <a:rPr lang="de-DE" altLang="de-DE" b="1" dirty="0" err="1"/>
+              <a:t>master</a:t>
+            </a:r>
+            <a:r>
+              <a:rPr lang="de-DE" altLang="de-DE" dirty="0"/>
+              <a:t> (veraltet)</a:t>
+            </a:r>
+          </a:p>
+          <a:p>
+            <a:pPr lvl="1"/>
+            <a:r>
+              <a:rPr lang="de-DE" altLang="de-DE" dirty="0"/>
+              <a:t>Sämtliche Änderungen werden hier committet</a:t>
+            </a:r>
+          </a:p>
+          <a:p>
+            <a:pPr lvl="1"/>
+            <a:r>
+              <a:rPr lang="de-DE" altLang="de-DE" dirty="0"/>
+              <a:t>Vermeidet Overhead durch Verwaltung von </a:t>
             </a:r>
             <a:r>
               <a:rPr lang="de-DE" altLang="de-DE" dirty="0" err="1"/>
               <a:t>Branches</a:t>
             </a:r>
+            <a:endParaRPr lang="de-DE" altLang="de-DE" dirty="0"/>
+          </a:p>
+          <a:p>
             <a:r>
               <a:rPr lang="de-DE" altLang="de-DE" dirty="0"/>
-              <a:t> erfolgen </a:t>
+              <a:t>Dadurch einfach und schnell zu verstehen </a:t>
             </a:r>
           </a:p>
           <a:p>
             <a:r>
               <a:rPr lang="de-DE" altLang="de-DE" dirty="0"/>
-              <a:t>Häufige </a:t>
+              <a:t>Eignet sich gut bei Umstieg von einem CVCS wie bspw. Subversion</a:t>
+            </a:r>
+          </a:p>
+          <a:p>
+            <a:r>
+              <a:rPr lang="de-DE" altLang="de-DE" dirty="0"/>
+              <a:t>Erfreut sich in verschiedenen Varianten durch gute Kompatibilität zu </a:t>
             </a:r>
             <a:r>
               <a:rPr lang="de-DE" altLang="de-DE" dirty="0" err="1"/>
-              <a:t>Commits</a:t>
+              <a:t>Continuous</a:t>
             </a:r>
             <a:r>
               <a:rPr lang="de-DE" altLang="de-DE" dirty="0"/>
-              <a:t> auf main-Branch helfen bei CI/CD </a:t>
-            </a:r>
-          </a:p>
-          <a:p>
-            <a:pPr lvl="1"/>
+              <a:t> Integration und </a:t>
+            </a:r>
+            <a:r>
+              <a:rPr lang="de-DE" altLang="de-DE" dirty="0" err="1"/>
+              <a:t>Continuous</a:t>
+            </a:r>
             <a:r>
               <a:rPr lang="de-DE" altLang="de-DE" dirty="0"/>
-              <a:t>CI-Pipeline kann häufig durchlaufen</a:t>
-            </a:r>
-          </a:p>
-          <a:p>
-            <a:pPr lvl="1"/>
+              <a:t> </a:t>
+            </a:r>
+            <a:r>
+              <a:rPr lang="de-DE" altLang="de-DE" dirty="0" err="1"/>
+              <a:t>Deployment</a:t>
+            </a:r>
             <a:r>
               <a:rPr lang="de-DE" altLang="de-DE" dirty="0"/>
-              <a:t>Automatisierte Tests geben schnell Feedback</a:t>
-            </a:r>
-          </a:p>
-          <a:p>
-            <a:pPr lvl="1"/>
-            <a:r>
-              <a:rPr lang="de-DE" altLang="de-DE" dirty="0"/>
-              <a:t>Ermöglicht hochfrequente Releases</a:t>
-            </a:r>
-          </a:p>
-          <a:p>
-            <a:r>
-              <a:rPr lang="de-DE" altLang="de-DE" dirty="0"/>
-              <a:t>Beim zentralen </a:t>
-            </a:r>
-            <a:r>
-              <a:rPr lang="de-DE" altLang="de-DE" dirty="0" err="1"/>
-              <a:t>Git</a:t>
-            </a:r>
-            <a:r>
-              <a:rPr lang="de-DE" altLang="de-DE" dirty="0"/>
-              <a:t>-Workflow liegt ein besonderer Fokus auf die Qualität der </a:t>
-            </a:r>
-            <a:r>
-              <a:rPr lang="de-DE" altLang="de-DE" dirty="0" err="1"/>
-              <a:t>Commits</a:t>
-            </a:r>
+              <a:t> (CI/CD) großer Beliebtheit </a:t>
+            </a:r>
+          </a:p>
+          <a:p>
             <a:endParaRPr lang="de-DE" altLang="de-DE" dirty="0"/>
-          </a:p>
-          <a:p>
-            <a:pPr lvl="1"/>
-            <a:r>
-              <a:rPr lang="de-DE" altLang="de-DE" dirty="0"/>
-              <a:t>Generell sollte in </a:t>
-            </a:r>
-            <a:r>
-              <a:rPr lang="de-DE" altLang="de-DE" dirty="0" err="1"/>
-              <a:t>Git</a:t>
-            </a:r>
-            <a:r>
-              <a:rPr lang="de-DE" altLang="de-DE" dirty="0"/>
-              <a:t> nur lauffähiger und getesteter Code committet werden</a:t>
-            </a:r>
-          </a:p>
-          <a:p>
-            <a:pPr lvl="1"/>
-            <a:r>
-              <a:rPr lang="de-DE" altLang="de-DE" dirty="0" err="1"/>
-              <a:t>Commits</a:t>
-            </a:r>
-            <a:r>
-              <a:rPr lang="de-DE" altLang="de-DE" dirty="0"/>
-              <a:t> mit schlechtem Code verursachen im zentralen </a:t>
-            </a:r>
-            <a:r>
-              <a:rPr lang="de-DE" altLang="de-DE" dirty="0" err="1"/>
-              <a:t>Git</a:t>
-            </a:r>
-            <a:r>
-              <a:rPr lang="de-DE" altLang="de-DE" dirty="0"/>
-              <a:t>-Workflow großen Schaden</a:t>
-            </a:r>
           </a:p>
           <a:p>
             <a:pPr marL="0" indent="0">
@@ -35709,7 +36630,7 @@
     </p:spTree>
     <p:extLst>
       <p:ext uri="{BB962C8B-B14F-4D97-AF65-F5344CB8AC3E}">
-        <p14:creationId xmlns:p14="http://schemas.microsoft.com/office/powerpoint/2010/main" val="1574715531"/>
+        <p14:creationId xmlns:p14="http://schemas.microsoft.com/office/powerpoint/2010/main" val="1242079246"/>
       </p:ext>
     </p:extLst>
   </p:cSld>
@@ -35762,9 +36683,37 @@
           <a:bodyPr/>
           <a:lstStyle/>
           <a:p>
+            <a:pPr marL="0" indent="0">
+              <a:buNone/>
+            </a:pPr>
+            <a:r>
+              <a:rPr lang="de-DE" altLang="de-DE" b="1" dirty="0"/>
+              <a:t>Entwickler committen ihre Änderungen direkt auf </a:t>
+            </a:r>
+            <a:r>
+              <a:rPr lang="de-DE" altLang="de-DE" b="1" dirty="0" err="1"/>
+              <a:t>main</a:t>
+            </a:r>
+            <a:endParaRPr lang="de-DE" altLang="de-DE" b="1" dirty="0"/>
+          </a:p>
+          <a:p>
             <a:r>
               <a:rPr lang="de-DE" altLang="de-DE" dirty="0"/>
-              <a:t>Entwickler werden gezwungen, oft Änderungen von neuen </a:t>
+              <a:t>main-Branch erhält dadurch oft neue Änderungen, da diese nicht längerlebigen </a:t>
+            </a:r>
+            <a:r>
+              <a:rPr lang="de-DE" altLang="de-DE" dirty="0" err="1"/>
+              <a:t>Branches</a:t>
+            </a:r>
+            <a:r>
+              <a:rPr lang="de-DE" altLang="de-DE" dirty="0"/>
+              <a:t> erfolgen </a:t>
+            </a:r>
+          </a:p>
+          <a:p>
+            <a:r>
+              <a:rPr lang="de-DE" altLang="de-DE" dirty="0"/>
+              <a:t>Häufige </a:t>
             </a:r>
             <a:r>
               <a:rPr lang="de-DE" altLang="de-DE" dirty="0" err="1"/>
@@ -35772,37 +36721,87 @@
             </a:r>
             <a:r>
               <a:rPr lang="de-DE" altLang="de-DE" dirty="0"/>
-              <a:t> in ihr lokales Repository einzubauen</a:t>
+              <a:t> auf main-Branch helfen bei CI/CD </a:t>
             </a:r>
           </a:p>
           <a:p>
             <a:pPr lvl="1"/>
             <a:r>
               <a:rPr lang="de-DE" altLang="de-DE" dirty="0"/>
-              <a:t>Erhöht zwar direktes Konfliktpotenzial, reduziert aber Komplexität bei der Integration von Features</a:t>
+              <a:t>CI-Pipeline kann häufig durchlaufen</a:t>
             </a:r>
           </a:p>
           <a:p>
             <a:pPr lvl="1"/>
             <a:r>
               <a:rPr lang="de-DE" altLang="de-DE" dirty="0"/>
-              <a:t>Gegenbeispiel wäre ein Feature-Branch, der über Wochen nicht zwingend aktualisiert werden muss und nachher wieder in den main-Branch zurückgeführt wird</a:t>
-            </a:r>
-          </a:p>
-          <a:p>
-            <a:pPr marL="358775" indent="-176213">
+              <a:t>Automatisierte Tests geben schnell Feedback</a:t>
+            </a:r>
+          </a:p>
+          <a:p>
+            <a:pPr lvl="1"/>
+            <a:r>
+              <a:rPr lang="de-DE" altLang="de-DE" dirty="0"/>
+              <a:t>Ermöglicht hochfrequente Releases</a:t>
+            </a:r>
+          </a:p>
+          <a:p>
+            <a:r>
+              <a:rPr lang="de-DE" altLang="de-DE" dirty="0"/>
+              <a:t>Beim zentralen </a:t>
+            </a:r>
+            <a:r>
+              <a:rPr lang="de-DE" altLang="de-DE" dirty="0" err="1"/>
+              <a:t>Git</a:t>
+            </a:r>
+            <a:r>
+              <a:rPr lang="de-DE" altLang="de-DE" dirty="0"/>
+              <a:t>-Workflow liegt ein besonderer Fokus auf die Qualität der </a:t>
+            </a:r>
+            <a:r>
+              <a:rPr lang="de-DE" altLang="de-DE" dirty="0" err="1"/>
+              <a:t>Commits</a:t>
+            </a:r>
+            <a:endParaRPr lang="de-DE" altLang="de-DE" dirty="0"/>
+          </a:p>
+          <a:p>
+            <a:pPr lvl="1"/>
+            <a:r>
+              <a:rPr lang="de-DE" altLang="de-DE" dirty="0"/>
+              <a:t>Generell sollte in </a:t>
+            </a:r>
+            <a:r>
+              <a:rPr lang="de-DE" altLang="de-DE" dirty="0" err="1"/>
+              <a:t>Git</a:t>
+            </a:r>
+            <a:r>
+              <a:rPr lang="de-DE" altLang="de-DE" dirty="0"/>
+              <a:t> nur lauffähiger und getesteter Code committet werden</a:t>
+            </a:r>
+          </a:p>
+          <a:p>
+            <a:pPr lvl="1"/>
+            <a:r>
+              <a:rPr lang="de-DE" altLang="de-DE" dirty="0" err="1"/>
+              <a:t>Commits</a:t>
+            </a:r>
+            <a:r>
+              <a:rPr lang="de-DE" altLang="de-DE" dirty="0"/>
+              <a:t> mit schlechtem Code verursachen im zentralen </a:t>
+            </a:r>
+            <a:r>
+              <a:rPr lang="de-DE" altLang="de-DE" dirty="0" err="1"/>
+              <a:t>Git</a:t>
+            </a:r>
+            <a:r>
+              <a:rPr lang="de-DE" altLang="de-DE" dirty="0"/>
+              <a:t>-Workflow großen Schaden</a:t>
+            </a:r>
+          </a:p>
+          <a:p>
+            <a:pPr marL="0" indent="0">
               <a:buNone/>
             </a:pPr>
-            <a:r>
-              <a:rPr lang="de-DE" altLang="de-DE" dirty="0"/>
-              <a:t>	</a:t>
-            </a:r>
-            <a:r>
-              <a:rPr lang="de-DE" altLang="de-DE" dirty="0">
-                <a:sym typeface="Wingdings" panose="05000000000000000000" pitchFamily="2" charset="2"/>
-              </a:rPr>
-              <a:t> Verhindert Divergenz</a:t>
-            </a:r>
             <a:endParaRPr lang="de-DE" altLang="de-DE" dirty="0"/>
           </a:p>
           <a:p>
@@ -35854,1337 +36853,10 @@
           </a:p>
         </p:txBody>
       </p:sp>
-      <p:sp>
-        <p:nvSpPr>
-          <p:cNvPr id="2" name="Ellipse 1">
-            <a:extLst>
-              <a:ext uri="{FF2B5EF4-FFF2-40B4-BE49-F238E27FC236}">
-                <a16:creationId xmlns:a16="http://schemas.microsoft.com/office/drawing/2014/main" id="{76058A08-9E10-43D2-3E59-C7816D7E71EB}"/>
-              </a:ext>
-            </a:extLst>
-          </p:cNvPr>
-          <p:cNvSpPr/>
-          <p:nvPr/>
-        </p:nvSpPr>
-        <p:spPr bwMode="auto">
-          <a:xfrm>
-            <a:off x="4355976" y="4493954"/>
-            <a:ext cx="288032" cy="288032"/>
-          </a:xfrm>
-          <a:prstGeom prst="ellipse">
-            <a:avLst/>
-          </a:prstGeom>
-          <a:solidFill>
-            <a:schemeClr val="accent5">
-              <a:lumMod val="75000"/>
-            </a:schemeClr>
-          </a:solidFill>
-          <a:ln w="19050" cap="flat" cmpd="sng" algn="ctr">
-            <a:solidFill>
-              <a:schemeClr val="tx1"/>
-            </a:solidFill>
-            <a:prstDash val="solid"/>
-            <a:round/>
-            <a:headEnd type="none" w="sm" len="sm"/>
-            <a:tailEnd type="none" w="sm" len="sm"/>
-          </a:ln>
-          <a:effectLst/>
-        </p:spPr>
-        <p:txBody>
-          <a:bodyPr vert="horz" wrap="square" lIns="91440" tIns="45720" rIns="91440" bIns="45720" numCol="1" rtlCol="0" anchor="t" anchorCtr="0" compatLnSpc="1">
-            <a:prstTxWarp prst="textNoShape">
-              <a:avLst/>
-            </a:prstTxWarp>
-          </a:bodyPr>
-          <a:lstStyle/>
-          <a:p>
-            <a:pPr marL="0" marR="0" indent="0" algn="l" defTabSz="914400" rtl="0" eaLnBrk="0" fontAlgn="base" latinLnBrk="0" hangingPunct="0">
-              <a:lnSpc>
-                <a:spcPct val="100000"/>
-              </a:lnSpc>
-              <a:spcBef>
-                <a:spcPct val="0"/>
-              </a:spcBef>
-              <a:spcAft>
-                <a:spcPct val="0"/>
-              </a:spcAft>
-              <a:buClrTx/>
-              <a:buSzTx/>
-              <a:buFontTx/>
-              <a:buNone/>
-              <a:tabLst/>
-            </a:pPr>
-            <a:endParaRPr kumimoji="0" lang="de-DE" sz="2400" b="0" i="0" u="none" strike="noStrike" cap="none" normalizeH="0" baseline="0">
-              <a:ln>
-                <a:noFill/>
-              </a:ln>
-              <a:solidFill>
-                <a:schemeClr val="tx1"/>
-              </a:solidFill>
-              <a:effectLst/>
-              <a:latin typeface="Times New Roman" pitchFamily="18" charset="0"/>
-            </a:endParaRPr>
-          </a:p>
-        </p:txBody>
-      </p:sp>
-      <p:sp>
-        <p:nvSpPr>
-          <p:cNvPr id="3" name="Ellipse 2">
-            <a:extLst>
-              <a:ext uri="{FF2B5EF4-FFF2-40B4-BE49-F238E27FC236}">
-                <a16:creationId xmlns:a16="http://schemas.microsoft.com/office/drawing/2014/main" id="{E37D6EA4-6BDA-851B-1514-CB8F375614CE}"/>
-              </a:ext>
-            </a:extLst>
-          </p:cNvPr>
-          <p:cNvSpPr/>
-          <p:nvPr/>
-        </p:nvSpPr>
-        <p:spPr bwMode="auto">
-          <a:xfrm>
-            <a:off x="4860032" y="4493954"/>
-            <a:ext cx="288032" cy="288032"/>
-          </a:xfrm>
-          <a:prstGeom prst="ellipse">
-            <a:avLst/>
-          </a:prstGeom>
-          <a:solidFill>
-            <a:schemeClr val="accent5">
-              <a:lumMod val="75000"/>
-            </a:schemeClr>
-          </a:solidFill>
-          <a:ln w="19050" cap="flat" cmpd="sng" algn="ctr">
-            <a:solidFill>
-              <a:schemeClr val="tx1"/>
-            </a:solidFill>
-            <a:prstDash val="solid"/>
-            <a:round/>
-            <a:headEnd type="none" w="sm" len="sm"/>
-            <a:tailEnd type="none" w="sm" len="sm"/>
-          </a:ln>
-          <a:effectLst/>
-        </p:spPr>
-        <p:txBody>
-          <a:bodyPr vert="horz" wrap="square" lIns="91440" tIns="45720" rIns="91440" bIns="45720" numCol="1" rtlCol="0" anchor="t" anchorCtr="0" compatLnSpc="1">
-            <a:prstTxWarp prst="textNoShape">
-              <a:avLst/>
-            </a:prstTxWarp>
-          </a:bodyPr>
-          <a:lstStyle/>
-          <a:p>
-            <a:pPr marL="0" marR="0" indent="0" algn="l" defTabSz="914400" rtl="0" eaLnBrk="0" fontAlgn="base" latinLnBrk="0" hangingPunct="0">
-              <a:lnSpc>
-                <a:spcPct val="100000"/>
-              </a:lnSpc>
-              <a:spcBef>
-                <a:spcPct val="0"/>
-              </a:spcBef>
-              <a:spcAft>
-                <a:spcPct val="0"/>
-              </a:spcAft>
-              <a:buClrTx/>
-              <a:buSzTx/>
-              <a:buFontTx/>
-              <a:buNone/>
-              <a:tabLst/>
-            </a:pPr>
-            <a:endParaRPr kumimoji="0" lang="de-DE" sz="2400" b="0" i="0" u="none" strike="noStrike" cap="none" normalizeH="0" baseline="0">
-              <a:ln>
-                <a:noFill/>
-              </a:ln>
-              <a:solidFill>
-                <a:schemeClr val="tx1"/>
-              </a:solidFill>
-              <a:effectLst/>
-              <a:latin typeface="Times New Roman" pitchFamily="18" charset="0"/>
-            </a:endParaRPr>
-          </a:p>
-        </p:txBody>
-      </p:sp>
-      <p:cxnSp>
-        <p:nvCxnSpPr>
-          <p:cNvPr id="5" name="Gerader Verbinder 4">
-            <a:extLst>
-              <a:ext uri="{FF2B5EF4-FFF2-40B4-BE49-F238E27FC236}">
-                <a16:creationId xmlns:a16="http://schemas.microsoft.com/office/drawing/2014/main" id="{7DF7BF90-34CF-2A8A-BF0A-DA7332C8F32C}"/>
-              </a:ext>
-            </a:extLst>
-          </p:cNvPr>
-          <p:cNvCxnSpPr>
-            <a:stCxn id="2" idx="6"/>
-            <a:endCxn id="3" idx="2"/>
-          </p:cNvCxnSpPr>
-          <p:nvPr/>
-        </p:nvCxnSpPr>
-        <p:spPr bwMode="auto">
-          <a:xfrm>
-            <a:off x="4644008" y="4637970"/>
-            <a:ext cx="216024" cy="0"/>
-          </a:xfrm>
-          <a:prstGeom prst="line">
-            <a:avLst/>
-          </a:prstGeom>
-          <a:solidFill>
-            <a:schemeClr val="accent1"/>
-          </a:solidFill>
-          <a:ln w="19050" cap="flat" cmpd="sng" algn="ctr">
-            <a:solidFill>
-              <a:schemeClr val="tx1"/>
-            </a:solidFill>
-            <a:prstDash val="solid"/>
-            <a:round/>
-            <a:headEnd type="none" w="sm" len="sm"/>
-            <a:tailEnd type="none" w="sm" len="sm"/>
-          </a:ln>
-          <a:effectLst/>
-        </p:spPr>
-      </p:cxnSp>
-      <p:sp>
-        <p:nvSpPr>
-          <p:cNvPr id="6" name="Ellipse 5">
-            <a:extLst>
-              <a:ext uri="{FF2B5EF4-FFF2-40B4-BE49-F238E27FC236}">
-                <a16:creationId xmlns:a16="http://schemas.microsoft.com/office/drawing/2014/main" id="{7CC7556A-24FC-B989-D16D-06F56F69F690}"/>
-              </a:ext>
-            </a:extLst>
-          </p:cNvPr>
-          <p:cNvSpPr/>
-          <p:nvPr/>
-        </p:nvSpPr>
-        <p:spPr bwMode="auto">
-          <a:xfrm>
-            <a:off x="5364088" y="4493954"/>
-            <a:ext cx="288032" cy="288032"/>
-          </a:xfrm>
-          <a:prstGeom prst="ellipse">
-            <a:avLst/>
-          </a:prstGeom>
-          <a:solidFill>
-            <a:schemeClr val="accent5">
-              <a:lumMod val="75000"/>
-            </a:schemeClr>
-          </a:solidFill>
-          <a:ln w="19050" cap="flat" cmpd="sng" algn="ctr">
-            <a:solidFill>
-              <a:schemeClr val="tx1"/>
-            </a:solidFill>
-            <a:prstDash val="solid"/>
-            <a:round/>
-            <a:headEnd type="none" w="sm" len="sm"/>
-            <a:tailEnd type="none" w="sm" len="sm"/>
-          </a:ln>
-          <a:effectLst/>
-        </p:spPr>
-        <p:txBody>
-          <a:bodyPr vert="horz" wrap="square" lIns="91440" tIns="45720" rIns="91440" bIns="45720" numCol="1" rtlCol="0" anchor="t" anchorCtr="0" compatLnSpc="1">
-            <a:prstTxWarp prst="textNoShape">
-              <a:avLst/>
-            </a:prstTxWarp>
-          </a:bodyPr>
-          <a:lstStyle/>
-          <a:p>
-            <a:pPr marL="0" marR="0" indent="0" algn="l" defTabSz="914400" rtl="0" eaLnBrk="0" fontAlgn="base" latinLnBrk="0" hangingPunct="0">
-              <a:lnSpc>
-                <a:spcPct val="100000"/>
-              </a:lnSpc>
-              <a:spcBef>
-                <a:spcPct val="0"/>
-              </a:spcBef>
-              <a:spcAft>
-                <a:spcPct val="0"/>
-              </a:spcAft>
-              <a:buClrTx/>
-              <a:buSzTx/>
-              <a:buFontTx/>
-              <a:buNone/>
-              <a:tabLst/>
-            </a:pPr>
-            <a:endParaRPr kumimoji="0" lang="de-DE" sz="2400" b="0" i="0" u="none" strike="noStrike" cap="none" normalizeH="0" baseline="0">
-              <a:ln>
-                <a:noFill/>
-              </a:ln>
-              <a:solidFill>
-                <a:schemeClr val="tx1"/>
-              </a:solidFill>
-              <a:effectLst/>
-              <a:latin typeface="Times New Roman" pitchFamily="18" charset="0"/>
-            </a:endParaRPr>
-          </a:p>
-        </p:txBody>
-      </p:sp>
-      <p:cxnSp>
-        <p:nvCxnSpPr>
-          <p:cNvPr id="7" name="Gerader Verbinder 6">
-            <a:extLst>
-              <a:ext uri="{FF2B5EF4-FFF2-40B4-BE49-F238E27FC236}">
-                <a16:creationId xmlns:a16="http://schemas.microsoft.com/office/drawing/2014/main" id="{F1368B5E-699F-B893-DF00-04155B3397F5}"/>
-              </a:ext>
-            </a:extLst>
-          </p:cNvPr>
-          <p:cNvCxnSpPr>
-            <a:endCxn id="6" idx="2"/>
-          </p:cNvCxnSpPr>
-          <p:nvPr/>
-        </p:nvCxnSpPr>
-        <p:spPr bwMode="auto">
-          <a:xfrm>
-            <a:off x="5148064" y="4637970"/>
-            <a:ext cx="216024" cy="0"/>
-          </a:xfrm>
-          <a:prstGeom prst="line">
-            <a:avLst/>
-          </a:prstGeom>
-          <a:solidFill>
-            <a:schemeClr val="accent1"/>
-          </a:solidFill>
-          <a:ln w="19050" cap="flat" cmpd="sng" algn="ctr">
-            <a:solidFill>
-              <a:schemeClr val="tx1"/>
-            </a:solidFill>
-            <a:prstDash val="solid"/>
-            <a:round/>
-            <a:headEnd type="none" w="sm" len="sm"/>
-            <a:tailEnd type="none" w="sm" len="sm"/>
-          </a:ln>
-          <a:effectLst/>
-        </p:spPr>
-      </p:cxnSp>
-      <p:sp>
-        <p:nvSpPr>
-          <p:cNvPr id="8" name="Ellipse 7">
-            <a:extLst>
-              <a:ext uri="{FF2B5EF4-FFF2-40B4-BE49-F238E27FC236}">
-                <a16:creationId xmlns:a16="http://schemas.microsoft.com/office/drawing/2014/main" id="{42774172-05BE-833F-9B7B-72CFA740189B}"/>
-              </a:ext>
-            </a:extLst>
-          </p:cNvPr>
-          <p:cNvSpPr/>
-          <p:nvPr/>
-        </p:nvSpPr>
-        <p:spPr bwMode="auto">
-          <a:xfrm>
-            <a:off x="5868144" y="4493954"/>
-            <a:ext cx="288032" cy="288032"/>
-          </a:xfrm>
-          <a:prstGeom prst="ellipse">
-            <a:avLst/>
-          </a:prstGeom>
-          <a:solidFill>
-            <a:schemeClr val="accent5">
-              <a:lumMod val="75000"/>
-            </a:schemeClr>
-          </a:solidFill>
-          <a:ln w="19050" cap="flat" cmpd="sng" algn="ctr">
-            <a:solidFill>
-              <a:schemeClr val="tx1"/>
-            </a:solidFill>
-            <a:prstDash val="solid"/>
-            <a:round/>
-            <a:headEnd type="none" w="sm" len="sm"/>
-            <a:tailEnd type="none" w="sm" len="sm"/>
-          </a:ln>
-          <a:effectLst/>
-        </p:spPr>
-        <p:txBody>
-          <a:bodyPr vert="horz" wrap="square" lIns="91440" tIns="45720" rIns="91440" bIns="45720" numCol="1" rtlCol="0" anchor="t" anchorCtr="0" compatLnSpc="1">
-            <a:prstTxWarp prst="textNoShape">
-              <a:avLst/>
-            </a:prstTxWarp>
-          </a:bodyPr>
-          <a:lstStyle/>
-          <a:p>
-            <a:pPr marL="0" marR="0" indent="0" algn="l" defTabSz="914400" rtl="0" eaLnBrk="0" fontAlgn="base" latinLnBrk="0" hangingPunct="0">
-              <a:lnSpc>
-                <a:spcPct val="100000"/>
-              </a:lnSpc>
-              <a:spcBef>
-                <a:spcPct val="0"/>
-              </a:spcBef>
-              <a:spcAft>
-                <a:spcPct val="0"/>
-              </a:spcAft>
-              <a:buClrTx/>
-              <a:buSzTx/>
-              <a:buFontTx/>
-              <a:buNone/>
-              <a:tabLst/>
-            </a:pPr>
-            <a:endParaRPr kumimoji="0" lang="de-DE" sz="2400" b="0" i="0" u="none" strike="noStrike" cap="none" normalizeH="0" baseline="0">
-              <a:ln>
-                <a:noFill/>
-              </a:ln>
-              <a:solidFill>
-                <a:schemeClr val="tx1"/>
-              </a:solidFill>
-              <a:effectLst/>
-              <a:latin typeface="Times New Roman" pitchFamily="18" charset="0"/>
-            </a:endParaRPr>
-          </a:p>
-        </p:txBody>
-      </p:sp>
-      <p:cxnSp>
-        <p:nvCxnSpPr>
-          <p:cNvPr id="9" name="Gerader Verbinder 8">
-            <a:extLst>
-              <a:ext uri="{FF2B5EF4-FFF2-40B4-BE49-F238E27FC236}">
-                <a16:creationId xmlns:a16="http://schemas.microsoft.com/office/drawing/2014/main" id="{6D7A49AF-D5F1-FC31-E750-C02CCFE81D1F}"/>
-              </a:ext>
-            </a:extLst>
-          </p:cNvPr>
-          <p:cNvCxnSpPr>
-            <a:endCxn id="8" idx="2"/>
-          </p:cNvCxnSpPr>
-          <p:nvPr/>
-        </p:nvCxnSpPr>
-        <p:spPr bwMode="auto">
-          <a:xfrm>
-            <a:off x="5652120" y="4637970"/>
-            <a:ext cx="216024" cy="0"/>
-          </a:xfrm>
-          <a:prstGeom prst="line">
-            <a:avLst/>
-          </a:prstGeom>
-          <a:solidFill>
-            <a:schemeClr val="accent1"/>
-          </a:solidFill>
-          <a:ln w="19050" cap="flat" cmpd="sng" algn="ctr">
-            <a:solidFill>
-              <a:schemeClr val="tx1"/>
-            </a:solidFill>
-            <a:prstDash val="solid"/>
-            <a:round/>
-            <a:headEnd type="none" w="sm" len="sm"/>
-            <a:tailEnd type="none" w="sm" len="sm"/>
-          </a:ln>
-          <a:effectLst/>
-        </p:spPr>
-      </p:cxnSp>
-      <p:sp>
-        <p:nvSpPr>
-          <p:cNvPr id="12" name="Ellipse 11">
-            <a:extLst>
-              <a:ext uri="{FF2B5EF4-FFF2-40B4-BE49-F238E27FC236}">
-                <a16:creationId xmlns:a16="http://schemas.microsoft.com/office/drawing/2014/main" id="{F5298BD6-540F-23E3-0013-2118BE335BC8}"/>
-              </a:ext>
-            </a:extLst>
-          </p:cNvPr>
-          <p:cNvSpPr/>
-          <p:nvPr/>
-        </p:nvSpPr>
-        <p:spPr bwMode="auto">
-          <a:xfrm rot="18900000">
-            <a:off x="4720612" y="4137533"/>
-            <a:ext cx="288032" cy="288032"/>
-          </a:xfrm>
-          <a:prstGeom prst="ellipse">
-            <a:avLst/>
-          </a:prstGeom>
-          <a:solidFill>
-            <a:srgbClr val="008C5A"/>
-          </a:solidFill>
-          <a:ln w="19050" cap="flat" cmpd="sng" algn="ctr">
-            <a:solidFill>
-              <a:schemeClr val="tx1"/>
-            </a:solidFill>
-            <a:prstDash val="solid"/>
-            <a:round/>
-            <a:headEnd type="none" w="sm" len="sm"/>
-            <a:tailEnd type="none" w="sm" len="sm"/>
-          </a:ln>
-          <a:effectLst/>
-        </p:spPr>
-        <p:txBody>
-          <a:bodyPr vert="horz" wrap="square" lIns="91440" tIns="45720" rIns="91440" bIns="45720" numCol="1" rtlCol="0" anchor="t" anchorCtr="0" compatLnSpc="1">
-            <a:prstTxWarp prst="textNoShape">
-              <a:avLst/>
-            </a:prstTxWarp>
-          </a:bodyPr>
-          <a:lstStyle/>
-          <a:p>
-            <a:pPr marL="0" marR="0" indent="0" algn="l" defTabSz="914400" rtl="0" eaLnBrk="0" fontAlgn="base" latinLnBrk="0" hangingPunct="0">
-              <a:lnSpc>
-                <a:spcPct val="100000"/>
-              </a:lnSpc>
-              <a:spcBef>
-                <a:spcPct val="0"/>
-              </a:spcBef>
-              <a:spcAft>
-                <a:spcPct val="0"/>
-              </a:spcAft>
-              <a:buClrTx/>
-              <a:buSzTx/>
-              <a:buFontTx/>
-              <a:buNone/>
-              <a:tabLst/>
-            </a:pPr>
-            <a:endParaRPr kumimoji="0" lang="de-DE" sz="2400" b="0" i="0" u="none" strike="noStrike" cap="none" normalizeH="0" baseline="0" dirty="0">
-              <a:ln>
-                <a:noFill/>
-              </a:ln>
-              <a:solidFill>
-                <a:schemeClr val="tx1"/>
-              </a:solidFill>
-              <a:effectLst/>
-              <a:latin typeface="Times New Roman" pitchFamily="18" charset="0"/>
-            </a:endParaRPr>
-          </a:p>
-        </p:txBody>
-      </p:sp>
-      <p:cxnSp>
-        <p:nvCxnSpPr>
-          <p:cNvPr id="13" name="Gerader Verbinder 12">
-            <a:extLst>
-              <a:ext uri="{FF2B5EF4-FFF2-40B4-BE49-F238E27FC236}">
-                <a16:creationId xmlns:a16="http://schemas.microsoft.com/office/drawing/2014/main" id="{5B3D8803-F685-3CC3-C206-3E87CAB24B24}"/>
-              </a:ext>
-            </a:extLst>
-          </p:cNvPr>
-          <p:cNvCxnSpPr>
-            <a:cxnSpLocks/>
-            <a:endCxn id="12" idx="2"/>
-          </p:cNvCxnSpPr>
-          <p:nvPr/>
-        </p:nvCxnSpPr>
-        <p:spPr bwMode="auto">
-          <a:xfrm rot="18900000">
-            <a:off x="4578405" y="4459760"/>
-            <a:ext cx="216024" cy="0"/>
-          </a:xfrm>
-          <a:prstGeom prst="line">
-            <a:avLst/>
-          </a:prstGeom>
-          <a:solidFill>
-            <a:schemeClr val="accent1"/>
-          </a:solidFill>
-          <a:ln w="19050" cap="flat" cmpd="sng" algn="ctr">
-            <a:solidFill>
-              <a:schemeClr val="tx1"/>
-            </a:solidFill>
-            <a:prstDash val="solid"/>
-            <a:round/>
-            <a:headEnd type="none" w="sm" len="sm"/>
-            <a:tailEnd type="none" w="sm" len="sm"/>
-          </a:ln>
-          <a:effectLst/>
-        </p:spPr>
-      </p:cxnSp>
-      <p:sp>
-        <p:nvSpPr>
-          <p:cNvPr id="21" name="Ellipse 20">
-            <a:extLst>
-              <a:ext uri="{FF2B5EF4-FFF2-40B4-BE49-F238E27FC236}">
-                <a16:creationId xmlns:a16="http://schemas.microsoft.com/office/drawing/2014/main" id="{24B9CDB4-9181-958F-24AD-C1A9D4725175}"/>
-              </a:ext>
-            </a:extLst>
-          </p:cNvPr>
-          <p:cNvSpPr/>
-          <p:nvPr/>
-        </p:nvSpPr>
-        <p:spPr bwMode="auto">
-          <a:xfrm rot="18900000">
-            <a:off x="5072582" y="3776743"/>
-            <a:ext cx="288032" cy="288032"/>
-          </a:xfrm>
-          <a:prstGeom prst="ellipse">
-            <a:avLst/>
-          </a:prstGeom>
-          <a:solidFill>
-            <a:srgbClr val="008C5A"/>
-          </a:solidFill>
-          <a:ln w="19050" cap="flat" cmpd="sng" algn="ctr">
-            <a:solidFill>
-              <a:schemeClr val="tx1"/>
-            </a:solidFill>
-            <a:prstDash val="solid"/>
-            <a:round/>
-            <a:headEnd type="none" w="sm" len="sm"/>
-            <a:tailEnd type="none" w="sm" len="sm"/>
-          </a:ln>
-          <a:effectLst/>
-        </p:spPr>
-        <p:txBody>
-          <a:bodyPr vert="horz" wrap="square" lIns="91440" tIns="45720" rIns="91440" bIns="45720" numCol="1" rtlCol="0" anchor="t" anchorCtr="0" compatLnSpc="1">
-            <a:prstTxWarp prst="textNoShape">
-              <a:avLst/>
-            </a:prstTxWarp>
-          </a:bodyPr>
-          <a:lstStyle/>
-          <a:p>
-            <a:pPr marL="0" marR="0" indent="0" algn="l" defTabSz="914400" rtl="0" eaLnBrk="0" fontAlgn="base" latinLnBrk="0" hangingPunct="0">
-              <a:lnSpc>
-                <a:spcPct val="100000"/>
-              </a:lnSpc>
-              <a:spcBef>
-                <a:spcPct val="0"/>
-              </a:spcBef>
-              <a:spcAft>
-                <a:spcPct val="0"/>
-              </a:spcAft>
-              <a:buClrTx/>
-              <a:buSzTx/>
-              <a:buFontTx/>
-              <a:buNone/>
-              <a:tabLst/>
-            </a:pPr>
-            <a:endParaRPr kumimoji="0" lang="de-DE" sz="2400" b="0" i="0" u="none" strike="noStrike" cap="none" normalizeH="0" baseline="0">
-              <a:ln>
-                <a:noFill/>
-              </a:ln>
-              <a:solidFill>
-                <a:schemeClr val="tx1"/>
-              </a:solidFill>
-              <a:effectLst/>
-              <a:latin typeface="Times New Roman" pitchFamily="18" charset="0"/>
-            </a:endParaRPr>
-          </a:p>
-        </p:txBody>
-      </p:sp>
-      <p:cxnSp>
-        <p:nvCxnSpPr>
-          <p:cNvPr id="22" name="Gerader Verbinder 21">
-            <a:extLst>
-              <a:ext uri="{FF2B5EF4-FFF2-40B4-BE49-F238E27FC236}">
-                <a16:creationId xmlns:a16="http://schemas.microsoft.com/office/drawing/2014/main" id="{AC6C0621-C790-AE19-DBA4-68AD8760B6B8}"/>
-              </a:ext>
-            </a:extLst>
-          </p:cNvPr>
-          <p:cNvCxnSpPr>
-            <a:cxnSpLocks/>
-            <a:endCxn id="21" idx="2"/>
-          </p:cNvCxnSpPr>
-          <p:nvPr/>
-        </p:nvCxnSpPr>
-        <p:spPr bwMode="auto">
-          <a:xfrm rot="18900000">
-            <a:off x="4930375" y="4098970"/>
-            <a:ext cx="216024" cy="0"/>
-          </a:xfrm>
-          <a:prstGeom prst="line">
-            <a:avLst/>
-          </a:prstGeom>
-          <a:solidFill>
-            <a:schemeClr val="accent1"/>
-          </a:solidFill>
-          <a:ln w="19050" cap="flat" cmpd="sng" algn="ctr">
-            <a:solidFill>
-              <a:schemeClr val="tx1"/>
-            </a:solidFill>
-            <a:prstDash val="solid"/>
-            <a:round/>
-            <a:headEnd type="none" w="sm" len="sm"/>
-            <a:tailEnd type="none" w="sm" len="sm"/>
-          </a:ln>
-          <a:effectLst/>
-        </p:spPr>
-      </p:cxnSp>
-      <p:sp>
-        <p:nvSpPr>
-          <p:cNvPr id="24" name="Ellipse 23">
-            <a:extLst>
-              <a:ext uri="{FF2B5EF4-FFF2-40B4-BE49-F238E27FC236}">
-                <a16:creationId xmlns:a16="http://schemas.microsoft.com/office/drawing/2014/main" id="{C1CB366A-80E2-B34A-8CAA-01D231680BB3}"/>
-              </a:ext>
-            </a:extLst>
-          </p:cNvPr>
-          <p:cNvSpPr/>
-          <p:nvPr/>
-        </p:nvSpPr>
-        <p:spPr bwMode="auto">
-          <a:xfrm rot="18900000">
-            <a:off x="5440464" y="3419664"/>
-            <a:ext cx="288032" cy="288032"/>
-          </a:xfrm>
-          <a:prstGeom prst="ellipse">
-            <a:avLst/>
-          </a:prstGeom>
-          <a:solidFill>
-            <a:srgbClr val="008C5A"/>
-          </a:solidFill>
-          <a:ln w="19050" cap="flat" cmpd="sng" algn="ctr">
-            <a:solidFill>
-              <a:schemeClr val="tx1"/>
-            </a:solidFill>
-            <a:prstDash val="solid"/>
-            <a:round/>
-            <a:headEnd type="none" w="sm" len="sm"/>
-            <a:tailEnd type="none" w="sm" len="sm"/>
-          </a:ln>
-          <a:effectLst/>
-        </p:spPr>
-        <p:txBody>
-          <a:bodyPr vert="horz" wrap="square" lIns="91440" tIns="45720" rIns="91440" bIns="45720" numCol="1" rtlCol="0" anchor="t" anchorCtr="0" compatLnSpc="1">
-            <a:prstTxWarp prst="textNoShape">
-              <a:avLst/>
-            </a:prstTxWarp>
-          </a:bodyPr>
-          <a:lstStyle/>
-          <a:p>
-            <a:pPr marL="0" marR="0" indent="0" algn="l" defTabSz="914400" rtl="0" eaLnBrk="0" fontAlgn="base" latinLnBrk="0" hangingPunct="0">
-              <a:lnSpc>
-                <a:spcPct val="100000"/>
-              </a:lnSpc>
-              <a:spcBef>
-                <a:spcPct val="0"/>
-              </a:spcBef>
-              <a:spcAft>
-                <a:spcPct val="0"/>
-              </a:spcAft>
-              <a:buClrTx/>
-              <a:buSzTx/>
-              <a:buFontTx/>
-              <a:buNone/>
-              <a:tabLst/>
-            </a:pPr>
-            <a:endParaRPr kumimoji="0" lang="de-DE" sz="2400" b="0" i="0" u="none" strike="noStrike" cap="none" normalizeH="0" baseline="0">
-              <a:ln>
-                <a:noFill/>
-              </a:ln>
-              <a:solidFill>
-                <a:schemeClr val="tx1"/>
-              </a:solidFill>
-              <a:effectLst/>
-              <a:latin typeface="Times New Roman" pitchFamily="18" charset="0"/>
-            </a:endParaRPr>
-          </a:p>
-        </p:txBody>
-      </p:sp>
-      <p:cxnSp>
-        <p:nvCxnSpPr>
-          <p:cNvPr id="25" name="Gerader Verbinder 24">
-            <a:extLst>
-              <a:ext uri="{FF2B5EF4-FFF2-40B4-BE49-F238E27FC236}">
-                <a16:creationId xmlns:a16="http://schemas.microsoft.com/office/drawing/2014/main" id="{91F4DAAE-20C0-A358-F8E6-159483F59034}"/>
-              </a:ext>
-            </a:extLst>
-          </p:cNvPr>
-          <p:cNvCxnSpPr>
-            <a:cxnSpLocks/>
-            <a:endCxn id="24" idx="2"/>
-          </p:cNvCxnSpPr>
-          <p:nvPr/>
-        </p:nvCxnSpPr>
-        <p:spPr bwMode="auto">
-          <a:xfrm rot="18900000">
-            <a:off x="5298257" y="3741891"/>
-            <a:ext cx="216024" cy="0"/>
-          </a:xfrm>
-          <a:prstGeom prst="line">
-            <a:avLst/>
-          </a:prstGeom>
-          <a:solidFill>
-            <a:schemeClr val="accent1"/>
-          </a:solidFill>
-          <a:ln w="19050" cap="flat" cmpd="sng" algn="ctr">
-            <a:solidFill>
-              <a:schemeClr val="tx1"/>
-            </a:solidFill>
-            <a:prstDash val="solid"/>
-            <a:round/>
-            <a:headEnd type="none" w="sm" len="sm"/>
-            <a:tailEnd type="none" w="sm" len="sm"/>
-          </a:ln>
-          <a:effectLst/>
-        </p:spPr>
-      </p:cxnSp>
-      <p:sp>
-        <p:nvSpPr>
-          <p:cNvPr id="27" name="Ellipse 26">
-            <a:extLst>
-              <a:ext uri="{FF2B5EF4-FFF2-40B4-BE49-F238E27FC236}">
-                <a16:creationId xmlns:a16="http://schemas.microsoft.com/office/drawing/2014/main" id="{0DAA663F-74F9-824B-7814-D68B26ECEC5D}"/>
-              </a:ext>
-            </a:extLst>
-          </p:cNvPr>
-          <p:cNvSpPr/>
-          <p:nvPr/>
-        </p:nvSpPr>
-        <p:spPr bwMode="auto">
-          <a:xfrm rot="2700000">
-            <a:off x="4737334" y="4837147"/>
-            <a:ext cx="288032" cy="288032"/>
-          </a:xfrm>
-          <a:prstGeom prst="ellipse">
-            <a:avLst/>
-          </a:prstGeom>
-          <a:solidFill>
-            <a:srgbClr val="7030A0"/>
-          </a:solidFill>
-          <a:ln w="19050" cap="flat" cmpd="sng" algn="ctr">
-            <a:solidFill>
-              <a:schemeClr val="tx1"/>
-            </a:solidFill>
-            <a:prstDash val="solid"/>
-            <a:round/>
-            <a:headEnd type="none" w="sm" len="sm"/>
-            <a:tailEnd type="none" w="sm" len="sm"/>
-          </a:ln>
-          <a:effectLst/>
-        </p:spPr>
-        <p:txBody>
-          <a:bodyPr vert="horz" wrap="square" lIns="91440" tIns="45720" rIns="91440" bIns="45720" numCol="1" rtlCol="0" anchor="t" anchorCtr="0" compatLnSpc="1">
-            <a:prstTxWarp prst="textNoShape">
-              <a:avLst/>
-            </a:prstTxWarp>
-          </a:bodyPr>
-          <a:lstStyle/>
-          <a:p>
-            <a:pPr marL="0" marR="0" indent="0" algn="l" defTabSz="914400" rtl="0" eaLnBrk="0" fontAlgn="base" latinLnBrk="0" hangingPunct="0">
-              <a:lnSpc>
-                <a:spcPct val="100000"/>
-              </a:lnSpc>
-              <a:spcBef>
-                <a:spcPct val="0"/>
-              </a:spcBef>
-              <a:spcAft>
-                <a:spcPct val="0"/>
-              </a:spcAft>
-              <a:buClrTx/>
-              <a:buSzTx/>
-              <a:buFontTx/>
-              <a:buNone/>
-              <a:tabLst/>
-            </a:pPr>
-            <a:endParaRPr kumimoji="0" lang="de-DE" sz="2400" b="0" i="0" u="none" strike="noStrike" cap="none" normalizeH="0" baseline="0">
-              <a:ln>
-                <a:noFill/>
-              </a:ln>
-              <a:solidFill>
-                <a:schemeClr val="tx1"/>
-              </a:solidFill>
-              <a:effectLst/>
-              <a:latin typeface="Times New Roman" pitchFamily="18" charset="0"/>
-            </a:endParaRPr>
-          </a:p>
-        </p:txBody>
-      </p:sp>
-      <p:cxnSp>
-        <p:nvCxnSpPr>
-          <p:cNvPr id="28" name="Gerader Verbinder 27">
-            <a:extLst>
-              <a:ext uri="{FF2B5EF4-FFF2-40B4-BE49-F238E27FC236}">
-                <a16:creationId xmlns:a16="http://schemas.microsoft.com/office/drawing/2014/main" id="{D8B1459F-326E-9A00-8D75-7BE99926DE8D}"/>
-              </a:ext>
-            </a:extLst>
-          </p:cNvPr>
-          <p:cNvCxnSpPr>
-            <a:cxnSpLocks/>
-            <a:endCxn id="27" idx="2"/>
-          </p:cNvCxnSpPr>
-          <p:nvPr/>
-        </p:nvCxnSpPr>
-        <p:spPr bwMode="auto">
-          <a:xfrm rot="2700000">
-            <a:off x="4595127" y="4802952"/>
-            <a:ext cx="216024" cy="0"/>
-          </a:xfrm>
-          <a:prstGeom prst="line">
-            <a:avLst/>
-          </a:prstGeom>
-          <a:solidFill>
-            <a:schemeClr val="accent1"/>
-          </a:solidFill>
-          <a:ln w="19050" cap="flat" cmpd="sng" algn="ctr">
-            <a:solidFill>
-              <a:schemeClr val="tx1"/>
-            </a:solidFill>
-            <a:prstDash val="solid"/>
-            <a:round/>
-            <a:headEnd type="none" w="sm" len="sm"/>
-            <a:tailEnd type="none" w="sm" len="sm"/>
-          </a:ln>
-          <a:effectLst/>
-        </p:spPr>
-      </p:cxnSp>
-      <p:sp>
-        <p:nvSpPr>
-          <p:cNvPr id="30" name="Ellipse 29">
-            <a:extLst>
-              <a:ext uri="{FF2B5EF4-FFF2-40B4-BE49-F238E27FC236}">
-                <a16:creationId xmlns:a16="http://schemas.microsoft.com/office/drawing/2014/main" id="{10D2FCAE-82E3-17F9-B73C-ACA5C9BDCDFB}"/>
-              </a:ext>
-            </a:extLst>
-          </p:cNvPr>
-          <p:cNvSpPr/>
-          <p:nvPr/>
-        </p:nvSpPr>
-        <p:spPr bwMode="auto">
-          <a:xfrm rot="2700000">
-            <a:off x="5098124" y="5189117"/>
-            <a:ext cx="288032" cy="288032"/>
-          </a:xfrm>
-          <a:prstGeom prst="ellipse">
-            <a:avLst/>
-          </a:prstGeom>
-          <a:solidFill>
-            <a:srgbClr val="7030A0"/>
-          </a:solidFill>
-          <a:ln w="19050" cap="flat" cmpd="sng" algn="ctr">
-            <a:solidFill>
-              <a:schemeClr val="tx1"/>
-            </a:solidFill>
-            <a:prstDash val="solid"/>
-            <a:round/>
-            <a:headEnd type="none" w="sm" len="sm"/>
-            <a:tailEnd type="none" w="sm" len="sm"/>
-          </a:ln>
-          <a:effectLst/>
-        </p:spPr>
-        <p:txBody>
-          <a:bodyPr vert="horz" wrap="square" lIns="91440" tIns="45720" rIns="91440" bIns="45720" numCol="1" rtlCol="0" anchor="t" anchorCtr="0" compatLnSpc="1">
-            <a:prstTxWarp prst="textNoShape">
-              <a:avLst/>
-            </a:prstTxWarp>
-          </a:bodyPr>
-          <a:lstStyle/>
-          <a:p>
-            <a:pPr marL="0" marR="0" indent="0" algn="l" defTabSz="914400" rtl="0" eaLnBrk="0" fontAlgn="base" latinLnBrk="0" hangingPunct="0">
-              <a:lnSpc>
-                <a:spcPct val="100000"/>
-              </a:lnSpc>
-              <a:spcBef>
-                <a:spcPct val="0"/>
-              </a:spcBef>
-              <a:spcAft>
-                <a:spcPct val="0"/>
-              </a:spcAft>
-              <a:buClrTx/>
-              <a:buSzTx/>
-              <a:buFontTx/>
-              <a:buNone/>
-              <a:tabLst/>
-            </a:pPr>
-            <a:endParaRPr kumimoji="0" lang="de-DE" sz="2400" b="0" i="0" u="none" strike="noStrike" cap="none" normalizeH="0" baseline="0">
-              <a:ln>
-                <a:noFill/>
-              </a:ln>
-              <a:solidFill>
-                <a:schemeClr val="tx1"/>
-              </a:solidFill>
-              <a:effectLst/>
-              <a:latin typeface="Times New Roman" pitchFamily="18" charset="0"/>
-            </a:endParaRPr>
-          </a:p>
-        </p:txBody>
-      </p:sp>
-      <p:cxnSp>
-        <p:nvCxnSpPr>
-          <p:cNvPr id="31" name="Gerader Verbinder 30">
-            <a:extLst>
-              <a:ext uri="{FF2B5EF4-FFF2-40B4-BE49-F238E27FC236}">
-                <a16:creationId xmlns:a16="http://schemas.microsoft.com/office/drawing/2014/main" id="{5F2B3448-8BD7-07D5-2A70-D1ED30AC0397}"/>
-              </a:ext>
-            </a:extLst>
-          </p:cNvPr>
-          <p:cNvCxnSpPr>
-            <a:cxnSpLocks/>
-            <a:endCxn id="30" idx="2"/>
-          </p:cNvCxnSpPr>
-          <p:nvPr/>
-        </p:nvCxnSpPr>
-        <p:spPr bwMode="auto">
-          <a:xfrm rot="2700000">
-            <a:off x="4955917" y="5154922"/>
-            <a:ext cx="216024" cy="0"/>
-          </a:xfrm>
-          <a:prstGeom prst="line">
-            <a:avLst/>
-          </a:prstGeom>
-          <a:solidFill>
-            <a:schemeClr val="accent1"/>
-          </a:solidFill>
-          <a:ln w="19050" cap="flat" cmpd="sng" algn="ctr">
-            <a:solidFill>
-              <a:schemeClr val="tx1"/>
-            </a:solidFill>
-            <a:prstDash val="solid"/>
-            <a:round/>
-            <a:headEnd type="none" w="sm" len="sm"/>
-            <a:tailEnd type="none" w="sm" len="sm"/>
-          </a:ln>
-          <a:effectLst/>
-        </p:spPr>
-      </p:cxnSp>
-      <p:sp>
-        <p:nvSpPr>
-          <p:cNvPr id="33" name="Ellipse 32">
-            <a:extLst>
-              <a:ext uri="{FF2B5EF4-FFF2-40B4-BE49-F238E27FC236}">
-                <a16:creationId xmlns:a16="http://schemas.microsoft.com/office/drawing/2014/main" id="{36A18F51-D837-EC37-3076-1998B06ADC81}"/>
-              </a:ext>
-            </a:extLst>
-          </p:cNvPr>
-          <p:cNvSpPr/>
-          <p:nvPr/>
-        </p:nvSpPr>
-        <p:spPr bwMode="auto">
-          <a:xfrm rot="2700000">
-            <a:off x="5455203" y="5556999"/>
-            <a:ext cx="288032" cy="288032"/>
-          </a:xfrm>
-          <a:prstGeom prst="ellipse">
-            <a:avLst/>
-          </a:prstGeom>
-          <a:solidFill>
-            <a:srgbClr val="7030A0"/>
-          </a:solidFill>
-          <a:ln w="19050" cap="flat" cmpd="sng" algn="ctr">
-            <a:solidFill>
-              <a:schemeClr val="tx1"/>
-            </a:solidFill>
-            <a:prstDash val="solid"/>
-            <a:round/>
-            <a:headEnd type="none" w="sm" len="sm"/>
-            <a:tailEnd type="none" w="sm" len="sm"/>
-          </a:ln>
-          <a:effectLst/>
-        </p:spPr>
-        <p:txBody>
-          <a:bodyPr vert="horz" wrap="square" lIns="91440" tIns="45720" rIns="91440" bIns="45720" numCol="1" rtlCol="0" anchor="t" anchorCtr="0" compatLnSpc="1">
-            <a:prstTxWarp prst="textNoShape">
-              <a:avLst/>
-            </a:prstTxWarp>
-          </a:bodyPr>
-          <a:lstStyle/>
-          <a:p>
-            <a:pPr marL="0" marR="0" indent="0" algn="l" defTabSz="914400" rtl="0" eaLnBrk="0" fontAlgn="base" latinLnBrk="0" hangingPunct="0">
-              <a:lnSpc>
-                <a:spcPct val="100000"/>
-              </a:lnSpc>
-              <a:spcBef>
-                <a:spcPct val="0"/>
-              </a:spcBef>
-              <a:spcAft>
-                <a:spcPct val="0"/>
-              </a:spcAft>
-              <a:buClrTx/>
-              <a:buSzTx/>
-              <a:buFontTx/>
-              <a:buNone/>
-              <a:tabLst/>
-            </a:pPr>
-            <a:endParaRPr kumimoji="0" lang="de-DE" sz="2400" b="0" i="0" u="none" strike="noStrike" cap="none" normalizeH="0" baseline="0">
-              <a:ln>
-                <a:noFill/>
-              </a:ln>
-              <a:solidFill>
-                <a:schemeClr val="tx1"/>
-              </a:solidFill>
-              <a:effectLst/>
-              <a:latin typeface="Times New Roman" pitchFamily="18" charset="0"/>
-            </a:endParaRPr>
-          </a:p>
-        </p:txBody>
-      </p:sp>
-      <p:cxnSp>
-        <p:nvCxnSpPr>
-          <p:cNvPr id="34" name="Gerader Verbinder 33">
-            <a:extLst>
-              <a:ext uri="{FF2B5EF4-FFF2-40B4-BE49-F238E27FC236}">
-                <a16:creationId xmlns:a16="http://schemas.microsoft.com/office/drawing/2014/main" id="{6E95AD40-1AE6-E6BB-E783-C40580ED10EA}"/>
-              </a:ext>
-            </a:extLst>
-          </p:cNvPr>
-          <p:cNvCxnSpPr>
-            <a:cxnSpLocks/>
-            <a:endCxn id="33" idx="2"/>
-          </p:cNvCxnSpPr>
-          <p:nvPr/>
-        </p:nvCxnSpPr>
-        <p:spPr bwMode="auto">
-          <a:xfrm rot="2700000">
-            <a:off x="5312996" y="5522804"/>
-            <a:ext cx="216024" cy="0"/>
-          </a:xfrm>
-          <a:prstGeom prst="line">
-            <a:avLst/>
-          </a:prstGeom>
-          <a:solidFill>
-            <a:schemeClr val="accent1"/>
-          </a:solidFill>
-          <a:ln w="19050" cap="flat" cmpd="sng" algn="ctr">
-            <a:solidFill>
-              <a:schemeClr val="tx1"/>
-            </a:solidFill>
-            <a:prstDash val="solid"/>
-            <a:round/>
-            <a:headEnd type="none" w="sm" len="sm"/>
-            <a:tailEnd type="none" w="sm" len="sm"/>
-          </a:ln>
-          <a:effectLst/>
-        </p:spPr>
-      </p:cxnSp>
-      <p:sp>
-        <p:nvSpPr>
-          <p:cNvPr id="36" name="Textfeld 35">
-            <a:extLst>
-              <a:ext uri="{FF2B5EF4-FFF2-40B4-BE49-F238E27FC236}">
-                <a16:creationId xmlns:a16="http://schemas.microsoft.com/office/drawing/2014/main" id="{B3735663-1826-5083-BC04-81EFD72F822C}"/>
-              </a:ext>
-            </a:extLst>
-          </p:cNvPr>
-          <p:cNvSpPr txBox="1"/>
-          <p:nvPr/>
-        </p:nvSpPr>
-        <p:spPr bwMode="auto">
-          <a:xfrm>
-            <a:off x="6120172" y="4482847"/>
-            <a:ext cx="720080" cy="276999"/>
-          </a:xfrm>
-          <a:prstGeom prst="rect">
-            <a:avLst/>
-          </a:prstGeom>
-          <a:noFill/>
-          <a:ln w="9525">
-            <a:noFill/>
-            <a:miter lim="800000"/>
-            <a:headEnd/>
-            <a:tailEnd/>
-          </a:ln>
-        </p:spPr>
-        <p:txBody>
-          <a:bodyPr wrap="square" rtlCol="0" anchor="ctr">
-            <a:spAutoFit/>
-          </a:bodyPr>
-          <a:lstStyle/>
-          <a:p>
-            <a:pPr eaLnBrk="1" hangingPunct="1"/>
-            <a:r>
-              <a:rPr lang="de-DE" sz="1200" dirty="0" err="1">
-                <a:solidFill>
-                  <a:srgbClr val="0249FC"/>
-                </a:solidFill>
-                <a:latin typeface="Arial" charset="0"/>
-              </a:rPr>
-              <a:t>main</a:t>
-            </a:r>
-            <a:endParaRPr lang="de-DE" sz="1200" dirty="0">
-              <a:solidFill>
-                <a:srgbClr val="0249FC"/>
-              </a:solidFill>
-              <a:latin typeface="Arial" charset="0"/>
-            </a:endParaRPr>
-          </a:p>
-        </p:txBody>
-      </p:sp>
-      <p:sp>
-        <p:nvSpPr>
-          <p:cNvPr id="37" name="Textfeld 36">
-            <a:extLst>
-              <a:ext uri="{FF2B5EF4-FFF2-40B4-BE49-F238E27FC236}">
-                <a16:creationId xmlns:a16="http://schemas.microsoft.com/office/drawing/2014/main" id="{AFE0D8DA-85CA-0648-FE1A-68A82C57267E}"/>
-              </a:ext>
-            </a:extLst>
-          </p:cNvPr>
-          <p:cNvSpPr txBox="1"/>
-          <p:nvPr/>
-        </p:nvSpPr>
-        <p:spPr bwMode="auto">
-          <a:xfrm>
-            <a:off x="5724128" y="3404413"/>
-            <a:ext cx="792088" cy="276999"/>
-          </a:xfrm>
-          <a:prstGeom prst="rect">
-            <a:avLst/>
-          </a:prstGeom>
-          <a:noFill/>
-          <a:ln w="9525">
-            <a:noFill/>
-            <a:miter lim="800000"/>
-            <a:headEnd/>
-            <a:tailEnd/>
-          </a:ln>
-        </p:spPr>
-        <p:txBody>
-          <a:bodyPr wrap="square" rtlCol="0" anchor="ctr">
-            <a:spAutoFit/>
-          </a:bodyPr>
-          <a:lstStyle/>
-          <a:p>
-            <a:pPr eaLnBrk="1" hangingPunct="1"/>
-            <a:r>
-              <a:rPr lang="de-DE" sz="1200" dirty="0">
-                <a:solidFill>
-                  <a:srgbClr val="008C5A"/>
-                </a:solidFill>
-                <a:latin typeface="Arial" charset="0"/>
-              </a:rPr>
-              <a:t>feature1</a:t>
-            </a:r>
-          </a:p>
-        </p:txBody>
-      </p:sp>
-      <p:sp>
-        <p:nvSpPr>
-          <p:cNvPr id="38" name="Textfeld 37">
-            <a:extLst>
-              <a:ext uri="{FF2B5EF4-FFF2-40B4-BE49-F238E27FC236}">
-                <a16:creationId xmlns:a16="http://schemas.microsoft.com/office/drawing/2014/main" id="{38806947-E25F-4027-3BD1-F2C151C0C79D}"/>
-              </a:ext>
-            </a:extLst>
-          </p:cNvPr>
-          <p:cNvSpPr txBox="1"/>
-          <p:nvPr/>
-        </p:nvSpPr>
-        <p:spPr bwMode="auto">
-          <a:xfrm>
-            <a:off x="5760132" y="5576906"/>
-            <a:ext cx="792088" cy="276999"/>
-          </a:xfrm>
-          <a:prstGeom prst="rect">
-            <a:avLst/>
-          </a:prstGeom>
-          <a:noFill/>
-          <a:ln w="9525">
-            <a:noFill/>
-            <a:miter lim="800000"/>
-            <a:headEnd/>
-            <a:tailEnd/>
-          </a:ln>
-        </p:spPr>
-        <p:txBody>
-          <a:bodyPr wrap="square" rtlCol="0" anchor="ctr">
-            <a:spAutoFit/>
-          </a:bodyPr>
-          <a:lstStyle/>
-          <a:p>
-            <a:pPr eaLnBrk="1" hangingPunct="1"/>
-            <a:r>
-              <a:rPr lang="de-DE" sz="1200" dirty="0">
-                <a:solidFill>
-                  <a:srgbClr val="7030A0"/>
-                </a:solidFill>
-                <a:latin typeface="Arial" charset="0"/>
-              </a:rPr>
-              <a:t>feature2</a:t>
-            </a:r>
-          </a:p>
-        </p:txBody>
-      </p:sp>
-      <p:cxnSp>
-        <p:nvCxnSpPr>
-          <p:cNvPr id="40" name="Gerade Verbindung mit Pfeil 39">
-            <a:extLst>
-              <a:ext uri="{FF2B5EF4-FFF2-40B4-BE49-F238E27FC236}">
-                <a16:creationId xmlns:a16="http://schemas.microsoft.com/office/drawing/2014/main" id="{13FD3CDA-2657-1084-1AE4-2C5874D8322A}"/>
-              </a:ext>
-            </a:extLst>
-          </p:cNvPr>
-          <p:cNvCxnSpPr>
-            <a:cxnSpLocks/>
-          </p:cNvCxnSpPr>
-          <p:nvPr/>
-        </p:nvCxnSpPr>
-        <p:spPr bwMode="auto">
-          <a:xfrm>
-            <a:off x="5586865" y="3753277"/>
-            <a:ext cx="12354" cy="1738731"/>
-          </a:xfrm>
-          <a:prstGeom prst="straightConnector1">
-            <a:avLst/>
-          </a:prstGeom>
-          <a:solidFill>
-            <a:schemeClr val="accent1"/>
-          </a:solidFill>
-          <a:ln w="76200" cap="flat" cmpd="sng" algn="ctr">
-            <a:solidFill>
-              <a:srgbClr val="FFC000"/>
-            </a:solidFill>
-            <a:prstDash val="solid"/>
-            <a:round/>
-            <a:headEnd type="triangle"/>
-            <a:tailEnd type="triangle"/>
-          </a:ln>
-          <a:effectLst>
-            <a:glow rad="63500">
-              <a:schemeClr val="accent4">
-                <a:satMod val="175000"/>
-                <a:alpha val="40000"/>
-              </a:schemeClr>
-            </a:glow>
-          </a:effectLst>
-        </p:spPr>
-      </p:cxnSp>
-      <p:sp>
-        <p:nvSpPr>
-          <p:cNvPr id="42" name="Gewitterblitz 41">
-            <a:extLst>
-              <a:ext uri="{FF2B5EF4-FFF2-40B4-BE49-F238E27FC236}">
-                <a16:creationId xmlns:a16="http://schemas.microsoft.com/office/drawing/2014/main" id="{F3CC5856-E024-39FD-B0AE-569578796254}"/>
-              </a:ext>
-            </a:extLst>
-          </p:cNvPr>
-          <p:cNvSpPr/>
-          <p:nvPr/>
-        </p:nvSpPr>
-        <p:spPr bwMode="auto">
-          <a:xfrm rot="19809464" flipH="1">
-            <a:off x="5401968" y="4470905"/>
-            <a:ext cx="369792" cy="269575"/>
-          </a:xfrm>
-          <a:prstGeom prst="lightningBolt">
-            <a:avLst/>
-          </a:prstGeom>
-          <a:solidFill>
-            <a:srgbClr val="FFC000"/>
-          </a:solidFill>
-          <a:ln w="12700" cap="flat" cmpd="sng" algn="ctr">
-            <a:solidFill>
-              <a:schemeClr val="tx1"/>
-            </a:solidFill>
-            <a:prstDash val="solid"/>
-            <a:round/>
-            <a:headEnd type="none" w="sm" len="sm"/>
-            <a:tailEnd type="none" w="sm" len="sm"/>
-          </a:ln>
-          <a:effectLst>
-            <a:glow rad="63500">
-              <a:schemeClr val="accent4">
-                <a:satMod val="175000"/>
-                <a:alpha val="40000"/>
-              </a:schemeClr>
-            </a:glow>
-          </a:effectLst>
-        </p:spPr>
-        <p:txBody>
-          <a:bodyPr vert="horz" wrap="square" lIns="91440" tIns="45720" rIns="91440" bIns="45720" numCol="1" rtlCol="0" anchor="t" anchorCtr="0" compatLnSpc="1">
-            <a:prstTxWarp prst="textNoShape">
-              <a:avLst/>
-            </a:prstTxWarp>
-          </a:bodyPr>
-          <a:lstStyle/>
-          <a:p>
-            <a:pPr marL="0" marR="0" indent="0" algn="l" defTabSz="914400" rtl="0" eaLnBrk="0" fontAlgn="base" latinLnBrk="0" hangingPunct="0">
-              <a:lnSpc>
-                <a:spcPct val="100000"/>
-              </a:lnSpc>
-              <a:spcBef>
-                <a:spcPct val="0"/>
-              </a:spcBef>
-              <a:spcAft>
-                <a:spcPct val="0"/>
-              </a:spcAft>
-              <a:buClrTx/>
-              <a:buSzTx/>
-              <a:buFontTx/>
-              <a:buNone/>
-              <a:tabLst/>
-            </a:pPr>
-            <a:endParaRPr kumimoji="0" lang="de-DE" sz="2400" b="0" i="0" u="none" strike="noStrike" cap="none" normalizeH="0" baseline="0">
-              <a:ln>
-                <a:noFill/>
-              </a:ln>
-              <a:solidFill>
-                <a:schemeClr val="tx1"/>
-              </a:solidFill>
-              <a:effectLst/>
-              <a:latin typeface="Times New Roman" pitchFamily="18" charset="0"/>
-            </a:endParaRPr>
-          </a:p>
-        </p:txBody>
-      </p:sp>
     </p:spTree>
     <p:extLst>
       <p:ext uri="{BB962C8B-B14F-4D97-AF65-F5344CB8AC3E}">
-        <p14:creationId xmlns:p14="http://schemas.microsoft.com/office/powerpoint/2010/main" val="3955948481"/>
+        <p14:creationId xmlns:p14="http://schemas.microsoft.com/office/powerpoint/2010/main" val="1574715531"/>
       </p:ext>
     </p:extLst>
   </p:cSld>
@@ -37239,70 +36911,45 @@
           <a:p>
             <a:r>
               <a:rPr lang="de-DE" altLang="de-DE" dirty="0"/>
-              <a:t>Durch die gemeinsame Arbeit auf einem Branch steigt das Konfliktpotenzial</a:t>
+              <a:t>Entwickler werden gezwungen, oft Änderungen von neuen </a:t>
+            </a:r>
+            <a:r>
+              <a:rPr lang="de-DE" altLang="de-DE" dirty="0" err="1"/>
+              <a:t>Commits</a:t>
+            </a:r>
+            <a:r>
+              <a:rPr lang="de-DE" altLang="de-DE" dirty="0"/>
+              <a:t> in ihr lokales Repository einzubauen</a:t>
             </a:r>
           </a:p>
           <a:p>
             <a:pPr lvl="1"/>
             <a:r>
               <a:rPr lang="de-DE" altLang="de-DE" dirty="0"/>
-              <a:t>Häufige Kommunikation nötig</a:t>
+              <a:t>Erhöht zwar direktes Konfliktpotenzial, reduziert aber Komplexität bei der Integration von Features</a:t>
             </a:r>
           </a:p>
           <a:p>
             <a:pPr lvl="1"/>
             <a:r>
               <a:rPr lang="de-DE" altLang="de-DE" dirty="0"/>
-              <a:t>Entwickler sollten mit Umgang von Konflikten in </a:t>
-            </a:r>
-            <a:r>
-              <a:rPr lang="de-DE" altLang="de-DE" dirty="0" err="1"/>
-              <a:t>Git</a:t>
-            </a:r>
-            <a:r>
-              <a:rPr lang="de-DE" altLang="de-DE" dirty="0"/>
-              <a:t> vertraut sein und diese sauber auflösen können</a:t>
-            </a:r>
-          </a:p>
-          <a:p>
-            <a:r>
-              <a:rPr lang="de-DE" altLang="de-DE" dirty="0"/>
-              <a:t>Ein zentraler </a:t>
-            </a:r>
-            <a:r>
-              <a:rPr lang="de-DE" altLang="de-DE" dirty="0" err="1"/>
-              <a:t>Git</a:t>
-            </a:r>
-            <a:r>
-              <a:rPr lang="de-DE" altLang="de-DE" dirty="0"/>
-              <a:t>-Workflow bietet weniger Flexibilität als andere Workflows</a:t>
-            </a:r>
-          </a:p>
-          <a:p>
-            <a:pPr lvl="1"/>
-            <a:r>
-              <a:rPr lang="de-DE" altLang="de-DE" dirty="0"/>
-              <a:t>Komplexere Projekte mit vielen parallelen und inhaltlich getrennten Features können hier von anderen Workflows profitieren</a:t>
-            </a:r>
-          </a:p>
-          <a:p>
-            <a:r>
-              <a:rPr lang="de-DE" altLang="de-DE" dirty="0"/>
-              <a:t>Zentraler </a:t>
-            </a:r>
-            <a:r>
-              <a:rPr lang="de-DE" altLang="de-DE" dirty="0" err="1"/>
-              <a:t>Git</a:t>
-            </a:r>
-            <a:r>
-              <a:rPr lang="de-DE" altLang="de-DE" dirty="0"/>
-              <a:t>-Workflow entfaltet seine Vorteile meinst in kleineren Teams</a:t>
-            </a:r>
-          </a:p>
-          <a:p>
-            <a:pPr marL="0" indent="0">
+              <a:t>Gegenbeispiel wäre ein Feature-Branch, der über Wochen nicht zwingend aktualisiert werden muss und nachher wieder in den main-Branch zurückgeführt wird</a:t>
+            </a:r>
+          </a:p>
+          <a:p>
+            <a:pPr marL="358775" indent="-176213">
               <a:buNone/>
             </a:pPr>
+            <a:r>
+              <a:rPr lang="de-DE" altLang="de-DE" dirty="0"/>
+              <a:t>	</a:t>
+            </a:r>
+            <a:r>
+              <a:rPr lang="de-DE" altLang="de-DE" dirty="0">
+                <a:sym typeface="Wingdings" panose="05000000000000000000" pitchFamily="2" charset="2"/>
+              </a:rPr>
+              <a:t> Verhindert Divergenz</a:t>
+            </a:r>
             <a:endParaRPr lang="de-DE" altLang="de-DE" dirty="0"/>
           </a:p>
           <a:p>
@@ -37354,10 +37001,1337 @@
           </a:p>
         </p:txBody>
       </p:sp>
+      <p:sp>
+        <p:nvSpPr>
+          <p:cNvPr id="2" name="Ellipse 1">
+            <a:extLst>
+              <a:ext uri="{FF2B5EF4-FFF2-40B4-BE49-F238E27FC236}">
+                <a16:creationId xmlns:a16="http://schemas.microsoft.com/office/drawing/2014/main" id="{76058A08-9E10-43D2-3E59-C7816D7E71EB}"/>
+              </a:ext>
+            </a:extLst>
+          </p:cNvPr>
+          <p:cNvSpPr/>
+          <p:nvPr/>
+        </p:nvSpPr>
+        <p:spPr bwMode="auto">
+          <a:xfrm>
+            <a:off x="4355976" y="4493954"/>
+            <a:ext cx="288032" cy="288032"/>
+          </a:xfrm>
+          <a:prstGeom prst="ellipse">
+            <a:avLst/>
+          </a:prstGeom>
+          <a:solidFill>
+            <a:schemeClr val="accent5">
+              <a:lumMod val="75000"/>
+            </a:schemeClr>
+          </a:solidFill>
+          <a:ln w="19050" cap="flat" cmpd="sng" algn="ctr">
+            <a:solidFill>
+              <a:schemeClr val="tx1"/>
+            </a:solidFill>
+            <a:prstDash val="solid"/>
+            <a:round/>
+            <a:headEnd type="none" w="sm" len="sm"/>
+            <a:tailEnd type="none" w="sm" len="sm"/>
+          </a:ln>
+          <a:effectLst/>
+        </p:spPr>
+        <p:txBody>
+          <a:bodyPr vert="horz" wrap="square" lIns="91440" tIns="45720" rIns="91440" bIns="45720" numCol="1" rtlCol="0" anchor="t" anchorCtr="0" compatLnSpc="1">
+            <a:prstTxWarp prst="textNoShape">
+              <a:avLst/>
+            </a:prstTxWarp>
+          </a:bodyPr>
+          <a:lstStyle/>
+          <a:p>
+            <a:pPr marL="0" marR="0" indent="0" algn="l" defTabSz="914400" rtl="0" eaLnBrk="0" fontAlgn="base" latinLnBrk="0" hangingPunct="0">
+              <a:lnSpc>
+                <a:spcPct val="100000"/>
+              </a:lnSpc>
+              <a:spcBef>
+                <a:spcPct val="0"/>
+              </a:spcBef>
+              <a:spcAft>
+                <a:spcPct val="0"/>
+              </a:spcAft>
+              <a:buClrTx/>
+              <a:buSzTx/>
+              <a:buFontTx/>
+              <a:buNone/>
+              <a:tabLst/>
+            </a:pPr>
+            <a:endParaRPr kumimoji="0" lang="de-DE" sz="2400" b="0" i="0" u="none" strike="noStrike" cap="none" normalizeH="0" baseline="0">
+              <a:ln>
+                <a:noFill/>
+              </a:ln>
+              <a:solidFill>
+                <a:schemeClr val="tx1"/>
+              </a:solidFill>
+              <a:effectLst/>
+              <a:latin typeface="Times New Roman" pitchFamily="18" charset="0"/>
+            </a:endParaRPr>
+          </a:p>
+        </p:txBody>
+      </p:sp>
+      <p:sp>
+        <p:nvSpPr>
+          <p:cNvPr id="3" name="Ellipse 2">
+            <a:extLst>
+              <a:ext uri="{FF2B5EF4-FFF2-40B4-BE49-F238E27FC236}">
+                <a16:creationId xmlns:a16="http://schemas.microsoft.com/office/drawing/2014/main" id="{E37D6EA4-6BDA-851B-1514-CB8F375614CE}"/>
+              </a:ext>
+            </a:extLst>
+          </p:cNvPr>
+          <p:cNvSpPr/>
+          <p:nvPr/>
+        </p:nvSpPr>
+        <p:spPr bwMode="auto">
+          <a:xfrm>
+            <a:off x="4860032" y="4493954"/>
+            <a:ext cx="288032" cy="288032"/>
+          </a:xfrm>
+          <a:prstGeom prst="ellipse">
+            <a:avLst/>
+          </a:prstGeom>
+          <a:solidFill>
+            <a:schemeClr val="accent5">
+              <a:lumMod val="75000"/>
+            </a:schemeClr>
+          </a:solidFill>
+          <a:ln w="19050" cap="flat" cmpd="sng" algn="ctr">
+            <a:solidFill>
+              <a:schemeClr val="tx1"/>
+            </a:solidFill>
+            <a:prstDash val="solid"/>
+            <a:round/>
+            <a:headEnd type="none" w="sm" len="sm"/>
+            <a:tailEnd type="none" w="sm" len="sm"/>
+          </a:ln>
+          <a:effectLst/>
+        </p:spPr>
+        <p:txBody>
+          <a:bodyPr vert="horz" wrap="square" lIns="91440" tIns="45720" rIns="91440" bIns="45720" numCol="1" rtlCol="0" anchor="t" anchorCtr="0" compatLnSpc="1">
+            <a:prstTxWarp prst="textNoShape">
+              <a:avLst/>
+            </a:prstTxWarp>
+          </a:bodyPr>
+          <a:lstStyle/>
+          <a:p>
+            <a:pPr marL="0" marR="0" indent="0" algn="l" defTabSz="914400" rtl="0" eaLnBrk="0" fontAlgn="base" latinLnBrk="0" hangingPunct="0">
+              <a:lnSpc>
+                <a:spcPct val="100000"/>
+              </a:lnSpc>
+              <a:spcBef>
+                <a:spcPct val="0"/>
+              </a:spcBef>
+              <a:spcAft>
+                <a:spcPct val="0"/>
+              </a:spcAft>
+              <a:buClrTx/>
+              <a:buSzTx/>
+              <a:buFontTx/>
+              <a:buNone/>
+              <a:tabLst/>
+            </a:pPr>
+            <a:endParaRPr kumimoji="0" lang="de-DE" sz="2400" b="0" i="0" u="none" strike="noStrike" cap="none" normalizeH="0" baseline="0">
+              <a:ln>
+                <a:noFill/>
+              </a:ln>
+              <a:solidFill>
+                <a:schemeClr val="tx1"/>
+              </a:solidFill>
+              <a:effectLst/>
+              <a:latin typeface="Times New Roman" pitchFamily="18" charset="0"/>
+            </a:endParaRPr>
+          </a:p>
+        </p:txBody>
+      </p:sp>
+      <p:cxnSp>
+        <p:nvCxnSpPr>
+          <p:cNvPr id="5" name="Gerader Verbinder 4">
+            <a:extLst>
+              <a:ext uri="{FF2B5EF4-FFF2-40B4-BE49-F238E27FC236}">
+                <a16:creationId xmlns:a16="http://schemas.microsoft.com/office/drawing/2014/main" id="{7DF7BF90-34CF-2A8A-BF0A-DA7332C8F32C}"/>
+              </a:ext>
+            </a:extLst>
+          </p:cNvPr>
+          <p:cNvCxnSpPr>
+            <a:stCxn id="2" idx="6"/>
+            <a:endCxn id="3" idx="2"/>
+          </p:cNvCxnSpPr>
+          <p:nvPr/>
+        </p:nvCxnSpPr>
+        <p:spPr bwMode="auto">
+          <a:xfrm>
+            <a:off x="4644008" y="4637970"/>
+            <a:ext cx="216024" cy="0"/>
+          </a:xfrm>
+          <a:prstGeom prst="line">
+            <a:avLst/>
+          </a:prstGeom>
+          <a:solidFill>
+            <a:schemeClr val="accent1"/>
+          </a:solidFill>
+          <a:ln w="19050" cap="flat" cmpd="sng" algn="ctr">
+            <a:solidFill>
+              <a:schemeClr val="tx1"/>
+            </a:solidFill>
+            <a:prstDash val="solid"/>
+            <a:round/>
+            <a:headEnd type="none" w="sm" len="sm"/>
+            <a:tailEnd type="none" w="sm" len="sm"/>
+          </a:ln>
+          <a:effectLst/>
+        </p:spPr>
+      </p:cxnSp>
+      <p:sp>
+        <p:nvSpPr>
+          <p:cNvPr id="6" name="Ellipse 5">
+            <a:extLst>
+              <a:ext uri="{FF2B5EF4-FFF2-40B4-BE49-F238E27FC236}">
+                <a16:creationId xmlns:a16="http://schemas.microsoft.com/office/drawing/2014/main" id="{7CC7556A-24FC-B989-D16D-06F56F69F690}"/>
+              </a:ext>
+            </a:extLst>
+          </p:cNvPr>
+          <p:cNvSpPr/>
+          <p:nvPr/>
+        </p:nvSpPr>
+        <p:spPr bwMode="auto">
+          <a:xfrm>
+            <a:off x="5364088" y="4493954"/>
+            <a:ext cx="288032" cy="288032"/>
+          </a:xfrm>
+          <a:prstGeom prst="ellipse">
+            <a:avLst/>
+          </a:prstGeom>
+          <a:solidFill>
+            <a:schemeClr val="accent5">
+              <a:lumMod val="75000"/>
+            </a:schemeClr>
+          </a:solidFill>
+          <a:ln w="19050" cap="flat" cmpd="sng" algn="ctr">
+            <a:solidFill>
+              <a:schemeClr val="tx1"/>
+            </a:solidFill>
+            <a:prstDash val="solid"/>
+            <a:round/>
+            <a:headEnd type="none" w="sm" len="sm"/>
+            <a:tailEnd type="none" w="sm" len="sm"/>
+          </a:ln>
+          <a:effectLst/>
+        </p:spPr>
+        <p:txBody>
+          <a:bodyPr vert="horz" wrap="square" lIns="91440" tIns="45720" rIns="91440" bIns="45720" numCol="1" rtlCol="0" anchor="t" anchorCtr="0" compatLnSpc="1">
+            <a:prstTxWarp prst="textNoShape">
+              <a:avLst/>
+            </a:prstTxWarp>
+          </a:bodyPr>
+          <a:lstStyle/>
+          <a:p>
+            <a:pPr marL="0" marR="0" indent="0" algn="l" defTabSz="914400" rtl="0" eaLnBrk="0" fontAlgn="base" latinLnBrk="0" hangingPunct="0">
+              <a:lnSpc>
+                <a:spcPct val="100000"/>
+              </a:lnSpc>
+              <a:spcBef>
+                <a:spcPct val="0"/>
+              </a:spcBef>
+              <a:spcAft>
+                <a:spcPct val="0"/>
+              </a:spcAft>
+              <a:buClrTx/>
+              <a:buSzTx/>
+              <a:buFontTx/>
+              <a:buNone/>
+              <a:tabLst/>
+            </a:pPr>
+            <a:endParaRPr kumimoji="0" lang="de-DE" sz="2400" b="0" i="0" u="none" strike="noStrike" cap="none" normalizeH="0" baseline="0">
+              <a:ln>
+                <a:noFill/>
+              </a:ln>
+              <a:solidFill>
+                <a:schemeClr val="tx1"/>
+              </a:solidFill>
+              <a:effectLst/>
+              <a:latin typeface="Times New Roman" pitchFamily="18" charset="0"/>
+            </a:endParaRPr>
+          </a:p>
+        </p:txBody>
+      </p:sp>
+      <p:cxnSp>
+        <p:nvCxnSpPr>
+          <p:cNvPr id="7" name="Gerader Verbinder 6">
+            <a:extLst>
+              <a:ext uri="{FF2B5EF4-FFF2-40B4-BE49-F238E27FC236}">
+                <a16:creationId xmlns:a16="http://schemas.microsoft.com/office/drawing/2014/main" id="{F1368B5E-699F-B893-DF00-04155B3397F5}"/>
+              </a:ext>
+            </a:extLst>
+          </p:cNvPr>
+          <p:cNvCxnSpPr>
+            <a:endCxn id="6" idx="2"/>
+          </p:cNvCxnSpPr>
+          <p:nvPr/>
+        </p:nvCxnSpPr>
+        <p:spPr bwMode="auto">
+          <a:xfrm>
+            <a:off x="5148064" y="4637970"/>
+            <a:ext cx="216024" cy="0"/>
+          </a:xfrm>
+          <a:prstGeom prst="line">
+            <a:avLst/>
+          </a:prstGeom>
+          <a:solidFill>
+            <a:schemeClr val="accent1"/>
+          </a:solidFill>
+          <a:ln w="19050" cap="flat" cmpd="sng" algn="ctr">
+            <a:solidFill>
+              <a:schemeClr val="tx1"/>
+            </a:solidFill>
+            <a:prstDash val="solid"/>
+            <a:round/>
+            <a:headEnd type="none" w="sm" len="sm"/>
+            <a:tailEnd type="none" w="sm" len="sm"/>
+          </a:ln>
+          <a:effectLst/>
+        </p:spPr>
+      </p:cxnSp>
+      <p:sp>
+        <p:nvSpPr>
+          <p:cNvPr id="8" name="Ellipse 7">
+            <a:extLst>
+              <a:ext uri="{FF2B5EF4-FFF2-40B4-BE49-F238E27FC236}">
+                <a16:creationId xmlns:a16="http://schemas.microsoft.com/office/drawing/2014/main" id="{42774172-05BE-833F-9B7B-72CFA740189B}"/>
+              </a:ext>
+            </a:extLst>
+          </p:cNvPr>
+          <p:cNvSpPr/>
+          <p:nvPr/>
+        </p:nvSpPr>
+        <p:spPr bwMode="auto">
+          <a:xfrm>
+            <a:off x="5868144" y="4493954"/>
+            <a:ext cx="288032" cy="288032"/>
+          </a:xfrm>
+          <a:prstGeom prst="ellipse">
+            <a:avLst/>
+          </a:prstGeom>
+          <a:solidFill>
+            <a:schemeClr val="accent5">
+              <a:lumMod val="75000"/>
+            </a:schemeClr>
+          </a:solidFill>
+          <a:ln w="19050" cap="flat" cmpd="sng" algn="ctr">
+            <a:solidFill>
+              <a:schemeClr val="tx1"/>
+            </a:solidFill>
+            <a:prstDash val="solid"/>
+            <a:round/>
+            <a:headEnd type="none" w="sm" len="sm"/>
+            <a:tailEnd type="none" w="sm" len="sm"/>
+          </a:ln>
+          <a:effectLst/>
+        </p:spPr>
+        <p:txBody>
+          <a:bodyPr vert="horz" wrap="square" lIns="91440" tIns="45720" rIns="91440" bIns="45720" numCol="1" rtlCol="0" anchor="t" anchorCtr="0" compatLnSpc="1">
+            <a:prstTxWarp prst="textNoShape">
+              <a:avLst/>
+            </a:prstTxWarp>
+          </a:bodyPr>
+          <a:lstStyle/>
+          <a:p>
+            <a:pPr marL="0" marR="0" indent="0" algn="l" defTabSz="914400" rtl="0" eaLnBrk="0" fontAlgn="base" latinLnBrk="0" hangingPunct="0">
+              <a:lnSpc>
+                <a:spcPct val="100000"/>
+              </a:lnSpc>
+              <a:spcBef>
+                <a:spcPct val="0"/>
+              </a:spcBef>
+              <a:spcAft>
+                <a:spcPct val="0"/>
+              </a:spcAft>
+              <a:buClrTx/>
+              <a:buSzTx/>
+              <a:buFontTx/>
+              <a:buNone/>
+              <a:tabLst/>
+            </a:pPr>
+            <a:endParaRPr kumimoji="0" lang="de-DE" sz="2400" b="0" i="0" u="none" strike="noStrike" cap="none" normalizeH="0" baseline="0">
+              <a:ln>
+                <a:noFill/>
+              </a:ln>
+              <a:solidFill>
+                <a:schemeClr val="tx1"/>
+              </a:solidFill>
+              <a:effectLst/>
+              <a:latin typeface="Times New Roman" pitchFamily="18" charset="0"/>
+            </a:endParaRPr>
+          </a:p>
+        </p:txBody>
+      </p:sp>
+      <p:cxnSp>
+        <p:nvCxnSpPr>
+          <p:cNvPr id="9" name="Gerader Verbinder 8">
+            <a:extLst>
+              <a:ext uri="{FF2B5EF4-FFF2-40B4-BE49-F238E27FC236}">
+                <a16:creationId xmlns:a16="http://schemas.microsoft.com/office/drawing/2014/main" id="{6D7A49AF-D5F1-FC31-E750-C02CCFE81D1F}"/>
+              </a:ext>
+            </a:extLst>
+          </p:cNvPr>
+          <p:cNvCxnSpPr>
+            <a:endCxn id="8" idx="2"/>
+          </p:cNvCxnSpPr>
+          <p:nvPr/>
+        </p:nvCxnSpPr>
+        <p:spPr bwMode="auto">
+          <a:xfrm>
+            <a:off x="5652120" y="4637970"/>
+            <a:ext cx="216024" cy="0"/>
+          </a:xfrm>
+          <a:prstGeom prst="line">
+            <a:avLst/>
+          </a:prstGeom>
+          <a:solidFill>
+            <a:schemeClr val="accent1"/>
+          </a:solidFill>
+          <a:ln w="19050" cap="flat" cmpd="sng" algn="ctr">
+            <a:solidFill>
+              <a:schemeClr val="tx1"/>
+            </a:solidFill>
+            <a:prstDash val="solid"/>
+            <a:round/>
+            <a:headEnd type="none" w="sm" len="sm"/>
+            <a:tailEnd type="none" w="sm" len="sm"/>
+          </a:ln>
+          <a:effectLst/>
+        </p:spPr>
+      </p:cxnSp>
+      <p:sp>
+        <p:nvSpPr>
+          <p:cNvPr id="12" name="Ellipse 11">
+            <a:extLst>
+              <a:ext uri="{FF2B5EF4-FFF2-40B4-BE49-F238E27FC236}">
+                <a16:creationId xmlns:a16="http://schemas.microsoft.com/office/drawing/2014/main" id="{F5298BD6-540F-23E3-0013-2118BE335BC8}"/>
+              </a:ext>
+            </a:extLst>
+          </p:cNvPr>
+          <p:cNvSpPr/>
+          <p:nvPr/>
+        </p:nvSpPr>
+        <p:spPr bwMode="auto">
+          <a:xfrm rot="18900000">
+            <a:off x="4720612" y="4137533"/>
+            <a:ext cx="288032" cy="288032"/>
+          </a:xfrm>
+          <a:prstGeom prst="ellipse">
+            <a:avLst/>
+          </a:prstGeom>
+          <a:solidFill>
+            <a:srgbClr val="008C5A"/>
+          </a:solidFill>
+          <a:ln w="19050" cap="flat" cmpd="sng" algn="ctr">
+            <a:solidFill>
+              <a:schemeClr val="tx1"/>
+            </a:solidFill>
+            <a:prstDash val="solid"/>
+            <a:round/>
+            <a:headEnd type="none" w="sm" len="sm"/>
+            <a:tailEnd type="none" w="sm" len="sm"/>
+          </a:ln>
+          <a:effectLst/>
+        </p:spPr>
+        <p:txBody>
+          <a:bodyPr vert="horz" wrap="square" lIns="91440" tIns="45720" rIns="91440" bIns="45720" numCol="1" rtlCol="0" anchor="t" anchorCtr="0" compatLnSpc="1">
+            <a:prstTxWarp prst="textNoShape">
+              <a:avLst/>
+            </a:prstTxWarp>
+          </a:bodyPr>
+          <a:lstStyle/>
+          <a:p>
+            <a:pPr marL="0" marR="0" indent="0" algn="l" defTabSz="914400" rtl="0" eaLnBrk="0" fontAlgn="base" latinLnBrk="0" hangingPunct="0">
+              <a:lnSpc>
+                <a:spcPct val="100000"/>
+              </a:lnSpc>
+              <a:spcBef>
+                <a:spcPct val="0"/>
+              </a:spcBef>
+              <a:spcAft>
+                <a:spcPct val="0"/>
+              </a:spcAft>
+              <a:buClrTx/>
+              <a:buSzTx/>
+              <a:buFontTx/>
+              <a:buNone/>
+              <a:tabLst/>
+            </a:pPr>
+            <a:endParaRPr kumimoji="0" lang="de-DE" sz="2400" b="0" i="0" u="none" strike="noStrike" cap="none" normalizeH="0" baseline="0" dirty="0">
+              <a:ln>
+                <a:noFill/>
+              </a:ln>
+              <a:solidFill>
+                <a:schemeClr val="tx1"/>
+              </a:solidFill>
+              <a:effectLst/>
+              <a:latin typeface="Times New Roman" pitchFamily="18" charset="0"/>
+            </a:endParaRPr>
+          </a:p>
+        </p:txBody>
+      </p:sp>
+      <p:cxnSp>
+        <p:nvCxnSpPr>
+          <p:cNvPr id="13" name="Gerader Verbinder 12">
+            <a:extLst>
+              <a:ext uri="{FF2B5EF4-FFF2-40B4-BE49-F238E27FC236}">
+                <a16:creationId xmlns:a16="http://schemas.microsoft.com/office/drawing/2014/main" id="{5B3D8803-F685-3CC3-C206-3E87CAB24B24}"/>
+              </a:ext>
+            </a:extLst>
+          </p:cNvPr>
+          <p:cNvCxnSpPr>
+            <a:cxnSpLocks/>
+            <a:endCxn id="12" idx="2"/>
+          </p:cNvCxnSpPr>
+          <p:nvPr/>
+        </p:nvCxnSpPr>
+        <p:spPr bwMode="auto">
+          <a:xfrm rot="18900000">
+            <a:off x="4578405" y="4459760"/>
+            <a:ext cx="216024" cy="0"/>
+          </a:xfrm>
+          <a:prstGeom prst="line">
+            <a:avLst/>
+          </a:prstGeom>
+          <a:solidFill>
+            <a:schemeClr val="accent1"/>
+          </a:solidFill>
+          <a:ln w="19050" cap="flat" cmpd="sng" algn="ctr">
+            <a:solidFill>
+              <a:schemeClr val="tx1"/>
+            </a:solidFill>
+            <a:prstDash val="solid"/>
+            <a:round/>
+            <a:headEnd type="none" w="sm" len="sm"/>
+            <a:tailEnd type="none" w="sm" len="sm"/>
+          </a:ln>
+          <a:effectLst/>
+        </p:spPr>
+      </p:cxnSp>
+      <p:sp>
+        <p:nvSpPr>
+          <p:cNvPr id="21" name="Ellipse 20">
+            <a:extLst>
+              <a:ext uri="{FF2B5EF4-FFF2-40B4-BE49-F238E27FC236}">
+                <a16:creationId xmlns:a16="http://schemas.microsoft.com/office/drawing/2014/main" id="{24B9CDB4-9181-958F-24AD-C1A9D4725175}"/>
+              </a:ext>
+            </a:extLst>
+          </p:cNvPr>
+          <p:cNvSpPr/>
+          <p:nvPr/>
+        </p:nvSpPr>
+        <p:spPr bwMode="auto">
+          <a:xfrm rot="18900000">
+            <a:off x="5072582" y="3776743"/>
+            <a:ext cx="288032" cy="288032"/>
+          </a:xfrm>
+          <a:prstGeom prst="ellipse">
+            <a:avLst/>
+          </a:prstGeom>
+          <a:solidFill>
+            <a:srgbClr val="008C5A"/>
+          </a:solidFill>
+          <a:ln w="19050" cap="flat" cmpd="sng" algn="ctr">
+            <a:solidFill>
+              <a:schemeClr val="tx1"/>
+            </a:solidFill>
+            <a:prstDash val="solid"/>
+            <a:round/>
+            <a:headEnd type="none" w="sm" len="sm"/>
+            <a:tailEnd type="none" w="sm" len="sm"/>
+          </a:ln>
+          <a:effectLst/>
+        </p:spPr>
+        <p:txBody>
+          <a:bodyPr vert="horz" wrap="square" lIns="91440" tIns="45720" rIns="91440" bIns="45720" numCol="1" rtlCol="0" anchor="t" anchorCtr="0" compatLnSpc="1">
+            <a:prstTxWarp prst="textNoShape">
+              <a:avLst/>
+            </a:prstTxWarp>
+          </a:bodyPr>
+          <a:lstStyle/>
+          <a:p>
+            <a:pPr marL="0" marR="0" indent="0" algn="l" defTabSz="914400" rtl="0" eaLnBrk="0" fontAlgn="base" latinLnBrk="0" hangingPunct="0">
+              <a:lnSpc>
+                <a:spcPct val="100000"/>
+              </a:lnSpc>
+              <a:spcBef>
+                <a:spcPct val="0"/>
+              </a:spcBef>
+              <a:spcAft>
+                <a:spcPct val="0"/>
+              </a:spcAft>
+              <a:buClrTx/>
+              <a:buSzTx/>
+              <a:buFontTx/>
+              <a:buNone/>
+              <a:tabLst/>
+            </a:pPr>
+            <a:endParaRPr kumimoji="0" lang="de-DE" sz="2400" b="0" i="0" u="none" strike="noStrike" cap="none" normalizeH="0" baseline="0">
+              <a:ln>
+                <a:noFill/>
+              </a:ln>
+              <a:solidFill>
+                <a:schemeClr val="tx1"/>
+              </a:solidFill>
+              <a:effectLst/>
+              <a:latin typeface="Times New Roman" pitchFamily="18" charset="0"/>
+            </a:endParaRPr>
+          </a:p>
+        </p:txBody>
+      </p:sp>
+      <p:cxnSp>
+        <p:nvCxnSpPr>
+          <p:cNvPr id="22" name="Gerader Verbinder 21">
+            <a:extLst>
+              <a:ext uri="{FF2B5EF4-FFF2-40B4-BE49-F238E27FC236}">
+                <a16:creationId xmlns:a16="http://schemas.microsoft.com/office/drawing/2014/main" id="{AC6C0621-C790-AE19-DBA4-68AD8760B6B8}"/>
+              </a:ext>
+            </a:extLst>
+          </p:cNvPr>
+          <p:cNvCxnSpPr>
+            <a:cxnSpLocks/>
+            <a:endCxn id="21" idx="2"/>
+          </p:cNvCxnSpPr>
+          <p:nvPr/>
+        </p:nvCxnSpPr>
+        <p:spPr bwMode="auto">
+          <a:xfrm rot="18900000">
+            <a:off x="4930375" y="4098970"/>
+            <a:ext cx="216024" cy="0"/>
+          </a:xfrm>
+          <a:prstGeom prst="line">
+            <a:avLst/>
+          </a:prstGeom>
+          <a:solidFill>
+            <a:schemeClr val="accent1"/>
+          </a:solidFill>
+          <a:ln w="19050" cap="flat" cmpd="sng" algn="ctr">
+            <a:solidFill>
+              <a:schemeClr val="tx1"/>
+            </a:solidFill>
+            <a:prstDash val="solid"/>
+            <a:round/>
+            <a:headEnd type="none" w="sm" len="sm"/>
+            <a:tailEnd type="none" w="sm" len="sm"/>
+          </a:ln>
+          <a:effectLst/>
+        </p:spPr>
+      </p:cxnSp>
+      <p:sp>
+        <p:nvSpPr>
+          <p:cNvPr id="24" name="Ellipse 23">
+            <a:extLst>
+              <a:ext uri="{FF2B5EF4-FFF2-40B4-BE49-F238E27FC236}">
+                <a16:creationId xmlns:a16="http://schemas.microsoft.com/office/drawing/2014/main" id="{C1CB366A-80E2-B34A-8CAA-01D231680BB3}"/>
+              </a:ext>
+            </a:extLst>
+          </p:cNvPr>
+          <p:cNvSpPr/>
+          <p:nvPr/>
+        </p:nvSpPr>
+        <p:spPr bwMode="auto">
+          <a:xfrm rot="18900000">
+            <a:off x="5440464" y="3419664"/>
+            <a:ext cx="288032" cy="288032"/>
+          </a:xfrm>
+          <a:prstGeom prst="ellipse">
+            <a:avLst/>
+          </a:prstGeom>
+          <a:solidFill>
+            <a:srgbClr val="008C5A"/>
+          </a:solidFill>
+          <a:ln w="19050" cap="flat" cmpd="sng" algn="ctr">
+            <a:solidFill>
+              <a:schemeClr val="tx1"/>
+            </a:solidFill>
+            <a:prstDash val="solid"/>
+            <a:round/>
+            <a:headEnd type="none" w="sm" len="sm"/>
+            <a:tailEnd type="none" w="sm" len="sm"/>
+          </a:ln>
+          <a:effectLst/>
+        </p:spPr>
+        <p:txBody>
+          <a:bodyPr vert="horz" wrap="square" lIns="91440" tIns="45720" rIns="91440" bIns="45720" numCol="1" rtlCol="0" anchor="t" anchorCtr="0" compatLnSpc="1">
+            <a:prstTxWarp prst="textNoShape">
+              <a:avLst/>
+            </a:prstTxWarp>
+          </a:bodyPr>
+          <a:lstStyle/>
+          <a:p>
+            <a:pPr marL="0" marR="0" indent="0" algn="l" defTabSz="914400" rtl="0" eaLnBrk="0" fontAlgn="base" latinLnBrk="0" hangingPunct="0">
+              <a:lnSpc>
+                <a:spcPct val="100000"/>
+              </a:lnSpc>
+              <a:spcBef>
+                <a:spcPct val="0"/>
+              </a:spcBef>
+              <a:spcAft>
+                <a:spcPct val="0"/>
+              </a:spcAft>
+              <a:buClrTx/>
+              <a:buSzTx/>
+              <a:buFontTx/>
+              <a:buNone/>
+              <a:tabLst/>
+            </a:pPr>
+            <a:endParaRPr kumimoji="0" lang="de-DE" sz="2400" b="0" i="0" u="none" strike="noStrike" cap="none" normalizeH="0" baseline="0">
+              <a:ln>
+                <a:noFill/>
+              </a:ln>
+              <a:solidFill>
+                <a:schemeClr val="tx1"/>
+              </a:solidFill>
+              <a:effectLst/>
+              <a:latin typeface="Times New Roman" pitchFamily="18" charset="0"/>
+            </a:endParaRPr>
+          </a:p>
+        </p:txBody>
+      </p:sp>
+      <p:cxnSp>
+        <p:nvCxnSpPr>
+          <p:cNvPr id="25" name="Gerader Verbinder 24">
+            <a:extLst>
+              <a:ext uri="{FF2B5EF4-FFF2-40B4-BE49-F238E27FC236}">
+                <a16:creationId xmlns:a16="http://schemas.microsoft.com/office/drawing/2014/main" id="{91F4DAAE-20C0-A358-F8E6-159483F59034}"/>
+              </a:ext>
+            </a:extLst>
+          </p:cNvPr>
+          <p:cNvCxnSpPr>
+            <a:cxnSpLocks/>
+            <a:endCxn id="24" idx="2"/>
+          </p:cNvCxnSpPr>
+          <p:nvPr/>
+        </p:nvCxnSpPr>
+        <p:spPr bwMode="auto">
+          <a:xfrm rot="18900000">
+            <a:off x="5298257" y="3741891"/>
+            <a:ext cx="216024" cy="0"/>
+          </a:xfrm>
+          <a:prstGeom prst="line">
+            <a:avLst/>
+          </a:prstGeom>
+          <a:solidFill>
+            <a:schemeClr val="accent1"/>
+          </a:solidFill>
+          <a:ln w="19050" cap="flat" cmpd="sng" algn="ctr">
+            <a:solidFill>
+              <a:schemeClr val="tx1"/>
+            </a:solidFill>
+            <a:prstDash val="solid"/>
+            <a:round/>
+            <a:headEnd type="none" w="sm" len="sm"/>
+            <a:tailEnd type="none" w="sm" len="sm"/>
+          </a:ln>
+          <a:effectLst/>
+        </p:spPr>
+      </p:cxnSp>
+      <p:sp>
+        <p:nvSpPr>
+          <p:cNvPr id="27" name="Ellipse 26">
+            <a:extLst>
+              <a:ext uri="{FF2B5EF4-FFF2-40B4-BE49-F238E27FC236}">
+                <a16:creationId xmlns:a16="http://schemas.microsoft.com/office/drawing/2014/main" id="{0DAA663F-74F9-824B-7814-D68B26ECEC5D}"/>
+              </a:ext>
+            </a:extLst>
+          </p:cNvPr>
+          <p:cNvSpPr/>
+          <p:nvPr/>
+        </p:nvSpPr>
+        <p:spPr bwMode="auto">
+          <a:xfrm rot="2700000">
+            <a:off x="4737334" y="4837147"/>
+            <a:ext cx="288032" cy="288032"/>
+          </a:xfrm>
+          <a:prstGeom prst="ellipse">
+            <a:avLst/>
+          </a:prstGeom>
+          <a:solidFill>
+            <a:srgbClr val="7030A0"/>
+          </a:solidFill>
+          <a:ln w="19050" cap="flat" cmpd="sng" algn="ctr">
+            <a:solidFill>
+              <a:schemeClr val="tx1"/>
+            </a:solidFill>
+            <a:prstDash val="solid"/>
+            <a:round/>
+            <a:headEnd type="none" w="sm" len="sm"/>
+            <a:tailEnd type="none" w="sm" len="sm"/>
+          </a:ln>
+          <a:effectLst/>
+        </p:spPr>
+        <p:txBody>
+          <a:bodyPr vert="horz" wrap="square" lIns="91440" tIns="45720" rIns="91440" bIns="45720" numCol="1" rtlCol="0" anchor="t" anchorCtr="0" compatLnSpc="1">
+            <a:prstTxWarp prst="textNoShape">
+              <a:avLst/>
+            </a:prstTxWarp>
+          </a:bodyPr>
+          <a:lstStyle/>
+          <a:p>
+            <a:pPr marL="0" marR="0" indent="0" algn="l" defTabSz="914400" rtl="0" eaLnBrk="0" fontAlgn="base" latinLnBrk="0" hangingPunct="0">
+              <a:lnSpc>
+                <a:spcPct val="100000"/>
+              </a:lnSpc>
+              <a:spcBef>
+                <a:spcPct val="0"/>
+              </a:spcBef>
+              <a:spcAft>
+                <a:spcPct val="0"/>
+              </a:spcAft>
+              <a:buClrTx/>
+              <a:buSzTx/>
+              <a:buFontTx/>
+              <a:buNone/>
+              <a:tabLst/>
+            </a:pPr>
+            <a:endParaRPr kumimoji="0" lang="de-DE" sz="2400" b="0" i="0" u="none" strike="noStrike" cap="none" normalizeH="0" baseline="0">
+              <a:ln>
+                <a:noFill/>
+              </a:ln>
+              <a:solidFill>
+                <a:schemeClr val="tx1"/>
+              </a:solidFill>
+              <a:effectLst/>
+              <a:latin typeface="Times New Roman" pitchFamily="18" charset="0"/>
+            </a:endParaRPr>
+          </a:p>
+        </p:txBody>
+      </p:sp>
+      <p:cxnSp>
+        <p:nvCxnSpPr>
+          <p:cNvPr id="28" name="Gerader Verbinder 27">
+            <a:extLst>
+              <a:ext uri="{FF2B5EF4-FFF2-40B4-BE49-F238E27FC236}">
+                <a16:creationId xmlns:a16="http://schemas.microsoft.com/office/drawing/2014/main" id="{D8B1459F-326E-9A00-8D75-7BE99926DE8D}"/>
+              </a:ext>
+            </a:extLst>
+          </p:cNvPr>
+          <p:cNvCxnSpPr>
+            <a:cxnSpLocks/>
+            <a:endCxn id="27" idx="2"/>
+          </p:cNvCxnSpPr>
+          <p:nvPr/>
+        </p:nvCxnSpPr>
+        <p:spPr bwMode="auto">
+          <a:xfrm rot="2700000">
+            <a:off x="4595127" y="4802952"/>
+            <a:ext cx="216024" cy="0"/>
+          </a:xfrm>
+          <a:prstGeom prst="line">
+            <a:avLst/>
+          </a:prstGeom>
+          <a:solidFill>
+            <a:schemeClr val="accent1"/>
+          </a:solidFill>
+          <a:ln w="19050" cap="flat" cmpd="sng" algn="ctr">
+            <a:solidFill>
+              <a:schemeClr val="tx1"/>
+            </a:solidFill>
+            <a:prstDash val="solid"/>
+            <a:round/>
+            <a:headEnd type="none" w="sm" len="sm"/>
+            <a:tailEnd type="none" w="sm" len="sm"/>
+          </a:ln>
+          <a:effectLst/>
+        </p:spPr>
+      </p:cxnSp>
+      <p:sp>
+        <p:nvSpPr>
+          <p:cNvPr id="30" name="Ellipse 29">
+            <a:extLst>
+              <a:ext uri="{FF2B5EF4-FFF2-40B4-BE49-F238E27FC236}">
+                <a16:creationId xmlns:a16="http://schemas.microsoft.com/office/drawing/2014/main" id="{10D2FCAE-82E3-17F9-B73C-ACA5C9BDCDFB}"/>
+              </a:ext>
+            </a:extLst>
+          </p:cNvPr>
+          <p:cNvSpPr/>
+          <p:nvPr/>
+        </p:nvSpPr>
+        <p:spPr bwMode="auto">
+          <a:xfrm rot="2700000">
+            <a:off x="5098124" y="5189117"/>
+            <a:ext cx="288032" cy="288032"/>
+          </a:xfrm>
+          <a:prstGeom prst="ellipse">
+            <a:avLst/>
+          </a:prstGeom>
+          <a:solidFill>
+            <a:srgbClr val="7030A0"/>
+          </a:solidFill>
+          <a:ln w="19050" cap="flat" cmpd="sng" algn="ctr">
+            <a:solidFill>
+              <a:schemeClr val="tx1"/>
+            </a:solidFill>
+            <a:prstDash val="solid"/>
+            <a:round/>
+            <a:headEnd type="none" w="sm" len="sm"/>
+            <a:tailEnd type="none" w="sm" len="sm"/>
+          </a:ln>
+          <a:effectLst/>
+        </p:spPr>
+        <p:txBody>
+          <a:bodyPr vert="horz" wrap="square" lIns="91440" tIns="45720" rIns="91440" bIns="45720" numCol="1" rtlCol="0" anchor="t" anchorCtr="0" compatLnSpc="1">
+            <a:prstTxWarp prst="textNoShape">
+              <a:avLst/>
+            </a:prstTxWarp>
+          </a:bodyPr>
+          <a:lstStyle/>
+          <a:p>
+            <a:pPr marL="0" marR="0" indent="0" algn="l" defTabSz="914400" rtl="0" eaLnBrk="0" fontAlgn="base" latinLnBrk="0" hangingPunct="0">
+              <a:lnSpc>
+                <a:spcPct val="100000"/>
+              </a:lnSpc>
+              <a:spcBef>
+                <a:spcPct val="0"/>
+              </a:spcBef>
+              <a:spcAft>
+                <a:spcPct val="0"/>
+              </a:spcAft>
+              <a:buClrTx/>
+              <a:buSzTx/>
+              <a:buFontTx/>
+              <a:buNone/>
+              <a:tabLst/>
+            </a:pPr>
+            <a:endParaRPr kumimoji="0" lang="de-DE" sz="2400" b="0" i="0" u="none" strike="noStrike" cap="none" normalizeH="0" baseline="0">
+              <a:ln>
+                <a:noFill/>
+              </a:ln>
+              <a:solidFill>
+                <a:schemeClr val="tx1"/>
+              </a:solidFill>
+              <a:effectLst/>
+              <a:latin typeface="Times New Roman" pitchFamily="18" charset="0"/>
+            </a:endParaRPr>
+          </a:p>
+        </p:txBody>
+      </p:sp>
+      <p:cxnSp>
+        <p:nvCxnSpPr>
+          <p:cNvPr id="31" name="Gerader Verbinder 30">
+            <a:extLst>
+              <a:ext uri="{FF2B5EF4-FFF2-40B4-BE49-F238E27FC236}">
+                <a16:creationId xmlns:a16="http://schemas.microsoft.com/office/drawing/2014/main" id="{5F2B3448-8BD7-07D5-2A70-D1ED30AC0397}"/>
+              </a:ext>
+            </a:extLst>
+          </p:cNvPr>
+          <p:cNvCxnSpPr>
+            <a:cxnSpLocks/>
+            <a:endCxn id="30" idx="2"/>
+          </p:cNvCxnSpPr>
+          <p:nvPr/>
+        </p:nvCxnSpPr>
+        <p:spPr bwMode="auto">
+          <a:xfrm rot="2700000">
+            <a:off x="4955917" y="5154922"/>
+            <a:ext cx="216024" cy="0"/>
+          </a:xfrm>
+          <a:prstGeom prst="line">
+            <a:avLst/>
+          </a:prstGeom>
+          <a:solidFill>
+            <a:schemeClr val="accent1"/>
+          </a:solidFill>
+          <a:ln w="19050" cap="flat" cmpd="sng" algn="ctr">
+            <a:solidFill>
+              <a:schemeClr val="tx1"/>
+            </a:solidFill>
+            <a:prstDash val="solid"/>
+            <a:round/>
+            <a:headEnd type="none" w="sm" len="sm"/>
+            <a:tailEnd type="none" w="sm" len="sm"/>
+          </a:ln>
+          <a:effectLst/>
+        </p:spPr>
+      </p:cxnSp>
+      <p:sp>
+        <p:nvSpPr>
+          <p:cNvPr id="33" name="Ellipse 32">
+            <a:extLst>
+              <a:ext uri="{FF2B5EF4-FFF2-40B4-BE49-F238E27FC236}">
+                <a16:creationId xmlns:a16="http://schemas.microsoft.com/office/drawing/2014/main" id="{36A18F51-D837-EC37-3076-1998B06ADC81}"/>
+              </a:ext>
+            </a:extLst>
+          </p:cNvPr>
+          <p:cNvSpPr/>
+          <p:nvPr/>
+        </p:nvSpPr>
+        <p:spPr bwMode="auto">
+          <a:xfrm rot="2700000">
+            <a:off x="5455203" y="5556999"/>
+            <a:ext cx="288032" cy="288032"/>
+          </a:xfrm>
+          <a:prstGeom prst="ellipse">
+            <a:avLst/>
+          </a:prstGeom>
+          <a:solidFill>
+            <a:srgbClr val="7030A0"/>
+          </a:solidFill>
+          <a:ln w="19050" cap="flat" cmpd="sng" algn="ctr">
+            <a:solidFill>
+              <a:schemeClr val="tx1"/>
+            </a:solidFill>
+            <a:prstDash val="solid"/>
+            <a:round/>
+            <a:headEnd type="none" w="sm" len="sm"/>
+            <a:tailEnd type="none" w="sm" len="sm"/>
+          </a:ln>
+          <a:effectLst/>
+        </p:spPr>
+        <p:txBody>
+          <a:bodyPr vert="horz" wrap="square" lIns="91440" tIns="45720" rIns="91440" bIns="45720" numCol="1" rtlCol="0" anchor="t" anchorCtr="0" compatLnSpc="1">
+            <a:prstTxWarp prst="textNoShape">
+              <a:avLst/>
+            </a:prstTxWarp>
+          </a:bodyPr>
+          <a:lstStyle/>
+          <a:p>
+            <a:pPr marL="0" marR="0" indent="0" algn="l" defTabSz="914400" rtl="0" eaLnBrk="0" fontAlgn="base" latinLnBrk="0" hangingPunct="0">
+              <a:lnSpc>
+                <a:spcPct val="100000"/>
+              </a:lnSpc>
+              <a:spcBef>
+                <a:spcPct val="0"/>
+              </a:spcBef>
+              <a:spcAft>
+                <a:spcPct val="0"/>
+              </a:spcAft>
+              <a:buClrTx/>
+              <a:buSzTx/>
+              <a:buFontTx/>
+              <a:buNone/>
+              <a:tabLst/>
+            </a:pPr>
+            <a:endParaRPr kumimoji="0" lang="de-DE" sz="2400" b="0" i="0" u="none" strike="noStrike" cap="none" normalizeH="0" baseline="0">
+              <a:ln>
+                <a:noFill/>
+              </a:ln>
+              <a:solidFill>
+                <a:schemeClr val="tx1"/>
+              </a:solidFill>
+              <a:effectLst/>
+              <a:latin typeface="Times New Roman" pitchFamily="18" charset="0"/>
+            </a:endParaRPr>
+          </a:p>
+        </p:txBody>
+      </p:sp>
+      <p:cxnSp>
+        <p:nvCxnSpPr>
+          <p:cNvPr id="34" name="Gerader Verbinder 33">
+            <a:extLst>
+              <a:ext uri="{FF2B5EF4-FFF2-40B4-BE49-F238E27FC236}">
+                <a16:creationId xmlns:a16="http://schemas.microsoft.com/office/drawing/2014/main" id="{6E95AD40-1AE6-E6BB-E783-C40580ED10EA}"/>
+              </a:ext>
+            </a:extLst>
+          </p:cNvPr>
+          <p:cNvCxnSpPr>
+            <a:cxnSpLocks/>
+            <a:endCxn id="33" idx="2"/>
+          </p:cNvCxnSpPr>
+          <p:nvPr/>
+        </p:nvCxnSpPr>
+        <p:spPr bwMode="auto">
+          <a:xfrm rot="2700000">
+            <a:off x="5312996" y="5522804"/>
+            <a:ext cx="216024" cy="0"/>
+          </a:xfrm>
+          <a:prstGeom prst="line">
+            <a:avLst/>
+          </a:prstGeom>
+          <a:solidFill>
+            <a:schemeClr val="accent1"/>
+          </a:solidFill>
+          <a:ln w="19050" cap="flat" cmpd="sng" algn="ctr">
+            <a:solidFill>
+              <a:schemeClr val="tx1"/>
+            </a:solidFill>
+            <a:prstDash val="solid"/>
+            <a:round/>
+            <a:headEnd type="none" w="sm" len="sm"/>
+            <a:tailEnd type="none" w="sm" len="sm"/>
+          </a:ln>
+          <a:effectLst/>
+        </p:spPr>
+      </p:cxnSp>
+      <p:sp>
+        <p:nvSpPr>
+          <p:cNvPr id="36" name="Textfeld 35">
+            <a:extLst>
+              <a:ext uri="{FF2B5EF4-FFF2-40B4-BE49-F238E27FC236}">
+                <a16:creationId xmlns:a16="http://schemas.microsoft.com/office/drawing/2014/main" id="{B3735663-1826-5083-BC04-81EFD72F822C}"/>
+              </a:ext>
+            </a:extLst>
+          </p:cNvPr>
+          <p:cNvSpPr txBox="1"/>
+          <p:nvPr/>
+        </p:nvSpPr>
+        <p:spPr bwMode="auto">
+          <a:xfrm>
+            <a:off x="6120172" y="4482847"/>
+            <a:ext cx="720080" cy="276999"/>
+          </a:xfrm>
+          <a:prstGeom prst="rect">
+            <a:avLst/>
+          </a:prstGeom>
+          <a:noFill/>
+          <a:ln w="9525">
+            <a:noFill/>
+            <a:miter lim="800000"/>
+            <a:headEnd/>
+            <a:tailEnd/>
+          </a:ln>
+        </p:spPr>
+        <p:txBody>
+          <a:bodyPr wrap="square" rtlCol="0" anchor="ctr">
+            <a:spAutoFit/>
+          </a:bodyPr>
+          <a:lstStyle/>
+          <a:p>
+            <a:pPr eaLnBrk="1" hangingPunct="1"/>
+            <a:r>
+              <a:rPr lang="de-DE" sz="1200" dirty="0" err="1">
+                <a:solidFill>
+                  <a:srgbClr val="0249FC"/>
+                </a:solidFill>
+                <a:latin typeface="Arial" charset="0"/>
+              </a:rPr>
+              <a:t>main</a:t>
+            </a:r>
+            <a:endParaRPr lang="de-DE" sz="1200" dirty="0">
+              <a:solidFill>
+                <a:srgbClr val="0249FC"/>
+              </a:solidFill>
+              <a:latin typeface="Arial" charset="0"/>
+            </a:endParaRPr>
+          </a:p>
+        </p:txBody>
+      </p:sp>
+      <p:sp>
+        <p:nvSpPr>
+          <p:cNvPr id="37" name="Textfeld 36">
+            <a:extLst>
+              <a:ext uri="{FF2B5EF4-FFF2-40B4-BE49-F238E27FC236}">
+                <a16:creationId xmlns:a16="http://schemas.microsoft.com/office/drawing/2014/main" id="{AFE0D8DA-85CA-0648-FE1A-68A82C57267E}"/>
+              </a:ext>
+            </a:extLst>
+          </p:cNvPr>
+          <p:cNvSpPr txBox="1"/>
+          <p:nvPr/>
+        </p:nvSpPr>
+        <p:spPr bwMode="auto">
+          <a:xfrm>
+            <a:off x="5724128" y="3404413"/>
+            <a:ext cx="792088" cy="276999"/>
+          </a:xfrm>
+          <a:prstGeom prst="rect">
+            <a:avLst/>
+          </a:prstGeom>
+          <a:noFill/>
+          <a:ln w="9525">
+            <a:noFill/>
+            <a:miter lim="800000"/>
+            <a:headEnd/>
+            <a:tailEnd/>
+          </a:ln>
+        </p:spPr>
+        <p:txBody>
+          <a:bodyPr wrap="square" rtlCol="0" anchor="ctr">
+            <a:spAutoFit/>
+          </a:bodyPr>
+          <a:lstStyle/>
+          <a:p>
+            <a:pPr eaLnBrk="1" hangingPunct="1"/>
+            <a:r>
+              <a:rPr lang="de-DE" sz="1200" dirty="0">
+                <a:solidFill>
+                  <a:srgbClr val="008C5A"/>
+                </a:solidFill>
+                <a:latin typeface="Arial" charset="0"/>
+              </a:rPr>
+              <a:t>feature1</a:t>
+            </a:r>
+          </a:p>
+        </p:txBody>
+      </p:sp>
+      <p:sp>
+        <p:nvSpPr>
+          <p:cNvPr id="38" name="Textfeld 37">
+            <a:extLst>
+              <a:ext uri="{FF2B5EF4-FFF2-40B4-BE49-F238E27FC236}">
+                <a16:creationId xmlns:a16="http://schemas.microsoft.com/office/drawing/2014/main" id="{38806947-E25F-4027-3BD1-F2C151C0C79D}"/>
+              </a:ext>
+            </a:extLst>
+          </p:cNvPr>
+          <p:cNvSpPr txBox="1"/>
+          <p:nvPr/>
+        </p:nvSpPr>
+        <p:spPr bwMode="auto">
+          <a:xfrm>
+            <a:off x="5760132" y="5576906"/>
+            <a:ext cx="792088" cy="276999"/>
+          </a:xfrm>
+          <a:prstGeom prst="rect">
+            <a:avLst/>
+          </a:prstGeom>
+          <a:noFill/>
+          <a:ln w="9525">
+            <a:noFill/>
+            <a:miter lim="800000"/>
+            <a:headEnd/>
+            <a:tailEnd/>
+          </a:ln>
+        </p:spPr>
+        <p:txBody>
+          <a:bodyPr wrap="square" rtlCol="0" anchor="ctr">
+            <a:spAutoFit/>
+          </a:bodyPr>
+          <a:lstStyle/>
+          <a:p>
+            <a:pPr eaLnBrk="1" hangingPunct="1"/>
+            <a:r>
+              <a:rPr lang="de-DE" sz="1200" dirty="0">
+                <a:solidFill>
+                  <a:srgbClr val="7030A0"/>
+                </a:solidFill>
+                <a:latin typeface="Arial" charset="0"/>
+              </a:rPr>
+              <a:t>feature2</a:t>
+            </a:r>
+          </a:p>
+        </p:txBody>
+      </p:sp>
+      <p:cxnSp>
+        <p:nvCxnSpPr>
+          <p:cNvPr id="40" name="Gerade Verbindung mit Pfeil 39">
+            <a:extLst>
+              <a:ext uri="{FF2B5EF4-FFF2-40B4-BE49-F238E27FC236}">
+                <a16:creationId xmlns:a16="http://schemas.microsoft.com/office/drawing/2014/main" id="{13FD3CDA-2657-1084-1AE4-2C5874D8322A}"/>
+              </a:ext>
+            </a:extLst>
+          </p:cNvPr>
+          <p:cNvCxnSpPr>
+            <a:cxnSpLocks/>
+          </p:cNvCxnSpPr>
+          <p:nvPr/>
+        </p:nvCxnSpPr>
+        <p:spPr bwMode="auto">
+          <a:xfrm>
+            <a:off x="5586865" y="3753277"/>
+            <a:ext cx="12354" cy="1738731"/>
+          </a:xfrm>
+          <a:prstGeom prst="straightConnector1">
+            <a:avLst/>
+          </a:prstGeom>
+          <a:solidFill>
+            <a:schemeClr val="accent1"/>
+          </a:solidFill>
+          <a:ln w="76200" cap="flat" cmpd="sng" algn="ctr">
+            <a:solidFill>
+              <a:srgbClr val="FFC000"/>
+            </a:solidFill>
+            <a:prstDash val="solid"/>
+            <a:round/>
+            <a:headEnd type="triangle"/>
+            <a:tailEnd type="triangle"/>
+          </a:ln>
+          <a:effectLst>
+            <a:glow rad="63500">
+              <a:schemeClr val="accent4">
+                <a:satMod val="175000"/>
+                <a:alpha val="40000"/>
+              </a:schemeClr>
+            </a:glow>
+          </a:effectLst>
+        </p:spPr>
+      </p:cxnSp>
+      <p:sp>
+        <p:nvSpPr>
+          <p:cNvPr id="42" name="Gewitterblitz 41">
+            <a:extLst>
+              <a:ext uri="{FF2B5EF4-FFF2-40B4-BE49-F238E27FC236}">
+                <a16:creationId xmlns:a16="http://schemas.microsoft.com/office/drawing/2014/main" id="{F3CC5856-E024-39FD-B0AE-569578796254}"/>
+              </a:ext>
+            </a:extLst>
+          </p:cNvPr>
+          <p:cNvSpPr/>
+          <p:nvPr/>
+        </p:nvSpPr>
+        <p:spPr bwMode="auto">
+          <a:xfrm rot="19809464" flipH="1">
+            <a:off x="5401968" y="4470905"/>
+            <a:ext cx="369792" cy="269575"/>
+          </a:xfrm>
+          <a:prstGeom prst="lightningBolt">
+            <a:avLst/>
+          </a:prstGeom>
+          <a:solidFill>
+            <a:srgbClr val="FFC000"/>
+          </a:solidFill>
+          <a:ln w="12700" cap="flat" cmpd="sng" algn="ctr">
+            <a:solidFill>
+              <a:schemeClr val="tx1"/>
+            </a:solidFill>
+            <a:prstDash val="solid"/>
+            <a:round/>
+            <a:headEnd type="none" w="sm" len="sm"/>
+            <a:tailEnd type="none" w="sm" len="sm"/>
+          </a:ln>
+          <a:effectLst>
+            <a:glow rad="63500">
+              <a:schemeClr val="accent4">
+                <a:satMod val="175000"/>
+                <a:alpha val="40000"/>
+              </a:schemeClr>
+            </a:glow>
+          </a:effectLst>
+        </p:spPr>
+        <p:txBody>
+          <a:bodyPr vert="horz" wrap="square" lIns="91440" tIns="45720" rIns="91440" bIns="45720" numCol="1" rtlCol="0" anchor="t" anchorCtr="0" compatLnSpc="1">
+            <a:prstTxWarp prst="textNoShape">
+              <a:avLst/>
+            </a:prstTxWarp>
+          </a:bodyPr>
+          <a:lstStyle/>
+          <a:p>
+            <a:pPr marL="0" marR="0" indent="0" algn="l" defTabSz="914400" rtl="0" eaLnBrk="0" fontAlgn="base" latinLnBrk="0" hangingPunct="0">
+              <a:lnSpc>
+                <a:spcPct val="100000"/>
+              </a:lnSpc>
+              <a:spcBef>
+                <a:spcPct val="0"/>
+              </a:spcBef>
+              <a:spcAft>
+                <a:spcPct val="0"/>
+              </a:spcAft>
+              <a:buClrTx/>
+              <a:buSzTx/>
+              <a:buFontTx/>
+              <a:buNone/>
+              <a:tabLst/>
+            </a:pPr>
+            <a:endParaRPr kumimoji="0" lang="de-DE" sz="2400" b="0" i="0" u="none" strike="noStrike" cap="none" normalizeH="0" baseline="0">
+              <a:ln>
+                <a:noFill/>
+              </a:ln>
+              <a:solidFill>
+                <a:schemeClr val="tx1"/>
+              </a:solidFill>
+              <a:effectLst/>
+              <a:latin typeface="Times New Roman" pitchFamily="18" charset="0"/>
+            </a:endParaRPr>
+          </a:p>
+        </p:txBody>
+      </p:sp>
     </p:spTree>
     <p:extLst>
       <p:ext uri="{BB962C8B-B14F-4D97-AF65-F5344CB8AC3E}">
-        <p14:creationId xmlns:p14="http://schemas.microsoft.com/office/powerpoint/2010/main" val="1341278311"/>
+        <p14:creationId xmlns:p14="http://schemas.microsoft.com/office/powerpoint/2010/main" val="3955948481"/>
       </p:ext>
     </p:extLst>
   </p:cSld>
@@ -39002,7 +39976,7 @@
 </file>
 
 <file path=ppt/theme/theme3.xml><?xml version="1.0" encoding="utf-8"?>
-<a:theme xmlns:a="http://schemas.openxmlformats.org/drawingml/2006/main" name="Larissa-Design">
+<a:theme xmlns:a="http://schemas.openxmlformats.org/drawingml/2006/main" name="2_vorlneu">
   <a:themeElements>
     <a:clrScheme name="">
       <a:dk1>
@@ -39042,22 +40016,22 @@
         <a:srgbClr val="CECECE"/>
       </a:folHlink>
     </a:clrScheme>
-    <a:fontScheme name="Larissa">
+    <a:fontScheme name="Larissa Klassisch 2">
       <a:majorFont>
-        <a:latin typeface="Calibri"/>
+        <a:latin typeface="Arial"/>
         <a:ea typeface=""/>
         <a:cs typeface=""/>
         <a:font script="Jpan" typeface="ＭＳ Ｐゴシック"/>
-        <a:font script="Hang" typeface="맑은 고딕"/>
-        <a:font script="Hans" typeface="宋体"/>
-        <a:font script="Hant" typeface="新細明體"/>
-        <a:font script="Arab" typeface="Times New Roman"/>
-        <a:font script="Hebr" typeface="Times New Roman"/>
-        <a:font script="Thai" typeface="Angsana New"/>
+        <a:font script="Hang" typeface="굴림"/>
+        <a:font script="Hans" typeface="黑体"/>
+        <a:font script="Hant" typeface="微軟正黑體"/>
+        <a:font script="Arab" typeface="Arial"/>
+        <a:font script="Hebr" typeface="Arial"/>
+        <a:font script="Thai" typeface="Cordia New"/>
         <a:font script="Ethi" typeface="Nyala"/>
         <a:font script="Beng" typeface="Vrinda"/>
         <a:font script="Gujr" typeface="Shruti"/>
-        <a:font script="Khmr" typeface="MoolBoran"/>
+        <a:font script="Khmr" typeface="DaunPenh"/>
         <a:font script="Knda" typeface="Tunga"/>
         <a:font script="Guru" typeface="Raavi"/>
         <a:font script="Cans" typeface="Euphemia"/>
@@ -39074,17 +40048,17 @@
         <a:font script="Laoo" typeface="DokChampa"/>
         <a:font script="Sinh" typeface="Iskoola Pota"/>
         <a:font script="Mong" typeface="Mongolian Baiti"/>
-        <a:font script="Viet" typeface="Times New Roman"/>
+        <a:font script="Viet" typeface="Arial"/>
         <a:font script="Uigh" typeface="Microsoft Uighur"/>
       </a:majorFont>
       <a:minorFont>
-        <a:latin typeface="Calibri"/>
+        <a:latin typeface="Arial"/>
         <a:ea typeface=""/>
         <a:cs typeface=""/>
         <a:font script="Jpan" typeface="ＭＳ Ｐゴシック"/>
-        <a:font script="Hang" typeface="맑은 고딕"/>
-        <a:font script="Hans" typeface="宋体"/>
-        <a:font script="Hant" typeface="新細明體"/>
+        <a:font script="Hang" typeface="굴림"/>
+        <a:font script="Hans" typeface="黑体"/>
+        <a:font script="Hant" typeface="微軟正黑體"/>
         <a:font script="Arab" typeface="Arial"/>
         <a:font script="Hebr" typeface="Arial"/>
         <a:font script="Thai" typeface="Cordia New"/>
@@ -39279,8 +40253,442 @@
       </a:bgFillStyleLst>
     </a:fmtScheme>
   </a:themeElements>
-  <a:objectDefaults/>
-  <a:extraClrSchemeLst/>
+  <a:objectDefaults>
+    <a:spDef>
+      <a:spPr bwMode="auto">
+        <a:xfrm>
+          <a:off x="0" y="0"/>
+          <a:ext cx="1" cy="1"/>
+        </a:xfrm>
+        <a:custGeom>
+          <a:avLst/>
+          <a:gdLst/>
+          <a:ahLst/>
+          <a:cxnLst/>
+          <a:rect l="0" t="0" r="0" b="0"/>
+          <a:pathLst/>
+        </a:custGeom>
+        <a:solidFill>
+          <a:schemeClr val="accent1"/>
+        </a:solidFill>
+        <a:ln w="12700" cap="flat" cmpd="sng" algn="ctr">
+          <a:solidFill>
+            <a:schemeClr val="tx1"/>
+          </a:solidFill>
+          <a:prstDash val="solid"/>
+          <a:round/>
+          <a:headEnd type="none" w="sm" len="sm"/>
+          <a:tailEnd type="none" w="sm" len="sm"/>
+        </a:ln>
+        <a:effectLst/>
+      </a:spPr>
+      <a:bodyPr vert="horz" wrap="square" lIns="91440" tIns="45720" rIns="91440" bIns="45720" numCol="1" anchor="t" anchorCtr="0" compatLnSpc="1">
+        <a:prstTxWarp prst="textNoShape">
+          <a:avLst/>
+        </a:prstTxWarp>
+      </a:bodyPr>
+      <a:lstStyle>
+        <a:defPPr marL="0" marR="0" indent="0" algn="l" defTabSz="914400" rtl="0" eaLnBrk="0" fontAlgn="base" latinLnBrk="0" hangingPunct="0">
+          <a:lnSpc>
+            <a:spcPct val="100000"/>
+          </a:lnSpc>
+          <a:spcBef>
+            <a:spcPct val="0"/>
+          </a:spcBef>
+          <a:spcAft>
+            <a:spcPct val="0"/>
+          </a:spcAft>
+          <a:buClrTx/>
+          <a:buSzTx/>
+          <a:buFontTx/>
+          <a:buNone/>
+          <a:tabLst/>
+          <a:defRPr kumimoji="0" lang="de-DE" sz="2400" b="0" i="0" u="none" strike="noStrike" cap="none" normalizeH="0" baseline="0" smtClean="0">
+            <a:ln>
+              <a:noFill/>
+            </a:ln>
+            <a:solidFill>
+              <a:schemeClr val="tx1"/>
+            </a:solidFill>
+            <a:effectLst/>
+            <a:latin typeface="Times New Roman" pitchFamily="18" charset="0"/>
+          </a:defRPr>
+        </a:defPPr>
+      </a:lstStyle>
+    </a:spDef>
+    <a:lnDef>
+      <a:spPr bwMode="auto">
+        <a:xfrm>
+          <a:off x="0" y="0"/>
+          <a:ext cx="1" cy="1"/>
+        </a:xfrm>
+        <a:custGeom>
+          <a:avLst/>
+          <a:gdLst/>
+          <a:ahLst/>
+          <a:cxnLst/>
+          <a:rect l="0" t="0" r="0" b="0"/>
+          <a:pathLst/>
+        </a:custGeom>
+        <a:solidFill>
+          <a:schemeClr val="accent1"/>
+        </a:solidFill>
+        <a:ln w="12700" cap="flat" cmpd="sng" algn="ctr">
+          <a:solidFill>
+            <a:schemeClr val="tx1"/>
+          </a:solidFill>
+          <a:prstDash val="solid"/>
+          <a:round/>
+          <a:headEnd type="none" w="sm" len="sm"/>
+          <a:tailEnd type="none" w="sm" len="sm"/>
+        </a:ln>
+        <a:effectLst/>
+      </a:spPr>
+      <a:bodyPr vert="horz" wrap="square" lIns="91440" tIns="45720" rIns="91440" bIns="45720" numCol="1" anchor="t" anchorCtr="0" compatLnSpc="1">
+        <a:prstTxWarp prst="textNoShape">
+          <a:avLst/>
+        </a:prstTxWarp>
+      </a:bodyPr>
+      <a:lstStyle>
+        <a:defPPr marL="0" marR="0" indent="0" algn="l" defTabSz="914400" rtl="0" eaLnBrk="0" fontAlgn="base" latinLnBrk="0" hangingPunct="0">
+          <a:lnSpc>
+            <a:spcPct val="100000"/>
+          </a:lnSpc>
+          <a:spcBef>
+            <a:spcPct val="0"/>
+          </a:spcBef>
+          <a:spcAft>
+            <a:spcPct val="0"/>
+          </a:spcAft>
+          <a:buClrTx/>
+          <a:buSzTx/>
+          <a:buFontTx/>
+          <a:buNone/>
+          <a:tabLst/>
+          <a:defRPr kumimoji="0" lang="de-DE" sz="2400" b="0" i="0" u="none" strike="noStrike" cap="none" normalizeH="0" baseline="0" smtClean="0">
+            <a:ln>
+              <a:noFill/>
+            </a:ln>
+            <a:solidFill>
+              <a:schemeClr val="tx1"/>
+            </a:solidFill>
+            <a:effectLst/>
+            <a:latin typeface="Times New Roman" pitchFamily="18" charset="0"/>
+          </a:defRPr>
+        </a:defPPr>
+      </a:lstStyle>
+    </a:lnDef>
+    <a:txDef>
+      <a:spPr bwMode="auto">
+        <a:noFill/>
+        <a:ln w="9525">
+          <a:noFill/>
+          <a:miter lim="800000"/>
+          <a:headEnd/>
+          <a:tailEnd/>
+        </a:ln>
+      </a:spPr>
+      <a:bodyPr anchor="ctr">
+        <a:spAutoFit/>
+      </a:bodyPr>
+      <a:lstStyle>
+        <a:defPPr eaLnBrk="1" hangingPunct="1">
+          <a:defRPr sz="1800" dirty="0">
+            <a:latin typeface="Arial" charset="0"/>
+          </a:defRPr>
+        </a:defPPr>
+      </a:lstStyle>
+    </a:txDef>
+  </a:objectDefaults>
+  <a:extraClrSchemeLst>
+    <a:extraClrScheme>
+      <a:clrScheme name="vorlneu 1">
+        <a:dk1>
+          <a:srgbClr val="000000"/>
+        </a:dk1>
+        <a:lt1>
+          <a:srgbClr val="FFFFFF"/>
+        </a:lt1>
+        <a:dk2>
+          <a:srgbClr val="000000"/>
+        </a:dk2>
+        <a:lt2>
+          <a:srgbClr val="969696"/>
+        </a:lt2>
+        <a:accent1>
+          <a:srgbClr val="00CC99"/>
+        </a:accent1>
+        <a:accent2>
+          <a:srgbClr val="3333CC"/>
+        </a:accent2>
+        <a:accent3>
+          <a:srgbClr val="FFFFFF"/>
+        </a:accent3>
+        <a:accent4>
+          <a:srgbClr val="000000"/>
+        </a:accent4>
+        <a:accent5>
+          <a:srgbClr val="AAE2CA"/>
+        </a:accent5>
+        <a:accent6>
+          <a:srgbClr val="2D2DB9"/>
+        </a:accent6>
+        <a:hlink>
+          <a:srgbClr val="CCCCFF"/>
+        </a:hlink>
+        <a:folHlink>
+          <a:srgbClr val="B2B2B2"/>
+        </a:folHlink>
+      </a:clrScheme>
+      <a:clrMap bg1="lt1" tx1="dk1" bg2="lt2" tx2="dk2" accent1="accent1" accent2="accent2" accent3="accent3" accent4="accent4" accent5="accent5" accent6="accent6" hlink="hlink" folHlink="folHlink"/>
+    </a:extraClrScheme>
+    <a:extraClrScheme>
+      <a:clrScheme name="vorlneu 2">
+        <a:dk1>
+          <a:srgbClr val="000000"/>
+        </a:dk1>
+        <a:lt1>
+          <a:srgbClr val="FFFFFF"/>
+        </a:lt1>
+        <a:dk2>
+          <a:srgbClr val="0000FF"/>
+        </a:dk2>
+        <a:lt2>
+          <a:srgbClr val="FFFF00"/>
+        </a:lt2>
+        <a:accent1>
+          <a:srgbClr val="FF9900"/>
+        </a:accent1>
+        <a:accent2>
+          <a:srgbClr val="00FFFF"/>
+        </a:accent2>
+        <a:accent3>
+          <a:srgbClr val="AAAAFF"/>
+        </a:accent3>
+        <a:accent4>
+          <a:srgbClr val="DADADA"/>
+        </a:accent4>
+        <a:accent5>
+          <a:srgbClr val="FFCAAA"/>
+        </a:accent5>
+        <a:accent6>
+          <a:srgbClr val="00E7E7"/>
+        </a:accent6>
+        <a:hlink>
+          <a:srgbClr val="FF0033"/>
+        </a:hlink>
+        <a:folHlink>
+          <a:srgbClr val="969696"/>
+        </a:folHlink>
+      </a:clrScheme>
+      <a:clrMap bg1="dk2" tx1="lt1" bg2="dk1" tx2="lt2" accent1="accent1" accent2="accent2" accent3="accent3" accent4="accent4" accent5="accent5" accent6="accent6" hlink="hlink" folHlink="folHlink"/>
+    </a:extraClrScheme>
+    <a:extraClrScheme>
+      <a:clrScheme name="vorlneu 3">
+        <a:dk1>
+          <a:srgbClr val="000000"/>
+        </a:dk1>
+        <a:lt1>
+          <a:srgbClr val="FFFFCC"/>
+        </a:lt1>
+        <a:dk2>
+          <a:srgbClr val="999933"/>
+        </a:dk2>
+        <a:lt2>
+          <a:srgbClr val="808000"/>
+        </a:lt2>
+        <a:accent1>
+          <a:srgbClr val="339933"/>
+        </a:accent1>
+        <a:accent2>
+          <a:srgbClr val="800000"/>
+        </a:accent2>
+        <a:accent3>
+          <a:srgbClr val="FFFFE2"/>
+        </a:accent3>
+        <a:accent4>
+          <a:srgbClr val="000000"/>
+        </a:accent4>
+        <a:accent5>
+          <a:srgbClr val="ADCAAD"/>
+        </a:accent5>
+        <a:accent6>
+          <a:srgbClr val="730000"/>
+        </a:accent6>
+        <a:hlink>
+          <a:srgbClr val="0033CC"/>
+        </a:hlink>
+        <a:folHlink>
+          <a:srgbClr val="FFCC66"/>
+        </a:folHlink>
+      </a:clrScheme>
+      <a:clrMap bg1="lt1" tx1="dk1" bg2="lt2" tx2="dk2" accent1="accent1" accent2="accent2" accent3="accent3" accent4="accent4" accent5="accent5" accent6="accent6" hlink="hlink" folHlink="folHlink"/>
+    </a:extraClrScheme>
+    <a:extraClrScheme>
+      <a:clrScheme name="vorlneu 4">
+        <a:dk1>
+          <a:srgbClr val="000000"/>
+        </a:dk1>
+        <a:lt1>
+          <a:srgbClr val="FFFFFF"/>
+        </a:lt1>
+        <a:dk2>
+          <a:srgbClr val="000000"/>
+        </a:dk2>
+        <a:lt2>
+          <a:srgbClr val="393939"/>
+        </a:lt2>
+        <a:accent1>
+          <a:srgbClr val="CBCBCB"/>
+        </a:accent1>
+        <a:accent2>
+          <a:srgbClr val="868686"/>
+        </a:accent2>
+        <a:accent3>
+          <a:srgbClr val="FFFFFF"/>
+        </a:accent3>
+        <a:accent4>
+          <a:srgbClr val="000000"/>
+        </a:accent4>
+        <a:accent5>
+          <a:srgbClr val="E2E2E2"/>
+        </a:accent5>
+        <a:accent6>
+          <a:srgbClr val="797979"/>
+        </a:accent6>
+        <a:hlink>
+          <a:srgbClr val="4D4D4D"/>
+        </a:hlink>
+        <a:folHlink>
+          <a:srgbClr val="EAEAEA"/>
+        </a:folHlink>
+      </a:clrScheme>
+      <a:clrMap bg1="lt1" tx1="dk1" bg2="lt2" tx2="dk2" accent1="accent1" accent2="accent2" accent3="accent3" accent4="accent4" accent5="accent5" accent6="accent6" hlink="hlink" folHlink="folHlink"/>
+    </a:extraClrScheme>
+    <a:extraClrScheme>
+      <a:clrScheme name="vorlneu 5">
+        <a:dk1>
+          <a:srgbClr val="000000"/>
+        </a:dk1>
+        <a:lt1>
+          <a:srgbClr val="FFFFFF"/>
+        </a:lt1>
+        <a:dk2>
+          <a:srgbClr val="000000"/>
+        </a:dk2>
+        <a:lt2>
+          <a:srgbClr val="9F9F9F"/>
+        </a:lt2>
+        <a:accent1>
+          <a:srgbClr val="FFCC66"/>
+        </a:accent1>
+        <a:accent2>
+          <a:srgbClr val="0000FF"/>
+        </a:accent2>
+        <a:accent3>
+          <a:srgbClr val="FFFFFF"/>
+        </a:accent3>
+        <a:accent4>
+          <a:srgbClr val="000000"/>
+        </a:accent4>
+        <a:accent5>
+          <a:srgbClr val="FFE2B8"/>
+        </a:accent5>
+        <a:accent6>
+          <a:srgbClr val="0000E7"/>
+        </a:accent6>
+        <a:hlink>
+          <a:srgbClr val="CC00CC"/>
+        </a:hlink>
+        <a:folHlink>
+          <a:srgbClr val="C0C0C0"/>
+        </a:folHlink>
+      </a:clrScheme>
+      <a:clrMap bg1="lt1" tx1="dk1" bg2="lt2" tx2="dk2" accent1="accent1" accent2="accent2" accent3="accent3" accent4="accent4" accent5="accent5" accent6="accent6" hlink="hlink" folHlink="folHlink"/>
+    </a:extraClrScheme>
+    <a:extraClrScheme>
+      <a:clrScheme name="vorlneu 6">
+        <a:dk1>
+          <a:srgbClr val="000000"/>
+        </a:dk1>
+        <a:lt1>
+          <a:srgbClr val="FFFFFF"/>
+        </a:lt1>
+        <a:dk2>
+          <a:srgbClr val="000000"/>
+        </a:dk2>
+        <a:lt2>
+          <a:srgbClr val="868686"/>
+        </a:lt2>
+        <a:accent1>
+          <a:srgbClr val="CBCBCB"/>
+        </a:accent1>
+        <a:accent2>
+          <a:srgbClr val="0066FF"/>
+        </a:accent2>
+        <a:accent3>
+          <a:srgbClr val="FFFFFF"/>
+        </a:accent3>
+        <a:accent4>
+          <a:srgbClr val="000000"/>
+        </a:accent4>
+        <a:accent5>
+          <a:srgbClr val="E2E2E2"/>
+        </a:accent5>
+        <a:accent6>
+          <a:srgbClr val="005CE7"/>
+        </a:accent6>
+        <a:hlink>
+          <a:srgbClr val="FF0033"/>
+        </a:hlink>
+        <a:folHlink>
+          <a:srgbClr val="009900"/>
+        </a:folHlink>
+      </a:clrScheme>
+      <a:clrMap bg1="lt1" tx1="dk1" bg2="lt2" tx2="dk2" accent1="accent1" accent2="accent2" accent3="accent3" accent4="accent4" accent5="accent5" accent6="accent6" hlink="hlink" folHlink="folHlink"/>
+    </a:extraClrScheme>
+    <a:extraClrScheme>
+      <a:clrScheme name="vorlneu 7">
+        <a:dk1>
+          <a:srgbClr val="000000"/>
+        </a:dk1>
+        <a:lt1>
+          <a:srgbClr val="FFFFFF"/>
+        </a:lt1>
+        <a:dk2>
+          <a:srgbClr val="000000"/>
+        </a:dk2>
+        <a:lt2>
+          <a:srgbClr val="969696"/>
+        </a:lt2>
+        <a:accent1>
+          <a:srgbClr val="3399FF"/>
+        </a:accent1>
+        <a:accent2>
+          <a:srgbClr val="99FFCC"/>
+        </a:accent2>
+        <a:accent3>
+          <a:srgbClr val="FFFFFF"/>
+        </a:accent3>
+        <a:accent4>
+          <a:srgbClr val="000000"/>
+        </a:accent4>
+        <a:accent5>
+          <a:srgbClr val="ADCAFF"/>
+        </a:accent5>
+        <a:accent6>
+          <a:srgbClr val="8AE7B9"/>
+        </a:accent6>
+        <a:hlink>
+          <a:srgbClr val="CC00CC"/>
+        </a:hlink>
+        <a:folHlink>
+          <a:srgbClr val="B2B2B2"/>
+        </a:folHlink>
+      </a:clrScheme>
+      <a:clrMap bg1="lt1" tx1="dk1" bg2="lt2" tx2="dk2" accent1="accent1" accent2="accent2" accent3="accent3" accent4="accent4" accent5="accent5" accent6="accent6" hlink="hlink" folHlink="folHlink"/>
+    </a:extraClrScheme>
+  </a:extraClrSchemeLst>
 </a:theme>
 </file>
 
@@ -39565,4 +40973,287 @@
   <a:objectDefaults/>
   <a:extraClrSchemeLst/>
 </a:theme>
+</file>
+
+<file path=ppt/theme/theme5.xml><?xml version="1.0" encoding="utf-8"?>
+<a:theme xmlns:a="http://schemas.openxmlformats.org/drawingml/2006/main" name="Larissa-Design">
+  <a:themeElements>
+    <a:clrScheme name="">
+      <a:dk1>
+        <a:srgbClr val="000000"/>
+      </a:dk1>
+      <a:lt1>
+        <a:srgbClr val="FFFFFF"/>
+      </a:lt1>
+      <a:dk2>
+        <a:srgbClr val="000000"/>
+      </a:dk2>
+      <a:lt2>
+        <a:srgbClr val="919191"/>
+      </a:lt2>
+      <a:accent1>
+        <a:srgbClr val="618FFD"/>
+      </a:accent1>
+      <a:accent2>
+        <a:srgbClr val="00AE00"/>
+      </a:accent2>
+      <a:accent3>
+        <a:srgbClr val="FFFFFF"/>
+      </a:accent3>
+      <a:accent4>
+        <a:srgbClr val="000000"/>
+      </a:accent4>
+      <a:accent5>
+        <a:srgbClr val="B7C6FE"/>
+      </a:accent5>
+      <a:accent6>
+        <a:srgbClr val="009D00"/>
+      </a:accent6>
+      <a:hlink>
+        <a:srgbClr val="FC0128"/>
+      </a:hlink>
+      <a:folHlink>
+        <a:srgbClr val="CECECE"/>
+      </a:folHlink>
+    </a:clrScheme>
+    <a:fontScheme name="Larissa">
+      <a:majorFont>
+        <a:latin typeface="Calibri"/>
+        <a:ea typeface=""/>
+        <a:cs typeface=""/>
+        <a:font script="Jpan" typeface="ＭＳ Ｐゴシック"/>
+        <a:font script="Hang" typeface="맑은 고딕"/>
+        <a:font script="Hans" typeface="宋体"/>
+        <a:font script="Hant" typeface="新細明體"/>
+        <a:font script="Arab" typeface="Times New Roman"/>
+        <a:font script="Hebr" typeface="Times New Roman"/>
+        <a:font script="Thai" typeface="Angsana New"/>
+        <a:font script="Ethi" typeface="Nyala"/>
+        <a:font script="Beng" typeface="Vrinda"/>
+        <a:font script="Gujr" typeface="Shruti"/>
+        <a:font script="Khmr" typeface="MoolBoran"/>
+        <a:font script="Knda" typeface="Tunga"/>
+        <a:font script="Guru" typeface="Raavi"/>
+        <a:font script="Cans" typeface="Euphemia"/>
+        <a:font script="Cher" typeface="Plantagenet Cherokee"/>
+        <a:font script="Yiii" typeface="Microsoft Yi Baiti"/>
+        <a:font script="Tibt" typeface="Microsoft Himalaya"/>
+        <a:font script="Thaa" typeface="MV Boli"/>
+        <a:font script="Deva" typeface="Mangal"/>
+        <a:font script="Telu" typeface="Gautami"/>
+        <a:font script="Taml" typeface="Latha"/>
+        <a:font script="Syrc" typeface="Estrangelo Edessa"/>
+        <a:font script="Orya" typeface="Kalinga"/>
+        <a:font script="Mlym" typeface="Kartika"/>
+        <a:font script="Laoo" typeface="DokChampa"/>
+        <a:font script="Sinh" typeface="Iskoola Pota"/>
+        <a:font script="Mong" typeface="Mongolian Baiti"/>
+        <a:font script="Viet" typeface="Times New Roman"/>
+        <a:font script="Uigh" typeface="Microsoft Uighur"/>
+      </a:majorFont>
+      <a:minorFont>
+        <a:latin typeface="Calibri"/>
+        <a:ea typeface=""/>
+        <a:cs typeface=""/>
+        <a:font script="Jpan" typeface="ＭＳ Ｐゴシック"/>
+        <a:font script="Hang" typeface="맑은 고딕"/>
+        <a:font script="Hans" typeface="宋体"/>
+        <a:font script="Hant" typeface="新細明體"/>
+        <a:font script="Arab" typeface="Arial"/>
+        <a:font script="Hebr" typeface="Arial"/>
+        <a:font script="Thai" typeface="Cordia New"/>
+        <a:font script="Ethi" typeface="Nyala"/>
+        <a:font script="Beng" typeface="Vrinda"/>
+        <a:font script="Gujr" typeface="Shruti"/>
+        <a:font script="Khmr" typeface="DaunPenh"/>
+        <a:font script="Knda" typeface="Tunga"/>
+        <a:font script="Guru" typeface="Raavi"/>
+        <a:font script="Cans" typeface="Euphemia"/>
+        <a:font script="Cher" typeface="Plantagenet Cherokee"/>
+        <a:font script="Yiii" typeface="Microsoft Yi Baiti"/>
+        <a:font script="Tibt" typeface="Microsoft Himalaya"/>
+        <a:font script="Thaa" typeface="MV Boli"/>
+        <a:font script="Deva" typeface="Mangal"/>
+        <a:font script="Telu" typeface="Gautami"/>
+        <a:font script="Taml" typeface="Latha"/>
+        <a:font script="Syrc" typeface="Estrangelo Edessa"/>
+        <a:font script="Orya" typeface="Kalinga"/>
+        <a:font script="Mlym" typeface="Kartika"/>
+        <a:font script="Laoo" typeface="DokChampa"/>
+        <a:font script="Sinh" typeface="Iskoola Pota"/>
+        <a:font script="Mong" typeface="Mongolian Baiti"/>
+        <a:font script="Viet" typeface="Arial"/>
+        <a:font script="Uigh" typeface="Microsoft Uighur"/>
+      </a:minorFont>
+    </a:fontScheme>
+    <a:fmtScheme name="Larissa">
+      <a:fillStyleLst>
+        <a:solidFill>
+          <a:schemeClr val="phClr"/>
+        </a:solidFill>
+        <a:gradFill rotWithShape="1">
+          <a:gsLst>
+            <a:gs pos="0">
+              <a:schemeClr val="phClr">
+                <a:tint val="50000"/>
+                <a:satMod val="300000"/>
+              </a:schemeClr>
+            </a:gs>
+            <a:gs pos="35000">
+              <a:schemeClr val="phClr">
+                <a:tint val="37000"/>
+                <a:satMod val="300000"/>
+              </a:schemeClr>
+            </a:gs>
+            <a:gs pos="100000">
+              <a:schemeClr val="phClr">
+                <a:tint val="15000"/>
+                <a:satMod val="350000"/>
+              </a:schemeClr>
+            </a:gs>
+          </a:gsLst>
+          <a:lin ang="16200000" scaled="1"/>
+        </a:gradFill>
+        <a:gradFill rotWithShape="1">
+          <a:gsLst>
+            <a:gs pos="0">
+              <a:schemeClr val="phClr">
+                <a:shade val="51000"/>
+                <a:satMod val="130000"/>
+              </a:schemeClr>
+            </a:gs>
+            <a:gs pos="80000">
+              <a:schemeClr val="phClr">
+                <a:shade val="93000"/>
+                <a:satMod val="130000"/>
+              </a:schemeClr>
+            </a:gs>
+            <a:gs pos="100000">
+              <a:schemeClr val="phClr">
+                <a:shade val="94000"/>
+                <a:satMod val="135000"/>
+              </a:schemeClr>
+            </a:gs>
+          </a:gsLst>
+          <a:lin ang="16200000" scaled="0"/>
+        </a:gradFill>
+      </a:fillStyleLst>
+      <a:lnStyleLst>
+        <a:ln w="9525" cap="flat" cmpd="sng" algn="ctr">
+          <a:solidFill>
+            <a:schemeClr val="phClr">
+              <a:shade val="95000"/>
+              <a:satMod val="105000"/>
+            </a:schemeClr>
+          </a:solidFill>
+          <a:prstDash val="solid"/>
+        </a:ln>
+        <a:ln w="25400" cap="flat" cmpd="sng" algn="ctr">
+          <a:solidFill>
+            <a:schemeClr val="phClr"/>
+          </a:solidFill>
+          <a:prstDash val="solid"/>
+        </a:ln>
+        <a:ln w="38100" cap="flat" cmpd="sng" algn="ctr">
+          <a:solidFill>
+            <a:schemeClr val="phClr"/>
+          </a:solidFill>
+          <a:prstDash val="solid"/>
+        </a:ln>
+      </a:lnStyleLst>
+      <a:effectStyleLst>
+        <a:effectStyle>
+          <a:effectLst>
+            <a:outerShdw blurRad="40000" dist="20000" dir="5400000" rotWithShape="0">
+              <a:srgbClr val="000000">
+                <a:alpha val="38000"/>
+              </a:srgbClr>
+            </a:outerShdw>
+          </a:effectLst>
+        </a:effectStyle>
+        <a:effectStyle>
+          <a:effectLst>
+            <a:outerShdw blurRad="40000" dist="23000" dir="5400000" rotWithShape="0">
+              <a:srgbClr val="000000">
+                <a:alpha val="35000"/>
+              </a:srgbClr>
+            </a:outerShdw>
+          </a:effectLst>
+        </a:effectStyle>
+        <a:effectStyle>
+          <a:effectLst>
+            <a:outerShdw blurRad="40000" dist="23000" dir="5400000" rotWithShape="0">
+              <a:srgbClr val="000000">
+                <a:alpha val="35000"/>
+              </a:srgbClr>
+            </a:outerShdw>
+          </a:effectLst>
+          <a:scene3d>
+            <a:camera prst="orthographicFront">
+              <a:rot lat="0" lon="0" rev="0"/>
+            </a:camera>
+            <a:lightRig rig="threePt" dir="t">
+              <a:rot lat="0" lon="0" rev="1200000"/>
+            </a:lightRig>
+          </a:scene3d>
+          <a:sp3d>
+            <a:bevelT w="63500" h="25400"/>
+          </a:sp3d>
+        </a:effectStyle>
+      </a:effectStyleLst>
+      <a:bgFillStyleLst>
+        <a:solidFill>
+          <a:schemeClr val="phClr"/>
+        </a:solidFill>
+        <a:gradFill rotWithShape="1">
+          <a:gsLst>
+            <a:gs pos="0">
+              <a:schemeClr val="phClr">
+                <a:tint val="40000"/>
+                <a:satMod val="350000"/>
+              </a:schemeClr>
+            </a:gs>
+            <a:gs pos="40000">
+              <a:schemeClr val="phClr">
+                <a:tint val="45000"/>
+                <a:shade val="99000"/>
+                <a:satMod val="350000"/>
+              </a:schemeClr>
+            </a:gs>
+            <a:gs pos="100000">
+              <a:schemeClr val="phClr">
+                <a:shade val="20000"/>
+                <a:satMod val="255000"/>
+              </a:schemeClr>
+            </a:gs>
+          </a:gsLst>
+          <a:path path="circle">
+            <a:fillToRect l="50000" t="-80000" r="50000" b="180000"/>
+          </a:path>
+        </a:gradFill>
+        <a:gradFill rotWithShape="1">
+          <a:gsLst>
+            <a:gs pos="0">
+              <a:schemeClr val="phClr">
+                <a:tint val="80000"/>
+                <a:satMod val="300000"/>
+              </a:schemeClr>
+            </a:gs>
+            <a:gs pos="100000">
+              <a:schemeClr val="phClr">
+                <a:shade val="30000"/>
+                <a:satMod val="200000"/>
+              </a:schemeClr>
+            </a:gs>
+          </a:gsLst>
+          <a:path path="circle">
+            <a:fillToRect l="50000" t="50000" r="50000" b="50000"/>
+          </a:path>
+        </a:gradFill>
+      </a:bgFillStyleLst>
+    </a:fmtScheme>
+  </a:themeElements>
+  <a:objectDefaults/>
+  <a:extraClrSchemeLst/>
+</a:theme>
 </file>
--- a/slides/Tag-1_6-Git-Workflow-im-Team.pptx
+++ b/slides/Tag-1_6-Git-Workflow-im-Team.pptx
@@ -15,8 +15,8 @@
   <p:sldIdLst>
     <p:sldId id="288" r:id="rId4"/>
     <p:sldId id="387" r:id="rId5"/>
-    <p:sldId id="287" r:id="rId6"/>
-    <p:sldId id="596" r:id="rId7"/>
+    <p:sldId id="596" r:id="rId6"/>
+    <p:sldId id="287" r:id="rId7"/>
     <p:sldId id="326" r:id="rId8"/>
     <p:sldId id="420" r:id="rId9"/>
     <p:sldId id="421" r:id="rId10"/>
@@ -1107,7 +1107,7 @@
                 <a:latin typeface="Arial" panose="020B0604020202020204" pitchFamily="34" charset="0"/>
               </a:rPr>
               <a:pPr/>
-              <a:t>3</a:t>
+              <a:t>4</a:t>
             </a:fld>
             <a:endParaRPr lang="de-DE" altLang="de-DE" sz="1000">
               <a:latin typeface="Arial" panose="020B0604020202020204" pitchFamily="34" charset="0"/>
@@ -1954,7 +1954,7 @@
               <a:pPr algn="ctr">
                 <a:defRPr/>
               </a:pPr>
-              <a:t>06.06.2024</a:t>
+              <a:t>07.06.2024</a:t>
             </a:fld>
             <a:endParaRPr lang="de-DE" sz="1000" dirty="0">
               <a:solidFill>
@@ -4061,7 +4061,7 @@
               <a:pPr algn="ctr">
                 <a:defRPr/>
               </a:pPr>
-              <a:t>06.06.2024</a:t>
+              <a:t>07.06.2024</a:t>
             </a:fld>
             <a:endParaRPr lang="de-DE" sz="1000">
               <a:solidFill>
@@ -5691,6 +5691,23 @@
           <a:bodyPr/>
           <a:lstStyle/>
           <a:p>
+            <a:pPr marL="0" indent="0">
+              <a:buNone/>
+            </a:pPr>
+            <a:r>
+              <a:rPr lang="de-DE" altLang="de-DE" b="1" dirty="0"/>
+              <a:t>Zentraler </a:t>
+            </a:r>
+            <a:r>
+              <a:rPr lang="de-DE" altLang="de-DE" b="1" dirty="0" err="1"/>
+              <a:t>Git</a:t>
+            </a:r>
+            <a:r>
+              <a:rPr lang="de-DE" altLang="de-DE" b="1" dirty="0"/>
+              <a:t>-Workflow</a:t>
+            </a:r>
+          </a:p>
+          <a:p>
             <a:r>
               <a:rPr lang="de-DE" altLang="de-DE" dirty="0"/>
               <a:t>Durch die gemeinsame Arbeit auf einem Branch steigt das Konfliktpotenzial</a:t>
@@ -5794,15 +5811,11 @@
           <a:lstStyle/>
           <a:p>
             <a:r>
-              <a:rPr lang="de-DE" altLang="de-DE" dirty="0"/>
-              <a:t>Zentraler </a:t>
-            </a:r>
-            <a:r>
-              <a:rPr lang="de-DE" altLang="de-DE" dirty="0" err="1"/>
+              <a:rPr lang="de-DE" altLang="de-DE" sz="3200" dirty="0" err="1"/>
               <a:t>Git</a:t>
             </a:r>
             <a:r>
-              <a:rPr lang="de-DE" altLang="de-DE" dirty="0"/>
+              <a:rPr lang="de-DE" altLang="de-DE" sz="3200" dirty="0"/>
               <a:t>-Workflow</a:t>
             </a:r>
           </a:p>
@@ -35804,162 +35817,55 @@
       </p:grpSpPr>
       <p:sp>
         <p:nvSpPr>
-          <p:cNvPr id="5123" name="Rectangle 6">
-            <a:extLst>
-              <a:ext uri="{FF2B5EF4-FFF2-40B4-BE49-F238E27FC236}">
-                <a16:creationId xmlns:a16="http://schemas.microsoft.com/office/drawing/2014/main" id="{BC4BC2CC-AA18-345B-63ED-7D24CA6BD3B5}"/>
-              </a:ext>
-            </a:extLst>
-          </p:cNvPr>
+          <p:cNvPr id="2" name="Titel 1"/>
           <p:cNvSpPr>
-            <a:spLocks noGrp="1" noChangeArrowheads="1"/>
+            <a:spLocks noGrp="1"/>
           </p:cNvSpPr>
           <p:nvPr>
             <p:ph type="title"/>
           </p:nvPr>
         </p:nvSpPr>
-        <p:spPr>
-          <a:xfrm>
-            <a:off x="457200" y="115888"/>
-            <a:ext cx="3409950" cy="706437"/>
-          </a:xfrm>
-        </p:spPr>
+        <p:spPr/>
         <p:txBody>
           <a:bodyPr/>
           <a:lstStyle/>
           <a:p>
             <a:r>
-              <a:rPr lang="de-DE" altLang="de-DE"/>
-              <a:t>Inhalt</a:t>
+              <a:rPr lang="de-DE" cap="none" dirty="0"/>
+              <a:t>Workflows</a:t>
             </a:r>
           </a:p>
         </p:txBody>
       </p:sp>
       <p:sp>
         <p:nvSpPr>
-          <p:cNvPr id="3" name="Inhaltsplatzhalter 18">
-            <a:extLst>
-              <a:ext uri="{FF2B5EF4-FFF2-40B4-BE49-F238E27FC236}">
-                <a16:creationId xmlns:a16="http://schemas.microsoft.com/office/drawing/2014/main" id="{722A59E8-4DC4-18C6-04BE-E59EF5F3246C}"/>
-              </a:ext>
-            </a:extLst>
-          </p:cNvPr>
+          <p:cNvPr id="3" name="Untertitel 2"/>
           <p:cNvSpPr>
             <a:spLocks noGrp="1"/>
           </p:cNvSpPr>
           <p:nvPr>
-            <p:ph idx="1"/>
+            <p:ph type="body" idx="1"/>
           </p:nvPr>
         </p:nvSpPr>
-        <p:spPr>
-          <a:xfrm>
-            <a:off x="303214" y="981075"/>
-            <a:ext cx="8517258" cy="5400675"/>
-          </a:xfrm>
-        </p:spPr>
+        <p:spPr/>
         <p:txBody>
           <a:bodyPr/>
           <a:lstStyle/>
           <a:p>
-            <a:pPr>
-              <a:spcBef>
-                <a:spcPts val="300"/>
-              </a:spcBef>
-            </a:pPr>
-            <a:r>
-              <a:rPr lang="de-DE" altLang="de-DE" dirty="0"/>
-              <a:t>Was sind </a:t>
-            </a:r>
-            <a:r>
-              <a:rPr lang="de-DE" altLang="de-DE" dirty="0" err="1"/>
+            <a:r>
+              <a:rPr lang="de-DE" dirty="0" err="1"/>
               <a:t>Git</a:t>
             </a:r>
-            <a:r>
-              <a:rPr lang="de-DE" altLang="de-DE" dirty="0"/>
-              <a:t>-Workflows? </a:t>
-            </a:r>
-          </a:p>
-          <a:p>
-            <a:pPr>
-              <a:spcBef>
-                <a:spcPts val="300"/>
-              </a:spcBef>
-            </a:pPr>
-            <a:r>
-              <a:rPr lang="de-DE" altLang="de-DE" dirty="0"/>
-              <a:t>Zentraler </a:t>
-            </a:r>
-            <a:r>
-              <a:rPr lang="de-DE" altLang="de-DE" dirty="0" err="1"/>
-              <a:t>Git</a:t>
-            </a:r>
-            <a:r>
-              <a:rPr lang="de-DE" altLang="de-DE" dirty="0"/>
-              <a:t>-Workflow</a:t>
-            </a:r>
-          </a:p>
-          <a:p>
-            <a:pPr lvl="1">
-              <a:spcBef>
-                <a:spcPts val="300"/>
-              </a:spcBef>
-            </a:pPr>
-            <a:r>
-              <a:rPr lang="de-DE" altLang="de-DE" dirty="0"/>
-              <a:t>Konzept</a:t>
-            </a:r>
-          </a:p>
-          <a:p>
-            <a:pPr lvl="1">
-              <a:spcBef>
-                <a:spcPts val="300"/>
-              </a:spcBef>
-            </a:pPr>
-            <a:r>
-              <a:rPr lang="de-DE" altLang="de-DE" dirty="0"/>
-              <a:t>Ablauf</a:t>
-            </a:r>
-          </a:p>
-          <a:p>
-            <a:pPr>
-              <a:spcBef>
-                <a:spcPts val="300"/>
-              </a:spcBef>
-            </a:pPr>
-            <a:r>
-              <a:rPr lang="de-DE" altLang="de-DE" dirty="0"/>
-              <a:t>Andere </a:t>
-            </a:r>
-            <a:r>
-              <a:rPr lang="de-DE" altLang="de-DE" dirty="0" err="1"/>
-              <a:t>Git</a:t>
-            </a:r>
-            <a:r>
-              <a:rPr lang="de-DE" altLang="de-DE" dirty="0"/>
-              <a:t>-Workflows</a:t>
-            </a:r>
-          </a:p>
-          <a:p>
-            <a:pPr>
-              <a:spcBef>
-                <a:spcPts val="300"/>
-              </a:spcBef>
-            </a:pPr>
-            <a:endParaRPr lang="de-DE" altLang="de-DE" dirty="0"/>
-          </a:p>
-          <a:p>
-            <a:pPr lvl="1"/>
-            <a:endParaRPr lang="de-DE" altLang="de-DE" dirty="0"/>
-          </a:p>
-          <a:p>
-            <a:pPr marL="0" indent="0">
-              <a:buNone/>
-            </a:pPr>
-            <a:endParaRPr lang="de-DE" altLang="de-DE" dirty="0"/>
+            <a:endParaRPr lang="de-DE" dirty="0"/>
           </a:p>
         </p:txBody>
       </p:sp>
     </p:spTree>
+    <p:extLst>
+      <p:ext uri="{BB962C8B-B14F-4D97-AF65-F5344CB8AC3E}">
+        <p14:creationId xmlns:p14="http://schemas.microsoft.com/office/powerpoint/2010/main" val="3092047359"/>
+      </p:ext>
+    </p:extLst>
   </p:cSld>
   <p:clrMapOvr>
     <a:masterClrMapping/>
@@ -35986,55 +35892,179 @@
       </p:grpSpPr>
       <p:sp>
         <p:nvSpPr>
-          <p:cNvPr id="2" name="Titel 1"/>
+          <p:cNvPr id="5123" name="Rectangle 6">
+            <a:extLst>
+              <a:ext uri="{FF2B5EF4-FFF2-40B4-BE49-F238E27FC236}">
+                <a16:creationId xmlns:a16="http://schemas.microsoft.com/office/drawing/2014/main" id="{BC4BC2CC-AA18-345B-63ED-7D24CA6BD3B5}"/>
+              </a:ext>
+            </a:extLst>
+          </p:cNvPr>
           <p:cNvSpPr>
-            <a:spLocks noGrp="1"/>
+            <a:spLocks noGrp="1" noChangeArrowheads="1"/>
           </p:cNvSpPr>
           <p:nvPr>
             <p:ph type="title"/>
           </p:nvPr>
         </p:nvSpPr>
-        <p:spPr/>
+        <p:spPr>
+          <a:xfrm>
+            <a:off x="303214" y="188640"/>
+            <a:ext cx="5194920" cy="706437"/>
+          </a:xfrm>
+        </p:spPr>
         <p:txBody>
           <a:bodyPr/>
           <a:lstStyle/>
           <a:p>
             <a:r>
-              <a:rPr lang="de-DE" cap="none" dirty="0"/>
-              <a:t>Workflows</a:t>
-            </a:r>
+              <a:rPr lang="de-DE" altLang="de-DE" sz="3200" dirty="0" err="1"/>
+              <a:t>Git</a:t>
+            </a:r>
+            <a:r>
+              <a:rPr lang="de-DE" altLang="de-DE" sz="3200" dirty="0"/>
+              <a:t>-Workflow</a:t>
+            </a:r>
+            <a:endParaRPr lang="de-DE" altLang="de-DE" dirty="0"/>
           </a:p>
         </p:txBody>
       </p:sp>
       <p:sp>
         <p:nvSpPr>
-          <p:cNvPr id="3" name="Untertitel 2"/>
+          <p:cNvPr id="3" name="Inhaltsplatzhalter 18">
+            <a:extLst>
+              <a:ext uri="{FF2B5EF4-FFF2-40B4-BE49-F238E27FC236}">
+                <a16:creationId xmlns:a16="http://schemas.microsoft.com/office/drawing/2014/main" id="{722A59E8-4DC4-18C6-04BE-E59EF5F3246C}"/>
+              </a:ext>
+            </a:extLst>
+          </p:cNvPr>
           <p:cNvSpPr>
             <a:spLocks noGrp="1"/>
           </p:cNvSpPr>
           <p:nvPr>
-            <p:ph type="body" idx="1"/>
+            <p:ph idx="1"/>
           </p:nvPr>
         </p:nvSpPr>
-        <p:spPr/>
+        <p:spPr>
+          <a:xfrm>
+            <a:off x="303214" y="981075"/>
+            <a:ext cx="8517258" cy="5400675"/>
+          </a:xfrm>
+        </p:spPr>
         <p:txBody>
           <a:bodyPr/>
           <a:lstStyle/>
           <a:p>
-            <a:r>
-              <a:rPr lang="de-DE" dirty="0" err="1"/>
+            <a:pPr marL="0" indent="0">
+              <a:spcBef>
+                <a:spcPts val="300"/>
+              </a:spcBef>
+              <a:buNone/>
+            </a:pPr>
+            <a:r>
+              <a:rPr lang="de-DE" altLang="de-DE" b="1" dirty="0"/>
+              <a:t>Agenda</a:t>
+            </a:r>
+          </a:p>
+          <a:p>
+            <a:pPr>
+              <a:spcBef>
+                <a:spcPts val="300"/>
+              </a:spcBef>
+            </a:pPr>
+            <a:r>
+              <a:rPr lang="de-DE" altLang="de-DE" dirty="0"/>
+              <a:t>Was sind </a:t>
+            </a:r>
+            <a:r>
+              <a:rPr lang="de-DE" altLang="de-DE" dirty="0" err="1"/>
               <a:t>Git</a:t>
             </a:r>
-            <a:endParaRPr lang="de-DE" dirty="0"/>
+            <a:r>
+              <a:rPr lang="de-DE" altLang="de-DE" dirty="0"/>
+              <a:t>-Workflows? </a:t>
+            </a:r>
+          </a:p>
+          <a:p>
+            <a:pPr>
+              <a:spcBef>
+                <a:spcPts val="300"/>
+              </a:spcBef>
+            </a:pPr>
+            <a:r>
+              <a:rPr lang="de-DE" altLang="de-DE" dirty="0"/>
+              <a:t>Zentraler </a:t>
+            </a:r>
+            <a:r>
+              <a:rPr lang="de-DE" altLang="de-DE" dirty="0" err="1"/>
+              <a:t>Git</a:t>
+            </a:r>
+            <a:r>
+              <a:rPr lang="de-DE" altLang="de-DE" dirty="0"/>
+              <a:t>-Workflow</a:t>
+            </a:r>
+          </a:p>
+          <a:p>
+            <a:pPr lvl="1">
+              <a:spcBef>
+                <a:spcPts val="300"/>
+              </a:spcBef>
+            </a:pPr>
+            <a:r>
+              <a:rPr lang="de-DE" altLang="de-DE" dirty="0"/>
+              <a:t>Konzept</a:t>
+            </a:r>
+          </a:p>
+          <a:p>
+            <a:pPr lvl="1">
+              <a:spcBef>
+                <a:spcPts val="300"/>
+              </a:spcBef>
+            </a:pPr>
+            <a:r>
+              <a:rPr lang="de-DE" altLang="de-DE" dirty="0"/>
+              <a:t>Ablauf</a:t>
+            </a:r>
+          </a:p>
+          <a:p>
+            <a:pPr>
+              <a:spcBef>
+                <a:spcPts val="300"/>
+              </a:spcBef>
+            </a:pPr>
+            <a:r>
+              <a:rPr lang="de-DE" altLang="de-DE" dirty="0"/>
+              <a:t>Andere </a:t>
+            </a:r>
+            <a:r>
+              <a:rPr lang="de-DE" altLang="de-DE" dirty="0" err="1"/>
+              <a:t>Git</a:t>
+            </a:r>
+            <a:r>
+              <a:rPr lang="de-DE" altLang="de-DE" dirty="0"/>
+              <a:t>-Workflows</a:t>
+            </a:r>
+          </a:p>
+          <a:p>
+            <a:pPr>
+              <a:spcBef>
+                <a:spcPts val="300"/>
+              </a:spcBef>
+            </a:pPr>
+            <a:endParaRPr lang="de-DE" altLang="de-DE" dirty="0"/>
+          </a:p>
+          <a:p>
+            <a:pPr lvl="1"/>
+            <a:endParaRPr lang="de-DE" altLang="de-DE" dirty="0"/>
+          </a:p>
+          <a:p>
+            <a:pPr marL="0" indent="0">
+              <a:buNone/>
+            </a:pPr>
+            <a:endParaRPr lang="de-DE" altLang="de-DE" dirty="0"/>
           </a:p>
         </p:txBody>
       </p:sp>
     </p:spTree>
-    <p:extLst>
-      <p:ext uri="{BB962C8B-B14F-4D97-AF65-F5344CB8AC3E}">
-        <p14:creationId xmlns:p14="http://schemas.microsoft.com/office/powerpoint/2010/main" val="3092047359"/>
-      </p:ext>
-    </p:extLst>
   </p:cSld>
   <p:clrMapOvr>
     <a:masterClrMapping/>
@@ -36085,9 +36115,26 @@
           <a:bodyPr/>
           <a:lstStyle/>
           <a:p>
+            <a:pPr marL="0" indent="0">
+              <a:buNone/>
+            </a:pPr>
+            <a:r>
+              <a:rPr lang="de-DE" altLang="de-DE" b="1" dirty="0"/>
+              <a:t>Was sind </a:t>
+            </a:r>
+            <a:r>
+              <a:rPr lang="de-DE" altLang="de-DE" b="1" dirty="0" err="1"/>
+              <a:t>Git</a:t>
+            </a:r>
+            <a:r>
+              <a:rPr lang="de-DE" altLang="de-DE" b="1" dirty="0"/>
+              <a:t>-Workflows?</a:t>
+            </a:r>
+          </a:p>
+          <a:p>
             <a:r>
               <a:rPr lang="de-DE" altLang="de-DE" dirty="0"/>
-              <a:t>Workflows sind Empfehlungen und Strategien zum Arbeiten mit </a:t>
+              <a:t>´Workflows sind Empfehlungen und Strategien zum Arbeiten mit </a:t>
             </a:r>
             <a:r>
               <a:rPr lang="de-DE" altLang="de-DE" dirty="0" err="1"/>
@@ -36166,7 +36213,7 @@
         </p:nvSpPr>
         <p:spPr>
           <a:xfrm>
-            <a:off x="285750" y="142875"/>
+            <a:off x="303214" y="188640"/>
             <a:ext cx="5654675" cy="706438"/>
           </a:xfrm>
         </p:spPr>
@@ -36175,16 +36222,12 @@
           <a:lstStyle/>
           <a:p>
             <a:r>
-              <a:rPr lang="de-DE" altLang="de-DE" dirty="0"/>
-              <a:t>Was sind </a:t>
-            </a:r>
-            <a:r>
-              <a:rPr lang="de-DE" altLang="de-DE" dirty="0" err="1"/>
+              <a:rPr lang="de-DE" altLang="de-DE" sz="3200" dirty="0" err="1"/>
               <a:t>Git</a:t>
             </a:r>
             <a:r>
-              <a:rPr lang="de-DE" altLang="de-DE" dirty="0"/>
-              <a:t>-Workflows?</a:t>
+              <a:rPr lang="de-DE" altLang="de-DE" sz="3200" dirty="0"/>
+              <a:t>-Workflow</a:t>
             </a:r>
           </a:p>
         </p:txBody>
@@ -36250,7 +36293,7 @@
             </a:pPr>
             <a:r>
               <a:rPr lang="de-DE" altLang="de-DE" b="1" dirty="0"/>
-              <a:t>Es gibt nicht den einen </a:t>
+              <a:t>Was sind </a:t>
             </a:r>
             <a:r>
               <a:rPr lang="de-DE" altLang="de-DE" b="1" dirty="0" err="1"/>
@@ -36258,92 +36301,106 @@
             </a:r>
             <a:r>
               <a:rPr lang="de-DE" altLang="de-DE" b="1" dirty="0"/>
+              <a:t>-Workflows?</a:t>
+            </a:r>
+          </a:p>
+          <a:p>
+            <a:r>
+              <a:rPr lang="de-DE" altLang="de-DE" sz="1800" dirty="0"/>
+              <a:t>Es gibt nicht den einen </a:t>
+            </a:r>
+            <a:r>
+              <a:rPr lang="de-DE" altLang="de-DE" sz="1800" dirty="0" err="1"/>
+              <a:t>Git</a:t>
+            </a:r>
+            <a:r>
+              <a:rPr lang="de-DE" altLang="de-DE" sz="1800" dirty="0"/>
               <a:t>-Workflow</a:t>
             </a:r>
           </a:p>
           <a:p>
             <a:r>
-              <a:rPr lang="de-DE" altLang="de-DE" dirty="0" err="1"/>
+              <a:rPr lang="de-DE" altLang="de-DE" sz="1800" dirty="0" err="1"/>
               <a:t>Git</a:t>
             </a:r>
             <a:r>
-              <a:rPr lang="de-DE" altLang="de-DE" dirty="0"/>
+              <a:rPr lang="de-DE" altLang="de-DE" sz="1800" dirty="0"/>
               <a:t> und </a:t>
             </a:r>
             <a:r>
-              <a:rPr lang="de-DE" altLang="de-DE" dirty="0" err="1"/>
+              <a:rPr lang="de-DE" altLang="de-DE" sz="1800" dirty="0" err="1"/>
               <a:t>GitLab</a:t>
             </a:r>
             <a:r>
-              <a:rPr lang="de-DE" altLang="de-DE" dirty="0"/>
+              <a:rPr lang="de-DE" altLang="de-DE" sz="1800" dirty="0"/>
               <a:t> bieten durch eine Vielzahl an Konzepten und Feature ganz unterschiedliche Möglichkeiten zum Einsatz</a:t>
             </a:r>
           </a:p>
           <a:p>
             <a:r>
-              <a:rPr lang="de-DE" altLang="de-DE" dirty="0"/>
+              <a:rPr lang="de-DE" altLang="de-DE" sz="1800" dirty="0"/>
               <a:t>Daher existieren auch viele </a:t>
             </a:r>
             <a:r>
-              <a:rPr lang="de-DE" altLang="de-DE" dirty="0" err="1"/>
+              <a:rPr lang="de-DE" altLang="de-DE" sz="1800" dirty="0" err="1"/>
               <a:t>Git</a:t>
             </a:r>
             <a:r>
-              <a:rPr lang="de-DE" altLang="de-DE" dirty="0"/>
+              <a:rPr lang="de-DE" altLang="de-DE" sz="1800" dirty="0"/>
               <a:t>-Workflows mit unterschiedlichen Konzepten</a:t>
             </a:r>
           </a:p>
           <a:p>
             <a:r>
-              <a:rPr lang="de-DE" altLang="de-DE" dirty="0"/>
+              <a:rPr lang="de-DE" altLang="de-DE" sz="1800" dirty="0"/>
               <a:t>Auswahl des passenden Workflows richtet sich nach bestimmten Kriterien</a:t>
             </a:r>
           </a:p>
           <a:p>
             <a:pPr lvl="1"/>
             <a:r>
-              <a:rPr lang="de-DE" altLang="de-DE" dirty="0"/>
+              <a:rPr lang="de-DE" altLang="de-DE" sz="1400" dirty="0"/>
               <a:t>Art des Projekts, indem </a:t>
             </a:r>
             <a:r>
-              <a:rPr lang="de-DE" altLang="de-DE" dirty="0" err="1"/>
+              <a:rPr lang="de-DE" altLang="de-DE" sz="1400" dirty="0" err="1"/>
               <a:t>Git</a:t>
             </a:r>
             <a:r>
-              <a:rPr lang="de-DE" altLang="de-DE" dirty="0"/>
+              <a:rPr lang="de-DE" altLang="de-DE" sz="1400" dirty="0"/>
               <a:t> verwendet wird</a:t>
             </a:r>
           </a:p>
           <a:p>
             <a:pPr lvl="1"/>
             <a:r>
-              <a:rPr lang="de-DE" altLang="de-DE" dirty="0"/>
+              <a:rPr lang="de-DE" altLang="de-DE" sz="1400" dirty="0"/>
               <a:t>Projektgröße und Umfang</a:t>
             </a:r>
           </a:p>
           <a:p>
             <a:pPr lvl="1"/>
             <a:r>
-              <a:rPr lang="de-DE" altLang="de-DE" dirty="0"/>
+              <a:rPr lang="de-DE" altLang="de-DE" sz="1400" dirty="0"/>
               <a:t>Teamgröße</a:t>
             </a:r>
           </a:p>
           <a:p>
             <a:pPr lvl="1"/>
             <a:r>
-              <a:rPr lang="de-DE" altLang="de-DE" dirty="0"/>
+              <a:rPr lang="de-DE" altLang="de-DE" sz="1400" dirty="0"/>
               <a:t>Teamkultur</a:t>
             </a:r>
           </a:p>
           <a:p>
             <a:r>
-              <a:rPr lang="de-DE" altLang="de-DE" dirty="0"/>
+              <a:rPr lang="de-DE" altLang="de-DE" sz="1800" dirty="0"/>
               <a:t>Teammitglieder müssen mit dem gewählten Workflow vertraut sein und diesen produktiv in ihre Arbeit integrieren</a:t>
             </a:r>
           </a:p>
           <a:p>
             <a:r>
-              <a:rPr lang="de-DE" altLang="de-DE" dirty="0"/>
+              <a:rPr lang="de-DE" altLang="de-DE" sz="1800" dirty="0"/>
               <a:t>Workflow darf keinen unnötigen Overhead erzeugen</a:t>
             </a:r>
           </a:p>
@@ -36388,17 +36445,14 @@
           <a:lstStyle/>
           <a:p>
             <a:r>
-              <a:rPr lang="de-DE" altLang="de-DE" dirty="0"/>
-              <a:t>Was sind </a:t>
-            </a:r>
-            <a:r>
-              <a:rPr lang="de-DE" altLang="de-DE" dirty="0" err="1"/>
+              <a:rPr lang="de-DE" altLang="de-DE" sz="3200" dirty="0" err="1"/>
               <a:t>Git</a:t>
             </a:r>
             <a:r>
-              <a:rPr lang="de-DE" altLang="de-DE" dirty="0"/>
-              <a:t>-Workflows?</a:t>
-            </a:r>
+              <a:rPr lang="de-DE" altLang="de-DE" sz="3200" dirty="0"/>
+              <a:t>-Workflow</a:t>
+            </a:r>
+            <a:endParaRPr lang="de-DE" altLang="de-DE" dirty="0"/>
           </a:p>
         </p:txBody>
       </p:sp>
@@ -36458,6 +36512,23 @@
           <a:bodyPr/>
           <a:lstStyle/>
           <a:p>
+            <a:pPr marL="0" indent="0">
+              <a:buNone/>
+            </a:pPr>
+            <a:r>
+              <a:rPr lang="de-DE" altLang="de-DE" b="1" dirty="0"/>
+              <a:t>Zentraler </a:t>
+            </a:r>
+            <a:r>
+              <a:rPr lang="de-DE" altLang="de-DE" b="1" dirty="0" err="1"/>
+              <a:t>Git</a:t>
+            </a:r>
+            <a:r>
+              <a:rPr lang="de-DE" altLang="de-DE" b="1" dirty="0"/>
+              <a:t>-Workflow</a:t>
+            </a:r>
+          </a:p>
+          <a:p>
             <a:r>
               <a:rPr lang="de-DE" altLang="de-DE" dirty="0"/>
               <a:t>Ein zentraler </a:t>
@@ -36613,15 +36684,11 @@
           <a:lstStyle/>
           <a:p>
             <a:r>
-              <a:rPr lang="de-DE" altLang="de-DE" dirty="0"/>
-              <a:t>Zentraler </a:t>
-            </a:r>
-            <a:r>
-              <a:rPr lang="de-DE" altLang="de-DE" dirty="0" err="1"/>
+              <a:rPr lang="de-DE" altLang="de-DE" sz="3200" dirty="0" err="1"/>
               <a:t>Git</a:t>
             </a:r>
             <a:r>
-              <a:rPr lang="de-DE" altLang="de-DE" dirty="0"/>
+              <a:rPr lang="de-DE" altLang="de-DE" sz="3200" dirty="0"/>
               <a:t>-Workflow</a:t>
             </a:r>
           </a:p>
@@ -36688,13 +36755,27 @@
             </a:pPr>
             <a:r>
               <a:rPr lang="de-DE" altLang="de-DE" b="1" dirty="0"/>
+              <a:t>Zentraler </a:t>
+            </a:r>
+            <a:r>
+              <a:rPr lang="de-DE" altLang="de-DE" b="1" dirty="0" err="1"/>
+              <a:t>Git</a:t>
+            </a:r>
+            <a:r>
+              <a:rPr lang="de-DE" altLang="de-DE" b="1" dirty="0"/>
+              <a:t>-Workflow</a:t>
+            </a:r>
+          </a:p>
+          <a:p>
+            <a:r>
+              <a:rPr lang="de-DE" altLang="de-DE" dirty="0"/>
               <a:t>Entwickler committen ihre Änderungen direkt auf </a:t>
             </a:r>
             <a:r>
-              <a:rPr lang="de-DE" altLang="de-DE" b="1" dirty="0" err="1"/>
+              <a:rPr lang="de-DE" altLang="de-DE" dirty="0" err="1"/>
               <a:t>main</a:t>
             </a:r>
-            <a:endParaRPr lang="de-DE" altLang="de-DE" b="1" dirty="0"/>
+            <a:endParaRPr lang="de-DE" altLang="de-DE" dirty="0"/>
           </a:p>
           <a:p>
             <a:r>
@@ -36839,15 +36920,11 @@
           <a:lstStyle/>
           <a:p>
             <a:r>
-              <a:rPr lang="de-DE" altLang="de-DE" dirty="0"/>
-              <a:t>Zentraler </a:t>
-            </a:r>
-            <a:r>
-              <a:rPr lang="de-DE" altLang="de-DE" dirty="0" err="1"/>
+              <a:rPr lang="de-DE" altLang="de-DE" sz="3200" dirty="0" err="1"/>
               <a:t>Git</a:t>
             </a:r>
             <a:r>
-              <a:rPr lang="de-DE" altLang="de-DE" dirty="0"/>
+              <a:rPr lang="de-DE" altLang="de-DE" sz="3200" dirty="0"/>
               <a:t>-Workflow</a:t>
             </a:r>
           </a:p>
@@ -36909,6 +36986,23 @@
           <a:bodyPr/>
           <a:lstStyle/>
           <a:p>
+            <a:pPr marL="0" indent="0">
+              <a:buNone/>
+            </a:pPr>
+            <a:r>
+              <a:rPr lang="de-DE" altLang="de-DE" b="1" dirty="0"/>
+              <a:t>Zentraler </a:t>
+            </a:r>
+            <a:r>
+              <a:rPr lang="de-DE" altLang="de-DE" b="1" dirty="0" err="1"/>
+              <a:t>Git</a:t>
+            </a:r>
+            <a:r>
+              <a:rPr lang="de-DE" altLang="de-DE" b="1" dirty="0"/>
+              <a:t>-Workflow</a:t>
+            </a:r>
+          </a:p>
+          <a:p>
             <a:r>
               <a:rPr lang="de-DE" altLang="de-DE" dirty="0"/>
               <a:t>Entwickler werden gezwungen, oft Änderungen von neuen </a:t>
@@ -36987,15 +37081,11 @@
           <a:lstStyle/>
           <a:p>
             <a:r>
-              <a:rPr lang="de-DE" altLang="de-DE" dirty="0"/>
-              <a:t>Zentraler </a:t>
-            </a:r>
-            <a:r>
-              <a:rPr lang="de-DE" altLang="de-DE" dirty="0" err="1"/>
+              <a:rPr lang="de-DE" altLang="de-DE" sz="3200" dirty="0" err="1"/>
               <a:t>Git</a:t>
             </a:r>
             <a:r>
-              <a:rPr lang="de-DE" altLang="de-DE" dirty="0"/>
+              <a:rPr lang="de-DE" altLang="de-DE" sz="3200" dirty="0"/>
               <a:t>-Workflow</a:t>
             </a:r>
           </a:p>

--- a/slides/Tag-1_6-Git-Workflow-im-Team.pptx
+++ b/slides/Tag-1_6-Git-Workflow-im-Team.pptx
@@ -36133,8 +36133,12 @@
           </a:p>
           <a:p>
             <a:r>
+              <a:rPr lang="de-DE" altLang="de-DE"/>
+              <a:t>Workflows </a:t>
+            </a:r>
+            <a:r>
               <a:rPr lang="de-DE" altLang="de-DE" dirty="0"/>
-              <a:t>´Workflows sind Empfehlungen und Strategien zum Arbeiten mit </a:t>
+              <a:t>sind Empfehlungen und Strategien zum Arbeiten mit </a:t>
             </a:r>
             <a:r>
               <a:rPr lang="de-DE" altLang="de-DE" dirty="0" err="1"/>

--- a/slides/Tag-1_6-Git-Workflow-im-Team.pptx
+++ b/slides/Tag-1_6-Git-Workflow-im-Team.pptx
@@ -7,37 +7,38 @@
     <p:sldMasterId id="2147483897" r:id="rId3"/>
   </p:sldMasterIdLst>
   <p:notesMasterIdLst>
-    <p:notesMasterId r:id="rId29"/>
+    <p:notesMasterId r:id="rId30"/>
   </p:notesMasterIdLst>
   <p:handoutMasterIdLst>
-    <p:handoutMasterId r:id="rId30"/>
+    <p:handoutMasterId r:id="rId31"/>
   </p:handoutMasterIdLst>
   <p:sldIdLst>
-    <p:sldId id="288" r:id="rId4"/>
-    <p:sldId id="387" r:id="rId5"/>
-    <p:sldId id="596" r:id="rId6"/>
-    <p:sldId id="287" r:id="rId7"/>
-    <p:sldId id="326" r:id="rId8"/>
-    <p:sldId id="420" r:id="rId9"/>
-    <p:sldId id="421" r:id="rId10"/>
-    <p:sldId id="422" r:id="rId11"/>
-    <p:sldId id="423" r:id="rId12"/>
-    <p:sldId id="424" r:id="rId13"/>
-    <p:sldId id="597" r:id="rId14"/>
-    <p:sldId id="426" r:id="rId15"/>
-    <p:sldId id="427" r:id="rId16"/>
-    <p:sldId id="428" r:id="rId17"/>
-    <p:sldId id="429" r:id="rId18"/>
-    <p:sldId id="431" r:id="rId19"/>
-    <p:sldId id="430" r:id="rId20"/>
-    <p:sldId id="432" r:id="rId21"/>
-    <p:sldId id="433" r:id="rId22"/>
-    <p:sldId id="434" r:id="rId23"/>
-    <p:sldId id="435" r:id="rId24"/>
-    <p:sldId id="436" r:id="rId25"/>
-    <p:sldId id="437" r:id="rId26"/>
-    <p:sldId id="598" r:id="rId27"/>
-    <p:sldId id="438" r:id="rId28"/>
+    <p:sldId id="604" r:id="rId4"/>
+    <p:sldId id="606" r:id="rId5"/>
+    <p:sldId id="607" r:id="rId6"/>
+    <p:sldId id="596" r:id="rId7"/>
+    <p:sldId id="287" r:id="rId8"/>
+    <p:sldId id="326" r:id="rId9"/>
+    <p:sldId id="420" r:id="rId10"/>
+    <p:sldId id="421" r:id="rId11"/>
+    <p:sldId id="422" r:id="rId12"/>
+    <p:sldId id="423" r:id="rId13"/>
+    <p:sldId id="424" r:id="rId14"/>
+    <p:sldId id="597" r:id="rId15"/>
+    <p:sldId id="426" r:id="rId16"/>
+    <p:sldId id="427" r:id="rId17"/>
+    <p:sldId id="428" r:id="rId18"/>
+    <p:sldId id="429" r:id="rId19"/>
+    <p:sldId id="431" r:id="rId20"/>
+    <p:sldId id="430" r:id="rId21"/>
+    <p:sldId id="432" r:id="rId22"/>
+    <p:sldId id="433" r:id="rId23"/>
+    <p:sldId id="434" r:id="rId24"/>
+    <p:sldId id="435" r:id="rId25"/>
+    <p:sldId id="436" r:id="rId26"/>
+    <p:sldId id="437" r:id="rId27"/>
+    <p:sldId id="598" r:id="rId28"/>
+    <p:sldId id="438" r:id="rId29"/>
   </p:sldIdLst>
   <p:sldSz cx="9144000" cy="6858000" type="screen4x3"/>
   <p:notesSz cx="6784975" cy="9921875"/>
@@ -1107,7 +1108,7 @@
                 <a:latin typeface="Arial" panose="020B0604020202020204" pitchFamily="34" charset="0"/>
               </a:rPr>
               <a:pPr/>
-              <a:t>4</a:t>
+              <a:t>5</a:t>
             </a:fld>
             <a:endParaRPr lang="de-DE" altLang="de-DE" sz="1000">
               <a:latin typeface="Arial" panose="020B0604020202020204" pitchFamily="34" charset="0"/>
@@ -1954,7 +1955,7 @@
               <a:pPr algn="ctr">
                 <a:defRPr/>
               </a:pPr>
-              <a:t>07.06.2024</a:t>
+              <a:t>10.06.2024</a:t>
             </a:fld>
             <a:endParaRPr lang="de-DE" sz="1000" dirty="0">
               <a:solidFill>
@@ -2317,7 +2318,7 @@
                 </a:solidFill>
                 <a:latin typeface="Arial" charset="0"/>
               </a:rPr>
-              <a:t>&lt;Autor&gt;</a:t>
+              <a:t>Daniel Krämer &amp; Malte Fischer</a:t>
             </a:r>
           </a:p>
         </p:txBody>
@@ -2339,7 +2340,7 @@
         <p:spPr bwMode="auto">
           <a:xfrm>
             <a:off x="4252913" y="6424613"/>
-            <a:ext cx="1163637" cy="246062"/>
+            <a:ext cx="2262158" cy="246221"/>
           </a:xfrm>
           <a:prstGeom prst="rect">
             <a:avLst/>
@@ -2369,16 +2370,7 @@
                 </a:solidFill>
                 <a:latin typeface="Arial" charset="0"/>
               </a:rPr>
-              <a:t>&lt;Dateiname&gt;.</a:t>
-            </a:r>
-            <a:r>
-              <a:rPr lang="de-DE" sz="1000" dirty="0" err="1">
-                <a:solidFill>
-                  <a:schemeClr val="bg1"/>
-                </a:solidFill>
-                <a:latin typeface="Arial" charset="0"/>
-              </a:rPr>
-              <a:t>ppt</a:t>
+              <a:t>Tag-1_6-Git-Workflow-im-Team.pptx</a:t>
             </a:r>
             <a:endParaRPr lang="de-DE" dirty="0">
               <a:solidFill>
@@ -4061,7 +4053,7 @@
               <a:pPr algn="ctr">
                 <a:defRPr/>
               </a:pPr>
-              <a:t>07.06.2024</a:t>
+              <a:t>10.06.2024</a:t>
             </a:fld>
             <a:endParaRPr lang="de-DE" sz="1000">
               <a:solidFill>
@@ -4424,7 +4416,7 @@
                 </a:solidFill>
                 <a:latin typeface="Arial" charset="0"/>
               </a:rPr>
-              <a:t>&lt;Autor&gt;</a:t>
+              <a:t>Daniel Krämer &amp; Malte Fischer</a:t>
             </a:r>
           </a:p>
         </p:txBody>
@@ -4446,7 +4438,7 @@
         <p:spPr bwMode="auto">
           <a:xfrm>
             <a:off x="4252913" y="6424613"/>
-            <a:ext cx="1891865" cy="246221"/>
+            <a:ext cx="2262158" cy="246221"/>
           </a:xfrm>
           <a:prstGeom prst="rect">
             <a:avLst/>
@@ -4476,7 +4468,7 @@
                 </a:solidFill>
                 <a:latin typeface="Arial" charset="0"/>
               </a:rPr>
-              <a:t>Tag-3_2_1-GitLab-Runner.ppt</a:t>
+              <a:t>Tag-1_6-Git-Workflow-im-Team.pptx</a:t>
             </a:r>
             <a:endParaRPr lang="de-DE" dirty="0">
               <a:solidFill>
@@ -5410,11 +5402,31 @@
           <a:p>
             <a:pPr algn="l" eaLnBrk="1" hangingPunct="1"/>
             <a:r>
-              <a:rPr lang="de-DE" altLang="de-DE" dirty="0" err="1"/>
+              <a:rPr lang="de-DE" altLang="de-DE" sz="3200" dirty="0"/>
+              <a:t>Tag 1: Einführung in </a:t>
+            </a:r>
+            <a:r>
+              <a:rPr lang="de-DE" altLang="de-DE" sz="3200" dirty="0" err="1"/>
               <a:t>Git</a:t>
             </a:r>
             <a:r>
-              <a:rPr lang="de-DE" altLang="de-DE" dirty="0"/>
+              <a:rPr lang="de-DE" altLang="de-DE" sz="3200" dirty="0"/>
+              <a:t> und </a:t>
+            </a:r>
+            <a:r>
+              <a:rPr lang="de-DE" altLang="de-DE" sz="3200" dirty="0" err="1"/>
+              <a:t>GitLab</a:t>
+            </a:r>
+            <a:r>
+              <a:rPr lang="de-DE" altLang="de-DE" sz="3200" dirty="0"/>
+              <a:t>, </a:t>
+            </a:r>
+            <a:r>
+              <a:rPr lang="de-DE" altLang="de-DE" sz="3200" dirty="0" err="1"/>
+              <a:t>Git</a:t>
+            </a:r>
+            <a:r>
+              <a:rPr lang="de-DE" altLang="de-DE" sz="3200" dirty="0"/>
               <a:t>-Workflow im Team</a:t>
             </a:r>
           </a:p>
@@ -5438,8 +5450,8 @@
         </p:nvSpPr>
         <p:spPr bwMode="auto">
           <a:xfrm>
-            <a:off x="468313" y="4462463"/>
-            <a:ext cx="2159000" cy="622300"/>
+            <a:off x="468312" y="4462463"/>
+            <a:ext cx="4190603" cy="622300"/>
           </a:xfrm>
           <a:prstGeom prst="rect">
             <a:avLst/>
@@ -5474,8 +5486,8 @@
               <a:buNone/>
             </a:pPr>
             <a:r>
-              <a:rPr lang="de-DE" altLang="de-DE" sz="1600"/>
-              <a:t>&lt;Datum, Autor&gt;</a:t>
+              <a:rPr lang="de-DE" altLang="de-DE" sz="1600" dirty="0"/>
+              <a:t>17.06.2024, Daniel Krämer &amp; Malte Fischer</a:t>
             </a:r>
           </a:p>
         </p:txBody>
@@ -5628,18 +5640,54 @@
           </a:lstStyle>
           <a:p>
             <a:pPr eaLnBrk="1" hangingPunct="1"/>
-            <a:r>
-              <a:rPr lang="de-DE" altLang="de-DE" sz="4400">
-                <a:solidFill>
-                  <a:schemeClr val="tx2"/>
-                </a:solidFill>
-                <a:latin typeface="Arial" panose="020B0604020202020204" pitchFamily="34" charset="0"/>
-              </a:rPr>
-              <a:t>&lt;Kundenlogo&gt;</a:t>
-            </a:r>
+            <a:endParaRPr lang="de-DE" altLang="de-DE" sz="4400" dirty="0">
+              <a:solidFill>
+                <a:schemeClr val="tx2"/>
+              </a:solidFill>
+              <a:latin typeface="Arial" panose="020B0604020202020204" pitchFamily="34" charset="0"/>
+            </a:endParaRPr>
           </a:p>
         </p:txBody>
       </p:sp>
+      <p:pic>
+        <p:nvPicPr>
+          <p:cNvPr id="3" name="Grafik 2">
+            <a:extLst>
+              <a:ext uri="{FF2B5EF4-FFF2-40B4-BE49-F238E27FC236}">
+                <a16:creationId xmlns:a16="http://schemas.microsoft.com/office/drawing/2014/main" id="{F795EC6A-86ED-78D6-3916-EC81E8315965}"/>
+              </a:ext>
+            </a:extLst>
+          </p:cNvPr>
+          <p:cNvPicPr>
+            <a:picLocks noChangeAspect="1"/>
+          </p:cNvPicPr>
+          <p:nvPr/>
+        </p:nvPicPr>
+        <p:blipFill>
+          <a:blip r:embed="rId2">
+            <a:extLst>
+              <a:ext uri="{28A0092B-C50C-407E-A947-70E740481C1C}">
+                <a14:useLocalDpi xmlns:a14="http://schemas.microsoft.com/office/drawing/2010/main" val="0"/>
+              </a:ext>
+              <a:ext uri="{96DAC541-7B7A-43D3-8B79-37D633B846F1}">
+                <asvg:svgBlip xmlns:asvg="http://schemas.microsoft.com/office/drawing/2016/SVG/main" r:embed="rId3"/>
+              </a:ext>
+            </a:extLst>
+          </a:blip>
+          <a:stretch>
+            <a:fillRect/>
+          </a:stretch>
+        </p:blipFill>
+        <p:spPr>
+          <a:xfrm>
+            <a:off x="309959" y="263970"/>
+            <a:ext cx="4348957" cy="1508822"/>
+          </a:xfrm>
+          <a:prstGeom prst="rect">
+            <a:avLst/>
+          </a:prstGeom>
+        </p:spPr>
+      </p:pic>
     </p:spTree>
   </p:cSld>
   <p:clrMapOvr>
@@ -5710,70 +5758,45 @@
           <a:p>
             <a:r>
               <a:rPr lang="de-DE" altLang="de-DE" dirty="0"/>
-              <a:t>Durch die gemeinsame Arbeit auf einem Branch steigt das Konfliktpotenzial</a:t>
+              <a:t>Entwickler werden gezwungen, oft Änderungen von neuen </a:t>
+            </a:r>
+            <a:r>
+              <a:rPr lang="de-DE" altLang="de-DE" dirty="0" err="1"/>
+              <a:t>Commits</a:t>
+            </a:r>
+            <a:r>
+              <a:rPr lang="de-DE" altLang="de-DE" dirty="0"/>
+              <a:t> in ihr lokales Repository einzubauen</a:t>
             </a:r>
           </a:p>
           <a:p>
             <a:pPr lvl="1"/>
             <a:r>
               <a:rPr lang="de-DE" altLang="de-DE" dirty="0"/>
-              <a:t>Häufige Kommunikation nötig</a:t>
+              <a:t>Erhöht zwar direktes Konfliktpotenzial, reduziert aber Komplexität bei der Integration von Features</a:t>
             </a:r>
           </a:p>
           <a:p>
             <a:pPr lvl="1"/>
             <a:r>
               <a:rPr lang="de-DE" altLang="de-DE" dirty="0"/>
-              <a:t>Entwickler sollten mit Umgang von Konflikten in </a:t>
-            </a:r>
-            <a:r>
-              <a:rPr lang="de-DE" altLang="de-DE" dirty="0" err="1"/>
-              <a:t>Git</a:t>
-            </a:r>
-            <a:r>
-              <a:rPr lang="de-DE" altLang="de-DE" dirty="0"/>
-              <a:t> vertraut sein und diese sauber auflösen können</a:t>
-            </a:r>
-          </a:p>
-          <a:p>
-            <a:r>
-              <a:rPr lang="de-DE" altLang="de-DE" dirty="0"/>
-              <a:t>Ein zentraler </a:t>
-            </a:r>
-            <a:r>
-              <a:rPr lang="de-DE" altLang="de-DE" dirty="0" err="1"/>
-              <a:t>Git</a:t>
-            </a:r>
-            <a:r>
-              <a:rPr lang="de-DE" altLang="de-DE" dirty="0"/>
-              <a:t>-Workflow bietet weniger Flexibilität als andere Workflows</a:t>
-            </a:r>
-          </a:p>
-          <a:p>
-            <a:pPr lvl="1"/>
-            <a:r>
-              <a:rPr lang="de-DE" altLang="de-DE" dirty="0"/>
-              <a:t>Komplexere Projekte mit vielen parallelen und inhaltlich getrennten Features können hier von anderen Workflows profitieren</a:t>
-            </a:r>
-          </a:p>
-          <a:p>
-            <a:r>
-              <a:rPr lang="de-DE" altLang="de-DE" dirty="0"/>
-              <a:t>Zentraler </a:t>
-            </a:r>
-            <a:r>
-              <a:rPr lang="de-DE" altLang="de-DE" dirty="0" err="1"/>
-              <a:t>Git</a:t>
-            </a:r>
-            <a:r>
-              <a:rPr lang="de-DE" altLang="de-DE" dirty="0"/>
-              <a:t>-Workflow entfaltet seine Vorteile meinst in kleineren Teams</a:t>
-            </a:r>
-          </a:p>
-          <a:p>
-            <a:pPr marL="0" indent="0">
+              <a:t>Gegenbeispiel wäre ein Feature-Branch, der über Wochen nicht zwingend aktualisiert werden muss und nachher wieder in den main-Branch zurückgeführt wird</a:t>
+            </a:r>
+          </a:p>
+          <a:p>
+            <a:pPr marL="358775" indent="-176213">
               <a:buNone/>
             </a:pPr>
+            <a:r>
+              <a:rPr lang="de-DE" altLang="de-DE" dirty="0"/>
+              <a:t>	</a:t>
+            </a:r>
+            <a:r>
+              <a:rPr lang="de-DE" altLang="de-DE" dirty="0">
+                <a:sym typeface="Wingdings" panose="05000000000000000000" pitchFamily="2" charset="2"/>
+              </a:rPr>
+              <a:t> Verhindert Divergenz</a:t>
+            </a:r>
             <a:endParaRPr lang="de-DE" altLang="de-DE" dirty="0"/>
           </a:p>
           <a:p>
@@ -5821,10 +5844,1337 @@
           </a:p>
         </p:txBody>
       </p:sp>
+      <p:sp>
+        <p:nvSpPr>
+          <p:cNvPr id="2" name="Ellipse 1">
+            <a:extLst>
+              <a:ext uri="{FF2B5EF4-FFF2-40B4-BE49-F238E27FC236}">
+                <a16:creationId xmlns:a16="http://schemas.microsoft.com/office/drawing/2014/main" id="{76058A08-9E10-43D2-3E59-C7816D7E71EB}"/>
+              </a:ext>
+            </a:extLst>
+          </p:cNvPr>
+          <p:cNvSpPr/>
+          <p:nvPr/>
+        </p:nvSpPr>
+        <p:spPr bwMode="auto">
+          <a:xfrm>
+            <a:off x="4355976" y="4493954"/>
+            <a:ext cx="288032" cy="288032"/>
+          </a:xfrm>
+          <a:prstGeom prst="ellipse">
+            <a:avLst/>
+          </a:prstGeom>
+          <a:solidFill>
+            <a:schemeClr val="accent5">
+              <a:lumMod val="75000"/>
+            </a:schemeClr>
+          </a:solidFill>
+          <a:ln w="19050" cap="flat" cmpd="sng" algn="ctr">
+            <a:solidFill>
+              <a:schemeClr val="tx1"/>
+            </a:solidFill>
+            <a:prstDash val="solid"/>
+            <a:round/>
+            <a:headEnd type="none" w="sm" len="sm"/>
+            <a:tailEnd type="none" w="sm" len="sm"/>
+          </a:ln>
+          <a:effectLst/>
+        </p:spPr>
+        <p:txBody>
+          <a:bodyPr vert="horz" wrap="square" lIns="91440" tIns="45720" rIns="91440" bIns="45720" numCol="1" rtlCol="0" anchor="t" anchorCtr="0" compatLnSpc="1">
+            <a:prstTxWarp prst="textNoShape">
+              <a:avLst/>
+            </a:prstTxWarp>
+          </a:bodyPr>
+          <a:lstStyle/>
+          <a:p>
+            <a:pPr marL="0" marR="0" indent="0" algn="l" defTabSz="914400" rtl="0" eaLnBrk="0" fontAlgn="base" latinLnBrk="0" hangingPunct="0">
+              <a:lnSpc>
+                <a:spcPct val="100000"/>
+              </a:lnSpc>
+              <a:spcBef>
+                <a:spcPct val="0"/>
+              </a:spcBef>
+              <a:spcAft>
+                <a:spcPct val="0"/>
+              </a:spcAft>
+              <a:buClrTx/>
+              <a:buSzTx/>
+              <a:buFontTx/>
+              <a:buNone/>
+              <a:tabLst/>
+            </a:pPr>
+            <a:endParaRPr kumimoji="0" lang="de-DE" sz="2400" b="0" i="0" u="none" strike="noStrike" cap="none" normalizeH="0" baseline="0">
+              <a:ln>
+                <a:noFill/>
+              </a:ln>
+              <a:solidFill>
+                <a:schemeClr val="tx1"/>
+              </a:solidFill>
+              <a:effectLst/>
+              <a:latin typeface="Times New Roman" pitchFamily="18" charset="0"/>
+            </a:endParaRPr>
+          </a:p>
+        </p:txBody>
+      </p:sp>
+      <p:sp>
+        <p:nvSpPr>
+          <p:cNvPr id="3" name="Ellipse 2">
+            <a:extLst>
+              <a:ext uri="{FF2B5EF4-FFF2-40B4-BE49-F238E27FC236}">
+                <a16:creationId xmlns:a16="http://schemas.microsoft.com/office/drawing/2014/main" id="{E37D6EA4-6BDA-851B-1514-CB8F375614CE}"/>
+              </a:ext>
+            </a:extLst>
+          </p:cNvPr>
+          <p:cNvSpPr/>
+          <p:nvPr/>
+        </p:nvSpPr>
+        <p:spPr bwMode="auto">
+          <a:xfrm>
+            <a:off x="4860032" y="4493954"/>
+            <a:ext cx="288032" cy="288032"/>
+          </a:xfrm>
+          <a:prstGeom prst="ellipse">
+            <a:avLst/>
+          </a:prstGeom>
+          <a:solidFill>
+            <a:schemeClr val="accent5">
+              <a:lumMod val="75000"/>
+            </a:schemeClr>
+          </a:solidFill>
+          <a:ln w="19050" cap="flat" cmpd="sng" algn="ctr">
+            <a:solidFill>
+              <a:schemeClr val="tx1"/>
+            </a:solidFill>
+            <a:prstDash val="solid"/>
+            <a:round/>
+            <a:headEnd type="none" w="sm" len="sm"/>
+            <a:tailEnd type="none" w="sm" len="sm"/>
+          </a:ln>
+          <a:effectLst/>
+        </p:spPr>
+        <p:txBody>
+          <a:bodyPr vert="horz" wrap="square" lIns="91440" tIns="45720" rIns="91440" bIns="45720" numCol="1" rtlCol="0" anchor="t" anchorCtr="0" compatLnSpc="1">
+            <a:prstTxWarp prst="textNoShape">
+              <a:avLst/>
+            </a:prstTxWarp>
+          </a:bodyPr>
+          <a:lstStyle/>
+          <a:p>
+            <a:pPr marL="0" marR="0" indent="0" algn="l" defTabSz="914400" rtl="0" eaLnBrk="0" fontAlgn="base" latinLnBrk="0" hangingPunct="0">
+              <a:lnSpc>
+                <a:spcPct val="100000"/>
+              </a:lnSpc>
+              <a:spcBef>
+                <a:spcPct val="0"/>
+              </a:spcBef>
+              <a:spcAft>
+                <a:spcPct val="0"/>
+              </a:spcAft>
+              <a:buClrTx/>
+              <a:buSzTx/>
+              <a:buFontTx/>
+              <a:buNone/>
+              <a:tabLst/>
+            </a:pPr>
+            <a:endParaRPr kumimoji="0" lang="de-DE" sz="2400" b="0" i="0" u="none" strike="noStrike" cap="none" normalizeH="0" baseline="0">
+              <a:ln>
+                <a:noFill/>
+              </a:ln>
+              <a:solidFill>
+                <a:schemeClr val="tx1"/>
+              </a:solidFill>
+              <a:effectLst/>
+              <a:latin typeface="Times New Roman" pitchFamily="18" charset="0"/>
+            </a:endParaRPr>
+          </a:p>
+        </p:txBody>
+      </p:sp>
+      <p:cxnSp>
+        <p:nvCxnSpPr>
+          <p:cNvPr id="5" name="Gerader Verbinder 4">
+            <a:extLst>
+              <a:ext uri="{FF2B5EF4-FFF2-40B4-BE49-F238E27FC236}">
+                <a16:creationId xmlns:a16="http://schemas.microsoft.com/office/drawing/2014/main" id="{7DF7BF90-34CF-2A8A-BF0A-DA7332C8F32C}"/>
+              </a:ext>
+            </a:extLst>
+          </p:cNvPr>
+          <p:cNvCxnSpPr>
+            <a:stCxn id="2" idx="6"/>
+            <a:endCxn id="3" idx="2"/>
+          </p:cNvCxnSpPr>
+          <p:nvPr/>
+        </p:nvCxnSpPr>
+        <p:spPr bwMode="auto">
+          <a:xfrm>
+            <a:off x="4644008" y="4637970"/>
+            <a:ext cx="216024" cy="0"/>
+          </a:xfrm>
+          <a:prstGeom prst="line">
+            <a:avLst/>
+          </a:prstGeom>
+          <a:solidFill>
+            <a:schemeClr val="accent1"/>
+          </a:solidFill>
+          <a:ln w="19050" cap="flat" cmpd="sng" algn="ctr">
+            <a:solidFill>
+              <a:schemeClr val="tx1"/>
+            </a:solidFill>
+            <a:prstDash val="solid"/>
+            <a:round/>
+            <a:headEnd type="none" w="sm" len="sm"/>
+            <a:tailEnd type="none" w="sm" len="sm"/>
+          </a:ln>
+          <a:effectLst/>
+        </p:spPr>
+      </p:cxnSp>
+      <p:sp>
+        <p:nvSpPr>
+          <p:cNvPr id="6" name="Ellipse 5">
+            <a:extLst>
+              <a:ext uri="{FF2B5EF4-FFF2-40B4-BE49-F238E27FC236}">
+                <a16:creationId xmlns:a16="http://schemas.microsoft.com/office/drawing/2014/main" id="{7CC7556A-24FC-B989-D16D-06F56F69F690}"/>
+              </a:ext>
+            </a:extLst>
+          </p:cNvPr>
+          <p:cNvSpPr/>
+          <p:nvPr/>
+        </p:nvSpPr>
+        <p:spPr bwMode="auto">
+          <a:xfrm>
+            <a:off x="5364088" y="4493954"/>
+            <a:ext cx="288032" cy="288032"/>
+          </a:xfrm>
+          <a:prstGeom prst="ellipse">
+            <a:avLst/>
+          </a:prstGeom>
+          <a:solidFill>
+            <a:schemeClr val="accent5">
+              <a:lumMod val="75000"/>
+            </a:schemeClr>
+          </a:solidFill>
+          <a:ln w="19050" cap="flat" cmpd="sng" algn="ctr">
+            <a:solidFill>
+              <a:schemeClr val="tx1"/>
+            </a:solidFill>
+            <a:prstDash val="solid"/>
+            <a:round/>
+            <a:headEnd type="none" w="sm" len="sm"/>
+            <a:tailEnd type="none" w="sm" len="sm"/>
+          </a:ln>
+          <a:effectLst/>
+        </p:spPr>
+        <p:txBody>
+          <a:bodyPr vert="horz" wrap="square" lIns="91440" tIns="45720" rIns="91440" bIns="45720" numCol="1" rtlCol="0" anchor="t" anchorCtr="0" compatLnSpc="1">
+            <a:prstTxWarp prst="textNoShape">
+              <a:avLst/>
+            </a:prstTxWarp>
+          </a:bodyPr>
+          <a:lstStyle/>
+          <a:p>
+            <a:pPr marL="0" marR="0" indent="0" algn="l" defTabSz="914400" rtl="0" eaLnBrk="0" fontAlgn="base" latinLnBrk="0" hangingPunct="0">
+              <a:lnSpc>
+                <a:spcPct val="100000"/>
+              </a:lnSpc>
+              <a:spcBef>
+                <a:spcPct val="0"/>
+              </a:spcBef>
+              <a:spcAft>
+                <a:spcPct val="0"/>
+              </a:spcAft>
+              <a:buClrTx/>
+              <a:buSzTx/>
+              <a:buFontTx/>
+              <a:buNone/>
+              <a:tabLst/>
+            </a:pPr>
+            <a:endParaRPr kumimoji="0" lang="de-DE" sz="2400" b="0" i="0" u="none" strike="noStrike" cap="none" normalizeH="0" baseline="0">
+              <a:ln>
+                <a:noFill/>
+              </a:ln>
+              <a:solidFill>
+                <a:schemeClr val="tx1"/>
+              </a:solidFill>
+              <a:effectLst/>
+              <a:latin typeface="Times New Roman" pitchFamily="18" charset="0"/>
+            </a:endParaRPr>
+          </a:p>
+        </p:txBody>
+      </p:sp>
+      <p:cxnSp>
+        <p:nvCxnSpPr>
+          <p:cNvPr id="7" name="Gerader Verbinder 6">
+            <a:extLst>
+              <a:ext uri="{FF2B5EF4-FFF2-40B4-BE49-F238E27FC236}">
+                <a16:creationId xmlns:a16="http://schemas.microsoft.com/office/drawing/2014/main" id="{F1368B5E-699F-B893-DF00-04155B3397F5}"/>
+              </a:ext>
+            </a:extLst>
+          </p:cNvPr>
+          <p:cNvCxnSpPr>
+            <a:endCxn id="6" idx="2"/>
+          </p:cNvCxnSpPr>
+          <p:nvPr/>
+        </p:nvCxnSpPr>
+        <p:spPr bwMode="auto">
+          <a:xfrm>
+            <a:off x="5148064" y="4637970"/>
+            <a:ext cx="216024" cy="0"/>
+          </a:xfrm>
+          <a:prstGeom prst="line">
+            <a:avLst/>
+          </a:prstGeom>
+          <a:solidFill>
+            <a:schemeClr val="accent1"/>
+          </a:solidFill>
+          <a:ln w="19050" cap="flat" cmpd="sng" algn="ctr">
+            <a:solidFill>
+              <a:schemeClr val="tx1"/>
+            </a:solidFill>
+            <a:prstDash val="solid"/>
+            <a:round/>
+            <a:headEnd type="none" w="sm" len="sm"/>
+            <a:tailEnd type="none" w="sm" len="sm"/>
+          </a:ln>
+          <a:effectLst/>
+        </p:spPr>
+      </p:cxnSp>
+      <p:sp>
+        <p:nvSpPr>
+          <p:cNvPr id="8" name="Ellipse 7">
+            <a:extLst>
+              <a:ext uri="{FF2B5EF4-FFF2-40B4-BE49-F238E27FC236}">
+                <a16:creationId xmlns:a16="http://schemas.microsoft.com/office/drawing/2014/main" id="{42774172-05BE-833F-9B7B-72CFA740189B}"/>
+              </a:ext>
+            </a:extLst>
+          </p:cNvPr>
+          <p:cNvSpPr/>
+          <p:nvPr/>
+        </p:nvSpPr>
+        <p:spPr bwMode="auto">
+          <a:xfrm>
+            <a:off x="5868144" y="4493954"/>
+            <a:ext cx="288032" cy="288032"/>
+          </a:xfrm>
+          <a:prstGeom prst="ellipse">
+            <a:avLst/>
+          </a:prstGeom>
+          <a:solidFill>
+            <a:schemeClr val="accent5">
+              <a:lumMod val="75000"/>
+            </a:schemeClr>
+          </a:solidFill>
+          <a:ln w="19050" cap="flat" cmpd="sng" algn="ctr">
+            <a:solidFill>
+              <a:schemeClr val="tx1"/>
+            </a:solidFill>
+            <a:prstDash val="solid"/>
+            <a:round/>
+            <a:headEnd type="none" w="sm" len="sm"/>
+            <a:tailEnd type="none" w="sm" len="sm"/>
+          </a:ln>
+          <a:effectLst/>
+        </p:spPr>
+        <p:txBody>
+          <a:bodyPr vert="horz" wrap="square" lIns="91440" tIns="45720" rIns="91440" bIns="45720" numCol="1" rtlCol="0" anchor="t" anchorCtr="0" compatLnSpc="1">
+            <a:prstTxWarp prst="textNoShape">
+              <a:avLst/>
+            </a:prstTxWarp>
+          </a:bodyPr>
+          <a:lstStyle/>
+          <a:p>
+            <a:pPr marL="0" marR="0" indent="0" algn="l" defTabSz="914400" rtl="0" eaLnBrk="0" fontAlgn="base" latinLnBrk="0" hangingPunct="0">
+              <a:lnSpc>
+                <a:spcPct val="100000"/>
+              </a:lnSpc>
+              <a:spcBef>
+                <a:spcPct val="0"/>
+              </a:spcBef>
+              <a:spcAft>
+                <a:spcPct val="0"/>
+              </a:spcAft>
+              <a:buClrTx/>
+              <a:buSzTx/>
+              <a:buFontTx/>
+              <a:buNone/>
+              <a:tabLst/>
+            </a:pPr>
+            <a:endParaRPr kumimoji="0" lang="de-DE" sz="2400" b="0" i="0" u="none" strike="noStrike" cap="none" normalizeH="0" baseline="0">
+              <a:ln>
+                <a:noFill/>
+              </a:ln>
+              <a:solidFill>
+                <a:schemeClr val="tx1"/>
+              </a:solidFill>
+              <a:effectLst/>
+              <a:latin typeface="Times New Roman" pitchFamily="18" charset="0"/>
+            </a:endParaRPr>
+          </a:p>
+        </p:txBody>
+      </p:sp>
+      <p:cxnSp>
+        <p:nvCxnSpPr>
+          <p:cNvPr id="9" name="Gerader Verbinder 8">
+            <a:extLst>
+              <a:ext uri="{FF2B5EF4-FFF2-40B4-BE49-F238E27FC236}">
+                <a16:creationId xmlns:a16="http://schemas.microsoft.com/office/drawing/2014/main" id="{6D7A49AF-D5F1-FC31-E750-C02CCFE81D1F}"/>
+              </a:ext>
+            </a:extLst>
+          </p:cNvPr>
+          <p:cNvCxnSpPr>
+            <a:endCxn id="8" idx="2"/>
+          </p:cNvCxnSpPr>
+          <p:nvPr/>
+        </p:nvCxnSpPr>
+        <p:spPr bwMode="auto">
+          <a:xfrm>
+            <a:off x="5652120" y="4637970"/>
+            <a:ext cx="216024" cy="0"/>
+          </a:xfrm>
+          <a:prstGeom prst="line">
+            <a:avLst/>
+          </a:prstGeom>
+          <a:solidFill>
+            <a:schemeClr val="accent1"/>
+          </a:solidFill>
+          <a:ln w="19050" cap="flat" cmpd="sng" algn="ctr">
+            <a:solidFill>
+              <a:schemeClr val="tx1"/>
+            </a:solidFill>
+            <a:prstDash val="solid"/>
+            <a:round/>
+            <a:headEnd type="none" w="sm" len="sm"/>
+            <a:tailEnd type="none" w="sm" len="sm"/>
+          </a:ln>
+          <a:effectLst/>
+        </p:spPr>
+      </p:cxnSp>
+      <p:sp>
+        <p:nvSpPr>
+          <p:cNvPr id="12" name="Ellipse 11">
+            <a:extLst>
+              <a:ext uri="{FF2B5EF4-FFF2-40B4-BE49-F238E27FC236}">
+                <a16:creationId xmlns:a16="http://schemas.microsoft.com/office/drawing/2014/main" id="{F5298BD6-540F-23E3-0013-2118BE335BC8}"/>
+              </a:ext>
+            </a:extLst>
+          </p:cNvPr>
+          <p:cNvSpPr/>
+          <p:nvPr/>
+        </p:nvSpPr>
+        <p:spPr bwMode="auto">
+          <a:xfrm rot="18900000">
+            <a:off x="4720612" y="4137533"/>
+            <a:ext cx="288032" cy="288032"/>
+          </a:xfrm>
+          <a:prstGeom prst="ellipse">
+            <a:avLst/>
+          </a:prstGeom>
+          <a:solidFill>
+            <a:srgbClr val="008C5A"/>
+          </a:solidFill>
+          <a:ln w="19050" cap="flat" cmpd="sng" algn="ctr">
+            <a:solidFill>
+              <a:schemeClr val="tx1"/>
+            </a:solidFill>
+            <a:prstDash val="solid"/>
+            <a:round/>
+            <a:headEnd type="none" w="sm" len="sm"/>
+            <a:tailEnd type="none" w="sm" len="sm"/>
+          </a:ln>
+          <a:effectLst/>
+        </p:spPr>
+        <p:txBody>
+          <a:bodyPr vert="horz" wrap="square" lIns="91440" tIns="45720" rIns="91440" bIns="45720" numCol="1" rtlCol="0" anchor="t" anchorCtr="0" compatLnSpc="1">
+            <a:prstTxWarp prst="textNoShape">
+              <a:avLst/>
+            </a:prstTxWarp>
+          </a:bodyPr>
+          <a:lstStyle/>
+          <a:p>
+            <a:pPr marL="0" marR="0" indent="0" algn="l" defTabSz="914400" rtl="0" eaLnBrk="0" fontAlgn="base" latinLnBrk="0" hangingPunct="0">
+              <a:lnSpc>
+                <a:spcPct val="100000"/>
+              </a:lnSpc>
+              <a:spcBef>
+                <a:spcPct val="0"/>
+              </a:spcBef>
+              <a:spcAft>
+                <a:spcPct val="0"/>
+              </a:spcAft>
+              <a:buClrTx/>
+              <a:buSzTx/>
+              <a:buFontTx/>
+              <a:buNone/>
+              <a:tabLst/>
+            </a:pPr>
+            <a:endParaRPr kumimoji="0" lang="de-DE" sz="2400" b="0" i="0" u="none" strike="noStrike" cap="none" normalizeH="0" baseline="0" dirty="0">
+              <a:ln>
+                <a:noFill/>
+              </a:ln>
+              <a:solidFill>
+                <a:schemeClr val="tx1"/>
+              </a:solidFill>
+              <a:effectLst/>
+              <a:latin typeface="Times New Roman" pitchFamily="18" charset="0"/>
+            </a:endParaRPr>
+          </a:p>
+        </p:txBody>
+      </p:sp>
+      <p:cxnSp>
+        <p:nvCxnSpPr>
+          <p:cNvPr id="13" name="Gerader Verbinder 12">
+            <a:extLst>
+              <a:ext uri="{FF2B5EF4-FFF2-40B4-BE49-F238E27FC236}">
+                <a16:creationId xmlns:a16="http://schemas.microsoft.com/office/drawing/2014/main" id="{5B3D8803-F685-3CC3-C206-3E87CAB24B24}"/>
+              </a:ext>
+            </a:extLst>
+          </p:cNvPr>
+          <p:cNvCxnSpPr>
+            <a:cxnSpLocks/>
+            <a:endCxn id="12" idx="2"/>
+          </p:cNvCxnSpPr>
+          <p:nvPr/>
+        </p:nvCxnSpPr>
+        <p:spPr bwMode="auto">
+          <a:xfrm rot="18900000">
+            <a:off x="4578405" y="4459760"/>
+            <a:ext cx="216024" cy="0"/>
+          </a:xfrm>
+          <a:prstGeom prst="line">
+            <a:avLst/>
+          </a:prstGeom>
+          <a:solidFill>
+            <a:schemeClr val="accent1"/>
+          </a:solidFill>
+          <a:ln w="19050" cap="flat" cmpd="sng" algn="ctr">
+            <a:solidFill>
+              <a:schemeClr val="tx1"/>
+            </a:solidFill>
+            <a:prstDash val="solid"/>
+            <a:round/>
+            <a:headEnd type="none" w="sm" len="sm"/>
+            <a:tailEnd type="none" w="sm" len="sm"/>
+          </a:ln>
+          <a:effectLst/>
+        </p:spPr>
+      </p:cxnSp>
+      <p:sp>
+        <p:nvSpPr>
+          <p:cNvPr id="21" name="Ellipse 20">
+            <a:extLst>
+              <a:ext uri="{FF2B5EF4-FFF2-40B4-BE49-F238E27FC236}">
+                <a16:creationId xmlns:a16="http://schemas.microsoft.com/office/drawing/2014/main" id="{24B9CDB4-9181-958F-24AD-C1A9D4725175}"/>
+              </a:ext>
+            </a:extLst>
+          </p:cNvPr>
+          <p:cNvSpPr/>
+          <p:nvPr/>
+        </p:nvSpPr>
+        <p:spPr bwMode="auto">
+          <a:xfrm rot="18900000">
+            <a:off x="5072582" y="3776743"/>
+            <a:ext cx="288032" cy="288032"/>
+          </a:xfrm>
+          <a:prstGeom prst="ellipse">
+            <a:avLst/>
+          </a:prstGeom>
+          <a:solidFill>
+            <a:srgbClr val="008C5A"/>
+          </a:solidFill>
+          <a:ln w="19050" cap="flat" cmpd="sng" algn="ctr">
+            <a:solidFill>
+              <a:schemeClr val="tx1"/>
+            </a:solidFill>
+            <a:prstDash val="solid"/>
+            <a:round/>
+            <a:headEnd type="none" w="sm" len="sm"/>
+            <a:tailEnd type="none" w="sm" len="sm"/>
+          </a:ln>
+          <a:effectLst/>
+        </p:spPr>
+        <p:txBody>
+          <a:bodyPr vert="horz" wrap="square" lIns="91440" tIns="45720" rIns="91440" bIns="45720" numCol="1" rtlCol="0" anchor="t" anchorCtr="0" compatLnSpc="1">
+            <a:prstTxWarp prst="textNoShape">
+              <a:avLst/>
+            </a:prstTxWarp>
+          </a:bodyPr>
+          <a:lstStyle/>
+          <a:p>
+            <a:pPr marL="0" marR="0" indent="0" algn="l" defTabSz="914400" rtl="0" eaLnBrk="0" fontAlgn="base" latinLnBrk="0" hangingPunct="0">
+              <a:lnSpc>
+                <a:spcPct val="100000"/>
+              </a:lnSpc>
+              <a:spcBef>
+                <a:spcPct val="0"/>
+              </a:spcBef>
+              <a:spcAft>
+                <a:spcPct val="0"/>
+              </a:spcAft>
+              <a:buClrTx/>
+              <a:buSzTx/>
+              <a:buFontTx/>
+              <a:buNone/>
+              <a:tabLst/>
+            </a:pPr>
+            <a:endParaRPr kumimoji="0" lang="de-DE" sz="2400" b="0" i="0" u="none" strike="noStrike" cap="none" normalizeH="0" baseline="0">
+              <a:ln>
+                <a:noFill/>
+              </a:ln>
+              <a:solidFill>
+                <a:schemeClr val="tx1"/>
+              </a:solidFill>
+              <a:effectLst/>
+              <a:latin typeface="Times New Roman" pitchFamily="18" charset="0"/>
+            </a:endParaRPr>
+          </a:p>
+        </p:txBody>
+      </p:sp>
+      <p:cxnSp>
+        <p:nvCxnSpPr>
+          <p:cNvPr id="22" name="Gerader Verbinder 21">
+            <a:extLst>
+              <a:ext uri="{FF2B5EF4-FFF2-40B4-BE49-F238E27FC236}">
+                <a16:creationId xmlns:a16="http://schemas.microsoft.com/office/drawing/2014/main" id="{AC6C0621-C790-AE19-DBA4-68AD8760B6B8}"/>
+              </a:ext>
+            </a:extLst>
+          </p:cNvPr>
+          <p:cNvCxnSpPr>
+            <a:cxnSpLocks/>
+            <a:endCxn id="21" idx="2"/>
+          </p:cNvCxnSpPr>
+          <p:nvPr/>
+        </p:nvCxnSpPr>
+        <p:spPr bwMode="auto">
+          <a:xfrm rot="18900000">
+            <a:off x="4930375" y="4098970"/>
+            <a:ext cx="216024" cy="0"/>
+          </a:xfrm>
+          <a:prstGeom prst="line">
+            <a:avLst/>
+          </a:prstGeom>
+          <a:solidFill>
+            <a:schemeClr val="accent1"/>
+          </a:solidFill>
+          <a:ln w="19050" cap="flat" cmpd="sng" algn="ctr">
+            <a:solidFill>
+              <a:schemeClr val="tx1"/>
+            </a:solidFill>
+            <a:prstDash val="solid"/>
+            <a:round/>
+            <a:headEnd type="none" w="sm" len="sm"/>
+            <a:tailEnd type="none" w="sm" len="sm"/>
+          </a:ln>
+          <a:effectLst/>
+        </p:spPr>
+      </p:cxnSp>
+      <p:sp>
+        <p:nvSpPr>
+          <p:cNvPr id="24" name="Ellipse 23">
+            <a:extLst>
+              <a:ext uri="{FF2B5EF4-FFF2-40B4-BE49-F238E27FC236}">
+                <a16:creationId xmlns:a16="http://schemas.microsoft.com/office/drawing/2014/main" id="{C1CB366A-80E2-B34A-8CAA-01D231680BB3}"/>
+              </a:ext>
+            </a:extLst>
+          </p:cNvPr>
+          <p:cNvSpPr/>
+          <p:nvPr/>
+        </p:nvSpPr>
+        <p:spPr bwMode="auto">
+          <a:xfrm rot="18900000">
+            <a:off x="5440464" y="3419664"/>
+            <a:ext cx="288032" cy="288032"/>
+          </a:xfrm>
+          <a:prstGeom prst="ellipse">
+            <a:avLst/>
+          </a:prstGeom>
+          <a:solidFill>
+            <a:srgbClr val="008C5A"/>
+          </a:solidFill>
+          <a:ln w="19050" cap="flat" cmpd="sng" algn="ctr">
+            <a:solidFill>
+              <a:schemeClr val="tx1"/>
+            </a:solidFill>
+            <a:prstDash val="solid"/>
+            <a:round/>
+            <a:headEnd type="none" w="sm" len="sm"/>
+            <a:tailEnd type="none" w="sm" len="sm"/>
+          </a:ln>
+          <a:effectLst/>
+        </p:spPr>
+        <p:txBody>
+          <a:bodyPr vert="horz" wrap="square" lIns="91440" tIns="45720" rIns="91440" bIns="45720" numCol="1" rtlCol="0" anchor="t" anchorCtr="0" compatLnSpc="1">
+            <a:prstTxWarp prst="textNoShape">
+              <a:avLst/>
+            </a:prstTxWarp>
+          </a:bodyPr>
+          <a:lstStyle/>
+          <a:p>
+            <a:pPr marL="0" marR="0" indent="0" algn="l" defTabSz="914400" rtl="0" eaLnBrk="0" fontAlgn="base" latinLnBrk="0" hangingPunct="0">
+              <a:lnSpc>
+                <a:spcPct val="100000"/>
+              </a:lnSpc>
+              <a:spcBef>
+                <a:spcPct val="0"/>
+              </a:spcBef>
+              <a:spcAft>
+                <a:spcPct val="0"/>
+              </a:spcAft>
+              <a:buClrTx/>
+              <a:buSzTx/>
+              <a:buFontTx/>
+              <a:buNone/>
+              <a:tabLst/>
+            </a:pPr>
+            <a:endParaRPr kumimoji="0" lang="de-DE" sz="2400" b="0" i="0" u="none" strike="noStrike" cap="none" normalizeH="0" baseline="0">
+              <a:ln>
+                <a:noFill/>
+              </a:ln>
+              <a:solidFill>
+                <a:schemeClr val="tx1"/>
+              </a:solidFill>
+              <a:effectLst/>
+              <a:latin typeface="Times New Roman" pitchFamily="18" charset="0"/>
+            </a:endParaRPr>
+          </a:p>
+        </p:txBody>
+      </p:sp>
+      <p:cxnSp>
+        <p:nvCxnSpPr>
+          <p:cNvPr id="25" name="Gerader Verbinder 24">
+            <a:extLst>
+              <a:ext uri="{FF2B5EF4-FFF2-40B4-BE49-F238E27FC236}">
+                <a16:creationId xmlns:a16="http://schemas.microsoft.com/office/drawing/2014/main" id="{91F4DAAE-20C0-A358-F8E6-159483F59034}"/>
+              </a:ext>
+            </a:extLst>
+          </p:cNvPr>
+          <p:cNvCxnSpPr>
+            <a:cxnSpLocks/>
+            <a:endCxn id="24" idx="2"/>
+          </p:cNvCxnSpPr>
+          <p:nvPr/>
+        </p:nvCxnSpPr>
+        <p:spPr bwMode="auto">
+          <a:xfrm rot="18900000">
+            <a:off x="5298257" y="3741891"/>
+            <a:ext cx="216024" cy="0"/>
+          </a:xfrm>
+          <a:prstGeom prst="line">
+            <a:avLst/>
+          </a:prstGeom>
+          <a:solidFill>
+            <a:schemeClr val="accent1"/>
+          </a:solidFill>
+          <a:ln w="19050" cap="flat" cmpd="sng" algn="ctr">
+            <a:solidFill>
+              <a:schemeClr val="tx1"/>
+            </a:solidFill>
+            <a:prstDash val="solid"/>
+            <a:round/>
+            <a:headEnd type="none" w="sm" len="sm"/>
+            <a:tailEnd type="none" w="sm" len="sm"/>
+          </a:ln>
+          <a:effectLst/>
+        </p:spPr>
+      </p:cxnSp>
+      <p:sp>
+        <p:nvSpPr>
+          <p:cNvPr id="27" name="Ellipse 26">
+            <a:extLst>
+              <a:ext uri="{FF2B5EF4-FFF2-40B4-BE49-F238E27FC236}">
+                <a16:creationId xmlns:a16="http://schemas.microsoft.com/office/drawing/2014/main" id="{0DAA663F-74F9-824B-7814-D68B26ECEC5D}"/>
+              </a:ext>
+            </a:extLst>
+          </p:cNvPr>
+          <p:cNvSpPr/>
+          <p:nvPr/>
+        </p:nvSpPr>
+        <p:spPr bwMode="auto">
+          <a:xfrm rot="2700000">
+            <a:off x="4737334" y="4837147"/>
+            <a:ext cx="288032" cy="288032"/>
+          </a:xfrm>
+          <a:prstGeom prst="ellipse">
+            <a:avLst/>
+          </a:prstGeom>
+          <a:solidFill>
+            <a:srgbClr val="7030A0"/>
+          </a:solidFill>
+          <a:ln w="19050" cap="flat" cmpd="sng" algn="ctr">
+            <a:solidFill>
+              <a:schemeClr val="tx1"/>
+            </a:solidFill>
+            <a:prstDash val="solid"/>
+            <a:round/>
+            <a:headEnd type="none" w="sm" len="sm"/>
+            <a:tailEnd type="none" w="sm" len="sm"/>
+          </a:ln>
+          <a:effectLst/>
+        </p:spPr>
+        <p:txBody>
+          <a:bodyPr vert="horz" wrap="square" lIns="91440" tIns="45720" rIns="91440" bIns="45720" numCol="1" rtlCol="0" anchor="t" anchorCtr="0" compatLnSpc="1">
+            <a:prstTxWarp prst="textNoShape">
+              <a:avLst/>
+            </a:prstTxWarp>
+          </a:bodyPr>
+          <a:lstStyle/>
+          <a:p>
+            <a:pPr marL="0" marR="0" indent="0" algn="l" defTabSz="914400" rtl="0" eaLnBrk="0" fontAlgn="base" latinLnBrk="0" hangingPunct="0">
+              <a:lnSpc>
+                <a:spcPct val="100000"/>
+              </a:lnSpc>
+              <a:spcBef>
+                <a:spcPct val="0"/>
+              </a:spcBef>
+              <a:spcAft>
+                <a:spcPct val="0"/>
+              </a:spcAft>
+              <a:buClrTx/>
+              <a:buSzTx/>
+              <a:buFontTx/>
+              <a:buNone/>
+              <a:tabLst/>
+            </a:pPr>
+            <a:endParaRPr kumimoji="0" lang="de-DE" sz="2400" b="0" i="0" u="none" strike="noStrike" cap="none" normalizeH="0" baseline="0">
+              <a:ln>
+                <a:noFill/>
+              </a:ln>
+              <a:solidFill>
+                <a:schemeClr val="tx1"/>
+              </a:solidFill>
+              <a:effectLst/>
+              <a:latin typeface="Times New Roman" pitchFamily="18" charset="0"/>
+            </a:endParaRPr>
+          </a:p>
+        </p:txBody>
+      </p:sp>
+      <p:cxnSp>
+        <p:nvCxnSpPr>
+          <p:cNvPr id="28" name="Gerader Verbinder 27">
+            <a:extLst>
+              <a:ext uri="{FF2B5EF4-FFF2-40B4-BE49-F238E27FC236}">
+                <a16:creationId xmlns:a16="http://schemas.microsoft.com/office/drawing/2014/main" id="{D8B1459F-326E-9A00-8D75-7BE99926DE8D}"/>
+              </a:ext>
+            </a:extLst>
+          </p:cNvPr>
+          <p:cNvCxnSpPr>
+            <a:cxnSpLocks/>
+            <a:endCxn id="27" idx="2"/>
+          </p:cNvCxnSpPr>
+          <p:nvPr/>
+        </p:nvCxnSpPr>
+        <p:spPr bwMode="auto">
+          <a:xfrm rot="2700000">
+            <a:off x="4595127" y="4802952"/>
+            <a:ext cx="216024" cy="0"/>
+          </a:xfrm>
+          <a:prstGeom prst="line">
+            <a:avLst/>
+          </a:prstGeom>
+          <a:solidFill>
+            <a:schemeClr val="accent1"/>
+          </a:solidFill>
+          <a:ln w="19050" cap="flat" cmpd="sng" algn="ctr">
+            <a:solidFill>
+              <a:schemeClr val="tx1"/>
+            </a:solidFill>
+            <a:prstDash val="solid"/>
+            <a:round/>
+            <a:headEnd type="none" w="sm" len="sm"/>
+            <a:tailEnd type="none" w="sm" len="sm"/>
+          </a:ln>
+          <a:effectLst/>
+        </p:spPr>
+      </p:cxnSp>
+      <p:sp>
+        <p:nvSpPr>
+          <p:cNvPr id="30" name="Ellipse 29">
+            <a:extLst>
+              <a:ext uri="{FF2B5EF4-FFF2-40B4-BE49-F238E27FC236}">
+                <a16:creationId xmlns:a16="http://schemas.microsoft.com/office/drawing/2014/main" id="{10D2FCAE-82E3-17F9-B73C-ACA5C9BDCDFB}"/>
+              </a:ext>
+            </a:extLst>
+          </p:cNvPr>
+          <p:cNvSpPr/>
+          <p:nvPr/>
+        </p:nvSpPr>
+        <p:spPr bwMode="auto">
+          <a:xfrm rot="2700000">
+            <a:off x="5098124" y="5189117"/>
+            <a:ext cx="288032" cy="288032"/>
+          </a:xfrm>
+          <a:prstGeom prst="ellipse">
+            <a:avLst/>
+          </a:prstGeom>
+          <a:solidFill>
+            <a:srgbClr val="7030A0"/>
+          </a:solidFill>
+          <a:ln w="19050" cap="flat" cmpd="sng" algn="ctr">
+            <a:solidFill>
+              <a:schemeClr val="tx1"/>
+            </a:solidFill>
+            <a:prstDash val="solid"/>
+            <a:round/>
+            <a:headEnd type="none" w="sm" len="sm"/>
+            <a:tailEnd type="none" w="sm" len="sm"/>
+          </a:ln>
+          <a:effectLst/>
+        </p:spPr>
+        <p:txBody>
+          <a:bodyPr vert="horz" wrap="square" lIns="91440" tIns="45720" rIns="91440" bIns="45720" numCol="1" rtlCol="0" anchor="t" anchorCtr="0" compatLnSpc="1">
+            <a:prstTxWarp prst="textNoShape">
+              <a:avLst/>
+            </a:prstTxWarp>
+          </a:bodyPr>
+          <a:lstStyle/>
+          <a:p>
+            <a:pPr marL="0" marR="0" indent="0" algn="l" defTabSz="914400" rtl="0" eaLnBrk="0" fontAlgn="base" latinLnBrk="0" hangingPunct="0">
+              <a:lnSpc>
+                <a:spcPct val="100000"/>
+              </a:lnSpc>
+              <a:spcBef>
+                <a:spcPct val="0"/>
+              </a:spcBef>
+              <a:spcAft>
+                <a:spcPct val="0"/>
+              </a:spcAft>
+              <a:buClrTx/>
+              <a:buSzTx/>
+              <a:buFontTx/>
+              <a:buNone/>
+              <a:tabLst/>
+            </a:pPr>
+            <a:endParaRPr kumimoji="0" lang="de-DE" sz="2400" b="0" i="0" u="none" strike="noStrike" cap="none" normalizeH="0" baseline="0">
+              <a:ln>
+                <a:noFill/>
+              </a:ln>
+              <a:solidFill>
+                <a:schemeClr val="tx1"/>
+              </a:solidFill>
+              <a:effectLst/>
+              <a:latin typeface="Times New Roman" pitchFamily="18" charset="0"/>
+            </a:endParaRPr>
+          </a:p>
+        </p:txBody>
+      </p:sp>
+      <p:cxnSp>
+        <p:nvCxnSpPr>
+          <p:cNvPr id="31" name="Gerader Verbinder 30">
+            <a:extLst>
+              <a:ext uri="{FF2B5EF4-FFF2-40B4-BE49-F238E27FC236}">
+                <a16:creationId xmlns:a16="http://schemas.microsoft.com/office/drawing/2014/main" id="{5F2B3448-8BD7-07D5-2A70-D1ED30AC0397}"/>
+              </a:ext>
+            </a:extLst>
+          </p:cNvPr>
+          <p:cNvCxnSpPr>
+            <a:cxnSpLocks/>
+            <a:endCxn id="30" idx="2"/>
+          </p:cNvCxnSpPr>
+          <p:nvPr/>
+        </p:nvCxnSpPr>
+        <p:spPr bwMode="auto">
+          <a:xfrm rot="2700000">
+            <a:off x="4955917" y="5154922"/>
+            <a:ext cx="216024" cy="0"/>
+          </a:xfrm>
+          <a:prstGeom prst="line">
+            <a:avLst/>
+          </a:prstGeom>
+          <a:solidFill>
+            <a:schemeClr val="accent1"/>
+          </a:solidFill>
+          <a:ln w="19050" cap="flat" cmpd="sng" algn="ctr">
+            <a:solidFill>
+              <a:schemeClr val="tx1"/>
+            </a:solidFill>
+            <a:prstDash val="solid"/>
+            <a:round/>
+            <a:headEnd type="none" w="sm" len="sm"/>
+            <a:tailEnd type="none" w="sm" len="sm"/>
+          </a:ln>
+          <a:effectLst/>
+        </p:spPr>
+      </p:cxnSp>
+      <p:sp>
+        <p:nvSpPr>
+          <p:cNvPr id="33" name="Ellipse 32">
+            <a:extLst>
+              <a:ext uri="{FF2B5EF4-FFF2-40B4-BE49-F238E27FC236}">
+                <a16:creationId xmlns:a16="http://schemas.microsoft.com/office/drawing/2014/main" id="{36A18F51-D837-EC37-3076-1998B06ADC81}"/>
+              </a:ext>
+            </a:extLst>
+          </p:cNvPr>
+          <p:cNvSpPr/>
+          <p:nvPr/>
+        </p:nvSpPr>
+        <p:spPr bwMode="auto">
+          <a:xfrm rot="2700000">
+            <a:off x="5455203" y="5556999"/>
+            <a:ext cx="288032" cy="288032"/>
+          </a:xfrm>
+          <a:prstGeom prst="ellipse">
+            <a:avLst/>
+          </a:prstGeom>
+          <a:solidFill>
+            <a:srgbClr val="7030A0"/>
+          </a:solidFill>
+          <a:ln w="19050" cap="flat" cmpd="sng" algn="ctr">
+            <a:solidFill>
+              <a:schemeClr val="tx1"/>
+            </a:solidFill>
+            <a:prstDash val="solid"/>
+            <a:round/>
+            <a:headEnd type="none" w="sm" len="sm"/>
+            <a:tailEnd type="none" w="sm" len="sm"/>
+          </a:ln>
+          <a:effectLst/>
+        </p:spPr>
+        <p:txBody>
+          <a:bodyPr vert="horz" wrap="square" lIns="91440" tIns="45720" rIns="91440" bIns="45720" numCol="1" rtlCol="0" anchor="t" anchorCtr="0" compatLnSpc="1">
+            <a:prstTxWarp prst="textNoShape">
+              <a:avLst/>
+            </a:prstTxWarp>
+          </a:bodyPr>
+          <a:lstStyle/>
+          <a:p>
+            <a:pPr marL="0" marR="0" indent="0" algn="l" defTabSz="914400" rtl="0" eaLnBrk="0" fontAlgn="base" latinLnBrk="0" hangingPunct="0">
+              <a:lnSpc>
+                <a:spcPct val="100000"/>
+              </a:lnSpc>
+              <a:spcBef>
+                <a:spcPct val="0"/>
+              </a:spcBef>
+              <a:spcAft>
+                <a:spcPct val="0"/>
+              </a:spcAft>
+              <a:buClrTx/>
+              <a:buSzTx/>
+              <a:buFontTx/>
+              <a:buNone/>
+              <a:tabLst/>
+            </a:pPr>
+            <a:endParaRPr kumimoji="0" lang="de-DE" sz="2400" b="0" i="0" u="none" strike="noStrike" cap="none" normalizeH="0" baseline="0">
+              <a:ln>
+                <a:noFill/>
+              </a:ln>
+              <a:solidFill>
+                <a:schemeClr val="tx1"/>
+              </a:solidFill>
+              <a:effectLst/>
+              <a:latin typeface="Times New Roman" pitchFamily="18" charset="0"/>
+            </a:endParaRPr>
+          </a:p>
+        </p:txBody>
+      </p:sp>
+      <p:cxnSp>
+        <p:nvCxnSpPr>
+          <p:cNvPr id="34" name="Gerader Verbinder 33">
+            <a:extLst>
+              <a:ext uri="{FF2B5EF4-FFF2-40B4-BE49-F238E27FC236}">
+                <a16:creationId xmlns:a16="http://schemas.microsoft.com/office/drawing/2014/main" id="{6E95AD40-1AE6-E6BB-E783-C40580ED10EA}"/>
+              </a:ext>
+            </a:extLst>
+          </p:cNvPr>
+          <p:cNvCxnSpPr>
+            <a:cxnSpLocks/>
+            <a:endCxn id="33" idx="2"/>
+          </p:cNvCxnSpPr>
+          <p:nvPr/>
+        </p:nvCxnSpPr>
+        <p:spPr bwMode="auto">
+          <a:xfrm rot="2700000">
+            <a:off x="5312996" y="5522804"/>
+            <a:ext cx="216024" cy="0"/>
+          </a:xfrm>
+          <a:prstGeom prst="line">
+            <a:avLst/>
+          </a:prstGeom>
+          <a:solidFill>
+            <a:schemeClr val="accent1"/>
+          </a:solidFill>
+          <a:ln w="19050" cap="flat" cmpd="sng" algn="ctr">
+            <a:solidFill>
+              <a:schemeClr val="tx1"/>
+            </a:solidFill>
+            <a:prstDash val="solid"/>
+            <a:round/>
+            <a:headEnd type="none" w="sm" len="sm"/>
+            <a:tailEnd type="none" w="sm" len="sm"/>
+          </a:ln>
+          <a:effectLst/>
+        </p:spPr>
+      </p:cxnSp>
+      <p:sp>
+        <p:nvSpPr>
+          <p:cNvPr id="36" name="Textfeld 35">
+            <a:extLst>
+              <a:ext uri="{FF2B5EF4-FFF2-40B4-BE49-F238E27FC236}">
+                <a16:creationId xmlns:a16="http://schemas.microsoft.com/office/drawing/2014/main" id="{B3735663-1826-5083-BC04-81EFD72F822C}"/>
+              </a:ext>
+            </a:extLst>
+          </p:cNvPr>
+          <p:cNvSpPr txBox="1"/>
+          <p:nvPr/>
+        </p:nvSpPr>
+        <p:spPr bwMode="auto">
+          <a:xfrm>
+            <a:off x="6120172" y="4482847"/>
+            <a:ext cx="720080" cy="276999"/>
+          </a:xfrm>
+          <a:prstGeom prst="rect">
+            <a:avLst/>
+          </a:prstGeom>
+          <a:noFill/>
+          <a:ln w="9525">
+            <a:noFill/>
+            <a:miter lim="800000"/>
+            <a:headEnd/>
+            <a:tailEnd/>
+          </a:ln>
+        </p:spPr>
+        <p:txBody>
+          <a:bodyPr wrap="square" rtlCol="0" anchor="ctr">
+            <a:spAutoFit/>
+          </a:bodyPr>
+          <a:lstStyle/>
+          <a:p>
+            <a:pPr eaLnBrk="1" hangingPunct="1"/>
+            <a:r>
+              <a:rPr lang="de-DE" sz="1200" dirty="0" err="1">
+                <a:solidFill>
+                  <a:srgbClr val="0249FC"/>
+                </a:solidFill>
+                <a:latin typeface="Arial" charset="0"/>
+              </a:rPr>
+              <a:t>main</a:t>
+            </a:r>
+            <a:endParaRPr lang="de-DE" sz="1200" dirty="0">
+              <a:solidFill>
+                <a:srgbClr val="0249FC"/>
+              </a:solidFill>
+              <a:latin typeface="Arial" charset="0"/>
+            </a:endParaRPr>
+          </a:p>
+        </p:txBody>
+      </p:sp>
+      <p:sp>
+        <p:nvSpPr>
+          <p:cNvPr id="37" name="Textfeld 36">
+            <a:extLst>
+              <a:ext uri="{FF2B5EF4-FFF2-40B4-BE49-F238E27FC236}">
+                <a16:creationId xmlns:a16="http://schemas.microsoft.com/office/drawing/2014/main" id="{AFE0D8DA-85CA-0648-FE1A-68A82C57267E}"/>
+              </a:ext>
+            </a:extLst>
+          </p:cNvPr>
+          <p:cNvSpPr txBox="1"/>
+          <p:nvPr/>
+        </p:nvSpPr>
+        <p:spPr bwMode="auto">
+          <a:xfrm>
+            <a:off x="5724128" y="3404413"/>
+            <a:ext cx="792088" cy="276999"/>
+          </a:xfrm>
+          <a:prstGeom prst="rect">
+            <a:avLst/>
+          </a:prstGeom>
+          <a:noFill/>
+          <a:ln w="9525">
+            <a:noFill/>
+            <a:miter lim="800000"/>
+            <a:headEnd/>
+            <a:tailEnd/>
+          </a:ln>
+        </p:spPr>
+        <p:txBody>
+          <a:bodyPr wrap="square" rtlCol="0" anchor="ctr">
+            <a:spAutoFit/>
+          </a:bodyPr>
+          <a:lstStyle/>
+          <a:p>
+            <a:pPr eaLnBrk="1" hangingPunct="1"/>
+            <a:r>
+              <a:rPr lang="de-DE" sz="1200" dirty="0">
+                <a:solidFill>
+                  <a:srgbClr val="008C5A"/>
+                </a:solidFill>
+                <a:latin typeface="Arial" charset="0"/>
+              </a:rPr>
+              <a:t>feature1</a:t>
+            </a:r>
+          </a:p>
+        </p:txBody>
+      </p:sp>
+      <p:sp>
+        <p:nvSpPr>
+          <p:cNvPr id="38" name="Textfeld 37">
+            <a:extLst>
+              <a:ext uri="{FF2B5EF4-FFF2-40B4-BE49-F238E27FC236}">
+                <a16:creationId xmlns:a16="http://schemas.microsoft.com/office/drawing/2014/main" id="{38806947-E25F-4027-3BD1-F2C151C0C79D}"/>
+              </a:ext>
+            </a:extLst>
+          </p:cNvPr>
+          <p:cNvSpPr txBox="1"/>
+          <p:nvPr/>
+        </p:nvSpPr>
+        <p:spPr bwMode="auto">
+          <a:xfrm>
+            <a:off x="5760132" y="5576906"/>
+            <a:ext cx="792088" cy="276999"/>
+          </a:xfrm>
+          <a:prstGeom prst="rect">
+            <a:avLst/>
+          </a:prstGeom>
+          <a:noFill/>
+          <a:ln w="9525">
+            <a:noFill/>
+            <a:miter lim="800000"/>
+            <a:headEnd/>
+            <a:tailEnd/>
+          </a:ln>
+        </p:spPr>
+        <p:txBody>
+          <a:bodyPr wrap="square" rtlCol="0" anchor="ctr">
+            <a:spAutoFit/>
+          </a:bodyPr>
+          <a:lstStyle/>
+          <a:p>
+            <a:pPr eaLnBrk="1" hangingPunct="1"/>
+            <a:r>
+              <a:rPr lang="de-DE" sz="1200" dirty="0">
+                <a:solidFill>
+                  <a:srgbClr val="7030A0"/>
+                </a:solidFill>
+                <a:latin typeface="Arial" charset="0"/>
+              </a:rPr>
+              <a:t>feature2</a:t>
+            </a:r>
+          </a:p>
+        </p:txBody>
+      </p:sp>
+      <p:cxnSp>
+        <p:nvCxnSpPr>
+          <p:cNvPr id="40" name="Gerade Verbindung mit Pfeil 39">
+            <a:extLst>
+              <a:ext uri="{FF2B5EF4-FFF2-40B4-BE49-F238E27FC236}">
+                <a16:creationId xmlns:a16="http://schemas.microsoft.com/office/drawing/2014/main" id="{13FD3CDA-2657-1084-1AE4-2C5874D8322A}"/>
+              </a:ext>
+            </a:extLst>
+          </p:cNvPr>
+          <p:cNvCxnSpPr>
+            <a:cxnSpLocks/>
+          </p:cNvCxnSpPr>
+          <p:nvPr/>
+        </p:nvCxnSpPr>
+        <p:spPr bwMode="auto">
+          <a:xfrm>
+            <a:off x="5586865" y="3753277"/>
+            <a:ext cx="12354" cy="1738731"/>
+          </a:xfrm>
+          <a:prstGeom prst="straightConnector1">
+            <a:avLst/>
+          </a:prstGeom>
+          <a:solidFill>
+            <a:schemeClr val="accent1"/>
+          </a:solidFill>
+          <a:ln w="76200" cap="flat" cmpd="sng" algn="ctr">
+            <a:solidFill>
+              <a:srgbClr val="FFC000"/>
+            </a:solidFill>
+            <a:prstDash val="solid"/>
+            <a:round/>
+            <a:headEnd type="triangle"/>
+            <a:tailEnd type="triangle"/>
+          </a:ln>
+          <a:effectLst>
+            <a:glow rad="63500">
+              <a:schemeClr val="accent4">
+                <a:satMod val="175000"/>
+                <a:alpha val="40000"/>
+              </a:schemeClr>
+            </a:glow>
+          </a:effectLst>
+        </p:spPr>
+      </p:cxnSp>
+      <p:sp>
+        <p:nvSpPr>
+          <p:cNvPr id="42" name="Gewitterblitz 41">
+            <a:extLst>
+              <a:ext uri="{FF2B5EF4-FFF2-40B4-BE49-F238E27FC236}">
+                <a16:creationId xmlns:a16="http://schemas.microsoft.com/office/drawing/2014/main" id="{F3CC5856-E024-39FD-B0AE-569578796254}"/>
+              </a:ext>
+            </a:extLst>
+          </p:cNvPr>
+          <p:cNvSpPr/>
+          <p:nvPr/>
+        </p:nvSpPr>
+        <p:spPr bwMode="auto">
+          <a:xfrm rot="19809464" flipH="1">
+            <a:off x="5401968" y="4470905"/>
+            <a:ext cx="369792" cy="269575"/>
+          </a:xfrm>
+          <a:prstGeom prst="lightningBolt">
+            <a:avLst/>
+          </a:prstGeom>
+          <a:solidFill>
+            <a:srgbClr val="FFC000"/>
+          </a:solidFill>
+          <a:ln w="12700" cap="flat" cmpd="sng" algn="ctr">
+            <a:solidFill>
+              <a:schemeClr val="tx1"/>
+            </a:solidFill>
+            <a:prstDash val="solid"/>
+            <a:round/>
+            <a:headEnd type="none" w="sm" len="sm"/>
+            <a:tailEnd type="none" w="sm" len="sm"/>
+          </a:ln>
+          <a:effectLst>
+            <a:glow rad="63500">
+              <a:schemeClr val="accent4">
+                <a:satMod val="175000"/>
+                <a:alpha val="40000"/>
+              </a:schemeClr>
+            </a:glow>
+          </a:effectLst>
+        </p:spPr>
+        <p:txBody>
+          <a:bodyPr vert="horz" wrap="square" lIns="91440" tIns="45720" rIns="91440" bIns="45720" numCol="1" rtlCol="0" anchor="t" anchorCtr="0" compatLnSpc="1">
+            <a:prstTxWarp prst="textNoShape">
+              <a:avLst/>
+            </a:prstTxWarp>
+          </a:bodyPr>
+          <a:lstStyle/>
+          <a:p>
+            <a:pPr marL="0" marR="0" indent="0" algn="l" defTabSz="914400" rtl="0" eaLnBrk="0" fontAlgn="base" latinLnBrk="0" hangingPunct="0">
+              <a:lnSpc>
+                <a:spcPct val="100000"/>
+              </a:lnSpc>
+              <a:spcBef>
+                <a:spcPct val="0"/>
+              </a:spcBef>
+              <a:spcAft>
+                <a:spcPct val="0"/>
+              </a:spcAft>
+              <a:buClrTx/>
+              <a:buSzTx/>
+              <a:buFontTx/>
+              <a:buNone/>
+              <a:tabLst/>
+            </a:pPr>
+            <a:endParaRPr kumimoji="0" lang="de-DE" sz="2400" b="0" i="0" u="none" strike="noStrike" cap="none" normalizeH="0" baseline="0">
+              <a:ln>
+                <a:noFill/>
+              </a:ln>
+              <a:solidFill>
+                <a:schemeClr val="tx1"/>
+              </a:solidFill>
+              <a:effectLst/>
+              <a:latin typeface="Times New Roman" pitchFamily="18" charset="0"/>
+            </a:endParaRPr>
+          </a:p>
+        </p:txBody>
+      </p:sp>
     </p:spTree>
     <p:extLst>
       <p:ext uri="{BB962C8B-B14F-4D97-AF65-F5344CB8AC3E}">
-        <p14:creationId xmlns:p14="http://schemas.microsoft.com/office/powerpoint/2010/main" val="1341278311"/>
+        <p14:creationId xmlns:p14="http://schemas.microsoft.com/office/powerpoint/2010/main" val="3955948481"/>
       </p:ext>
     </p:extLst>
   </p:cSld>
@@ -5853,6 +7203,192 @@
       </p:grpSpPr>
       <p:sp>
         <p:nvSpPr>
+          <p:cNvPr id="6146" name="Inhaltsplatzhalter 18">
+            <a:extLst>
+              <a:ext uri="{FF2B5EF4-FFF2-40B4-BE49-F238E27FC236}">
+                <a16:creationId xmlns:a16="http://schemas.microsoft.com/office/drawing/2014/main" id="{BE3C4C95-FD5D-27F0-ED0C-AB8113CAC9F1}"/>
+              </a:ext>
+            </a:extLst>
+          </p:cNvPr>
+          <p:cNvSpPr>
+            <a:spLocks noGrp="1"/>
+          </p:cNvSpPr>
+          <p:nvPr>
+            <p:ph idx="1"/>
+          </p:nvPr>
+        </p:nvSpPr>
+        <p:spPr>
+          <a:xfrm>
+            <a:off x="303214" y="981075"/>
+            <a:ext cx="8517258" cy="5400675"/>
+          </a:xfrm>
+        </p:spPr>
+        <p:txBody>
+          <a:bodyPr/>
+          <a:lstStyle/>
+          <a:p>
+            <a:pPr marL="0" indent="0">
+              <a:buNone/>
+            </a:pPr>
+            <a:r>
+              <a:rPr lang="de-DE" altLang="de-DE" b="1" dirty="0"/>
+              <a:t>Zentraler </a:t>
+            </a:r>
+            <a:r>
+              <a:rPr lang="de-DE" altLang="de-DE" b="1" dirty="0" err="1"/>
+              <a:t>Git</a:t>
+            </a:r>
+            <a:r>
+              <a:rPr lang="de-DE" altLang="de-DE" b="1" dirty="0"/>
+              <a:t>-Workflow</a:t>
+            </a:r>
+          </a:p>
+          <a:p>
+            <a:r>
+              <a:rPr lang="de-DE" altLang="de-DE" dirty="0"/>
+              <a:t>Durch die gemeinsame Arbeit auf einem Branch steigt das Konfliktpotenzial</a:t>
+            </a:r>
+          </a:p>
+          <a:p>
+            <a:pPr lvl="1"/>
+            <a:r>
+              <a:rPr lang="de-DE" altLang="de-DE" dirty="0"/>
+              <a:t>Häufige Kommunikation nötig</a:t>
+            </a:r>
+          </a:p>
+          <a:p>
+            <a:pPr lvl="1"/>
+            <a:r>
+              <a:rPr lang="de-DE" altLang="de-DE" dirty="0"/>
+              <a:t>Entwickler sollten mit Umgang von Konflikten in </a:t>
+            </a:r>
+            <a:r>
+              <a:rPr lang="de-DE" altLang="de-DE" dirty="0" err="1"/>
+              <a:t>Git</a:t>
+            </a:r>
+            <a:r>
+              <a:rPr lang="de-DE" altLang="de-DE" dirty="0"/>
+              <a:t> vertraut sein und diese sauber auflösen können</a:t>
+            </a:r>
+          </a:p>
+          <a:p>
+            <a:r>
+              <a:rPr lang="de-DE" altLang="de-DE" dirty="0"/>
+              <a:t>Ein zentraler </a:t>
+            </a:r>
+            <a:r>
+              <a:rPr lang="de-DE" altLang="de-DE" dirty="0" err="1"/>
+              <a:t>Git</a:t>
+            </a:r>
+            <a:r>
+              <a:rPr lang="de-DE" altLang="de-DE" dirty="0"/>
+              <a:t>-Workflow bietet weniger Flexibilität als andere Workflows</a:t>
+            </a:r>
+          </a:p>
+          <a:p>
+            <a:pPr lvl="1"/>
+            <a:r>
+              <a:rPr lang="de-DE" altLang="de-DE" dirty="0"/>
+              <a:t>Komplexere Projekte mit vielen parallelen und inhaltlich getrennten Features können hier von anderen Workflows profitieren</a:t>
+            </a:r>
+          </a:p>
+          <a:p>
+            <a:r>
+              <a:rPr lang="de-DE" altLang="de-DE" dirty="0"/>
+              <a:t>Zentraler </a:t>
+            </a:r>
+            <a:r>
+              <a:rPr lang="de-DE" altLang="de-DE" dirty="0" err="1"/>
+              <a:t>Git</a:t>
+            </a:r>
+            <a:r>
+              <a:rPr lang="de-DE" altLang="de-DE" dirty="0"/>
+              <a:t>-Workflow entfaltet seine Vorteile meinst in kleineren Teams</a:t>
+            </a:r>
+          </a:p>
+          <a:p>
+            <a:pPr marL="0" indent="0">
+              <a:buNone/>
+            </a:pPr>
+            <a:endParaRPr lang="de-DE" altLang="de-DE" dirty="0"/>
+          </a:p>
+          <a:p>
+            <a:pPr marL="0" indent="0">
+              <a:buNone/>
+            </a:pPr>
+            <a:endParaRPr lang="de-DE" altLang="de-DE" dirty="0"/>
+          </a:p>
+        </p:txBody>
+      </p:sp>
+      <p:sp>
+        <p:nvSpPr>
+          <p:cNvPr id="6147" name="Rectangle 1062">
+            <a:extLst>
+              <a:ext uri="{FF2B5EF4-FFF2-40B4-BE49-F238E27FC236}">
+                <a16:creationId xmlns:a16="http://schemas.microsoft.com/office/drawing/2014/main" id="{C46E9340-3256-8D55-A265-94F2F41E288E}"/>
+              </a:ext>
+            </a:extLst>
+          </p:cNvPr>
+          <p:cNvSpPr>
+            <a:spLocks noGrp="1" noChangeArrowheads="1"/>
+          </p:cNvSpPr>
+          <p:nvPr>
+            <p:ph type="title"/>
+          </p:nvPr>
+        </p:nvSpPr>
+        <p:spPr>
+          <a:xfrm>
+            <a:off x="285750" y="142875"/>
+            <a:ext cx="5654675" cy="706438"/>
+          </a:xfrm>
+        </p:spPr>
+        <p:txBody>
+          <a:bodyPr/>
+          <a:lstStyle/>
+          <a:p>
+            <a:r>
+              <a:rPr lang="de-DE" altLang="de-DE" sz="3200" dirty="0" err="1"/>
+              <a:t>Git</a:t>
+            </a:r>
+            <a:r>
+              <a:rPr lang="de-DE" altLang="de-DE" sz="3200" dirty="0"/>
+              <a:t>-Workflow</a:t>
+            </a:r>
+          </a:p>
+        </p:txBody>
+      </p:sp>
+    </p:spTree>
+    <p:extLst>
+      <p:ext uri="{BB962C8B-B14F-4D97-AF65-F5344CB8AC3E}">
+        <p14:creationId xmlns:p14="http://schemas.microsoft.com/office/powerpoint/2010/main" val="1341278311"/>
+      </p:ext>
+    </p:extLst>
+  </p:cSld>
+  <p:clrMapOvr>
+    <a:masterClrMapping/>
+  </p:clrMapOvr>
+</p:sld>
+</file>
+
+<file path=ppt/slides/slide12.xml><?xml version="1.0" encoding="utf-8"?>
+<p:sld xmlns:a="http://schemas.openxmlformats.org/drawingml/2006/main" xmlns:r="http://schemas.openxmlformats.org/officeDocument/2006/relationships" xmlns:p="http://schemas.openxmlformats.org/presentationml/2006/main">
+  <p:cSld>
+    <p:spTree>
+      <p:nvGrpSpPr>
+        <p:cNvPr id="1" name=""/>
+        <p:cNvGrpSpPr/>
+        <p:nvPr/>
+      </p:nvGrpSpPr>
+      <p:grpSpPr>
+        <a:xfrm>
+          <a:off x="0" y="0"/>
+          <a:ext cx="0" cy="0"/>
+          <a:chOff x="0" y="0"/>
+          <a:chExt cx="0" cy="0"/>
+        </a:xfrm>
+      </p:grpSpPr>
+      <p:sp>
+        <p:nvSpPr>
           <p:cNvPr id="2" name="Titel 1"/>
           <p:cNvSpPr>
             <a:spLocks noGrp="1"/>
@@ -5914,7 +7450,7 @@
 </p:sld>
 </file>
 
-<file path=ppt/slides/slide12.xml><?xml version="1.0" encoding="utf-8"?>
+<file path=ppt/slides/slide13.xml><?xml version="1.0" encoding="utf-8"?>
 <p:sld xmlns:a="http://schemas.openxmlformats.org/drawingml/2006/main" xmlns:r="http://schemas.openxmlformats.org/officeDocument/2006/relationships" xmlns:p="http://schemas.openxmlformats.org/presentationml/2006/main">
   <p:cSld>
     <p:spTree>
@@ -7113,7 +8649,7 @@
 </p:sld>
 </file>
 
-<file path=ppt/slides/slide13.xml><?xml version="1.0" encoding="utf-8"?>
+<file path=ppt/slides/slide14.xml><?xml version="1.0" encoding="utf-8"?>
 <p:sld xmlns:a="http://schemas.openxmlformats.org/drawingml/2006/main" xmlns:r="http://schemas.openxmlformats.org/officeDocument/2006/relationships" xmlns:p="http://schemas.openxmlformats.org/presentationml/2006/main">
   <p:cSld>
     <p:spTree>
@@ -9181,7 +10717,7 @@
 </p:sld>
 </file>
 
-<file path=ppt/slides/slide14.xml><?xml version="1.0" encoding="utf-8"?>
+<file path=ppt/slides/slide15.xml><?xml version="1.0" encoding="utf-8"?>
 <p:sld xmlns:a="http://schemas.openxmlformats.org/drawingml/2006/main" xmlns:r="http://schemas.openxmlformats.org/officeDocument/2006/relationships" xmlns:p="http://schemas.openxmlformats.org/presentationml/2006/main">
   <p:cSld>
     <p:spTree>
@@ -11453,7 +12989,7 @@
 </p:sld>
 </file>
 
-<file path=ppt/slides/slide15.xml><?xml version="1.0" encoding="utf-8"?>
+<file path=ppt/slides/slide16.xml><?xml version="1.0" encoding="utf-8"?>
 <p:sld xmlns:a="http://schemas.openxmlformats.org/drawingml/2006/main" xmlns:r="http://schemas.openxmlformats.org/officeDocument/2006/relationships" xmlns:p="http://schemas.openxmlformats.org/presentationml/2006/main">
   <p:cSld>
     <p:spTree>
@@ -13941,7 +15477,7 @@
 </p:sld>
 </file>
 
-<file path=ppt/slides/slide16.xml><?xml version="1.0" encoding="utf-8"?>
+<file path=ppt/slides/slide17.xml><?xml version="1.0" encoding="utf-8"?>
 <p:sld xmlns:a="http://schemas.openxmlformats.org/drawingml/2006/main" xmlns:r="http://schemas.openxmlformats.org/officeDocument/2006/relationships" xmlns:p="http://schemas.openxmlformats.org/presentationml/2006/main">
   <p:cSld>
     <p:spTree>
@@ -16728,7 +18264,7 @@
 </p:sld>
 </file>
 
-<file path=ppt/slides/slide17.xml><?xml version="1.0" encoding="utf-8"?>
+<file path=ppt/slides/slide18.xml><?xml version="1.0" encoding="utf-8"?>
 <p:sld xmlns:a="http://schemas.openxmlformats.org/drawingml/2006/main" xmlns:r="http://schemas.openxmlformats.org/officeDocument/2006/relationships" xmlns:p="http://schemas.openxmlformats.org/presentationml/2006/main">
   <p:cSld>
     <p:spTree>
@@ -19503,7 +21039,7 @@
 </p:sld>
 </file>
 
-<file path=ppt/slides/slide18.xml><?xml version="1.0" encoding="utf-8"?>
+<file path=ppt/slides/slide19.xml><?xml version="1.0" encoding="utf-8"?>
 <p:sld xmlns:a="http://schemas.openxmlformats.org/drawingml/2006/main" xmlns:r="http://schemas.openxmlformats.org/officeDocument/2006/relationships" xmlns:p="http://schemas.openxmlformats.org/presentationml/2006/main">
   <p:cSld>
     <p:spTree>
@@ -22563,7 +24099,419 @@
 </p:sld>
 </file>
 
-<file path=ppt/slides/slide19.xml><?xml version="1.0" encoding="utf-8"?>
+<file path=ppt/slides/slide2.xml><?xml version="1.0" encoding="utf-8"?>
+<p:sld xmlns:a="http://schemas.openxmlformats.org/drawingml/2006/main" xmlns:r="http://schemas.openxmlformats.org/officeDocument/2006/relationships" xmlns:p="http://schemas.openxmlformats.org/presentationml/2006/main">
+  <p:cSld>
+    <p:spTree>
+      <p:nvGrpSpPr>
+        <p:cNvPr id="1" name=""/>
+        <p:cNvGrpSpPr/>
+        <p:nvPr/>
+      </p:nvGrpSpPr>
+      <p:grpSpPr>
+        <a:xfrm>
+          <a:off x="0" y="0"/>
+          <a:ext cx="0" cy="0"/>
+          <a:chOff x="0" y="0"/>
+          <a:chExt cx="0" cy="0"/>
+        </a:xfrm>
+      </p:grpSpPr>
+      <p:sp>
+        <p:nvSpPr>
+          <p:cNvPr id="6146" name="Inhaltsplatzhalter 18">
+            <a:extLst>
+              <a:ext uri="{FF2B5EF4-FFF2-40B4-BE49-F238E27FC236}">
+                <a16:creationId xmlns:a16="http://schemas.microsoft.com/office/drawing/2014/main" id="{BE3C4C95-FD5D-27F0-ED0C-AB8113CAC9F1}"/>
+              </a:ext>
+            </a:extLst>
+          </p:cNvPr>
+          <p:cNvSpPr>
+            <a:spLocks noGrp="1"/>
+          </p:cNvSpPr>
+          <p:nvPr>
+            <p:ph idx="1"/>
+          </p:nvPr>
+        </p:nvSpPr>
+        <p:spPr/>
+        <p:txBody>
+          <a:bodyPr/>
+          <a:lstStyle/>
+          <a:p>
+            <a:pPr>
+              <a:buFont typeface="Arial" panose="020B0604020202020204" pitchFamily="34" charset="0"/>
+              <a:buChar char="•"/>
+            </a:pPr>
+            <a:r>
+              <a:rPr lang="de-DE" altLang="de-DE" sz="1800" b="1" dirty="0"/>
+              <a:t>Tag 1 – Einführung in </a:t>
+            </a:r>
+            <a:r>
+              <a:rPr lang="de-DE" altLang="de-DE" sz="1800" b="1" dirty="0" err="1"/>
+              <a:t>Git</a:t>
+            </a:r>
+            <a:r>
+              <a:rPr lang="de-DE" altLang="de-DE" sz="1800" b="1" dirty="0"/>
+              <a:t> und </a:t>
+            </a:r>
+            <a:r>
+              <a:rPr lang="de-DE" altLang="de-DE" sz="1800" b="1" dirty="0" err="1"/>
+              <a:t>GitLab</a:t>
+            </a:r>
+            <a:r>
+              <a:rPr lang="de-DE" altLang="de-DE" sz="1800" b="1" dirty="0"/>
+              <a:t>, </a:t>
+            </a:r>
+            <a:r>
+              <a:rPr lang="de-DE" altLang="de-DE" sz="1800" b="1" dirty="0" err="1"/>
+              <a:t>Git</a:t>
+            </a:r>
+            <a:r>
+              <a:rPr lang="de-DE" altLang="de-DE" sz="1800" b="1" dirty="0"/>
+              <a:t>-Workflow im Team</a:t>
+            </a:r>
+          </a:p>
+          <a:p>
+            <a:pPr lvl="1">
+              <a:buFont typeface="Arial" panose="020B0604020202020204" pitchFamily="34" charset="0"/>
+              <a:buChar char="•"/>
+            </a:pPr>
+            <a:r>
+              <a:rPr lang="de-DE" altLang="de-DE" sz="1400" dirty="0"/>
+              <a:t>Einführung &amp; Kursüberblick</a:t>
+            </a:r>
+          </a:p>
+          <a:p>
+            <a:pPr lvl="1">
+              <a:buFont typeface="Arial" panose="020B0604020202020204" pitchFamily="34" charset="0"/>
+              <a:buChar char="•"/>
+            </a:pPr>
+            <a:r>
+              <a:rPr lang="de-DE" altLang="de-DE" sz="1400" dirty="0"/>
+              <a:t>Grundlagen von </a:t>
+            </a:r>
+            <a:r>
+              <a:rPr lang="de-DE" altLang="de-DE" sz="1400" dirty="0" err="1"/>
+              <a:t>Git</a:t>
+            </a:r>
+            <a:endParaRPr lang="de-DE" altLang="de-DE" sz="1400" dirty="0"/>
+          </a:p>
+          <a:p>
+            <a:pPr lvl="1">
+              <a:buFont typeface="Arial" panose="020B0604020202020204" pitchFamily="34" charset="0"/>
+              <a:buChar char="•"/>
+            </a:pPr>
+            <a:r>
+              <a:rPr lang="de-DE" altLang="de-DE" sz="1400" dirty="0" err="1"/>
+              <a:t>Git</a:t>
+            </a:r>
+            <a:r>
+              <a:rPr lang="de-DE" altLang="de-DE" sz="1400" dirty="0"/>
+              <a:t> </a:t>
+            </a:r>
+            <a:r>
+              <a:rPr lang="de-DE" altLang="de-DE" sz="1400" dirty="0" err="1"/>
+              <a:t>Rebase</a:t>
+            </a:r>
+            <a:r>
+              <a:rPr lang="de-DE" altLang="de-DE" sz="1400" dirty="0"/>
+              <a:t> und </a:t>
+            </a:r>
+            <a:r>
+              <a:rPr lang="de-DE" altLang="de-DE" sz="1400" dirty="0" err="1"/>
+              <a:t>Merge</a:t>
+            </a:r>
+            <a:r>
+              <a:rPr lang="de-DE" altLang="de-DE" sz="1400" dirty="0"/>
+              <a:t>-Strategien</a:t>
+            </a:r>
+          </a:p>
+          <a:p>
+            <a:pPr lvl="1">
+              <a:buFont typeface="Arial" panose="020B0604020202020204" pitchFamily="34" charset="0"/>
+              <a:buChar char="•"/>
+            </a:pPr>
+            <a:r>
+              <a:rPr lang="de-DE" altLang="de-DE" sz="1400" dirty="0" err="1"/>
+              <a:t>Git</a:t>
+            </a:r>
+            <a:r>
+              <a:rPr lang="de-DE" altLang="de-DE" sz="1400" dirty="0"/>
+              <a:t> Remote</a:t>
+            </a:r>
+          </a:p>
+          <a:p>
+            <a:pPr lvl="1">
+              <a:buFont typeface="Arial" panose="020B0604020202020204" pitchFamily="34" charset="0"/>
+              <a:buChar char="•"/>
+            </a:pPr>
+            <a:r>
+              <a:rPr lang="de-DE" altLang="de-DE" sz="1400" dirty="0"/>
+              <a:t>Grundlagen von </a:t>
+            </a:r>
+            <a:r>
+              <a:rPr lang="de-DE" altLang="de-DE" sz="1400" dirty="0" err="1"/>
+              <a:t>GitLab</a:t>
+            </a:r>
+            <a:endParaRPr lang="de-DE" altLang="de-DE" sz="1400" dirty="0"/>
+          </a:p>
+          <a:p>
+            <a:pPr lvl="1">
+              <a:buFont typeface="Arial" panose="020B0604020202020204" pitchFamily="34" charset="0"/>
+              <a:buChar char="•"/>
+            </a:pPr>
+            <a:r>
+              <a:rPr lang="de-DE" altLang="de-DE" sz="1400" dirty="0" err="1"/>
+              <a:t>Git</a:t>
+            </a:r>
+            <a:r>
+              <a:rPr lang="de-DE" altLang="de-DE" sz="1400" dirty="0"/>
+              <a:t>-Workflow im Team</a:t>
+            </a:r>
+          </a:p>
+          <a:p>
+            <a:pPr>
+              <a:buFont typeface="Arial" panose="020B0604020202020204" pitchFamily="34" charset="0"/>
+              <a:buChar char="•"/>
+            </a:pPr>
+            <a:r>
+              <a:rPr lang="de-DE" altLang="de-DE" sz="1800" b="1" dirty="0"/>
+              <a:t>Tag 2 – Vertiefung </a:t>
+            </a:r>
+            <a:r>
+              <a:rPr lang="de-DE" altLang="de-DE" sz="1800" b="1" dirty="0" err="1"/>
+              <a:t>Git</a:t>
+            </a:r>
+            <a:r>
+              <a:rPr lang="de-DE" altLang="de-DE" sz="1800" b="1" dirty="0"/>
+              <a:t>-Workflow, CI/CD &amp; </a:t>
+            </a:r>
+            <a:r>
+              <a:rPr lang="de-DE" altLang="de-DE" sz="1800" b="1" dirty="0" err="1"/>
+              <a:t>GitLab</a:t>
+            </a:r>
+            <a:r>
+              <a:rPr lang="de-DE" altLang="de-DE" sz="1800" b="1" dirty="0"/>
+              <a:t> CI </a:t>
+            </a:r>
+          </a:p>
+          <a:p>
+            <a:pPr lvl="1">
+              <a:buFont typeface="Arial" panose="020B0604020202020204" pitchFamily="34" charset="0"/>
+              <a:buChar char="•"/>
+            </a:pPr>
+            <a:r>
+              <a:rPr lang="de-DE" altLang="de-DE" sz="1400" dirty="0" err="1"/>
+              <a:t>Gitflow</a:t>
+            </a:r>
+            <a:r>
+              <a:rPr lang="de-DE" altLang="de-DE" sz="1400" dirty="0"/>
+              <a:t>-Workflow</a:t>
+            </a:r>
+          </a:p>
+          <a:p>
+            <a:pPr lvl="1">
+              <a:buFont typeface="Arial" panose="020B0604020202020204" pitchFamily="34" charset="0"/>
+              <a:buChar char="•"/>
+            </a:pPr>
+            <a:r>
+              <a:rPr lang="de-DE" altLang="de-DE" sz="1400" dirty="0"/>
+              <a:t>Tags, Releases &amp; deren Verwaltung</a:t>
+            </a:r>
+          </a:p>
+          <a:p>
+            <a:pPr lvl="1">
+              <a:buFont typeface="Arial" panose="020B0604020202020204" pitchFamily="34" charset="0"/>
+              <a:buChar char="•"/>
+            </a:pPr>
+            <a:r>
+              <a:rPr lang="de-DE" altLang="de-DE" sz="1400" dirty="0" err="1"/>
+              <a:t>GitLab</a:t>
+            </a:r>
+            <a:r>
+              <a:rPr lang="de-DE" altLang="de-DE" sz="1400" dirty="0"/>
+              <a:t>-Runner</a:t>
+            </a:r>
+          </a:p>
+          <a:p>
+            <a:pPr lvl="1">
+              <a:buFont typeface="Arial" panose="020B0604020202020204" pitchFamily="34" charset="0"/>
+              <a:buChar char="•"/>
+            </a:pPr>
+            <a:r>
+              <a:rPr lang="de-DE" altLang="de-DE" sz="1400" dirty="0"/>
+              <a:t>Einführung in </a:t>
+            </a:r>
+            <a:r>
+              <a:rPr lang="de-DE" altLang="de-DE" sz="1400" dirty="0" err="1"/>
+              <a:t>GitLab</a:t>
+            </a:r>
+            <a:r>
+              <a:rPr lang="de-DE" altLang="de-DE" sz="1400" dirty="0"/>
+              <a:t> CI/CD &amp; </a:t>
+            </a:r>
+            <a:r>
+              <a:rPr lang="de-DE" altLang="de-DE" sz="1400" dirty="0" err="1"/>
+              <a:t>gitlab.yml</a:t>
+            </a:r>
+            <a:endParaRPr lang="de-DE" altLang="de-DE" sz="1400" dirty="0"/>
+          </a:p>
+          <a:p>
+            <a:pPr>
+              <a:buFont typeface="Arial" panose="020B0604020202020204" pitchFamily="34" charset="0"/>
+              <a:buChar char="•"/>
+            </a:pPr>
+            <a:r>
+              <a:rPr lang="de-DE" altLang="de-DE" sz="1800" b="1" dirty="0"/>
+              <a:t>Tag 3 – </a:t>
+            </a:r>
+            <a:r>
+              <a:rPr lang="de-DE" altLang="de-DE" sz="1800" b="1" dirty="0" err="1"/>
+              <a:t>GitOps</a:t>
+            </a:r>
+            <a:r>
+              <a:rPr lang="de-DE" altLang="de-DE" sz="1800" b="1" dirty="0"/>
+              <a:t>, Docker in der Entwicklung und </a:t>
+            </a:r>
+            <a:r>
+              <a:rPr lang="de-DE" altLang="de-DE" sz="1800" b="1" dirty="0" err="1"/>
+              <a:t>Deployment</a:t>
+            </a:r>
+            <a:r>
+              <a:rPr lang="de-DE" altLang="de-DE" sz="1800" b="1" dirty="0"/>
+              <a:t>-Strategien</a:t>
+            </a:r>
+          </a:p>
+          <a:p>
+            <a:pPr lvl="1">
+              <a:buFont typeface="Arial" panose="020B0604020202020204" pitchFamily="34" charset="0"/>
+              <a:buChar char="•"/>
+            </a:pPr>
+            <a:r>
+              <a:rPr lang="de-DE" altLang="de-DE" sz="1400" dirty="0" err="1"/>
+              <a:t>GitOps</a:t>
+            </a:r>
+            <a:r>
+              <a:rPr lang="de-DE" altLang="de-DE" sz="1400" dirty="0"/>
+              <a:t> Grundlagen</a:t>
+            </a:r>
+          </a:p>
+          <a:p>
+            <a:pPr lvl="1">
+              <a:buFont typeface="Arial" panose="020B0604020202020204" pitchFamily="34" charset="0"/>
+              <a:buChar char="•"/>
+            </a:pPr>
+            <a:r>
+              <a:rPr lang="de-DE" altLang="de-DE" sz="1400" dirty="0"/>
+              <a:t>Lokale Entwicklung mit Docker</a:t>
+            </a:r>
+          </a:p>
+          <a:p>
+            <a:pPr lvl="1">
+              <a:buFont typeface="Arial" panose="020B0604020202020204" pitchFamily="34" charset="0"/>
+              <a:buChar char="•"/>
+            </a:pPr>
+            <a:r>
+              <a:rPr lang="de-DE" altLang="de-DE" sz="1400" dirty="0"/>
+              <a:t>Container/Docker-Registry</a:t>
+            </a:r>
+          </a:p>
+          <a:p>
+            <a:pPr lvl="1">
+              <a:buFont typeface="Arial" panose="020B0604020202020204" pitchFamily="34" charset="0"/>
+              <a:buChar char="•"/>
+            </a:pPr>
+            <a:r>
+              <a:rPr lang="de-DE" altLang="de-DE" sz="1400" dirty="0"/>
+              <a:t>Erstellen von Release- und </a:t>
+            </a:r>
+            <a:r>
+              <a:rPr lang="de-DE" altLang="de-DE" sz="1400" dirty="0" err="1"/>
+              <a:t>Tagged</a:t>
+            </a:r>
+            <a:r>
+              <a:rPr lang="de-DE" altLang="de-DE" sz="1400" dirty="0"/>
+              <a:t>-Images</a:t>
+            </a:r>
+          </a:p>
+          <a:p>
+            <a:pPr lvl="1">
+              <a:buFont typeface="Arial" panose="020B0604020202020204" pitchFamily="34" charset="0"/>
+              <a:buChar char="•"/>
+            </a:pPr>
+            <a:r>
+              <a:rPr lang="de-DE" altLang="de-DE" sz="1400" dirty="0"/>
+              <a:t>Möglichkeiten des </a:t>
+            </a:r>
+            <a:r>
+              <a:rPr lang="de-DE" altLang="de-DE" sz="1400" dirty="0" err="1"/>
+              <a:t>Deployments</a:t>
+            </a:r>
+            <a:r>
+              <a:rPr lang="de-DE" altLang="de-DE" sz="1400" dirty="0"/>
+              <a:t> &amp; Verwaltung von Konfiguration</a:t>
+            </a:r>
+          </a:p>
+          <a:p>
+            <a:pPr lvl="1">
+              <a:buFont typeface="Arial" panose="020B0604020202020204" pitchFamily="34" charset="0"/>
+              <a:buChar char="•"/>
+            </a:pPr>
+            <a:r>
+              <a:rPr lang="de-DE" altLang="de-DE" sz="1400" dirty="0"/>
+              <a:t>Abschlussübung &amp; Diskussion</a:t>
+            </a:r>
+          </a:p>
+          <a:p>
+            <a:pPr lvl="1">
+              <a:buFont typeface="Arial" panose="020B0604020202020204" pitchFamily="34" charset="0"/>
+              <a:buChar char="•"/>
+            </a:pPr>
+            <a:endParaRPr lang="de-DE" altLang="de-DE" sz="1400" dirty="0"/>
+          </a:p>
+        </p:txBody>
+      </p:sp>
+      <p:sp>
+        <p:nvSpPr>
+          <p:cNvPr id="6147" name="Rectangle 1062">
+            <a:extLst>
+              <a:ext uri="{FF2B5EF4-FFF2-40B4-BE49-F238E27FC236}">
+                <a16:creationId xmlns:a16="http://schemas.microsoft.com/office/drawing/2014/main" id="{C46E9340-3256-8D55-A265-94F2F41E288E}"/>
+              </a:ext>
+            </a:extLst>
+          </p:cNvPr>
+          <p:cNvSpPr>
+            <a:spLocks noGrp="1" noChangeArrowheads="1"/>
+          </p:cNvSpPr>
+          <p:nvPr>
+            <p:ph type="title"/>
+          </p:nvPr>
+        </p:nvSpPr>
+        <p:spPr>
+          <a:xfrm>
+            <a:off x="285750" y="142875"/>
+            <a:ext cx="5654675" cy="706438"/>
+          </a:xfrm>
+        </p:spPr>
+        <p:txBody>
+          <a:bodyPr/>
+          <a:lstStyle/>
+          <a:p>
+            <a:r>
+              <a:rPr lang="de-DE" altLang="de-DE" dirty="0"/>
+              <a:t>Agenda</a:t>
+            </a:r>
+          </a:p>
+        </p:txBody>
+      </p:sp>
+    </p:spTree>
+  </p:cSld>
+  <p:clrMapOvr>
+    <a:masterClrMapping/>
+  </p:clrMapOvr>
+</p:sld>
+</file>
+
+<file path=ppt/slides/slide20.xml><?xml version="1.0" encoding="utf-8"?>
 <p:sld xmlns:a="http://schemas.openxmlformats.org/drawingml/2006/main" xmlns:r="http://schemas.openxmlformats.org/officeDocument/2006/relationships" xmlns:p="http://schemas.openxmlformats.org/presentationml/2006/main">
   <p:cSld>
     <p:spTree>
@@ -25564,397 +27512,7 @@
 </p:sld>
 </file>
 
-<file path=ppt/slides/slide2.xml><?xml version="1.0" encoding="utf-8"?>
-<p:sld xmlns:a="http://schemas.openxmlformats.org/drawingml/2006/main" xmlns:r="http://schemas.openxmlformats.org/officeDocument/2006/relationships" xmlns:p="http://schemas.openxmlformats.org/presentationml/2006/main">
-  <p:cSld>
-    <p:spTree>
-      <p:nvGrpSpPr>
-        <p:cNvPr id="1" name=""/>
-        <p:cNvGrpSpPr/>
-        <p:nvPr/>
-      </p:nvGrpSpPr>
-      <p:grpSpPr>
-        <a:xfrm>
-          <a:off x="0" y="0"/>
-          <a:ext cx="0" cy="0"/>
-          <a:chOff x="0" y="0"/>
-          <a:chExt cx="0" cy="0"/>
-        </a:xfrm>
-      </p:grpSpPr>
-      <p:sp>
-        <p:nvSpPr>
-          <p:cNvPr id="6146" name="Inhaltsplatzhalter 18">
-            <a:extLst>
-              <a:ext uri="{FF2B5EF4-FFF2-40B4-BE49-F238E27FC236}">
-                <a16:creationId xmlns:a16="http://schemas.microsoft.com/office/drawing/2014/main" id="{BE3C4C95-FD5D-27F0-ED0C-AB8113CAC9F1}"/>
-              </a:ext>
-            </a:extLst>
-          </p:cNvPr>
-          <p:cNvSpPr>
-            <a:spLocks noGrp="1"/>
-          </p:cNvSpPr>
-          <p:nvPr>
-            <p:ph idx="1"/>
-          </p:nvPr>
-        </p:nvSpPr>
-        <p:spPr/>
-        <p:txBody>
-          <a:bodyPr/>
-          <a:lstStyle/>
-          <a:p>
-            <a:pPr>
-              <a:buFont typeface="Arial" panose="020B0604020202020204" pitchFamily="34" charset="0"/>
-              <a:buChar char="•"/>
-            </a:pPr>
-            <a:endParaRPr lang="de-DE" altLang="de-DE" sz="1800" b="1" dirty="0"/>
-          </a:p>
-          <a:p>
-            <a:pPr>
-              <a:buFont typeface="Arial" panose="020B0604020202020204" pitchFamily="34" charset="0"/>
-              <a:buChar char="•"/>
-            </a:pPr>
-            <a:r>
-              <a:rPr lang="de-DE" altLang="de-DE" sz="1800" b="1" dirty="0"/>
-              <a:t>Tag 1 – Einführung in </a:t>
-            </a:r>
-            <a:r>
-              <a:rPr lang="de-DE" altLang="de-DE" sz="1800" b="1" dirty="0" err="1"/>
-              <a:t>Git</a:t>
-            </a:r>
-            <a:r>
-              <a:rPr lang="de-DE" altLang="de-DE" sz="1800" b="1" dirty="0"/>
-              <a:t> und </a:t>
-            </a:r>
-            <a:r>
-              <a:rPr lang="de-DE" altLang="de-DE" sz="1800" b="1" dirty="0" err="1"/>
-              <a:t>GitLab</a:t>
-            </a:r>
-            <a:r>
-              <a:rPr lang="de-DE" altLang="de-DE" sz="1800" b="1" dirty="0"/>
-              <a:t>, </a:t>
-            </a:r>
-            <a:r>
-              <a:rPr lang="de-DE" altLang="de-DE" sz="1800" b="1" dirty="0" err="1"/>
-              <a:t>Git</a:t>
-            </a:r>
-            <a:r>
-              <a:rPr lang="de-DE" altLang="de-DE" sz="1800" b="1" dirty="0"/>
-              <a:t>-Workflow im Team</a:t>
-            </a:r>
-          </a:p>
-          <a:p>
-            <a:pPr lvl="1">
-              <a:buFont typeface="Arial" panose="020B0604020202020204" pitchFamily="34" charset="0"/>
-              <a:buChar char="•"/>
-            </a:pPr>
-            <a:r>
-              <a:rPr lang="de-DE" altLang="de-DE" sz="1400" dirty="0"/>
-              <a:t>Einführung &amp; Kursüberblick</a:t>
-            </a:r>
-          </a:p>
-          <a:p>
-            <a:pPr lvl="1">
-              <a:buFont typeface="Arial" panose="020B0604020202020204" pitchFamily="34" charset="0"/>
-              <a:buChar char="•"/>
-            </a:pPr>
-            <a:r>
-              <a:rPr lang="de-DE" altLang="de-DE" sz="1400" dirty="0"/>
-              <a:t>Grundlagen von </a:t>
-            </a:r>
-            <a:r>
-              <a:rPr lang="de-DE" altLang="de-DE" sz="1400" dirty="0" err="1"/>
-              <a:t>Git</a:t>
-            </a:r>
-            <a:r>
-              <a:rPr lang="de-DE" altLang="de-DE" sz="1400" dirty="0"/>
-              <a:t> und </a:t>
-            </a:r>
-            <a:r>
-              <a:rPr lang="de-DE" altLang="de-DE" sz="1400" dirty="0" err="1"/>
-              <a:t>GitLab</a:t>
-            </a:r>
-            <a:endParaRPr lang="de-DE" altLang="de-DE" sz="1400" dirty="0"/>
-          </a:p>
-          <a:p>
-            <a:pPr lvl="1">
-              <a:buFont typeface="Arial" panose="020B0604020202020204" pitchFamily="34" charset="0"/>
-              <a:buChar char="•"/>
-            </a:pPr>
-            <a:r>
-              <a:rPr lang="de-DE" altLang="de-DE" sz="1400" dirty="0" err="1"/>
-              <a:t>Git</a:t>
-            </a:r>
-            <a:r>
-              <a:rPr lang="de-DE" altLang="de-DE" sz="1400" dirty="0"/>
-              <a:t> </a:t>
-            </a:r>
-            <a:r>
-              <a:rPr lang="de-DE" altLang="de-DE" sz="1400" dirty="0" err="1"/>
-              <a:t>Rebase</a:t>
-            </a:r>
-            <a:r>
-              <a:rPr lang="de-DE" altLang="de-DE" sz="1400" dirty="0"/>
-              <a:t> &amp; </a:t>
-            </a:r>
-            <a:r>
-              <a:rPr lang="de-DE" altLang="de-DE" sz="1400" dirty="0" err="1"/>
-              <a:t>Merge</a:t>
-            </a:r>
-            <a:r>
-              <a:rPr lang="de-DE" altLang="de-DE" sz="1400" dirty="0"/>
-              <a:t>-Strategien</a:t>
-            </a:r>
-          </a:p>
-          <a:p>
-            <a:pPr lvl="1">
-              <a:buFont typeface="Arial" panose="020B0604020202020204" pitchFamily="34" charset="0"/>
-              <a:buChar char="•"/>
-            </a:pPr>
-            <a:r>
-              <a:rPr lang="de-DE" altLang="de-DE" sz="1400" dirty="0" err="1"/>
-              <a:t>Git</a:t>
-            </a:r>
-            <a:r>
-              <a:rPr lang="de-DE" altLang="de-DE" sz="1400" dirty="0"/>
-              <a:t>-Workflow im Team</a:t>
-            </a:r>
-          </a:p>
-          <a:p>
-            <a:pPr lvl="1">
-              <a:buFont typeface="Arial" panose="020B0604020202020204" pitchFamily="34" charset="0"/>
-              <a:buChar char="•"/>
-            </a:pPr>
-            <a:endParaRPr lang="de-DE" altLang="de-DE" sz="1400" dirty="0"/>
-          </a:p>
-          <a:p>
-            <a:pPr>
-              <a:buFont typeface="Arial" panose="020B0604020202020204" pitchFamily="34" charset="0"/>
-              <a:buChar char="•"/>
-            </a:pPr>
-            <a:r>
-              <a:rPr lang="de-DE" altLang="de-DE" sz="1800" b="1" dirty="0"/>
-              <a:t>Tag 2 – Vertiefung </a:t>
-            </a:r>
-            <a:r>
-              <a:rPr lang="de-DE" altLang="de-DE" sz="1800" b="1" dirty="0" err="1"/>
-              <a:t>Git</a:t>
-            </a:r>
-            <a:r>
-              <a:rPr lang="de-DE" altLang="de-DE" sz="1800" b="1" dirty="0"/>
-              <a:t>-Workflow, CI/CD &amp; </a:t>
-            </a:r>
-            <a:r>
-              <a:rPr lang="de-DE" altLang="de-DE" sz="1800" b="1" dirty="0" err="1"/>
-              <a:t>GitOps</a:t>
-            </a:r>
-            <a:endParaRPr lang="de-DE" altLang="de-DE" sz="1800" b="1" dirty="0"/>
-          </a:p>
-          <a:p>
-            <a:pPr lvl="1">
-              <a:buFont typeface="Arial" panose="020B0604020202020204" pitchFamily="34" charset="0"/>
-              <a:buChar char="•"/>
-            </a:pPr>
-            <a:r>
-              <a:rPr lang="de-DE" altLang="de-DE" sz="1400" dirty="0" err="1"/>
-              <a:t>Gitflow</a:t>
-            </a:r>
-            <a:r>
-              <a:rPr lang="de-DE" altLang="de-DE" sz="1400" dirty="0"/>
-              <a:t>-Workflow</a:t>
-            </a:r>
-          </a:p>
-          <a:p>
-            <a:pPr lvl="1">
-              <a:buFont typeface="Arial" panose="020B0604020202020204" pitchFamily="34" charset="0"/>
-              <a:buChar char="•"/>
-            </a:pPr>
-            <a:r>
-              <a:rPr lang="de-DE" altLang="de-DE" sz="1400" dirty="0"/>
-              <a:t>Tags, Releases &amp; deren Verwaltung</a:t>
-            </a:r>
-          </a:p>
-          <a:p>
-            <a:pPr lvl="1">
-              <a:buFont typeface="Arial" panose="020B0604020202020204" pitchFamily="34" charset="0"/>
-              <a:buChar char="•"/>
-            </a:pPr>
-            <a:r>
-              <a:rPr lang="de-DE" altLang="de-DE" sz="1400" dirty="0"/>
-              <a:t>Einführung in </a:t>
-            </a:r>
-            <a:r>
-              <a:rPr lang="de-DE" altLang="de-DE" sz="1400" dirty="0" err="1"/>
-              <a:t>GitLab</a:t>
-            </a:r>
-            <a:r>
-              <a:rPr lang="de-DE" altLang="de-DE" sz="1400" dirty="0"/>
-              <a:t> CI/CD &amp; </a:t>
-            </a:r>
-            <a:r>
-              <a:rPr lang="de-DE" altLang="de-DE" sz="1400" dirty="0" err="1"/>
-              <a:t>gitlab.yml</a:t>
-            </a:r>
-            <a:endParaRPr lang="de-DE" altLang="de-DE" sz="1400" dirty="0"/>
-          </a:p>
-          <a:p>
-            <a:pPr lvl="1">
-              <a:buFont typeface="Arial" panose="020B0604020202020204" pitchFamily="34" charset="0"/>
-              <a:buChar char="•"/>
-            </a:pPr>
-            <a:r>
-              <a:rPr lang="de-DE" altLang="de-DE" sz="1400" dirty="0"/>
-              <a:t>Grundlagen von </a:t>
-            </a:r>
-            <a:r>
-              <a:rPr lang="de-DE" altLang="de-DE" sz="1400" dirty="0" err="1"/>
-              <a:t>GitOps</a:t>
-            </a:r>
-            <a:endParaRPr lang="de-DE" altLang="de-DE" sz="1400" dirty="0"/>
-          </a:p>
-          <a:p>
-            <a:pPr lvl="1">
-              <a:buFont typeface="Arial" panose="020B0604020202020204" pitchFamily="34" charset="0"/>
-              <a:buChar char="•"/>
-            </a:pPr>
-            <a:endParaRPr lang="de-DE" altLang="de-DE" sz="1400" dirty="0"/>
-          </a:p>
-          <a:p>
-            <a:pPr>
-              <a:buFont typeface="Arial" panose="020B0604020202020204" pitchFamily="34" charset="0"/>
-              <a:buChar char="•"/>
-            </a:pPr>
-            <a:r>
-              <a:rPr lang="de-DE" altLang="de-DE" sz="1800" b="1" dirty="0"/>
-              <a:t>Tag 3 – Docker in der Entwicklung, </a:t>
-            </a:r>
-            <a:r>
-              <a:rPr lang="de-DE" altLang="de-DE" sz="1800" b="1" dirty="0" err="1"/>
-              <a:t>GitLab</a:t>
-            </a:r>
-            <a:r>
-              <a:rPr lang="de-DE" altLang="de-DE" sz="1800" b="1" dirty="0"/>
-              <a:t> CI und </a:t>
-            </a:r>
-            <a:r>
-              <a:rPr lang="de-DE" altLang="de-DE" sz="1800" b="1" dirty="0" err="1"/>
-              <a:t>Deployment</a:t>
-            </a:r>
-            <a:r>
-              <a:rPr lang="de-DE" altLang="de-DE" sz="1800" b="1" dirty="0"/>
-              <a:t>-Strategien</a:t>
-            </a:r>
-          </a:p>
-          <a:p>
-            <a:pPr lvl="1">
-              <a:buFont typeface="Arial" panose="020B0604020202020204" pitchFamily="34" charset="0"/>
-              <a:buChar char="•"/>
-            </a:pPr>
-            <a:r>
-              <a:rPr lang="de-DE" altLang="de-DE" sz="1400" dirty="0"/>
-              <a:t>Lokale Entwicklung mit Docker</a:t>
-            </a:r>
-          </a:p>
-          <a:p>
-            <a:pPr lvl="1">
-              <a:buFont typeface="Arial" panose="020B0604020202020204" pitchFamily="34" charset="0"/>
-              <a:buChar char="•"/>
-            </a:pPr>
-            <a:r>
-              <a:rPr lang="de-DE" altLang="de-DE" sz="1400" dirty="0" err="1"/>
-              <a:t>GitLab</a:t>
-            </a:r>
-            <a:r>
-              <a:rPr lang="de-DE" altLang="de-DE" sz="1400" dirty="0"/>
-              <a:t>-Runner &amp; Docker-Registry</a:t>
-            </a:r>
-          </a:p>
-          <a:p>
-            <a:pPr lvl="1">
-              <a:buFont typeface="Arial" panose="020B0604020202020204" pitchFamily="34" charset="0"/>
-              <a:buChar char="•"/>
-            </a:pPr>
-            <a:r>
-              <a:rPr lang="de-DE" altLang="de-DE" sz="1400" dirty="0"/>
-              <a:t>Erstellen von Release- und </a:t>
-            </a:r>
-            <a:r>
-              <a:rPr lang="de-DE" altLang="de-DE" sz="1400" dirty="0" err="1"/>
-              <a:t>Tagged</a:t>
-            </a:r>
-            <a:r>
-              <a:rPr lang="de-DE" altLang="de-DE" sz="1400" dirty="0"/>
-              <a:t>-Images</a:t>
-            </a:r>
-          </a:p>
-          <a:p>
-            <a:pPr lvl="1">
-              <a:buFont typeface="Arial" panose="020B0604020202020204" pitchFamily="34" charset="0"/>
-              <a:buChar char="•"/>
-            </a:pPr>
-            <a:r>
-              <a:rPr lang="de-DE" altLang="de-DE" sz="1400" dirty="0"/>
-              <a:t>Möglichkeiten des </a:t>
-            </a:r>
-            <a:r>
-              <a:rPr lang="de-DE" altLang="de-DE" sz="1400" dirty="0" err="1"/>
-              <a:t>Deployments</a:t>
-            </a:r>
-            <a:r>
-              <a:rPr lang="de-DE" altLang="de-DE" sz="1400" dirty="0"/>
-              <a:t> &amp; Verwaltung von Konfiguration</a:t>
-            </a:r>
-          </a:p>
-          <a:p>
-            <a:pPr lvl="1">
-              <a:buFont typeface="Arial" panose="020B0604020202020204" pitchFamily="34" charset="0"/>
-              <a:buChar char="•"/>
-            </a:pPr>
-            <a:endParaRPr lang="de-DE" altLang="de-DE" sz="1400" dirty="0"/>
-          </a:p>
-        </p:txBody>
-      </p:sp>
-      <p:sp>
-        <p:nvSpPr>
-          <p:cNvPr id="6147" name="Rectangle 1062">
-            <a:extLst>
-              <a:ext uri="{FF2B5EF4-FFF2-40B4-BE49-F238E27FC236}">
-                <a16:creationId xmlns:a16="http://schemas.microsoft.com/office/drawing/2014/main" id="{C46E9340-3256-8D55-A265-94F2F41E288E}"/>
-              </a:ext>
-            </a:extLst>
-          </p:cNvPr>
-          <p:cNvSpPr>
-            <a:spLocks noGrp="1" noChangeArrowheads="1"/>
-          </p:cNvSpPr>
-          <p:nvPr>
-            <p:ph type="title"/>
-          </p:nvPr>
-        </p:nvSpPr>
-        <p:spPr>
-          <a:xfrm>
-            <a:off x="285750" y="142875"/>
-            <a:ext cx="5654675" cy="706438"/>
-          </a:xfrm>
-        </p:spPr>
-        <p:txBody>
-          <a:bodyPr/>
-          <a:lstStyle/>
-          <a:p>
-            <a:r>
-              <a:rPr lang="de-DE" altLang="de-DE" dirty="0"/>
-              <a:t>Agenda</a:t>
-            </a:r>
-          </a:p>
-        </p:txBody>
-      </p:sp>
-    </p:spTree>
-  </p:cSld>
-  <p:clrMapOvr>
-    <a:masterClrMapping/>
-  </p:clrMapOvr>
-</p:sld>
-</file>
-
-<file path=ppt/slides/slide20.xml><?xml version="1.0" encoding="utf-8"?>
+<file path=ppt/slides/slide21.xml><?xml version="1.0" encoding="utf-8"?>
 <p:sld xmlns:a="http://schemas.openxmlformats.org/drawingml/2006/main" xmlns:r="http://schemas.openxmlformats.org/officeDocument/2006/relationships" xmlns:p="http://schemas.openxmlformats.org/presentationml/2006/main">
   <p:cSld>
     <p:spTree>
@@ -28874,7 +30432,7 @@
 </p:sld>
 </file>
 
-<file path=ppt/slides/slide21.xml><?xml version="1.0" encoding="utf-8"?>
+<file path=ppt/slides/slide22.xml><?xml version="1.0" encoding="utf-8"?>
 <p:sld xmlns:a="http://schemas.openxmlformats.org/drawingml/2006/main" xmlns:r="http://schemas.openxmlformats.org/officeDocument/2006/relationships" xmlns:p="http://schemas.openxmlformats.org/presentationml/2006/main">
   <p:cSld>
     <p:spTree>
@@ -31978,7 +33536,7 @@
 </p:sld>
 </file>
 
-<file path=ppt/slides/slide22.xml><?xml version="1.0" encoding="utf-8"?>
+<file path=ppt/slides/slide23.xml><?xml version="1.0" encoding="utf-8"?>
 <p:sld xmlns:a="http://schemas.openxmlformats.org/drawingml/2006/main" xmlns:r="http://schemas.openxmlformats.org/officeDocument/2006/relationships" xmlns:p="http://schemas.openxmlformats.org/presentationml/2006/main">
   <p:cSld>
     <p:spTree>
@@ -35291,7 +36849,7 @@
 </p:sld>
 </file>
 
-<file path=ppt/slides/slide23.xml><?xml version="1.0" encoding="utf-8"?>
+<file path=ppt/slides/slide24.xml><?xml version="1.0" encoding="utf-8"?>
 <p:sld xmlns:a="http://schemas.openxmlformats.org/drawingml/2006/main" xmlns:r="http://schemas.openxmlformats.org/officeDocument/2006/relationships" xmlns:p="http://schemas.openxmlformats.org/presentationml/2006/main">
   <p:cSld>
     <p:spTree>
@@ -35483,7 +37041,7 @@
 </p:sld>
 </file>
 
-<file path=ppt/slides/slide24.xml><?xml version="1.0" encoding="utf-8"?>
+<file path=ppt/slides/slide25.xml><?xml version="1.0" encoding="utf-8"?>
 <p:sld xmlns:a="http://schemas.openxmlformats.org/drawingml/2006/main" xmlns:r="http://schemas.openxmlformats.org/officeDocument/2006/relationships" xmlns:p="http://schemas.openxmlformats.org/presentationml/2006/main">
   <p:cSld>
     <p:spTree>
@@ -35563,7 +37121,7 @@
 </p:sld>
 </file>
 
-<file path=ppt/slides/slide25.xml><?xml version="1.0" encoding="utf-8"?>
+<file path=ppt/slides/slide26.xml><?xml version="1.0" encoding="utf-8"?>
 <p:sld xmlns:a="http://schemas.openxmlformats.org/drawingml/2006/main" xmlns:r="http://schemas.openxmlformats.org/officeDocument/2006/relationships" xmlns:p="http://schemas.openxmlformats.org/presentationml/2006/main">
   <p:cSld>
     <p:spTree>
@@ -35817,12 +37375,18 @@
       </p:grpSpPr>
       <p:sp>
         <p:nvSpPr>
-          <p:cNvPr id="2" name="Titel 1"/>
+          <p:cNvPr id="6146" name="Inhaltsplatzhalter 18">
+            <a:extLst>
+              <a:ext uri="{FF2B5EF4-FFF2-40B4-BE49-F238E27FC236}">
+                <a16:creationId xmlns:a16="http://schemas.microsoft.com/office/drawing/2014/main" id="{BE3C4C95-FD5D-27F0-ED0C-AB8113CAC9F1}"/>
+              </a:ext>
+            </a:extLst>
+          </p:cNvPr>
           <p:cNvSpPr>
             <a:spLocks noGrp="1"/>
           </p:cNvSpPr>
           <p:nvPr>
-            <p:ph type="title"/>
+            <p:ph idx="1"/>
           </p:nvPr>
         </p:nvSpPr>
         <p:spPr/>
@@ -35830,42 +37394,373 @@
           <a:bodyPr/>
           <a:lstStyle/>
           <a:p>
-            <a:r>
-              <a:rPr lang="de-DE" cap="none" dirty="0"/>
-              <a:t>Workflows</a:t>
-            </a:r>
+            <a:pPr>
+              <a:buFont typeface="Arial" panose="020B0604020202020204" pitchFamily="34" charset="0"/>
+              <a:buChar char="•"/>
+            </a:pPr>
+            <a:r>
+              <a:rPr lang="de-DE" altLang="de-DE" sz="1800" b="1" dirty="0"/>
+              <a:t>Tag 1 – Einführung in </a:t>
+            </a:r>
+            <a:r>
+              <a:rPr lang="de-DE" altLang="de-DE" sz="1800" b="1" dirty="0" err="1"/>
+              <a:t>Git</a:t>
+            </a:r>
+            <a:r>
+              <a:rPr lang="de-DE" altLang="de-DE" sz="1800" b="1" dirty="0"/>
+              <a:t> und </a:t>
+            </a:r>
+            <a:r>
+              <a:rPr lang="de-DE" altLang="de-DE" sz="1800" b="1" dirty="0" err="1"/>
+              <a:t>GitLab</a:t>
+            </a:r>
+            <a:r>
+              <a:rPr lang="de-DE" altLang="de-DE" sz="1800" b="1" dirty="0"/>
+              <a:t>, </a:t>
+            </a:r>
+            <a:r>
+              <a:rPr lang="de-DE" altLang="de-DE" sz="1800" b="1" dirty="0" err="1"/>
+              <a:t>Git</a:t>
+            </a:r>
+            <a:r>
+              <a:rPr lang="de-DE" altLang="de-DE" sz="1800" b="1" dirty="0"/>
+              <a:t>-Workflow im Team</a:t>
+            </a:r>
+          </a:p>
+          <a:p>
+            <a:pPr lvl="1">
+              <a:buFont typeface="Arial" panose="020B0604020202020204" pitchFamily="34" charset="0"/>
+              <a:buChar char="•"/>
+            </a:pPr>
+            <a:r>
+              <a:rPr lang="de-DE" altLang="de-DE" sz="1400" dirty="0"/>
+              <a:t>Einführung &amp; Kursüberblick</a:t>
+            </a:r>
+          </a:p>
+          <a:p>
+            <a:pPr lvl="1">
+              <a:buFont typeface="Arial" panose="020B0604020202020204" pitchFamily="34" charset="0"/>
+              <a:buChar char="•"/>
+            </a:pPr>
+            <a:r>
+              <a:rPr lang="de-DE" altLang="de-DE" sz="1400" dirty="0"/>
+              <a:t>Grundlagen von </a:t>
+            </a:r>
+            <a:r>
+              <a:rPr lang="de-DE" altLang="de-DE" sz="1400" dirty="0" err="1"/>
+              <a:t>Git</a:t>
+            </a:r>
+            <a:endParaRPr lang="de-DE" altLang="de-DE" sz="1400" dirty="0"/>
+          </a:p>
+          <a:p>
+            <a:pPr lvl="1">
+              <a:buFont typeface="Arial" panose="020B0604020202020204" pitchFamily="34" charset="0"/>
+              <a:buChar char="•"/>
+            </a:pPr>
+            <a:r>
+              <a:rPr lang="de-DE" altLang="de-DE" sz="1400" dirty="0" err="1"/>
+              <a:t>Git</a:t>
+            </a:r>
+            <a:r>
+              <a:rPr lang="de-DE" altLang="de-DE" sz="1400" dirty="0"/>
+              <a:t> </a:t>
+            </a:r>
+            <a:r>
+              <a:rPr lang="de-DE" altLang="de-DE" sz="1400" dirty="0" err="1"/>
+              <a:t>Rebase</a:t>
+            </a:r>
+            <a:r>
+              <a:rPr lang="de-DE" altLang="de-DE" sz="1400" dirty="0"/>
+              <a:t> und </a:t>
+            </a:r>
+            <a:r>
+              <a:rPr lang="de-DE" altLang="de-DE" sz="1400" dirty="0" err="1"/>
+              <a:t>Merge</a:t>
+            </a:r>
+            <a:r>
+              <a:rPr lang="de-DE" altLang="de-DE" sz="1400" dirty="0"/>
+              <a:t>-Strategien</a:t>
+            </a:r>
+          </a:p>
+          <a:p>
+            <a:pPr lvl="1">
+              <a:buFont typeface="Arial" panose="020B0604020202020204" pitchFamily="34" charset="0"/>
+              <a:buChar char="•"/>
+            </a:pPr>
+            <a:r>
+              <a:rPr lang="de-DE" altLang="de-DE" sz="1400" dirty="0" err="1"/>
+              <a:t>Git</a:t>
+            </a:r>
+            <a:r>
+              <a:rPr lang="de-DE" altLang="de-DE" sz="1400" dirty="0"/>
+              <a:t> Remote</a:t>
+            </a:r>
+          </a:p>
+          <a:p>
+            <a:pPr lvl="1">
+              <a:buFont typeface="Arial" panose="020B0604020202020204" pitchFamily="34" charset="0"/>
+              <a:buChar char="•"/>
+            </a:pPr>
+            <a:r>
+              <a:rPr lang="de-DE" altLang="de-DE" sz="1400" dirty="0"/>
+              <a:t>Grundlagen von </a:t>
+            </a:r>
+            <a:r>
+              <a:rPr lang="de-DE" altLang="de-DE" sz="1400" dirty="0" err="1"/>
+              <a:t>GitLab</a:t>
+            </a:r>
+            <a:endParaRPr lang="de-DE" altLang="de-DE" sz="1400" dirty="0"/>
+          </a:p>
+          <a:p>
+            <a:pPr lvl="1">
+              <a:buFont typeface="Arial" panose="020B0604020202020204" pitchFamily="34" charset="0"/>
+              <a:buChar char="•"/>
+            </a:pPr>
+            <a:r>
+              <a:rPr lang="de-DE" altLang="de-DE" sz="1400" u="sng" dirty="0" err="1"/>
+              <a:t>Git</a:t>
+            </a:r>
+            <a:r>
+              <a:rPr lang="de-DE" altLang="de-DE" sz="1400" u="sng" dirty="0"/>
+              <a:t>-Workflow im Team</a:t>
+            </a:r>
+          </a:p>
+          <a:p>
+            <a:pPr>
+              <a:buFont typeface="Arial" panose="020B0604020202020204" pitchFamily="34" charset="0"/>
+              <a:buChar char="•"/>
+            </a:pPr>
+            <a:r>
+              <a:rPr lang="de-DE" altLang="de-DE" sz="1800" b="1" dirty="0"/>
+              <a:t>Tag 2 – Vertiefung </a:t>
+            </a:r>
+            <a:r>
+              <a:rPr lang="de-DE" altLang="de-DE" sz="1800" b="1" dirty="0" err="1"/>
+              <a:t>Git</a:t>
+            </a:r>
+            <a:r>
+              <a:rPr lang="de-DE" altLang="de-DE" sz="1800" b="1" dirty="0"/>
+              <a:t>-Workflow, CI/CD &amp; </a:t>
+            </a:r>
+            <a:r>
+              <a:rPr lang="de-DE" altLang="de-DE" sz="1800" b="1" dirty="0" err="1"/>
+              <a:t>GitLab</a:t>
+            </a:r>
+            <a:r>
+              <a:rPr lang="de-DE" altLang="de-DE" sz="1800" b="1" dirty="0"/>
+              <a:t> CI </a:t>
+            </a:r>
+          </a:p>
+          <a:p>
+            <a:pPr lvl="1">
+              <a:buFont typeface="Arial" panose="020B0604020202020204" pitchFamily="34" charset="0"/>
+              <a:buChar char="•"/>
+            </a:pPr>
+            <a:r>
+              <a:rPr lang="de-DE" altLang="de-DE" sz="1400" dirty="0" err="1"/>
+              <a:t>Gitflow</a:t>
+            </a:r>
+            <a:r>
+              <a:rPr lang="de-DE" altLang="de-DE" sz="1400" dirty="0"/>
+              <a:t>-Workflow</a:t>
+            </a:r>
+          </a:p>
+          <a:p>
+            <a:pPr lvl="1">
+              <a:buFont typeface="Arial" panose="020B0604020202020204" pitchFamily="34" charset="0"/>
+              <a:buChar char="•"/>
+            </a:pPr>
+            <a:r>
+              <a:rPr lang="de-DE" altLang="de-DE" sz="1400" dirty="0"/>
+              <a:t>Tags, Releases &amp; deren Verwaltung</a:t>
+            </a:r>
+          </a:p>
+          <a:p>
+            <a:pPr lvl="1">
+              <a:buFont typeface="Arial" panose="020B0604020202020204" pitchFamily="34" charset="0"/>
+              <a:buChar char="•"/>
+            </a:pPr>
+            <a:r>
+              <a:rPr lang="de-DE" altLang="de-DE" sz="1400" dirty="0" err="1"/>
+              <a:t>GitLab</a:t>
+            </a:r>
+            <a:r>
+              <a:rPr lang="de-DE" altLang="de-DE" sz="1400" dirty="0"/>
+              <a:t>-Runner</a:t>
+            </a:r>
+          </a:p>
+          <a:p>
+            <a:pPr lvl="1">
+              <a:buFont typeface="Arial" panose="020B0604020202020204" pitchFamily="34" charset="0"/>
+              <a:buChar char="•"/>
+            </a:pPr>
+            <a:r>
+              <a:rPr lang="de-DE" altLang="de-DE" sz="1400" dirty="0"/>
+              <a:t>Einführung in </a:t>
+            </a:r>
+            <a:r>
+              <a:rPr lang="de-DE" altLang="de-DE" sz="1400" dirty="0" err="1"/>
+              <a:t>GitLab</a:t>
+            </a:r>
+            <a:r>
+              <a:rPr lang="de-DE" altLang="de-DE" sz="1400" dirty="0"/>
+              <a:t> CI/CD &amp; </a:t>
+            </a:r>
+            <a:r>
+              <a:rPr lang="de-DE" altLang="de-DE" sz="1400" dirty="0" err="1"/>
+              <a:t>gitlab.yml</a:t>
+            </a:r>
+            <a:endParaRPr lang="de-DE" altLang="de-DE" sz="1400" dirty="0"/>
+          </a:p>
+          <a:p>
+            <a:pPr>
+              <a:buFont typeface="Arial" panose="020B0604020202020204" pitchFamily="34" charset="0"/>
+              <a:buChar char="•"/>
+            </a:pPr>
+            <a:r>
+              <a:rPr lang="de-DE" altLang="de-DE" sz="1800" b="1" dirty="0"/>
+              <a:t>Tag 3 – </a:t>
+            </a:r>
+            <a:r>
+              <a:rPr lang="de-DE" altLang="de-DE" sz="1800" b="1" dirty="0" err="1"/>
+              <a:t>GitOps</a:t>
+            </a:r>
+            <a:r>
+              <a:rPr lang="de-DE" altLang="de-DE" sz="1800" b="1" dirty="0"/>
+              <a:t>, Docker in der Entwicklung und </a:t>
+            </a:r>
+            <a:r>
+              <a:rPr lang="de-DE" altLang="de-DE" sz="1800" b="1" dirty="0" err="1"/>
+              <a:t>Deployment</a:t>
+            </a:r>
+            <a:r>
+              <a:rPr lang="de-DE" altLang="de-DE" sz="1800" b="1" dirty="0"/>
+              <a:t>-Strategien</a:t>
+            </a:r>
+          </a:p>
+          <a:p>
+            <a:pPr lvl="1">
+              <a:buFont typeface="Arial" panose="020B0604020202020204" pitchFamily="34" charset="0"/>
+              <a:buChar char="•"/>
+            </a:pPr>
+            <a:r>
+              <a:rPr lang="de-DE" altLang="de-DE" sz="1400" dirty="0" err="1"/>
+              <a:t>GitOps</a:t>
+            </a:r>
+            <a:r>
+              <a:rPr lang="de-DE" altLang="de-DE" sz="1400" dirty="0"/>
+              <a:t> Grundlagen</a:t>
+            </a:r>
+          </a:p>
+          <a:p>
+            <a:pPr lvl="1">
+              <a:buFont typeface="Arial" panose="020B0604020202020204" pitchFamily="34" charset="0"/>
+              <a:buChar char="•"/>
+            </a:pPr>
+            <a:r>
+              <a:rPr lang="de-DE" altLang="de-DE" sz="1400" dirty="0"/>
+              <a:t>Lokale Entwicklung mit Docker</a:t>
+            </a:r>
+          </a:p>
+          <a:p>
+            <a:pPr lvl="1">
+              <a:buFont typeface="Arial" panose="020B0604020202020204" pitchFamily="34" charset="0"/>
+              <a:buChar char="•"/>
+            </a:pPr>
+            <a:r>
+              <a:rPr lang="de-DE" altLang="de-DE" sz="1400" dirty="0"/>
+              <a:t>Container/Docker-Registry</a:t>
+            </a:r>
+          </a:p>
+          <a:p>
+            <a:pPr lvl="1">
+              <a:buFont typeface="Arial" panose="020B0604020202020204" pitchFamily="34" charset="0"/>
+              <a:buChar char="•"/>
+            </a:pPr>
+            <a:r>
+              <a:rPr lang="de-DE" altLang="de-DE" sz="1400" dirty="0"/>
+              <a:t>Erstellen von Release- und </a:t>
+            </a:r>
+            <a:r>
+              <a:rPr lang="de-DE" altLang="de-DE" sz="1400" dirty="0" err="1"/>
+              <a:t>Tagged</a:t>
+            </a:r>
+            <a:r>
+              <a:rPr lang="de-DE" altLang="de-DE" sz="1400" dirty="0"/>
+              <a:t>-Images</a:t>
+            </a:r>
+          </a:p>
+          <a:p>
+            <a:pPr lvl="1">
+              <a:buFont typeface="Arial" panose="020B0604020202020204" pitchFamily="34" charset="0"/>
+              <a:buChar char="•"/>
+            </a:pPr>
+            <a:r>
+              <a:rPr lang="de-DE" altLang="de-DE" sz="1400" dirty="0"/>
+              <a:t>Möglichkeiten des </a:t>
+            </a:r>
+            <a:r>
+              <a:rPr lang="de-DE" altLang="de-DE" sz="1400" dirty="0" err="1"/>
+              <a:t>Deployments</a:t>
+            </a:r>
+            <a:r>
+              <a:rPr lang="de-DE" altLang="de-DE" sz="1400" dirty="0"/>
+              <a:t> &amp; Verwaltung von Konfiguration</a:t>
+            </a:r>
+          </a:p>
+          <a:p>
+            <a:pPr lvl="1">
+              <a:buFont typeface="Arial" panose="020B0604020202020204" pitchFamily="34" charset="0"/>
+              <a:buChar char="•"/>
+            </a:pPr>
+            <a:r>
+              <a:rPr lang="de-DE" altLang="de-DE" sz="1400" dirty="0"/>
+              <a:t>Abschlussübung &amp; Diskussion</a:t>
+            </a:r>
+          </a:p>
+          <a:p>
+            <a:pPr lvl="1">
+              <a:buFont typeface="Arial" panose="020B0604020202020204" pitchFamily="34" charset="0"/>
+              <a:buChar char="•"/>
+            </a:pPr>
+            <a:endParaRPr lang="de-DE" altLang="de-DE" sz="1400" dirty="0"/>
           </a:p>
         </p:txBody>
       </p:sp>
       <p:sp>
         <p:nvSpPr>
-          <p:cNvPr id="3" name="Untertitel 2"/>
+          <p:cNvPr id="6147" name="Rectangle 1062">
+            <a:extLst>
+              <a:ext uri="{FF2B5EF4-FFF2-40B4-BE49-F238E27FC236}">
+                <a16:creationId xmlns:a16="http://schemas.microsoft.com/office/drawing/2014/main" id="{C46E9340-3256-8D55-A265-94F2F41E288E}"/>
+              </a:ext>
+            </a:extLst>
+          </p:cNvPr>
           <p:cNvSpPr>
-            <a:spLocks noGrp="1"/>
+            <a:spLocks noGrp="1" noChangeArrowheads="1"/>
           </p:cNvSpPr>
           <p:nvPr>
-            <p:ph type="body" idx="1"/>
+            <p:ph type="title"/>
           </p:nvPr>
         </p:nvSpPr>
-        <p:spPr/>
+        <p:spPr>
+          <a:xfrm>
+            <a:off x="285750" y="142875"/>
+            <a:ext cx="5654675" cy="706438"/>
+          </a:xfrm>
+        </p:spPr>
         <p:txBody>
           <a:bodyPr/>
           <a:lstStyle/>
           <a:p>
             <a:r>
-              <a:rPr lang="de-DE" dirty="0" err="1"/>
-              <a:t>Git</a:t>
-            </a:r>
-            <a:endParaRPr lang="de-DE" dirty="0"/>
+              <a:rPr lang="de-DE" altLang="de-DE" dirty="0"/>
+              <a:t>Agenda</a:t>
+            </a:r>
           </a:p>
         </p:txBody>
       </p:sp>
     </p:spTree>
-    <p:extLst>
-      <p:ext uri="{BB962C8B-B14F-4D97-AF65-F5344CB8AC3E}">
-        <p14:creationId xmlns:p14="http://schemas.microsoft.com/office/powerpoint/2010/main" val="3092047359"/>
-      </p:ext>
-    </p:extLst>
   </p:cSld>
   <p:clrMapOvr>
     <a:masterClrMapping/>
@@ -35892,179 +37787,55 @@
       </p:grpSpPr>
       <p:sp>
         <p:nvSpPr>
-          <p:cNvPr id="5123" name="Rectangle 6">
-            <a:extLst>
-              <a:ext uri="{FF2B5EF4-FFF2-40B4-BE49-F238E27FC236}">
-                <a16:creationId xmlns:a16="http://schemas.microsoft.com/office/drawing/2014/main" id="{BC4BC2CC-AA18-345B-63ED-7D24CA6BD3B5}"/>
-              </a:ext>
-            </a:extLst>
-          </p:cNvPr>
+          <p:cNvPr id="2" name="Titel 1"/>
           <p:cNvSpPr>
-            <a:spLocks noGrp="1" noChangeArrowheads="1"/>
+            <a:spLocks noGrp="1"/>
           </p:cNvSpPr>
           <p:nvPr>
             <p:ph type="title"/>
           </p:nvPr>
         </p:nvSpPr>
-        <p:spPr>
-          <a:xfrm>
-            <a:off x="303214" y="188640"/>
-            <a:ext cx="5194920" cy="706437"/>
-          </a:xfrm>
-        </p:spPr>
+        <p:spPr/>
         <p:txBody>
           <a:bodyPr/>
           <a:lstStyle/>
           <a:p>
             <a:r>
-              <a:rPr lang="de-DE" altLang="de-DE" sz="3200" dirty="0" err="1"/>
-              <a:t>Git</a:t>
-            </a:r>
-            <a:r>
-              <a:rPr lang="de-DE" altLang="de-DE" sz="3200" dirty="0"/>
-              <a:t>-Workflow</a:t>
-            </a:r>
-            <a:endParaRPr lang="de-DE" altLang="de-DE" dirty="0"/>
+              <a:rPr lang="de-DE" cap="none" dirty="0"/>
+              <a:t>Workflows</a:t>
+            </a:r>
           </a:p>
         </p:txBody>
       </p:sp>
       <p:sp>
         <p:nvSpPr>
-          <p:cNvPr id="3" name="Inhaltsplatzhalter 18">
-            <a:extLst>
-              <a:ext uri="{FF2B5EF4-FFF2-40B4-BE49-F238E27FC236}">
-                <a16:creationId xmlns:a16="http://schemas.microsoft.com/office/drawing/2014/main" id="{722A59E8-4DC4-18C6-04BE-E59EF5F3246C}"/>
-              </a:ext>
-            </a:extLst>
-          </p:cNvPr>
+          <p:cNvPr id="3" name="Untertitel 2"/>
           <p:cNvSpPr>
             <a:spLocks noGrp="1"/>
           </p:cNvSpPr>
           <p:nvPr>
-            <p:ph idx="1"/>
+            <p:ph type="body" idx="1"/>
           </p:nvPr>
         </p:nvSpPr>
-        <p:spPr>
-          <a:xfrm>
-            <a:off x="303214" y="981075"/>
-            <a:ext cx="8517258" cy="5400675"/>
-          </a:xfrm>
-        </p:spPr>
+        <p:spPr/>
         <p:txBody>
           <a:bodyPr/>
           <a:lstStyle/>
           <a:p>
-            <a:pPr marL="0" indent="0">
-              <a:spcBef>
-                <a:spcPts val="300"/>
-              </a:spcBef>
-              <a:buNone/>
-            </a:pPr>
-            <a:r>
-              <a:rPr lang="de-DE" altLang="de-DE" b="1" dirty="0"/>
-              <a:t>Agenda</a:t>
-            </a:r>
-          </a:p>
-          <a:p>
-            <a:pPr>
-              <a:spcBef>
-                <a:spcPts val="300"/>
-              </a:spcBef>
-            </a:pPr>
-            <a:r>
-              <a:rPr lang="de-DE" altLang="de-DE" dirty="0"/>
-              <a:t>Was sind </a:t>
-            </a:r>
-            <a:r>
-              <a:rPr lang="de-DE" altLang="de-DE" dirty="0" err="1"/>
+            <a:r>
+              <a:rPr lang="de-DE" dirty="0" err="1"/>
               <a:t>Git</a:t>
             </a:r>
-            <a:r>
-              <a:rPr lang="de-DE" altLang="de-DE" dirty="0"/>
-              <a:t>-Workflows? </a:t>
-            </a:r>
-          </a:p>
-          <a:p>
-            <a:pPr>
-              <a:spcBef>
-                <a:spcPts val="300"/>
-              </a:spcBef>
-            </a:pPr>
-            <a:r>
-              <a:rPr lang="de-DE" altLang="de-DE" dirty="0"/>
-              <a:t>Zentraler </a:t>
-            </a:r>
-            <a:r>
-              <a:rPr lang="de-DE" altLang="de-DE" dirty="0" err="1"/>
-              <a:t>Git</a:t>
-            </a:r>
-            <a:r>
-              <a:rPr lang="de-DE" altLang="de-DE" dirty="0"/>
-              <a:t>-Workflow</a:t>
-            </a:r>
-          </a:p>
-          <a:p>
-            <a:pPr lvl="1">
-              <a:spcBef>
-                <a:spcPts val="300"/>
-              </a:spcBef>
-            </a:pPr>
-            <a:r>
-              <a:rPr lang="de-DE" altLang="de-DE" dirty="0"/>
-              <a:t>Konzept</a:t>
-            </a:r>
-          </a:p>
-          <a:p>
-            <a:pPr lvl="1">
-              <a:spcBef>
-                <a:spcPts val="300"/>
-              </a:spcBef>
-            </a:pPr>
-            <a:r>
-              <a:rPr lang="de-DE" altLang="de-DE" dirty="0"/>
-              <a:t>Ablauf</a:t>
-            </a:r>
-          </a:p>
-          <a:p>
-            <a:pPr>
-              <a:spcBef>
-                <a:spcPts val="300"/>
-              </a:spcBef>
-            </a:pPr>
-            <a:r>
-              <a:rPr lang="de-DE" altLang="de-DE" dirty="0"/>
-              <a:t>Andere </a:t>
-            </a:r>
-            <a:r>
-              <a:rPr lang="de-DE" altLang="de-DE" dirty="0" err="1"/>
-              <a:t>Git</a:t>
-            </a:r>
-            <a:r>
-              <a:rPr lang="de-DE" altLang="de-DE" dirty="0"/>
-              <a:t>-Workflows</a:t>
-            </a:r>
-          </a:p>
-          <a:p>
-            <a:pPr>
-              <a:spcBef>
-                <a:spcPts val="300"/>
-              </a:spcBef>
-            </a:pPr>
-            <a:endParaRPr lang="de-DE" altLang="de-DE" dirty="0"/>
-          </a:p>
-          <a:p>
-            <a:pPr lvl="1"/>
-            <a:endParaRPr lang="de-DE" altLang="de-DE" dirty="0"/>
-          </a:p>
-          <a:p>
-            <a:pPr marL="0" indent="0">
-              <a:buNone/>
-            </a:pPr>
-            <a:endParaRPr lang="de-DE" altLang="de-DE" dirty="0"/>
+            <a:endParaRPr lang="de-DE" dirty="0"/>
           </a:p>
         </p:txBody>
       </p:sp>
     </p:spTree>
+    <p:extLst>
+      <p:ext uri="{BB962C8B-B14F-4D97-AF65-F5344CB8AC3E}">
+        <p14:creationId xmlns:p14="http://schemas.microsoft.com/office/powerpoint/2010/main" val="3092047359"/>
+      </p:ext>
+    </p:extLst>
   </p:cSld>
   <p:clrMapOvr>
     <a:masterClrMapping/>
@@ -36091,10 +37862,48 @@
       </p:grpSpPr>
       <p:sp>
         <p:nvSpPr>
-          <p:cNvPr id="6146" name="Inhaltsplatzhalter 18">
-            <a:extLst>
-              <a:ext uri="{FF2B5EF4-FFF2-40B4-BE49-F238E27FC236}">
-                <a16:creationId xmlns:a16="http://schemas.microsoft.com/office/drawing/2014/main" id="{BE3C4C95-FD5D-27F0-ED0C-AB8113CAC9F1}"/>
+          <p:cNvPr id="5123" name="Rectangle 6">
+            <a:extLst>
+              <a:ext uri="{FF2B5EF4-FFF2-40B4-BE49-F238E27FC236}">
+                <a16:creationId xmlns:a16="http://schemas.microsoft.com/office/drawing/2014/main" id="{BC4BC2CC-AA18-345B-63ED-7D24CA6BD3B5}"/>
+              </a:ext>
+            </a:extLst>
+          </p:cNvPr>
+          <p:cNvSpPr>
+            <a:spLocks noGrp="1" noChangeArrowheads="1"/>
+          </p:cNvSpPr>
+          <p:nvPr>
+            <p:ph type="title"/>
+          </p:nvPr>
+        </p:nvSpPr>
+        <p:spPr>
+          <a:xfrm>
+            <a:off x="303214" y="188640"/>
+            <a:ext cx="5194920" cy="706437"/>
+          </a:xfrm>
+        </p:spPr>
+        <p:txBody>
+          <a:bodyPr/>
+          <a:lstStyle/>
+          <a:p>
+            <a:r>
+              <a:rPr lang="de-DE" altLang="de-DE" sz="3200" dirty="0" err="1"/>
+              <a:t>Git</a:t>
+            </a:r>
+            <a:r>
+              <a:rPr lang="de-DE" altLang="de-DE" sz="3200" dirty="0"/>
+              <a:t>-Workflow</a:t>
+            </a:r>
+            <a:endParaRPr lang="de-DE" altLang="de-DE" dirty="0"/>
+          </a:p>
+        </p:txBody>
+      </p:sp>
+      <p:sp>
+        <p:nvSpPr>
+          <p:cNvPr id="3" name="Inhaltsplatzhalter 18">
+            <a:extLst>
+              <a:ext uri="{FF2B5EF4-FFF2-40B4-BE49-F238E27FC236}">
+                <a16:creationId xmlns:a16="http://schemas.microsoft.com/office/drawing/2014/main" id="{722A59E8-4DC4-18C6-04BE-E59EF5F3246C}"/>
               </a:ext>
             </a:extLst>
           </p:cNvPr>
@@ -36116,29 +37925,26 @@
           <a:lstStyle/>
           <a:p>
             <a:pPr marL="0" indent="0">
+              <a:spcBef>
+                <a:spcPts val="300"/>
+              </a:spcBef>
               <a:buNone/>
             </a:pPr>
             <a:r>
-              <a:rPr lang="de-DE" altLang="de-DE" b="1" dirty="0"/>
+              <a:rPr lang="de-DE" altLang="de-DE" b="1"/>
+              <a:t>Inhalt</a:t>
+            </a:r>
+            <a:endParaRPr lang="de-DE" altLang="de-DE" b="1" dirty="0"/>
+          </a:p>
+          <a:p>
+            <a:pPr>
+              <a:spcBef>
+                <a:spcPts val="300"/>
+              </a:spcBef>
+            </a:pPr>
+            <a:r>
+              <a:rPr lang="de-DE" altLang="de-DE" dirty="0"/>
               <a:t>Was sind </a:t>
-            </a:r>
-            <a:r>
-              <a:rPr lang="de-DE" altLang="de-DE" b="1" dirty="0" err="1"/>
-              <a:t>Git</a:t>
-            </a:r>
-            <a:r>
-              <a:rPr lang="de-DE" altLang="de-DE" b="1" dirty="0"/>
-              <a:t>-Workflows?</a:t>
-            </a:r>
-          </a:p>
-          <a:p>
-            <a:r>
-              <a:rPr lang="de-DE" altLang="de-DE"/>
-              <a:t>Workflows </a:t>
-            </a:r>
-            <a:r>
-              <a:rPr lang="de-DE" altLang="de-DE" dirty="0"/>
-              <a:t>sind Empfehlungen und Strategien zum Arbeiten mit </a:t>
             </a:r>
             <a:r>
               <a:rPr lang="de-DE" altLang="de-DE" dirty="0" err="1"/>
@@ -36146,13 +37952,18 @@
             </a:r>
             <a:r>
               <a:rPr lang="de-DE" altLang="de-DE" dirty="0"/>
-              <a:t>, speziell im Remote Kontext</a:t>
-            </a:r>
-          </a:p>
-          <a:p>
+              <a:t>-Workflows? </a:t>
+            </a:r>
+          </a:p>
+          <a:p>
+            <a:pPr>
+              <a:spcBef>
+                <a:spcPts val="300"/>
+              </a:spcBef>
+            </a:pPr>
             <a:r>
               <a:rPr lang="de-DE" altLang="de-DE" dirty="0"/>
-              <a:t>Sollen im Team für eine konsistente und effektive Nutzung von </a:t>
+              <a:t>Zentraler </a:t>
             </a:r>
             <a:r>
               <a:rPr lang="de-DE" altLang="de-DE" dirty="0" err="1"/>
@@ -36160,7 +37971,40 @@
             </a:r>
             <a:r>
               <a:rPr lang="de-DE" altLang="de-DE" dirty="0"/>
-              <a:t> und </a:t>
+              <a:t>-Workflow</a:t>
+            </a:r>
+          </a:p>
+          <a:p>
+            <a:pPr lvl="1">
+              <a:spcBef>
+                <a:spcPts val="300"/>
+              </a:spcBef>
+            </a:pPr>
+            <a:r>
+              <a:rPr lang="de-DE" altLang="de-DE" dirty="0"/>
+              <a:t>Konzept</a:t>
+            </a:r>
+          </a:p>
+          <a:p>
+            <a:pPr lvl="1">
+              <a:spcBef>
+                <a:spcPts val="300"/>
+              </a:spcBef>
+            </a:pPr>
+            <a:r>
+              <a:rPr lang="de-DE" altLang="de-DE" dirty="0"/>
+              <a:t>Ablauf</a:t>
+            </a:r>
+          </a:p>
+          <a:p>
+            <a:pPr>
+              <a:spcBef>
+                <a:spcPts val="300"/>
+              </a:spcBef>
+            </a:pPr>
+            <a:r>
+              <a:rPr lang="de-DE" altLang="de-DE" dirty="0"/>
+              <a:t>Andere </a:t>
             </a:r>
             <a:r>
               <a:rPr lang="de-DE" altLang="de-DE" dirty="0" err="1"/>
@@ -36168,22 +38012,20 @@
             </a:r>
             <a:r>
               <a:rPr lang="de-DE" altLang="de-DE" dirty="0"/>
-              <a:t>-Plattformen wie </a:t>
-            </a:r>
-            <a:r>
-              <a:rPr lang="de-DE" altLang="de-DE" dirty="0" err="1"/>
-              <a:t>GitLab</a:t>
-            </a:r>
-            <a:r>
-              <a:rPr lang="de-DE" altLang="de-DE" dirty="0"/>
-              <a:t> sorgen</a:t>
-            </a:r>
-          </a:p>
-          <a:p>
-            <a:r>
-              <a:rPr lang="de-DE" altLang="de-DE" dirty="0"/>
-              <a:t>Workflows sind eher als Empfehlungen und nicht als absolute Regeln zu verstehen</a:t>
-            </a:r>
+              <a:t>-Workflows</a:t>
+            </a:r>
+          </a:p>
+          <a:p>
+            <a:pPr>
+              <a:spcBef>
+                <a:spcPts val="300"/>
+              </a:spcBef>
+            </a:pPr>
+            <a:endParaRPr lang="de-DE" altLang="de-DE" dirty="0"/>
+          </a:p>
+          <a:p>
+            <a:pPr lvl="1"/>
+            <a:endParaRPr lang="de-DE" altLang="de-DE" dirty="0"/>
           </a:p>
           <a:p>
             <a:pPr marL="0" indent="0">
@@ -36191,57 +38033,9 @@
             </a:pPr>
             <a:endParaRPr lang="de-DE" altLang="de-DE" dirty="0"/>
           </a:p>
-          <a:p>
-            <a:pPr marL="0" indent="0">
-              <a:buNone/>
-            </a:pPr>
-            <a:endParaRPr lang="de-DE" altLang="de-DE" dirty="0"/>
-          </a:p>
-        </p:txBody>
-      </p:sp>
-      <p:sp>
-        <p:nvSpPr>
-          <p:cNvPr id="6147" name="Rectangle 1062">
-            <a:extLst>
-              <a:ext uri="{FF2B5EF4-FFF2-40B4-BE49-F238E27FC236}">
-                <a16:creationId xmlns:a16="http://schemas.microsoft.com/office/drawing/2014/main" id="{C46E9340-3256-8D55-A265-94F2F41E288E}"/>
-              </a:ext>
-            </a:extLst>
-          </p:cNvPr>
-          <p:cNvSpPr>
-            <a:spLocks noGrp="1" noChangeArrowheads="1"/>
-          </p:cNvSpPr>
-          <p:nvPr>
-            <p:ph type="title"/>
-          </p:nvPr>
-        </p:nvSpPr>
-        <p:spPr>
-          <a:xfrm>
-            <a:off x="303214" y="188640"/>
-            <a:ext cx="5654675" cy="706438"/>
-          </a:xfrm>
-        </p:spPr>
-        <p:txBody>
-          <a:bodyPr/>
-          <a:lstStyle/>
-          <a:p>
-            <a:r>
-              <a:rPr lang="de-DE" altLang="de-DE" sz="3200" dirty="0" err="1"/>
-              <a:t>Git</a:t>
-            </a:r>
-            <a:r>
-              <a:rPr lang="de-DE" altLang="de-DE" sz="3200" dirty="0"/>
-              <a:t>-Workflow</a:t>
-            </a:r>
-          </a:p>
         </p:txBody>
       </p:sp>
     </p:spTree>
-    <p:extLst>
-      <p:ext uri="{BB962C8B-B14F-4D97-AF65-F5344CB8AC3E}">
-        <p14:creationId xmlns:p14="http://schemas.microsoft.com/office/powerpoint/2010/main" val="1842692015"/>
-      </p:ext>
-    </p:extLst>
   </p:cSld>
   <p:clrMapOvr>
     <a:masterClrMapping/>
@@ -36310,102 +38104,56 @@
           </a:p>
           <a:p>
             <a:r>
-              <a:rPr lang="de-DE" altLang="de-DE" sz="1800" dirty="0"/>
-              <a:t>Es gibt nicht den einen </a:t>
-            </a:r>
-            <a:r>
-              <a:rPr lang="de-DE" altLang="de-DE" sz="1800" dirty="0" err="1"/>
+              <a:rPr lang="de-DE" altLang="de-DE"/>
+              <a:t>Workflows </a:t>
+            </a:r>
+            <a:r>
+              <a:rPr lang="de-DE" altLang="de-DE" dirty="0"/>
+              <a:t>sind Empfehlungen und Strategien zum Arbeiten mit </a:t>
+            </a:r>
+            <a:r>
+              <a:rPr lang="de-DE" altLang="de-DE" dirty="0" err="1"/>
               <a:t>Git</a:t>
             </a:r>
             <a:r>
-              <a:rPr lang="de-DE" altLang="de-DE" sz="1800" dirty="0"/>
-              <a:t>-Workflow</a:t>
-            </a:r>
-          </a:p>
-          <a:p>
-            <a:r>
-              <a:rPr lang="de-DE" altLang="de-DE" sz="1800" dirty="0" err="1"/>
+              <a:rPr lang="de-DE" altLang="de-DE" dirty="0"/>
+              <a:t>, speziell im Remote Kontext</a:t>
+            </a:r>
+          </a:p>
+          <a:p>
+            <a:r>
+              <a:rPr lang="de-DE" altLang="de-DE" dirty="0"/>
+              <a:t>Sollen im Team für eine konsistente und effektive Nutzung von </a:t>
+            </a:r>
+            <a:r>
+              <a:rPr lang="de-DE" altLang="de-DE" dirty="0" err="1"/>
               <a:t>Git</a:t>
             </a:r>
             <a:r>
-              <a:rPr lang="de-DE" altLang="de-DE" sz="1800" dirty="0"/>
+              <a:rPr lang="de-DE" altLang="de-DE" dirty="0"/>
               <a:t> und </a:t>
             </a:r>
             <a:r>
-              <a:rPr lang="de-DE" altLang="de-DE" sz="1800" dirty="0" err="1"/>
+              <a:rPr lang="de-DE" altLang="de-DE" dirty="0" err="1"/>
+              <a:t>Git</a:t>
+            </a:r>
+            <a:r>
+              <a:rPr lang="de-DE" altLang="de-DE" dirty="0"/>
+              <a:t>-Plattformen wie </a:t>
+            </a:r>
+            <a:r>
+              <a:rPr lang="de-DE" altLang="de-DE" dirty="0" err="1"/>
               <a:t>GitLab</a:t>
             </a:r>
             <a:r>
-              <a:rPr lang="de-DE" altLang="de-DE" sz="1800" dirty="0"/>
-              <a:t> bieten durch eine Vielzahl an Konzepten und Feature ganz unterschiedliche Möglichkeiten zum Einsatz</a:t>
-            </a:r>
-          </a:p>
-          <a:p>
-            <a:r>
-              <a:rPr lang="de-DE" altLang="de-DE" sz="1800" dirty="0"/>
-              <a:t>Daher existieren auch viele </a:t>
-            </a:r>
-            <a:r>
-              <a:rPr lang="de-DE" altLang="de-DE" sz="1800" dirty="0" err="1"/>
-              <a:t>Git</a:t>
-            </a:r>
-            <a:r>
-              <a:rPr lang="de-DE" altLang="de-DE" sz="1800" dirty="0"/>
-              <a:t>-Workflows mit unterschiedlichen Konzepten</a:t>
-            </a:r>
-          </a:p>
-          <a:p>
-            <a:r>
-              <a:rPr lang="de-DE" altLang="de-DE" sz="1800" dirty="0"/>
-              <a:t>Auswahl des passenden Workflows richtet sich nach bestimmten Kriterien</a:t>
-            </a:r>
-          </a:p>
-          <a:p>
-            <a:pPr lvl="1"/>
-            <a:r>
-              <a:rPr lang="de-DE" altLang="de-DE" sz="1400" dirty="0"/>
-              <a:t>Art des Projekts, indem </a:t>
-            </a:r>
-            <a:r>
-              <a:rPr lang="de-DE" altLang="de-DE" sz="1400" dirty="0" err="1"/>
-              <a:t>Git</a:t>
-            </a:r>
-            <a:r>
-              <a:rPr lang="de-DE" altLang="de-DE" sz="1400" dirty="0"/>
-              <a:t> verwendet wird</a:t>
-            </a:r>
-          </a:p>
-          <a:p>
-            <a:pPr lvl="1"/>
-            <a:r>
-              <a:rPr lang="de-DE" altLang="de-DE" sz="1400" dirty="0"/>
-              <a:t>Projektgröße und Umfang</a:t>
-            </a:r>
-          </a:p>
-          <a:p>
-            <a:pPr lvl="1"/>
-            <a:r>
-              <a:rPr lang="de-DE" altLang="de-DE" sz="1400" dirty="0"/>
-              <a:t>Teamgröße</a:t>
-            </a:r>
-          </a:p>
-          <a:p>
-            <a:pPr lvl="1"/>
-            <a:r>
-              <a:rPr lang="de-DE" altLang="de-DE" sz="1400" dirty="0"/>
-              <a:t>Teamkultur</a:t>
-            </a:r>
-          </a:p>
-          <a:p>
-            <a:r>
-              <a:rPr lang="de-DE" altLang="de-DE" sz="1800" dirty="0"/>
-              <a:t>Teammitglieder müssen mit dem gewählten Workflow vertraut sein und diesen produktiv in ihre Arbeit integrieren</a:t>
-            </a:r>
-          </a:p>
-          <a:p>
-            <a:r>
-              <a:rPr lang="de-DE" altLang="de-DE" sz="1800" dirty="0"/>
-              <a:t>Workflow darf keinen unnötigen Overhead erzeugen</a:t>
+              <a:rPr lang="de-DE" altLang="de-DE" dirty="0"/>
+              <a:t> sorgen</a:t>
+            </a:r>
+          </a:p>
+          <a:p>
+            <a:r>
+              <a:rPr lang="de-DE" altLang="de-DE" dirty="0"/>
+              <a:t>Workflows sind eher als Empfehlungen und nicht als absolute Regeln zu verstehen</a:t>
             </a:r>
           </a:p>
           <a:p>
@@ -36440,7 +38188,7 @@
         </p:nvSpPr>
         <p:spPr>
           <a:xfrm>
-            <a:off x="285750" y="142875"/>
+            <a:off x="303214" y="188640"/>
             <a:ext cx="5654675" cy="706438"/>
           </a:xfrm>
         </p:spPr>
@@ -36456,14 +38204,13 @@
               <a:rPr lang="de-DE" altLang="de-DE" sz="3200" dirty="0"/>
               <a:t>-Workflow</a:t>
             </a:r>
-            <a:endParaRPr lang="de-DE" altLang="de-DE" dirty="0"/>
           </a:p>
         </p:txBody>
       </p:sp>
     </p:spTree>
     <p:extLst>
       <p:ext uri="{BB962C8B-B14F-4D97-AF65-F5344CB8AC3E}">
-        <p14:creationId xmlns:p14="http://schemas.microsoft.com/office/powerpoint/2010/main" val="3770332963"/>
+        <p14:creationId xmlns:p14="http://schemas.microsoft.com/office/powerpoint/2010/main" val="1842692015"/>
       </p:ext>
     </p:extLst>
   </p:cSld>
@@ -36521,7 +38268,7 @@
             </a:pPr>
             <a:r>
               <a:rPr lang="de-DE" altLang="de-DE" b="1" dirty="0"/>
-              <a:t>Zentraler </a:t>
+              <a:t>Was sind </a:t>
             </a:r>
             <a:r>
               <a:rPr lang="de-DE" altLang="de-DE" b="1" dirty="0" err="1"/>
@@ -36529,123 +38276,108 @@
             </a:r>
             <a:r>
               <a:rPr lang="de-DE" altLang="de-DE" b="1" dirty="0"/>
+              <a:t>-Workflows?</a:t>
+            </a:r>
+          </a:p>
+          <a:p>
+            <a:r>
+              <a:rPr lang="de-DE" altLang="de-DE" sz="1800" dirty="0"/>
+              <a:t>Es gibt nicht den einen </a:t>
+            </a:r>
+            <a:r>
+              <a:rPr lang="de-DE" altLang="de-DE" sz="1800" dirty="0" err="1"/>
+              <a:t>Git</a:t>
+            </a:r>
+            <a:r>
+              <a:rPr lang="de-DE" altLang="de-DE" sz="1800" dirty="0"/>
               <a:t>-Workflow</a:t>
             </a:r>
           </a:p>
           <a:p>
             <a:r>
-              <a:rPr lang="de-DE" altLang="de-DE" dirty="0"/>
-              <a:t>Ein zentraler </a:t>
-            </a:r>
-            <a:r>
-              <a:rPr lang="de-DE" altLang="de-DE" dirty="0" err="1"/>
+              <a:rPr lang="de-DE" altLang="de-DE" sz="1800" dirty="0" err="1"/>
               <a:t>Git</a:t>
             </a:r>
             <a:r>
-              <a:rPr lang="de-DE" altLang="de-DE" dirty="0"/>
-              <a:t>-Workflow ist einfacher Workflow</a:t>
-            </a:r>
-          </a:p>
-          <a:p>
-            <a:r>
-              <a:rPr lang="de-DE" altLang="de-DE" dirty="0"/>
-              <a:t>Im zentralen Ansatz wird nur ein Branch benötigt</a:t>
+              <a:rPr lang="de-DE" altLang="de-DE" sz="1800" dirty="0"/>
+              <a:t> und </a:t>
+            </a:r>
+            <a:r>
+              <a:rPr lang="de-DE" altLang="de-DE" sz="1800" dirty="0" err="1"/>
+              <a:t>GitLab</a:t>
+            </a:r>
+            <a:r>
+              <a:rPr lang="de-DE" altLang="de-DE" sz="1800" dirty="0"/>
+              <a:t> bieten durch eine Vielzahl an Konzepten und Feature ganz unterschiedliche Möglichkeiten zum Einsatz</a:t>
+            </a:r>
+          </a:p>
+          <a:p>
+            <a:r>
+              <a:rPr lang="de-DE" altLang="de-DE" sz="1800" dirty="0"/>
+              <a:t>Daher existieren auch viele </a:t>
+            </a:r>
+            <a:r>
+              <a:rPr lang="de-DE" altLang="de-DE" sz="1800" dirty="0" err="1"/>
+              <a:t>Git</a:t>
+            </a:r>
+            <a:r>
+              <a:rPr lang="de-DE" altLang="de-DE" sz="1800" dirty="0"/>
+              <a:t>-Workflows mit unterschiedlichen Konzepten</a:t>
+            </a:r>
+          </a:p>
+          <a:p>
+            <a:r>
+              <a:rPr lang="de-DE" altLang="de-DE" sz="1800" dirty="0"/>
+              <a:t>Auswahl des passenden Workflows richtet sich nach bestimmten Kriterien</a:t>
             </a:r>
           </a:p>
           <a:p>
             <a:pPr lvl="1"/>
             <a:r>
-              <a:rPr lang="de-DE" altLang="de-DE" dirty="0"/>
-              <a:t>Häufig </a:t>
-            </a:r>
-            <a:r>
-              <a:rPr lang="de-DE" altLang="de-DE" b="1" dirty="0" err="1"/>
-              <a:t>main</a:t>
-            </a:r>
-            <a:r>
-              <a:rPr lang="de-DE" altLang="de-DE" dirty="0"/>
-              <a:t>, andere Bezeichnungen sind </a:t>
-            </a:r>
-            <a:r>
-              <a:rPr lang="de-DE" altLang="de-DE" b="1" dirty="0" err="1"/>
-              <a:t>trunk</a:t>
-            </a:r>
-            <a:r>
-              <a:rPr lang="de-DE" altLang="de-DE" dirty="0"/>
-              <a:t> oder </a:t>
-            </a:r>
-            <a:r>
-              <a:rPr lang="de-DE" altLang="de-DE" b="1" dirty="0" err="1"/>
-              <a:t>master</a:t>
-            </a:r>
-            <a:r>
-              <a:rPr lang="de-DE" altLang="de-DE" dirty="0"/>
-              <a:t> (veraltet)</a:t>
+              <a:rPr lang="de-DE" altLang="de-DE" sz="1400" dirty="0"/>
+              <a:t>Art des Projekts, indem </a:t>
+            </a:r>
+            <a:r>
+              <a:rPr lang="de-DE" altLang="de-DE" sz="1400" dirty="0" err="1"/>
+              <a:t>Git</a:t>
+            </a:r>
+            <a:r>
+              <a:rPr lang="de-DE" altLang="de-DE" sz="1400" dirty="0"/>
+              <a:t> verwendet wird</a:t>
             </a:r>
           </a:p>
           <a:p>
             <a:pPr lvl="1"/>
             <a:r>
-              <a:rPr lang="de-DE" altLang="de-DE" dirty="0"/>
-              <a:t>Sämtliche Änderungen werden hier committet</a:t>
+              <a:rPr lang="de-DE" altLang="de-DE" sz="1400" dirty="0"/>
+              <a:t>Projektgröße und Umfang</a:t>
             </a:r>
           </a:p>
           <a:p>
             <a:pPr lvl="1"/>
             <a:r>
-              <a:rPr lang="de-DE" altLang="de-DE" dirty="0"/>
-              <a:t>Vermeidet Overhead durch Verwaltung von </a:t>
-            </a:r>
-            <a:r>
-              <a:rPr lang="de-DE" altLang="de-DE" dirty="0" err="1"/>
-              <a:t>Branches</a:t>
-            </a:r>
-            <a:endParaRPr lang="de-DE" altLang="de-DE" dirty="0"/>
-          </a:p>
-          <a:p>
-            <a:r>
-              <a:rPr lang="de-DE" altLang="de-DE" dirty="0"/>
-              <a:t>Dadurch einfach und schnell zu verstehen </a:t>
-            </a:r>
-          </a:p>
-          <a:p>
-            <a:r>
-              <a:rPr lang="de-DE" altLang="de-DE" dirty="0"/>
-              <a:t>Eignet sich gut bei Umstieg von einem CVCS wie bspw. Subversion</a:t>
-            </a:r>
-          </a:p>
-          <a:p>
-            <a:r>
-              <a:rPr lang="de-DE" altLang="de-DE" dirty="0"/>
-              <a:t>Erfreut sich in verschiedenen Varianten durch gute Kompatibilität zu </a:t>
-            </a:r>
-            <a:r>
-              <a:rPr lang="de-DE" altLang="de-DE" dirty="0" err="1"/>
-              <a:t>Continuous</a:t>
-            </a:r>
-            <a:r>
-              <a:rPr lang="de-DE" altLang="de-DE" dirty="0"/>
-              <a:t> Integration und </a:t>
-            </a:r>
-            <a:r>
-              <a:rPr lang="de-DE" altLang="de-DE" dirty="0" err="1"/>
-              <a:t>Continuous</a:t>
-            </a:r>
-            <a:r>
-              <a:rPr lang="de-DE" altLang="de-DE" dirty="0"/>
-              <a:t> </a:t>
-            </a:r>
-            <a:r>
-              <a:rPr lang="de-DE" altLang="de-DE" dirty="0" err="1"/>
-              <a:t>Deployment</a:t>
-            </a:r>
-            <a:r>
-              <a:rPr lang="de-DE" altLang="de-DE" dirty="0"/>
-              <a:t> (CI/CD) großer Beliebtheit </a:t>
-            </a:r>
-          </a:p>
-          <a:p>
-            <a:endParaRPr lang="de-DE" altLang="de-DE" dirty="0"/>
+              <a:rPr lang="de-DE" altLang="de-DE" sz="1400" dirty="0"/>
+              <a:t>Teamgröße</a:t>
+            </a:r>
+          </a:p>
+          <a:p>
+            <a:pPr lvl="1"/>
+            <a:r>
+              <a:rPr lang="de-DE" altLang="de-DE" sz="1400" dirty="0"/>
+              <a:t>Teamkultur</a:t>
+            </a:r>
+          </a:p>
+          <a:p>
+            <a:r>
+              <a:rPr lang="de-DE" altLang="de-DE" sz="1800" dirty="0"/>
+              <a:t>Teammitglieder müssen mit dem gewählten Workflow vertraut sein und diesen produktiv in ihre Arbeit integrieren</a:t>
+            </a:r>
+          </a:p>
+          <a:p>
+            <a:r>
+              <a:rPr lang="de-DE" altLang="de-DE" sz="1800" dirty="0"/>
+              <a:t>Workflow darf keinen unnötigen Overhead erzeugen</a:t>
+            </a:r>
           </a:p>
           <a:p>
             <a:pPr marL="0" indent="0">
@@ -36695,13 +38427,14 @@
               <a:rPr lang="de-DE" altLang="de-DE" sz="3200" dirty="0"/>
               <a:t>-Workflow</a:t>
             </a:r>
+            <a:endParaRPr lang="de-DE" altLang="de-DE" dirty="0"/>
           </a:p>
         </p:txBody>
       </p:sp>
     </p:spTree>
     <p:extLst>
       <p:ext uri="{BB962C8B-B14F-4D97-AF65-F5344CB8AC3E}">
-        <p14:creationId xmlns:p14="http://schemas.microsoft.com/office/powerpoint/2010/main" val="1242079246"/>
+        <p14:creationId xmlns:p14="http://schemas.microsoft.com/office/powerpoint/2010/main" val="3770332963"/>
       </p:ext>
     </p:extLst>
   </p:cSld>
@@ -36773,115 +38506,117 @@
           <a:p>
             <a:r>
               <a:rPr lang="de-DE" altLang="de-DE" dirty="0"/>
-              <a:t>Entwickler committen ihre Änderungen direkt auf </a:t>
+              <a:t>Ein zentraler </a:t>
             </a:r>
             <a:r>
               <a:rPr lang="de-DE" altLang="de-DE" dirty="0" err="1"/>
+              <a:t>Git</a:t>
+            </a:r>
+            <a:r>
+              <a:rPr lang="de-DE" altLang="de-DE" dirty="0"/>
+              <a:t>-Workflow ist einfacher Workflow</a:t>
+            </a:r>
+          </a:p>
+          <a:p>
+            <a:r>
+              <a:rPr lang="de-DE" altLang="de-DE" dirty="0"/>
+              <a:t>Im zentralen Ansatz wird nur ein Branch benötigt</a:t>
+            </a:r>
+          </a:p>
+          <a:p>
+            <a:pPr lvl="1"/>
+            <a:r>
+              <a:rPr lang="de-DE" altLang="de-DE" dirty="0"/>
+              <a:t>Häufig </a:t>
+            </a:r>
+            <a:r>
+              <a:rPr lang="de-DE" altLang="de-DE" b="1" dirty="0" err="1"/>
               <a:t>main</a:t>
             </a:r>
-            <a:endParaRPr lang="de-DE" altLang="de-DE" dirty="0"/>
-          </a:p>
-          <a:p>
             <a:r>
               <a:rPr lang="de-DE" altLang="de-DE" dirty="0"/>
-              <a:t>main-Branch erhält dadurch oft neue Änderungen, da diese nicht längerlebigen </a:t>
+              <a:t>, andere Bezeichnungen sind </a:t>
+            </a:r>
+            <a:r>
+              <a:rPr lang="de-DE" altLang="de-DE" b="1" dirty="0" err="1"/>
+              <a:t>trunk</a:t>
+            </a:r>
+            <a:r>
+              <a:rPr lang="de-DE" altLang="de-DE" dirty="0"/>
+              <a:t> oder </a:t>
+            </a:r>
+            <a:r>
+              <a:rPr lang="de-DE" altLang="de-DE" b="1" dirty="0" err="1"/>
+              <a:t>master</a:t>
+            </a:r>
+            <a:r>
+              <a:rPr lang="de-DE" altLang="de-DE" dirty="0"/>
+              <a:t> (veraltet)</a:t>
+            </a:r>
+          </a:p>
+          <a:p>
+            <a:pPr lvl="1"/>
+            <a:r>
+              <a:rPr lang="de-DE" altLang="de-DE" dirty="0"/>
+              <a:t>Sämtliche Änderungen werden hier committet</a:t>
+            </a:r>
+          </a:p>
+          <a:p>
+            <a:pPr lvl="1"/>
+            <a:r>
+              <a:rPr lang="de-DE" altLang="de-DE" dirty="0"/>
+              <a:t>Vermeidet Overhead durch Verwaltung von </a:t>
             </a:r>
             <a:r>
               <a:rPr lang="de-DE" altLang="de-DE" dirty="0" err="1"/>
               <a:t>Branches</a:t>
             </a:r>
+            <a:endParaRPr lang="de-DE" altLang="de-DE" dirty="0"/>
+          </a:p>
+          <a:p>
             <a:r>
               <a:rPr lang="de-DE" altLang="de-DE" dirty="0"/>
-              <a:t> erfolgen </a:t>
+              <a:t>Dadurch einfach und schnell zu verstehen </a:t>
             </a:r>
           </a:p>
           <a:p>
             <a:r>
               <a:rPr lang="de-DE" altLang="de-DE" dirty="0"/>
-              <a:t>Häufige </a:t>
+              <a:t>Eignet sich gut bei Umstieg von einem CVCS wie bspw. Subversion</a:t>
+            </a:r>
+          </a:p>
+          <a:p>
+            <a:r>
+              <a:rPr lang="de-DE" altLang="de-DE" dirty="0"/>
+              <a:t>Erfreut sich in verschiedenen Varianten durch gute Kompatibilität zu </a:t>
             </a:r>
             <a:r>
               <a:rPr lang="de-DE" altLang="de-DE" dirty="0" err="1"/>
-              <a:t>Commits</a:t>
+              <a:t>Continuous</a:t>
             </a:r>
             <a:r>
               <a:rPr lang="de-DE" altLang="de-DE" dirty="0"/>
-              <a:t> auf main-Branch helfen bei CI/CD </a:t>
-            </a:r>
-          </a:p>
-          <a:p>
-            <a:pPr lvl="1"/>
+              <a:t> Integration und </a:t>
+            </a:r>
+            <a:r>
+              <a:rPr lang="de-DE" altLang="de-DE" dirty="0" err="1"/>
+              <a:t>Continuous</a:t>
+            </a:r>
             <a:r>
               <a:rPr lang="de-DE" altLang="de-DE" dirty="0"/>
-              <a:t>CI-Pipeline kann häufig durchlaufen</a:t>
-            </a:r>
-          </a:p>
-          <a:p>
-            <a:pPr lvl="1"/>
+              <a:t> </a:t>
+            </a:r>
+            <a:r>
+              <a:rPr lang="de-DE" altLang="de-DE" dirty="0" err="1"/>
+              <a:t>Deployment</a:t>
+            </a:r>
             <a:r>
               <a:rPr lang="de-DE" altLang="de-DE" dirty="0"/>
-              <a:t>Automatisierte Tests geben schnell Feedback</a:t>
-            </a:r>
-          </a:p>
-          <a:p>
-            <a:pPr lvl="1"/>
-            <a:r>
-              <a:rPr lang="de-DE" altLang="de-DE" dirty="0"/>
-              <a:t>Ermöglicht hochfrequente Releases</a:t>
-            </a:r>
-          </a:p>
-          <a:p>
-            <a:r>
-              <a:rPr lang="de-DE" altLang="de-DE" dirty="0"/>
-              <a:t>Beim zentralen </a:t>
-            </a:r>
-            <a:r>
-              <a:rPr lang="de-DE" altLang="de-DE" dirty="0" err="1"/>
-              <a:t>Git</a:t>
-            </a:r>
-            <a:r>
-              <a:rPr lang="de-DE" altLang="de-DE" dirty="0"/>
-              <a:t>-Workflow liegt ein besonderer Fokus auf die Qualität der </a:t>
-            </a:r>
-            <a:r>
-              <a:rPr lang="de-DE" altLang="de-DE" dirty="0" err="1"/>
-              <a:t>Commits</a:t>
-            </a:r>
+              <a:t> (CI/CD) großer Beliebtheit </a:t>
+            </a:r>
+          </a:p>
+          <a:p>
             <a:endParaRPr lang="de-DE" altLang="de-DE" dirty="0"/>
-          </a:p>
-          <a:p>
-            <a:pPr lvl="1"/>
-            <a:r>
-              <a:rPr lang="de-DE" altLang="de-DE" dirty="0"/>
-              <a:t>Generell sollte in </a:t>
-            </a:r>
-            <a:r>
-              <a:rPr lang="de-DE" altLang="de-DE" dirty="0" err="1"/>
-              <a:t>Git</a:t>
-            </a:r>
-            <a:r>
-              <a:rPr lang="de-DE" altLang="de-DE" dirty="0"/>
-              <a:t> nur lauffähiger und getesteter Code committet werden</a:t>
-            </a:r>
-          </a:p>
-          <a:p>
-            <a:pPr lvl="1"/>
-            <a:r>
-              <a:rPr lang="de-DE" altLang="de-DE" dirty="0" err="1"/>
-              <a:t>Commits</a:t>
-            </a:r>
-            <a:r>
-              <a:rPr lang="de-DE" altLang="de-DE" dirty="0"/>
-              <a:t> mit schlechtem Code verursachen im zentralen </a:t>
-            </a:r>
-            <a:r>
-              <a:rPr lang="de-DE" altLang="de-DE" dirty="0" err="1"/>
-              <a:t>Git</a:t>
-            </a:r>
-            <a:r>
-              <a:rPr lang="de-DE" altLang="de-DE" dirty="0"/>
-              <a:t>-Workflow großen Schaden</a:t>
-            </a:r>
           </a:p>
           <a:p>
             <a:pPr marL="0" indent="0">
@@ -36937,7 +38672,7 @@
     </p:spTree>
     <p:extLst>
       <p:ext uri="{BB962C8B-B14F-4D97-AF65-F5344CB8AC3E}">
-        <p14:creationId xmlns:p14="http://schemas.microsoft.com/office/powerpoint/2010/main" val="1574715531"/>
+        <p14:creationId xmlns:p14="http://schemas.microsoft.com/office/powerpoint/2010/main" val="1242079246"/>
       </p:ext>
     </p:extLst>
   </p:cSld>
@@ -37009,7 +38744,32 @@
           <a:p>
             <a:r>
               <a:rPr lang="de-DE" altLang="de-DE" dirty="0"/>
-              <a:t>Entwickler werden gezwungen, oft Änderungen von neuen </a:t>
+              <a:t>Entwickler committen ihre Änderungen direkt auf </a:t>
+            </a:r>
+            <a:r>
+              <a:rPr lang="de-DE" altLang="de-DE" dirty="0" err="1"/>
+              <a:t>main</a:t>
+            </a:r>
+            <a:endParaRPr lang="de-DE" altLang="de-DE" dirty="0"/>
+          </a:p>
+          <a:p>
+            <a:r>
+              <a:rPr lang="de-DE" altLang="de-DE" dirty="0"/>
+              <a:t>main-Branch erhält dadurch oft neue Änderungen, da diese nicht längerlebigen </a:t>
+            </a:r>
+            <a:r>
+              <a:rPr lang="de-DE" altLang="de-DE" dirty="0" err="1"/>
+              <a:t>Branches</a:t>
+            </a:r>
+            <a:r>
+              <a:rPr lang="de-DE" altLang="de-DE" dirty="0"/>
+              <a:t> erfolgen </a:t>
+            </a:r>
+          </a:p>
+          <a:p>
+            <a:r>
+              <a:rPr lang="de-DE" altLang="de-DE" dirty="0"/>
+              <a:t>Häufige </a:t>
             </a:r>
             <a:r>
               <a:rPr lang="de-DE" altLang="de-DE" dirty="0" err="1"/>
@@ -37017,37 +38777,87 @@
             </a:r>
             <a:r>
               <a:rPr lang="de-DE" altLang="de-DE" dirty="0"/>
-              <a:t> in ihr lokales Repository einzubauen</a:t>
+              <a:t> auf main-Branch helfen bei CI/CD </a:t>
             </a:r>
           </a:p>
           <a:p>
             <a:pPr lvl="1"/>
             <a:r>
               <a:rPr lang="de-DE" altLang="de-DE" dirty="0"/>
-              <a:t>Erhöht zwar direktes Konfliktpotenzial, reduziert aber Komplexität bei der Integration von Features</a:t>
+              <a:t>CI-Pipeline kann häufig durchlaufen</a:t>
             </a:r>
           </a:p>
           <a:p>
             <a:pPr lvl="1"/>
             <a:r>
               <a:rPr lang="de-DE" altLang="de-DE" dirty="0"/>
-              <a:t>Gegenbeispiel wäre ein Feature-Branch, der über Wochen nicht zwingend aktualisiert werden muss und nachher wieder in den main-Branch zurückgeführt wird</a:t>
-            </a:r>
-          </a:p>
-          <a:p>
-            <a:pPr marL="358775" indent="-176213">
+              <a:t>Automatisierte Tests geben schnell Feedback</a:t>
+            </a:r>
+          </a:p>
+          <a:p>
+            <a:pPr lvl="1"/>
+            <a:r>
+              <a:rPr lang="de-DE" altLang="de-DE" dirty="0"/>
+              <a:t>Ermöglicht hochfrequente Releases</a:t>
+            </a:r>
+          </a:p>
+          <a:p>
+            <a:r>
+              <a:rPr lang="de-DE" altLang="de-DE" dirty="0"/>
+              <a:t>Beim zentralen </a:t>
+            </a:r>
+            <a:r>
+              <a:rPr lang="de-DE" altLang="de-DE" dirty="0" err="1"/>
+              <a:t>Git</a:t>
+            </a:r>
+            <a:r>
+              <a:rPr lang="de-DE" altLang="de-DE" dirty="0"/>
+              <a:t>-Workflow liegt ein besonderer Fokus auf die Qualität der </a:t>
+            </a:r>
+            <a:r>
+              <a:rPr lang="de-DE" altLang="de-DE" dirty="0" err="1"/>
+              <a:t>Commits</a:t>
+            </a:r>
+            <a:endParaRPr lang="de-DE" altLang="de-DE" dirty="0"/>
+          </a:p>
+          <a:p>
+            <a:pPr lvl="1"/>
+            <a:r>
+              <a:rPr lang="de-DE" altLang="de-DE" dirty="0"/>
+              <a:t>Generell sollte in </a:t>
+            </a:r>
+            <a:r>
+              <a:rPr lang="de-DE" altLang="de-DE" dirty="0" err="1"/>
+              <a:t>Git</a:t>
+            </a:r>
+            <a:r>
+              <a:rPr lang="de-DE" altLang="de-DE" dirty="0"/>
+              <a:t> nur lauffähiger und getesteter Code committet werden</a:t>
+            </a:r>
+          </a:p>
+          <a:p>
+            <a:pPr lvl="1"/>
+            <a:r>
+              <a:rPr lang="de-DE" altLang="de-DE" dirty="0" err="1"/>
+              <a:t>Commits</a:t>
+            </a:r>
+            <a:r>
+              <a:rPr lang="de-DE" altLang="de-DE" dirty="0"/>
+              <a:t> mit schlechtem Code verursachen im zentralen </a:t>
+            </a:r>
+            <a:r>
+              <a:rPr lang="de-DE" altLang="de-DE" dirty="0" err="1"/>
+              <a:t>Git</a:t>
+            </a:r>
+            <a:r>
+              <a:rPr lang="de-DE" altLang="de-DE" dirty="0"/>
+              <a:t>-Workflow großen Schaden</a:t>
+            </a:r>
+          </a:p>
+          <a:p>
+            <a:pPr marL="0" indent="0">
               <a:buNone/>
             </a:pPr>
-            <a:r>
-              <a:rPr lang="de-DE" altLang="de-DE" dirty="0"/>
-              <a:t>	</a:t>
-            </a:r>
-            <a:r>
-              <a:rPr lang="de-DE" altLang="de-DE" dirty="0">
-                <a:sym typeface="Wingdings" panose="05000000000000000000" pitchFamily="2" charset="2"/>
-              </a:rPr>
-              <a:t> Verhindert Divergenz</a:t>
-            </a:r>
             <a:endParaRPr lang="de-DE" altLang="de-DE" dirty="0"/>
           </a:p>
           <a:p>
@@ -37095,1337 +38905,10 @@
           </a:p>
         </p:txBody>
       </p:sp>
-      <p:sp>
-        <p:nvSpPr>
-          <p:cNvPr id="2" name="Ellipse 1">
-            <a:extLst>
-              <a:ext uri="{FF2B5EF4-FFF2-40B4-BE49-F238E27FC236}">
-                <a16:creationId xmlns:a16="http://schemas.microsoft.com/office/drawing/2014/main" id="{76058A08-9E10-43D2-3E59-C7816D7E71EB}"/>
-              </a:ext>
-            </a:extLst>
-          </p:cNvPr>
-          <p:cNvSpPr/>
-          <p:nvPr/>
-        </p:nvSpPr>
-        <p:spPr bwMode="auto">
-          <a:xfrm>
-            <a:off x="4355976" y="4493954"/>
-            <a:ext cx="288032" cy="288032"/>
-          </a:xfrm>
-          <a:prstGeom prst="ellipse">
-            <a:avLst/>
-          </a:prstGeom>
-          <a:solidFill>
-            <a:schemeClr val="accent5">
-              <a:lumMod val="75000"/>
-            </a:schemeClr>
-          </a:solidFill>
-          <a:ln w="19050" cap="flat" cmpd="sng" algn="ctr">
-            <a:solidFill>
-              <a:schemeClr val="tx1"/>
-            </a:solidFill>
-            <a:prstDash val="solid"/>
-            <a:round/>
-            <a:headEnd type="none" w="sm" len="sm"/>
-            <a:tailEnd type="none" w="sm" len="sm"/>
-          </a:ln>
-          <a:effectLst/>
-        </p:spPr>
-        <p:txBody>
-          <a:bodyPr vert="horz" wrap="square" lIns="91440" tIns="45720" rIns="91440" bIns="45720" numCol="1" rtlCol="0" anchor="t" anchorCtr="0" compatLnSpc="1">
-            <a:prstTxWarp prst="textNoShape">
-              <a:avLst/>
-            </a:prstTxWarp>
-          </a:bodyPr>
-          <a:lstStyle/>
-          <a:p>
-            <a:pPr marL="0" marR="0" indent="0" algn="l" defTabSz="914400" rtl="0" eaLnBrk="0" fontAlgn="base" latinLnBrk="0" hangingPunct="0">
-              <a:lnSpc>
-                <a:spcPct val="100000"/>
-              </a:lnSpc>
-              <a:spcBef>
-                <a:spcPct val="0"/>
-              </a:spcBef>
-              <a:spcAft>
-                <a:spcPct val="0"/>
-              </a:spcAft>
-              <a:buClrTx/>
-              <a:buSzTx/>
-              <a:buFontTx/>
-              <a:buNone/>
-              <a:tabLst/>
-            </a:pPr>
-            <a:endParaRPr kumimoji="0" lang="de-DE" sz="2400" b="0" i="0" u="none" strike="noStrike" cap="none" normalizeH="0" baseline="0">
-              <a:ln>
-                <a:noFill/>
-              </a:ln>
-              <a:solidFill>
-                <a:schemeClr val="tx1"/>
-              </a:solidFill>
-              <a:effectLst/>
-              <a:latin typeface="Times New Roman" pitchFamily="18" charset="0"/>
-            </a:endParaRPr>
-          </a:p>
-        </p:txBody>
-      </p:sp>
-      <p:sp>
-        <p:nvSpPr>
-          <p:cNvPr id="3" name="Ellipse 2">
-            <a:extLst>
-              <a:ext uri="{FF2B5EF4-FFF2-40B4-BE49-F238E27FC236}">
-                <a16:creationId xmlns:a16="http://schemas.microsoft.com/office/drawing/2014/main" id="{E37D6EA4-6BDA-851B-1514-CB8F375614CE}"/>
-              </a:ext>
-            </a:extLst>
-          </p:cNvPr>
-          <p:cNvSpPr/>
-          <p:nvPr/>
-        </p:nvSpPr>
-        <p:spPr bwMode="auto">
-          <a:xfrm>
-            <a:off x="4860032" y="4493954"/>
-            <a:ext cx="288032" cy="288032"/>
-          </a:xfrm>
-          <a:prstGeom prst="ellipse">
-            <a:avLst/>
-          </a:prstGeom>
-          <a:solidFill>
-            <a:schemeClr val="accent5">
-              <a:lumMod val="75000"/>
-            </a:schemeClr>
-          </a:solidFill>
-          <a:ln w="19050" cap="flat" cmpd="sng" algn="ctr">
-            <a:solidFill>
-              <a:schemeClr val="tx1"/>
-            </a:solidFill>
-            <a:prstDash val="solid"/>
-            <a:round/>
-            <a:headEnd type="none" w="sm" len="sm"/>
-            <a:tailEnd type="none" w="sm" len="sm"/>
-          </a:ln>
-          <a:effectLst/>
-        </p:spPr>
-        <p:txBody>
-          <a:bodyPr vert="horz" wrap="square" lIns="91440" tIns="45720" rIns="91440" bIns="45720" numCol="1" rtlCol="0" anchor="t" anchorCtr="0" compatLnSpc="1">
-            <a:prstTxWarp prst="textNoShape">
-              <a:avLst/>
-            </a:prstTxWarp>
-          </a:bodyPr>
-          <a:lstStyle/>
-          <a:p>
-            <a:pPr marL="0" marR="0" indent="0" algn="l" defTabSz="914400" rtl="0" eaLnBrk="0" fontAlgn="base" latinLnBrk="0" hangingPunct="0">
-              <a:lnSpc>
-                <a:spcPct val="100000"/>
-              </a:lnSpc>
-              <a:spcBef>
-                <a:spcPct val="0"/>
-              </a:spcBef>
-              <a:spcAft>
-                <a:spcPct val="0"/>
-              </a:spcAft>
-              <a:buClrTx/>
-              <a:buSzTx/>
-              <a:buFontTx/>
-              <a:buNone/>
-              <a:tabLst/>
-            </a:pPr>
-            <a:endParaRPr kumimoji="0" lang="de-DE" sz="2400" b="0" i="0" u="none" strike="noStrike" cap="none" normalizeH="0" baseline="0">
-              <a:ln>
-                <a:noFill/>
-              </a:ln>
-              <a:solidFill>
-                <a:schemeClr val="tx1"/>
-              </a:solidFill>
-              <a:effectLst/>
-              <a:latin typeface="Times New Roman" pitchFamily="18" charset="0"/>
-            </a:endParaRPr>
-          </a:p>
-        </p:txBody>
-      </p:sp>
-      <p:cxnSp>
-        <p:nvCxnSpPr>
-          <p:cNvPr id="5" name="Gerader Verbinder 4">
-            <a:extLst>
-              <a:ext uri="{FF2B5EF4-FFF2-40B4-BE49-F238E27FC236}">
-                <a16:creationId xmlns:a16="http://schemas.microsoft.com/office/drawing/2014/main" id="{7DF7BF90-34CF-2A8A-BF0A-DA7332C8F32C}"/>
-              </a:ext>
-            </a:extLst>
-          </p:cNvPr>
-          <p:cNvCxnSpPr>
-            <a:stCxn id="2" idx="6"/>
-            <a:endCxn id="3" idx="2"/>
-          </p:cNvCxnSpPr>
-          <p:nvPr/>
-        </p:nvCxnSpPr>
-        <p:spPr bwMode="auto">
-          <a:xfrm>
-            <a:off x="4644008" y="4637970"/>
-            <a:ext cx="216024" cy="0"/>
-          </a:xfrm>
-          <a:prstGeom prst="line">
-            <a:avLst/>
-          </a:prstGeom>
-          <a:solidFill>
-            <a:schemeClr val="accent1"/>
-          </a:solidFill>
-          <a:ln w="19050" cap="flat" cmpd="sng" algn="ctr">
-            <a:solidFill>
-              <a:schemeClr val="tx1"/>
-            </a:solidFill>
-            <a:prstDash val="solid"/>
-            <a:round/>
-            <a:headEnd type="none" w="sm" len="sm"/>
-            <a:tailEnd type="none" w="sm" len="sm"/>
-          </a:ln>
-          <a:effectLst/>
-        </p:spPr>
-      </p:cxnSp>
-      <p:sp>
-        <p:nvSpPr>
-          <p:cNvPr id="6" name="Ellipse 5">
-            <a:extLst>
-              <a:ext uri="{FF2B5EF4-FFF2-40B4-BE49-F238E27FC236}">
-                <a16:creationId xmlns:a16="http://schemas.microsoft.com/office/drawing/2014/main" id="{7CC7556A-24FC-B989-D16D-06F56F69F690}"/>
-              </a:ext>
-            </a:extLst>
-          </p:cNvPr>
-          <p:cNvSpPr/>
-          <p:nvPr/>
-        </p:nvSpPr>
-        <p:spPr bwMode="auto">
-          <a:xfrm>
-            <a:off x="5364088" y="4493954"/>
-            <a:ext cx="288032" cy="288032"/>
-          </a:xfrm>
-          <a:prstGeom prst="ellipse">
-            <a:avLst/>
-          </a:prstGeom>
-          <a:solidFill>
-            <a:schemeClr val="accent5">
-              <a:lumMod val="75000"/>
-            </a:schemeClr>
-          </a:solidFill>
-          <a:ln w="19050" cap="flat" cmpd="sng" algn="ctr">
-            <a:solidFill>
-              <a:schemeClr val="tx1"/>
-            </a:solidFill>
-            <a:prstDash val="solid"/>
-            <a:round/>
-            <a:headEnd type="none" w="sm" len="sm"/>
-            <a:tailEnd type="none" w="sm" len="sm"/>
-          </a:ln>
-          <a:effectLst/>
-        </p:spPr>
-        <p:txBody>
-          <a:bodyPr vert="horz" wrap="square" lIns="91440" tIns="45720" rIns="91440" bIns="45720" numCol="1" rtlCol="0" anchor="t" anchorCtr="0" compatLnSpc="1">
-            <a:prstTxWarp prst="textNoShape">
-              <a:avLst/>
-            </a:prstTxWarp>
-          </a:bodyPr>
-          <a:lstStyle/>
-          <a:p>
-            <a:pPr marL="0" marR="0" indent="0" algn="l" defTabSz="914400" rtl="0" eaLnBrk="0" fontAlgn="base" latinLnBrk="0" hangingPunct="0">
-              <a:lnSpc>
-                <a:spcPct val="100000"/>
-              </a:lnSpc>
-              <a:spcBef>
-                <a:spcPct val="0"/>
-              </a:spcBef>
-              <a:spcAft>
-                <a:spcPct val="0"/>
-              </a:spcAft>
-              <a:buClrTx/>
-              <a:buSzTx/>
-              <a:buFontTx/>
-              <a:buNone/>
-              <a:tabLst/>
-            </a:pPr>
-            <a:endParaRPr kumimoji="0" lang="de-DE" sz="2400" b="0" i="0" u="none" strike="noStrike" cap="none" normalizeH="0" baseline="0">
-              <a:ln>
-                <a:noFill/>
-              </a:ln>
-              <a:solidFill>
-                <a:schemeClr val="tx1"/>
-              </a:solidFill>
-              <a:effectLst/>
-              <a:latin typeface="Times New Roman" pitchFamily="18" charset="0"/>
-            </a:endParaRPr>
-          </a:p>
-        </p:txBody>
-      </p:sp>
-      <p:cxnSp>
-        <p:nvCxnSpPr>
-          <p:cNvPr id="7" name="Gerader Verbinder 6">
-            <a:extLst>
-              <a:ext uri="{FF2B5EF4-FFF2-40B4-BE49-F238E27FC236}">
-                <a16:creationId xmlns:a16="http://schemas.microsoft.com/office/drawing/2014/main" id="{F1368B5E-699F-B893-DF00-04155B3397F5}"/>
-              </a:ext>
-            </a:extLst>
-          </p:cNvPr>
-          <p:cNvCxnSpPr>
-            <a:endCxn id="6" idx="2"/>
-          </p:cNvCxnSpPr>
-          <p:nvPr/>
-        </p:nvCxnSpPr>
-        <p:spPr bwMode="auto">
-          <a:xfrm>
-            <a:off x="5148064" y="4637970"/>
-            <a:ext cx="216024" cy="0"/>
-          </a:xfrm>
-          <a:prstGeom prst="line">
-            <a:avLst/>
-          </a:prstGeom>
-          <a:solidFill>
-            <a:schemeClr val="accent1"/>
-          </a:solidFill>
-          <a:ln w="19050" cap="flat" cmpd="sng" algn="ctr">
-            <a:solidFill>
-              <a:schemeClr val="tx1"/>
-            </a:solidFill>
-            <a:prstDash val="solid"/>
-            <a:round/>
-            <a:headEnd type="none" w="sm" len="sm"/>
-            <a:tailEnd type="none" w="sm" len="sm"/>
-          </a:ln>
-          <a:effectLst/>
-        </p:spPr>
-      </p:cxnSp>
-      <p:sp>
-        <p:nvSpPr>
-          <p:cNvPr id="8" name="Ellipse 7">
-            <a:extLst>
-              <a:ext uri="{FF2B5EF4-FFF2-40B4-BE49-F238E27FC236}">
-                <a16:creationId xmlns:a16="http://schemas.microsoft.com/office/drawing/2014/main" id="{42774172-05BE-833F-9B7B-72CFA740189B}"/>
-              </a:ext>
-            </a:extLst>
-          </p:cNvPr>
-          <p:cNvSpPr/>
-          <p:nvPr/>
-        </p:nvSpPr>
-        <p:spPr bwMode="auto">
-          <a:xfrm>
-            <a:off x="5868144" y="4493954"/>
-            <a:ext cx="288032" cy="288032"/>
-          </a:xfrm>
-          <a:prstGeom prst="ellipse">
-            <a:avLst/>
-          </a:prstGeom>
-          <a:solidFill>
-            <a:schemeClr val="accent5">
-              <a:lumMod val="75000"/>
-            </a:schemeClr>
-          </a:solidFill>
-          <a:ln w="19050" cap="flat" cmpd="sng" algn="ctr">
-            <a:solidFill>
-              <a:schemeClr val="tx1"/>
-            </a:solidFill>
-            <a:prstDash val="solid"/>
-            <a:round/>
-            <a:headEnd type="none" w="sm" len="sm"/>
-            <a:tailEnd type="none" w="sm" len="sm"/>
-          </a:ln>
-          <a:effectLst/>
-        </p:spPr>
-        <p:txBody>
-          <a:bodyPr vert="horz" wrap="square" lIns="91440" tIns="45720" rIns="91440" bIns="45720" numCol="1" rtlCol="0" anchor="t" anchorCtr="0" compatLnSpc="1">
-            <a:prstTxWarp prst="textNoShape">
-              <a:avLst/>
-            </a:prstTxWarp>
-          </a:bodyPr>
-          <a:lstStyle/>
-          <a:p>
-            <a:pPr marL="0" marR="0" indent="0" algn="l" defTabSz="914400" rtl="0" eaLnBrk="0" fontAlgn="base" latinLnBrk="0" hangingPunct="0">
-              <a:lnSpc>
-                <a:spcPct val="100000"/>
-              </a:lnSpc>
-              <a:spcBef>
-                <a:spcPct val="0"/>
-              </a:spcBef>
-              <a:spcAft>
-                <a:spcPct val="0"/>
-              </a:spcAft>
-              <a:buClrTx/>
-              <a:buSzTx/>
-              <a:buFontTx/>
-              <a:buNone/>
-              <a:tabLst/>
-            </a:pPr>
-            <a:endParaRPr kumimoji="0" lang="de-DE" sz="2400" b="0" i="0" u="none" strike="noStrike" cap="none" normalizeH="0" baseline="0">
-              <a:ln>
-                <a:noFill/>
-              </a:ln>
-              <a:solidFill>
-                <a:schemeClr val="tx1"/>
-              </a:solidFill>
-              <a:effectLst/>
-              <a:latin typeface="Times New Roman" pitchFamily="18" charset="0"/>
-            </a:endParaRPr>
-          </a:p>
-        </p:txBody>
-      </p:sp>
-      <p:cxnSp>
-        <p:nvCxnSpPr>
-          <p:cNvPr id="9" name="Gerader Verbinder 8">
-            <a:extLst>
-              <a:ext uri="{FF2B5EF4-FFF2-40B4-BE49-F238E27FC236}">
-                <a16:creationId xmlns:a16="http://schemas.microsoft.com/office/drawing/2014/main" id="{6D7A49AF-D5F1-FC31-E750-C02CCFE81D1F}"/>
-              </a:ext>
-            </a:extLst>
-          </p:cNvPr>
-          <p:cNvCxnSpPr>
-            <a:endCxn id="8" idx="2"/>
-          </p:cNvCxnSpPr>
-          <p:nvPr/>
-        </p:nvCxnSpPr>
-        <p:spPr bwMode="auto">
-          <a:xfrm>
-            <a:off x="5652120" y="4637970"/>
-            <a:ext cx="216024" cy="0"/>
-          </a:xfrm>
-          <a:prstGeom prst="line">
-            <a:avLst/>
-          </a:prstGeom>
-          <a:solidFill>
-            <a:schemeClr val="accent1"/>
-          </a:solidFill>
-          <a:ln w="19050" cap="flat" cmpd="sng" algn="ctr">
-            <a:solidFill>
-              <a:schemeClr val="tx1"/>
-            </a:solidFill>
-            <a:prstDash val="solid"/>
-            <a:round/>
-            <a:headEnd type="none" w="sm" len="sm"/>
-            <a:tailEnd type="none" w="sm" len="sm"/>
-          </a:ln>
-          <a:effectLst/>
-        </p:spPr>
-      </p:cxnSp>
-      <p:sp>
-        <p:nvSpPr>
-          <p:cNvPr id="12" name="Ellipse 11">
-            <a:extLst>
-              <a:ext uri="{FF2B5EF4-FFF2-40B4-BE49-F238E27FC236}">
-                <a16:creationId xmlns:a16="http://schemas.microsoft.com/office/drawing/2014/main" id="{F5298BD6-540F-23E3-0013-2118BE335BC8}"/>
-              </a:ext>
-            </a:extLst>
-          </p:cNvPr>
-          <p:cNvSpPr/>
-          <p:nvPr/>
-        </p:nvSpPr>
-        <p:spPr bwMode="auto">
-          <a:xfrm rot="18900000">
-            <a:off x="4720612" y="4137533"/>
-            <a:ext cx="288032" cy="288032"/>
-          </a:xfrm>
-          <a:prstGeom prst="ellipse">
-            <a:avLst/>
-          </a:prstGeom>
-          <a:solidFill>
-            <a:srgbClr val="008C5A"/>
-          </a:solidFill>
-          <a:ln w="19050" cap="flat" cmpd="sng" algn="ctr">
-            <a:solidFill>
-              <a:schemeClr val="tx1"/>
-            </a:solidFill>
-            <a:prstDash val="solid"/>
-            <a:round/>
-            <a:headEnd type="none" w="sm" len="sm"/>
-            <a:tailEnd type="none" w="sm" len="sm"/>
-          </a:ln>
-          <a:effectLst/>
-        </p:spPr>
-        <p:txBody>
-          <a:bodyPr vert="horz" wrap="square" lIns="91440" tIns="45720" rIns="91440" bIns="45720" numCol="1" rtlCol="0" anchor="t" anchorCtr="0" compatLnSpc="1">
-            <a:prstTxWarp prst="textNoShape">
-              <a:avLst/>
-            </a:prstTxWarp>
-          </a:bodyPr>
-          <a:lstStyle/>
-          <a:p>
-            <a:pPr marL="0" marR="0" indent="0" algn="l" defTabSz="914400" rtl="0" eaLnBrk="0" fontAlgn="base" latinLnBrk="0" hangingPunct="0">
-              <a:lnSpc>
-                <a:spcPct val="100000"/>
-              </a:lnSpc>
-              <a:spcBef>
-                <a:spcPct val="0"/>
-              </a:spcBef>
-              <a:spcAft>
-                <a:spcPct val="0"/>
-              </a:spcAft>
-              <a:buClrTx/>
-              <a:buSzTx/>
-              <a:buFontTx/>
-              <a:buNone/>
-              <a:tabLst/>
-            </a:pPr>
-            <a:endParaRPr kumimoji="0" lang="de-DE" sz="2400" b="0" i="0" u="none" strike="noStrike" cap="none" normalizeH="0" baseline="0" dirty="0">
-              <a:ln>
-                <a:noFill/>
-              </a:ln>
-              <a:solidFill>
-                <a:schemeClr val="tx1"/>
-              </a:solidFill>
-              <a:effectLst/>
-              <a:latin typeface="Times New Roman" pitchFamily="18" charset="0"/>
-            </a:endParaRPr>
-          </a:p>
-        </p:txBody>
-      </p:sp>
-      <p:cxnSp>
-        <p:nvCxnSpPr>
-          <p:cNvPr id="13" name="Gerader Verbinder 12">
-            <a:extLst>
-              <a:ext uri="{FF2B5EF4-FFF2-40B4-BE49-F238E27FC236}">
-                <a16:creationId xmlns:a16="http://schemas.microsoft.com/office/drawing/2014/main" id="{5B3D8803-F685-3CC3-C206-3E87CAB24B24}"/>
-              </a:ext>
-            </a:extLst>
-          </p:cNvPr>
-          <p:cNvCxnSpPr>
-            <a:cxnSpLocks/>
-            <a:endCxn id="12" idx="2"/>
-          </p:cNvCxnSpPr>
-          <p:nvPr/>
-        </p:nvCxnSpPr>
-        <p:spPr bwMode="auto">
-          <a:xfrm rot="18900000">
-            <a:off x="4578405" y="4459760"/>
-            <a:ext cx="216024" cy="0"/>
-          </a:xfrm>
-          <a:prstGeom prst="line">
-            <a:avLst/>
-          </a:prstGeom>
-          <a:solidFill>
-            <a:schemeClr val="accent1"/>
-          </a:solidFill>
-          <a:ln w="19050" cap="flat" cmpd="sng" algn="ctr">
-            <a:solidFill>
-              <a:schemeClr val="tx1"/>
-            </a:solidFill>
-            <a:prstDash val="solid"/>
-            <a:round/>
-            <a:headEnd type="none" w="sm" len="sm"/>
-            <a:tailEnd type="none" w="sm" len="sm"/>
-          </a:ln>
-          <a:effectLst/>
-        </p:spPr>
-      </p:cxnSp>
-      <p:sp>
-        <p:nvSpPr>
-          <p:cNvPr id="21" name="Ellipse 20">
-            <a:extLst>
-              <a:ext uri="{FF2B5EF4-FFF2-40B4-BE49-F238E27FC236}">
-                <a16:creationId xmlns:a16="http://schemas.microsoft.com/office/drawing/2014/main" id="{24B9CDB4-9181-958F-24AD-C1A9D4725175}"/>
-              </a:ext>
-            </a:extLst>
-          </p:cNvPr>
-          <p:cNvSpPr/>
-          <p:nvPr/>
-        </p:nvSpPr>
-        <p:spPr bwMode="auto">
-          <a:xfrm rot="18900000">
-            <a:off x="5072582" y="3776743"/>
-            <a:ext cx="288032" cy="288032"/>
-          </a:xfrm>
-          <a:prstGeom prst="ellipse">
-            <a:avLst/>
-          </a:prstGeom>
-          <a:solidFill>
-            <a:srgbClr val="008C5A"/>
-          </a:solidFill>
-          <a:ln w="19050" cap="flat" cmpd="sng" algn="ctr">
-            <a:solidFill>
-              <a:schemeClr val="tx1"/>
-            </a:solidFill>
-            <a:prstDash val="solid"/>
-            <a:round/>
-            <a:headEnd type="none" w="sm" len="sm"/>
-            <a:tailEnd type="none" w="sm" len="sm"/>
-          </a:ln>
-          <a:effectLst/>
-        </p:spPr>
-        <p:txBody>
-          <a:bodyPr vert="horz" wrap="square" lIns="91440" tIns="45720" rIns="91440" bIns="45720" numCol="1" rtlCol="0" anchor="t" anchorCtr="0" compatLnSpc="1">
-            <a:prstTxWarp prst="textNoShape">
-              <a:avLst/>
-            </a:prstTxWarp>
-          </a:bodyPr>
-          <a:lstStyle/>
-          <a:p>
-            <a:pPr marL="0" marR="0" indent="0" algn="l" defTabSz="914400" rtl="0" eaLnBrk="0" fontAlgn="base" latinLnBrk="0" hangingPunct="0">
-              <a:lnSpc>
-                <a:spcPct val="100000"/>
-              </a:lnSpc>
-              <a:spcBef>
-                <a:spcPct val="0"/>
-              </a:spcBef>
-              <a:spcAft>
-                <a:spcPct val="0"/>
-              </a:spcAft>
-              <a:buClrTx/>
-              <a:buSzTx/>
-              <a:buFontTx/>
-              <a:buNone/>
-              <a:tabLst/>
-            </a:pPr>
-            <a:endParaRPr kumimoji="0" lang="de-DE" sz="2400" b="0" i="0" u="none" strike="noStrike" cap="none" normalizeH="0" baseline="0">
-              <a:ln>
-                <a:noFill/>
-              </a:ln>
-              <a:solidFill>
-                <a:schemeClr val="tx1"/>
-              </a:solidFill>
-              <a:effectLst/>
-              <a:latin typeface="Times New Roman" pitchFamily="18" charset="0"/>
-            </a:endParaRPr>
-          </a:p>
-        </p:txBody>
-      </p:sp>
-      <p:cxnSp>
-        <p:nvCxnSpPr>
-          <p:cNvPr id="22" name="Gerader Verbinder 21">
-            <a:extLst>
-              <a:ext uri="{FF2B5EF4-FFF2-40B4-BE49-F238E27FC236}">
-                <a16:creationId xmlns:a16="http://schemas.microsoft.com/office/drawing/2014/main" id="{AC6C0621-C790-AE19-DBA4-68AD8760B6B8}"/>
-              </a:ext>
-            </a:extLst>
-          </p:cNvPr>
-          <p:cNvCxnSpPr>
-            <a:cxnSpLocks/>
-            <a:endCxn id="21" idx="2"/>
-          </p:cNvCxnSpPr>
-          <p:nvPr/>
-        </p:nvCxnSpPr>
-        <p:spPr bwMode="auto">
-          <a:xfrm rot="18900000">
-            <a:off x="4930375" y="4098970"/>
-            <a:ext cx="216024" cy="0"/>
-          </a:xfrm>
-          <a:prstGeom prst="line">
-            <a:avLst/>
-          </a:prstGeom>
-          <a:solidFill>
-            <a:schemeClr val="accent1"/>
-          </a:solidFill>
-          <a:ln w="19050" cap="flat" cmpd="sng" algn="ctr">
-            <a:solidFill>
-              <a:schemeClr val="tx1"/>
-            </a:solidFill>
-            <a:prstDash val="solid"/>
-            <a:round/>
-            <a:headEnd type="none" w="sm" len="sm"/>
-            <a:tailEnd type="none" w="sm" len="sm"/>
-          </a:ln>
-          <a:effectLst/>
-        </p:spPr>
-      </p:cxnSp>
-      <p:sp>
-        <p:nvSpPr>
-          <p:cNvPr id="24" name="Ellipse 23">
-            <a:extLst>
-              <a:ext uri="{FF2B5EF4-FFF2-40B4-BE49-F238E27FC236}">
-                <a16:creationId xmlns:a16="http://schemas.microsoft.com/office/drawing/2014/main" id="{C1CB366A-80E2-B34A-8CAA-01D231680BB3}"/>
-              </a:ext>
-            </a:extLst>
-          </p:cNvPr>
-          <p:cNvSpPr/>
-          <p:nvPr/>
-        </p:nvSpPr>
-        <p:spPr bwMode="auto">
-          <a:xfrm rot="18900000">
-            <a:off x="5440464" y="3419664"/>
-            <a:ext cx="288032" cy="288032"/>
-          </a:xfrm>
-          <a:prstGeom prst="ellipse">
-            <a:avLst/>
-          </a:prstGeom>
-          <a:solidFill>
-            <a:srgbClr val="008C5A"/>
-          </a:solidFill>
-          <a:ln w="19050" cap="flat" cmpd="sng" algn="ctr">
-            <a:solidFill>
-              <a:schemeClr val="tx1"/>
-            </a:solidFill>
-            <a:prstDash val="solid"/>
-            <a:round/>
-            <a:headEnd type="none" w="sm" len="sm"/>
-            <a:tailEnd type="none" w="sm" len="sm"/>
-          </a:ln>
-          <a:effectLst/>
-        </p:spPr>
-        <p:txBody>
-          <a:bodyPr vert="horz" wrap="square" lIns="91440" tIns="45720" rIns="91440" bIns="45720" numCol="1" rtlCol="0" anchor="t" anchorCtr="0" compatLnSpc="1">
-            <a:prstTxWarp prst="textNoShape">
-              <a:avLst/>
-            </a:prstTxWarp>
-          </a:bodyPr>
-          <a:lstStyle/>
-          <a:p>
-            <a:pPr marL="0" marR="0" indent="0" algn="l" defTabSz="914400" rtl="0" eaLnBrk="0" fontAlgn="base" latinLnBrk="0" hangingPunct="0">
-              <a:lnSpc>
-                <a:spcPct val="100000"/>
-              </a:lnSpc>
-              <a:spcBef>
-                <a:spcPct val="0"/>
-              </a:spcBef>
-              <a:spcAft>
-                <a:spcPct val="0"/>
-              </a:spcAft>
-              <a:buClrTx/>
-              <a:buSzTx/>
-              <a:buFontTx/>
-              <a:buNone/>
-              <a:tabLst/>
-            </a:pPr>
-            <a:endParaRPr kumimoji="0" lang="de-DE" sz="2400" b="0" i="0" u="none" strike="noStrike" cap="none" normalizeH="0" baseline="0">
-              <a:ln>
-                <a:noFill/>
-              </a:ln>
-              <a:solidFill>
-                <a:schemeClr val="tx1"/>
-              </a:solidFill>
-              <a:effectLst/>
-              <a:latin typeface="Times New Roman" pitchFamily="18" charset="0"/>
-            </a:endParaRPr>
-          </a:p>
-        </p:txBody>
-      </p:sp>
-      <p:cxnSp>
-        <p:nvCxnSpPr>
-          <p:cNvPr id="25" name="Gerader Verbinder 24">
-            <a:extLst>
-              <a:ext uri="{FF2B5EF4-FFF2-40B4-BE49-F238E27FC236}">
-                <a16:creationId xmlns:a16="http://schemas.microsoft.com/office/drawing/2014/main" id="{91F4DAAE-20C0-A358-F8E6-159483F59034}"/>
-              </a:ext>
-            </a:extLst>
-          </p:cNvPr>
-          <p:cNvCxnSpPr>
-            <a:cxnSpLocks/>
-            <a:endCxn id="24" idx="2"/>
-          </p:cNvCxnSpPr>
-          <p:nvPr/>
-        </p:nvCxnSpPr>
-        <p:spPr bwMode="auto">
-          <a:xfrm rot="18900000">
-            <a:off x="5298257" y="3741891"/>
-            <a:ext cx="216024" cy="0"/>
-          </a:xfrm>
-          <a:prstGeom prst="line">
-            <a:avLst/>
-          </a:prstGeom>
-          <a:solidFill>
-            <a:schemeClr val="accent1"/>
-          </a:solidFill>
-          <a:ln w="19050" cap="flat" cmpd="sng" algn="ctr">
-            <a:solidFill>
-              <a:schemeClr val="tx1"/>
-            </a:solidFill>
-            <a:prstDash val="solid"/>
-            <a:round/>
-            <a:headEnd type="none" w="sm" len="sm"/>
-            <a:tailEnd type="none" w="sm" len="sm"/>
-          </a:ln>
-          <a:effectLst/>
-        </p:spPr>
-      </p:cxnSp>
-      <p:sp>
-        <p:nvSpPr>
-          <p:cNvPr id="27" name="Ellipse 26">
-            <a:extLst>
-              <a:ext uri="{FF2B5EF4-FFF2-40B4-BE49-F238E27FC236}">
-                <a16:creationId xmlns:a16="http://schemas.microsoft.com/office/drawing/2014/main" id="{0DAA663F-74F9-824B-7814-D68B26ECEC5D}"/>
-              </a:ext>
-            </a:extLst>
-          </p:cNvPr>
-          <p:cNvSpPr/>
-          <p:nvPr/>
-        </p:nvSpPr>
-        <p:spPr bwMode="auto">
-          <a:xfrm rot="2700000">
-            <a:off x="4737334" y="4837147"/>
-            <a:ext cx="288032" cy="288032"/>
-          </a:xfrm>
-          <a:prstGeom prst="ellipse">
-            <a:avLst/>
-          </a:prstGeom>
-          <a:solidFill>
-            <a:srgbClr val="7030A0"/>
-          </a:solidFill>
-          <a:ln w="19050" cap="flat" cmpd="sng" algn="ctr">
-            <a:solidFill>
-              <a:schemeClr val="tx1"/>
-            </a:solidFill>
-            <a:prstDash val="solid"/>
-            <a:round/>
-            <a:headEnd type="none" w="sm" len="sm"/>
-            <a:tailEnd type="none" w="sm" len="sm"/>
-          </a:ln>
-          <a:effectLst/>
-        </p:spPr>
-        <p:txBody>
-          <a:bodyPr vert="horz" wrap="square" lIns="91440" tIns="45720" rIns="91440" bIns="45720" numCol="1" rtlCol="0" anchor="t" anchorCtr="0" compatLnSpc="1">
-            <a:prstTxWarp prst="textNoShape">
-              <a:avLst/>
-            </a:prstTxWarp>
-          </a:bodyPr>
-          <a:lstStyle/>
-          <a:p>
-            <a:pPr marL="0" marR="0" indent="0" algn="l" defTabSz="914400" rtl="0" eaLnBrk="0" fontAlgn="base" latinLnBrk="0" hangingPunct="0">
-              <a:lnSpc>
-                <a:spcPct val="100000"/>
-              </a:lnSpc>
-              <a:spcBef>
-                <a:spcPct val="0"/>
-              </a:spcBef>
-              <a:spcAft>
-                <a:spcPct val="0"/>
-              </a:spcAft>
-              <a:buClrTx/>
-              <a:buSzTx/>
-              <a:buFontTx/>
-              <a:buNone/>
-              <a:tabLst/>
-            </a:pPr>
-            <a:endParaRPr kumimoji="0" lang="de-DE" sz="2400" b="0" i="0" u="none" strike="noStrike" cap="none" normalizeH="0" baseline="0">
-              <a:ln>
-                <a:noFill/>
-              </a:ln>
-              <a:solidFill>
-                <a:schemeClr val="tx1"/>
-              </a:solidFill>
-              <a:effectLst/>
-              <a:latin typeface="Times New Roman" pitchFamily="18" charset="0"/>
-            </a:endParaRPr>
-          </a:p>
-        </p:txBody>
-      </p:sp>
-      <p:cxnSp>
-        <p:nvCxnSpPr>
-          <p:cNvPr id="28" name="Gerader Verbinder 27">
-            <a:extLst>
-              <a:ext uri="{FF2B5EF4-FFF2-40B4-BE49-F238E27FC236}">
-                <a16:creationId xmlns:a16="http://schemas.microsoft.com/office/drawing/2014/main" id="{D8B1459F-326E-9A00-8D75-7BE99926DE8D}"/>
-              </a:ext>
-            </a:extLst>
-          </p:cNvPr>
-          <p:cNvCxnSpPr>
-            <a:cxnSpLocks/>
-            <a:endCxn id="27" idx="2"/>
-          </p:cNvCxnSpPr>
-          <p:nvPr/>
-        </p:nvCxnSpPr>
-        <p:spPr bwMode="auto">
-          <a:xfrm rot="2700000">
-            <a:off x="4595127" y="4802952"/>
-            <a:ext cx="216024" cy="0"/>
-          </a:xfrm>
-          <a:prstGeom prst="line">
-            <a:avLst/>
-          </a:prstGeom>
-          <a:solidFill>
-            <a:schemeClr val="accent1"/>
-          </a:solidFill>
-          <a:ln w="19050" cap="flat" cmpd="sng" algn="ctr">
-            <a:solidFill>
-              <a:schemeClr val="tx1"/>
-            </a:solidFill>
-            <a:prstDash val="solid"/>
-            <a:round/>
-            <a:headEnd type="none" w="sm" len="sm"/>
-            <a:tailEnd type="none" w="sm" len="sm"/>
-          </a:ln>
-          <a:effectLst/>
-        </p:spPr>
-      </p:cxnSp>
-      <p:sp>
-        <p:nvSpPr>
-          <p:cNvPr id="30" name="Ellipse 29">
-            <a:extLst>
-              <a:ext uri="{FF2B5EF4-FFF2-40B4-BE49-F238E27FC236}">
-                <a16:creationId xmlns:a16="http://schemas.microsoft.com/office/drawing/2014/main" id="{10D2FCAE-82E3-17F9-B73C-ACA5C9BDCDFB}"/>
-              </a:ext>
-            </a:extLst>
-          </p:cNvPr>
-          <p:cNvSpPr/>
-          <p:nvPr/>
-        </p:nvSpPr>
-        <p:spPr bwMode="auto">
-          <a:xfrm rot="2700000">
-            <a:off x="5098124" y="5189117"/>
-            <a:ext cx="288032" cy="288032"/>
-          </a:xfrm>
-          <a:prstGeom prst="ellipse">
-            <a:avLst/>
-          </a:prstGeom>
-          <a:solidFill>
-            <a:srgbClr val="7030A0"/>
-          </a:solidFill>
-          <a:ln w="19050" cap="flat" cmpd="sng" algn="ctr">
-            <a:solidFill>
-              <a:schemeClr val="tx1"/>
-            </a:solidFill>
-            <a:prstDash val="solid"/>
-            <a:round/>
-            <a:headEnd type="none" w="sm" len="sm"/>
-            <a:tailEnd type="none" w="sm" len="sm"/>
-          </a:ln>
-          <a:effectLst/>
-        </p:spPr>
-        <p:txBody>
-          <a:bodyPr vert="horz" wrap="square" lIns="91440" tIns="45720" rIns="91440" bIns="45720" numCol="1" rtlCol="0" anchor="t" anchorCtr="0" compatLnSpc="1">
-            <a:prstTxWarp prst="textNoShape">
-              <a:avLst/>
-            </a:prstTxWarp>
-          </a:bodyPr>
-          <a:lstStyle/>
-          <a:p>
-            <a:pPr marL="0" marR="0" indent="0" algn="l" defTabSz="914400" rtl="0" eaLnBrk="0" fontAlgn="base" latinLnBrk="0" hangingPunct="0">
-              <a:lnSpc>
-                <a:spcPct val="100000"/>
-              </a:lnSpc>
-              <a:spcBef>
-                <a:spcPct val="0"/>
-              </a:spcBef>
-              <a:spcAft>
-                <a:spcPct val="0"/>
-              </a:spcAft>
-              <a:buClrTx/>
-              <a:buSzTx/>
-              <a:buFontTx/>
-              <a:buNone/>
-              <a:tabLst/>
-            </a:pPr>
-            <a:endParaRPr kumimoji="0" lang="de-DE" sz="2400" b="0" i="0" u="none" strike="noStrike" cap="none" normalizeH="0" baseline="0">
-              <a:ln>
-                <a:noFill/>
-              </a:ln>
-              <a:solidFill>
-                <a:schemeClr val="tx1"/>
-              </a:solidFill>
-              <a:effectLst/>
-              <a:latin typeface="Times New Roman" pitchFamily="18" charset="0"/>
-            </a:endParaRPr>
-          </a:p>
-        </p:txBody>
-      </p:sp>
-      <p:cxnSp>
-        <p:nvCxnSpPr>
-          <p:cNvPr id="31" name="Gerader Verbinder 30">
-            <a:extLst>
-              <a:ext uri="{FF2B5EF4-FFF2-40B4-BE49-F238E27FC236}">
-                <a16:creationId xmlns:a16="http://schemas.microsoft.com/office/drawing/2014/main" id="{5F2B3448-8BD7-07D5-2A70-D1ED30AC0397}"/>
-              </a:ext>
-            </a:extLst>
-          </p:cNvPr>
-          <p:cNvCxnSpPr>
-            <a:cxnSpLocks/>
-            <a:endCxn id="30" idx="2"/>
-          </p:cNvCxnSpPr>
-          <p:nvPr/>
-        </p:nvCxnSpPr>
-        <p:spPr bwMode="auto">
-          <a:xfrm rot="2700000">
-            <a:off x="4955917" y="5154922"/>
-            <a:ext cx="216024" cy="0"/>
-          </a:xfrm>
-          <a:prstGeom prst="line">
-            <a:avLst/>
-          </a:prstGeom>
-          <a:solidFill>
-            <a:schemeClr val="accent1"/>
-          </a:solidFill>
-          <a:ln w="19050" cap="flat" cmpd="sng" algn="ctr">
-            <a:solidFill>
-              <a:schemeClr val="tx1"/>
-            </a:solidFill>
-            <a:prstDash val="solid"/>
-            <a:round/>
-            <a:headEnd type="none" w="sm" len="sm"/>
-            <a:tailEnd type="none" w="sm" len="sm"/>
-          </a:ln>
-          <a:effectLst/>
-        </p:spPr>
-      </p:cxnSp>
-      <p:sp>
-        <p:nvSpPr>
-          <p:cNvPr id="33" name="Ellipse 32">
-            <a:extLst>
-              <a:ext uri="{FF2B5EF4-FFF2-40B4-BE49-F238E27FC236}">
-                <a16:creationId xmlns:a16="http://schemas.microsoft.com/office/drawing/2014/main" id="{36A18F51-D837-EC37-3076-1998B06ADC81}"/>
-              </a:ext>
-            </a:extLst>
-          </p:cNvPr>
-          <p:cNvSpPr/>
-          <p:nvPr/>
-        </p:nvSpPr>
-        <p:spPr bwMode="auto">
-          <a:xfrm rot="2700000">
-            <a:off x="5455203" y="5556999"/>
-            <a:ext cx="288032" cy="288032"/>
-          </a:xfrm>
-          <a:prstGeom prst="ellipse">
-            <a:avLst/>
-          </a:prstGeom>
-          <a:solidFill>
-            <a:srgbClr val="7030A0"/>
-          </a:solidFill>
-          <a:ln w="19050" cap="flat" cmpd="sng" algn="ctr">
-            <a:solidFill>
-              <a:schemeClr val="tx1"/>
-            </a:solidFill>
-            <a:prstDash val="solid"/>
-            <a:round/>
-            <a:headEnd type="none" w="sm" len="sm"/>
-            <a:tailEnd type="none" w="sm" len="sm"/>
-          </a:ln>
-          <a:effectLst/>
-        </p:spPr>
-        <p:txBody>
-          <a:bodyPr vert="horz" wrap="square" lIns="91440" tIns="45720" rIns="91440" bIns="45720" numCol="1" rtlCol="0" anchor="t" anchorCtr="0" compatLnSpc="1">
-            <a:prstTxWarp prst="textNoShape">
-              <a:avLst/>
-            </a:prstTxWarp>
-          </a:bodyPr>
-          <a:lstStyle/>
-          <a:p>
-            <a:pPr marL="0" marR="0" indent="0" algn="l" defTabSz="914400" rtl="0" eaLnBrk="0" fontAlgn="base" latinLnBrk="0" hangingPunct="0">
-              <a:lnSpc>
-                <a:spcPct val="100000"/>
-              </a:lnSpc>
-              <a:spcBef>
-                <a:spcPct val="0"/>
-              </a:spcBef>
-              <a:spcAft>
-                <a:spcPct val="0"/>
-              </a:spcAft>
-              <a:buClrTx/>
-              <a:buSzTx/>
-              <a:buFontTx/>
-              <a:buNone/>
-              <a:tabLst/>
-            </a:pPr>
-            <a:endParaRPr kumimoji="0" lang="de-DE" sz="2400" b="0" i="0" u="none" strike="noStrike" cap="none" normalizeH="0" baseline="0">
-              <a:ln>
-                <a:noFill/>
-              </a:ln>
-              <a:solidFill>
-                <a:schemeClr val="tx1"/>
-              </a:solidFill>
-              <a:effectLst/>
-              <a:latin typeface="Times New Roman" pitchFamily="18" charset="0"/>
-            </a:endParaRPr>
-          </a:p>
-        </p:txBody>
-      </p:sp>
-      <p:cxnSp>
-        <p:nvCxnSpPr>
-          <p:cNvPr id="34" name="Gerader Verbinder 33">
-            <a:extLst>
-              <a:ext uri="{FF2B5EF4-FFF2-40B4-BE49-F238E27FC236}">
-                <a16:creationId xmlns:a16="http://schemas.microsoft.com/office/drawing/2014/main" id="{6E95AD40-1AE6-E6BB-E783-C40580ED10EA}"/>
-              </a:ext>
-            </a:extLst>
-          </p:cNvPr>
-          <p:cNvCxnSpPr>
-            <a:cxnSpLocks/>
-            <a:endCxn id="33" idx="2"/>
-          </p:cNvCxnSpPr>
-          <p:nvPr/>
-        </p:nvCxnSpPr>
-        <p:spPr bwMode="auto">
-          <a:xfrm rot="2700000">
-            <a:off x="5312996" y="5522804"/>
-            <a:ext cx="216024" cy="0"/>
-          </a:xfrm>
-          <a:prstGeom prst="line">
-            <a:avLst/>
-          </a:prstGeom>
-          <a:solidFill>
-            <a:schemeClr val="accent1"/>
-          </a:solidFill>
-          <a:ln w="19050" cap="flat" cmpd="sng" algn="ctr">
-            <a:solidFill>
-              <a:schemeClr val="tx1"/>
-            </a:solidFill>
-            <a:prstDash val="solid"/>
-            <a:round/>
-            <a:headEnd type="none" w="sm" len="sm"/>
-            <a:tailEnd type="none" w="sm" len="sm"/>
-          </a:ln>
-          <a:effectLst/>
-        </p:spPr>
-      </p:cxnSp>
-      <p:sp>
-        <p:nvSpPr>
-          <p:cNvPr id="36" name="Textfeld 35">
-            <a:extLst>
-              <a:ext uri="{FF2B5EF4-FFF2-40B4-BE49-F238E27FC236}">
-                <a16:creationId xmlns:a16="http://schemas.microsoft.com/office/drawing/2014/main" id="{B3735663-1826-5083-BC04-81EFD72F822C}"/>
-              </a:ext>
-            </a:extLst>
-          </p:cNvPr>
-          <p:cNvSpPr txBox="1"/>
-          <p:nvPr/>
-        </p:nvSpPr>
-        <p:spPr bwMode="auto">
-          <a:xfrm>
-            <a:off x="6120172" y="4482847"/>
-            <a:ext cx="720080" cy="276999"/>
-          </a:xfrm>
-          <a:prstGeom prst="rect">
-            <a:avLst/>
-          </a:prstGeom>
-          <a:noFill/>
-          <a:ln w="9525">
-            <a:noFill/>
-            <a:miter lim="800000"/>
-            <a:headEnd/>
-            <a:tailEnd/>
-          </a:ln>
-        </p:spPr>
-        <p:txBody>
-          <a:bodyPr wrap="square" rtlCol="0" anchor="ctr">
-            <a:spAutoFit/>
-          </a:bodyPr>
-          <a:lstStyle/>
-          <a:p>
-            <a:pPr eaLnBrk="1" hangingPunct="1"/>
-            <a:r>
-              <a:rPr lang="de-DE" sz="1200" dirty="0" err="1">
-                <a:solidFill>
-                  <a:srgbClr val="0249FC"/>
-                </a:solidFill>
-                <a:latin typeface="Arial" charset="0"/>
-              </a:rPr>
-              <a:t>main</a:t>
-            </a:r>
-            <a:endParaRPr lang="de-DE" sz="1200" dirty="0">
-              <a:solidFill>
-                <a:srgbClr val="0249FC"/>
-              </a:solidFill>
-              <a:latin typeface="Arial" charset="0"/>
-            </a:endParaRPr>
-          </a:p>
-        </p:txBody>
-      </p:sp>
-      <p:sp>
-        <p:nvSpPr>
-          <p:cNvPr id="37" name="Textfeld 36">
-            <a:extLst>
-              <a:ext uri="{FF2B5EF4-FFF2-40B4-BE49-F238E27FC236}">
-                <a16:creationId xmlns:a16="http://schemas.microsoft.com/office/drawing/2014/main" id="{AFE0D8DA-85CA-0648-FE1A-68A82C57267E}"/>
-              </a:ext>
-            </a:extLst>
-          </p:cNvPr>
-          <p:cNvSpPr txBox="1"/>
-          <p:nvPr/>
-        </p:nvSpPr>
-        <p:spPr bwMode="auto">
-          <a:xfrm>
-            <a:off x="5724128" y="3404413"/>
-            <a:ext cx="792088" cy="276999"/>
-          </a:xfrm>
-          <a:prstGeom prst="rect">
-            <a:avLst/>
-          </a:prstGeom>
-          <a:noFill/>
-          <a:ln w="9525">
-            <a:noFill/>
-            <a:miter lim="800000"/>
-            <a:headEnd/>
-            <a:tailEnd/>
-          </a:ln>
-        </p:spPr>
-        <p:txBody>
-          <a:bodyPr wrap="square" rtlCol="0" anchor="ctr">
-            <a:spAutoFit/>
-          </a:bodyPr>
-          <a:lstStyle/>
-          <a:p>
-            <a:pPr eaLnBrk="1" hangingPunct="1"/>
-            <a:r>
-              <a:rPr lang="de-DE" sz="1200" dirty="0">
-                <a:solidFill>
-                  <a:srgbClr val="008C5A"/>
-                </a:solidFill>
-                <a:latin typeface="Arial" charset="0"/>
-              </a:rPr>
-              <a:t>feature1</a:t>
-            </a:r>
-          </a:p>
-        </p:txBody>
-      </p:sp>
-      <p:sp>
-        <p:nvSpPr>
-          <p:cNvPr id="38" name="Textfeld 37">
-            <a:extLst>
-              <a:ext uri="{FF2B5EF4-FFF2-40B4-BE49-F238E27FC236}">
-                <a16:creationId xmlns:a16="http://schemas.microsoft.com/office/drawing/2014/main" id="{38806947-E25F-4027-3BD1-F2C151C0C79D}"/>
-              </a:ext>
-            </a:extLst>
-          </p:cNvPr>
-          <p:cNvSpPr txBox="1"/>
-          <p:nvPr/>
-        </p:nvSpPr>
-        <p:spPr bwMode="auto">
-          <a:xfrm>
-            <a:off x="5760132" y="5576906"/>
-            <a:ext cx="792088" cy="276999"/>
-          </a:xfrm>
-          <a:prstGeom prst="rect">
-            <a:avLst/>
-          </a:prstGeom>
-          <a:noFill/>
-          <a:ln w="9525">
-            <a:noFill/>
-            <a:miter lim="800000"/>
-            <a:headEnd/>
-            <a:tailEnd/>
-          </a:ln>
-        </p:spPr>
-        <p:txBody>
-          <a:bodyPr wrap="square" rtlCol="0" anchor="ctr">
-            <a:spAutoFit/>
-          </a:bodyPr>
-          <a:lstStyle/>
-          <a:p>
-            <a:pPr eaLnBrk="1" hangingPunct="1"/>
-            <a:r>
-              <a:rPr lang="de-DE" sz="1200" dirty="0">
-                <a:solidFill>
-                  <a:srgbClr val="7030A0"/>
-                </a:solidFill>
-                <a:latin typeface="Arial" charset="0"/>
-              </a:rPr>
-              <a:t>feature2</a:t>
-            </a:r>
-          </a:p>
-        </p:txBody>
-      </p:sp>
-      <p:cxnSp>
-        <p:nvCxnSpPr>
-          <p:cNvPr id="40" name="Gerade Verbindung mit Pfeil 39">
-            <a:extLst>
-              <a:ext uri="{FF2B5EF4-FFF2-40B4-BE49-F238E27FC236}">
-                <a16:creationId xmlns:a16="http://schemas.microsoft.com/office/drawing/2014/main" id="{13FD3CDA-2657-1084-1AE4-2C5874D8322A}"/>
-              </a:ext>
-            </a:extLst>
-          </p:cNvPr>
-          <p:cNvCxnSpPr>
-            <a:cxnSpLocks/>
-          </p:cNvCxnSpPr>
-          <p:nvPr/>
-        </p:nvCxnSpPr>
-        <p:spPr bwMode="auto">
-          <a:xfrm>
-            <a:off x="5586865" y="3753277"/>
-            <a:ext cx="12354" cy="1738731"/>
-          </a:xfrm>
-          <a:prstGeom prst="straightConnector1">
-            <a:avLst/>
-          </a:prstGeom>
-          <a:solidFill>
-            <a:schemeClr val="accent1"/>
-          </a:solidFill>
-          <a:ln w="76200" cap="flat" cmpd="sng" algn="ctr">
-            <a:solidFill>
-              <a:srgbClr val="FFC000"/>
-            </a:solidFill>
-            <a:prstDash val="solid"/>
-            <a:round/>
-            <a:headEnd type="triangle"/>
-            <a:tailEnd type="triangle"/>
-          </a:ln>
-          <a:effectLst>
-            <a:glow rad="63500">
-              <a:schemeClr val="accent4">
-                <a:satMod val="175000"/>
-                <a:alpha val="40000"/>
-              </a:schemeClr>
-            </a:glow>
-          </a:effectLst>
-        </p:spPr>
-      </p:cxnSp>
-      <p:sp>
-        <p:nvSpPr>
-          <p:cNvPr id="42" name="Gewitterblitz 41">
-            <a:extLst>
-              <a:ext uri="{FF2B5EF4-FFF2-40B4-BE49-F238E27FC236}">
-                <a16:creationId xmlns:a16="http://schemas.microsoft.com/office/drawing/2014/main" id="{F3CC5856-E024-39FD-B0AE-569578796254}"/>
-              </a:ext>
-            </a:extLst>
-          </p:cNvPr>
-          <p:cNvSpPr/>
-          <p:nvPr/>
-        </p:nvSpPr>
-        <p:spPr bwMode="auto">
-          <a:xfrm rot="19809464" flipH="1">
-            <a:off x="5401968" y="4470905"/>
-            <a:ext cx="369792" cy="269575"/>
-          </a:xfrm>
-          <a:prstGeom prst="lightningBolt">
-            <a:avLst/>
-          </a:prstGeom>
-          <a:solidFill>
-            <a:srgbClr val="FFC000"/>
-          </a:solidFill>
-          <a:ln w="12700" cap="flat" cmpd="sng" algn="ctr">
-            <a:solidFill>
-              <a:schemeClr val="tx1"/>
-            </a:solidFill>
-            <a:prstDash val="solid"/>
-            <a:round/>
-            <a:headEnd type="none" w="sm" len="sm"/>
-            <a:tailEnd type="none" w="sm" len="sm"/>
-          </a:ln>
-          <a:effectLst>
-            <a:glow rad="63500">
-              <a:schemeClr val="accent4">
-                <a:satMod val="175000"/>
-                <a:alpha val="40000"/>
-              </a:schemeClr>
-            </a:glow>
-          </a:effectLst>
-        </p:spPr>
-        <p:txBody>
-          <a:bodyPr vert="horz" wrap="square" lIns="91440" tIns="45720" rIns="91440" bIns="45720" numCol="1" rtlCol="0" anchor="t" anchorCtr="0" compatLnSpc="1">
-            <a:prstTxWarp prst="textNoShape">
-              <a:avLst/>
-            </a:prstTxWarp>
-          </a:bodyPr>
-          <a:lstStyle/>
-          <a:p>
-            <a:pPr marL="0" marR="0" indent="0" algn="l" defTabSz="914400" rtl="0" eaLnBrk="0" fontAlgn="base" latinLnBrk="0" hangingPunct="0">
-              <a:lnSpc>
-                <a:spcPct val="100000"/>
-              </a:lnSpc>
-              <a:spcBef>
-                <a:spcPct val="0"/>
-              </a:spcBef>
-              <a:spcAft>
-                <a:spcPct val="0"/>
-              </a:spcAft>
-              <a:buClrTx/>
-              <a:buSzTx/>
-              <a:buFontTx/>
-              <a:buNone/>
-              <a:tabLst/>
-            </a:pPr>
-            <a:endParaRPr kumimoji="0" lang="de-DE" sz="2400" b="0" i="0" u="none" strike="noStrike" cap="none" normalizeH="0" baseline="0">
-              <a:ln>
-                <a:noFill/>
-              </a:ln>
-              <a:solidFill>
-                <a:schemeClr val="tx1"/>
-              </a:solidFill>
-              <a:effectLst/>
-              <a:latin typeface="Times New Roman" pitchFamily="18" charset="0"/>
-            </a:endParaRPr>
-          </a:p>
-        </p:txBody>
-      </p:sp>
     </p:spTree>
     <p:extLst>
       <p:ext uri="{BB962C8B-B14F-4D97-AF65-F5344CB8AC3E}">
-        <p14:creationId xmlns:p14="http://schemas.microsoft.com/office/powerpoint/2010/main" val="3955948481"/>
+        <p14:creationId xmlns:p14="http://schemas.microsoft.com/office/powerpoint/2010/main" val="1574715531"/>
       </p:ext>
     </p:extLst>
   </p:cSld>

--- a/slides/Tag-1_6-Git-Workflow-im-Team.pptx
+++ b/slides/Tag-1_6-Git-Workflow-im-Team.pptx
@@ -3513,6 +3513,42 @@
           </a:p>
         </p:txBody>
       </p:sp>
+      <p:pic>
+        <p:nvPicPr>
+          <p:cNvPr id="2" name="Grafik 1">
+            <a:extLst>
+              <a:ext uri="{FF2B5EF4-FFF2-40B4-BE49-F238E27FC236}">
+                <a16:creationId xmlns:a16="http://schemas.microsoft.com/office/drawing/2014/main" id="{30C207F9-F74E-987D-4EC9-6B5B29287D82}"/>
+              </a:ext>
+            </a:extLst>
+          </p:cNvPr>
+          <p:cNvPicPr>
+            <a:picLocks noChangeAspect="1"/>
+          </p:cNvPicPr>
+          <p:nvPr userDrawn="1"/>
+        </p:nvPicPr>
+        <p:blipFill>
+          <a:blip r:embed="rId5">
+            <a:extLst>
+              <a:ext uri="{28A0092B-C50C-407E-A947-70E740481C1C}">
+                <a14:useLocalDpi xmlns:a14="http://schemas.microsoft.com/office/drawing/2010/main" val="0"/>
+              </a:ext>
+            </a:extLst>
+          </a:blip>
+          <a:stretch>
+            <a:fillRect/>
+          </a:stretch>
+        </p:blipFill>
+        <p:spPr>
+          <a:xfrm>
+            <a:off x="3383868" y="4481736"/>
+            <a:ext cx="2376264" cy="2376264"/>
+          </a:xfrm>
+          <a:prstGeom prst="rect">
+            <a:avLst/>
+          </a:prstGeom>
+        </p:spPr>
+      </p:pic>
     </p:spTree>
   </p:cSld>
   <p:clrMap bg1="lt1" tx1="dk1" bg2="lt2" tx2="dk2" accent1="accent1" accent2="accent2" accent3="accent3" accent4="accent4" accent5="accent5" accent6="accent6" hlink="hlink" folHlink="folHlink"/>

--- a/slides/Tag-1_6-Git-Workflow-im-Team.pptx
+++ b/slides/Tag-1_6-Git-Workflow-im-Team.pptx
@@ -1955,7 +1955,7 @@
               <a:pPr algn="ctr">
                 <a:defRPr/>
               </a:pPr>
-              <a:t>10.06.2024</a:t>
+              <a:t>11.06.2024</a:t>
             </a:fld>
             <a:endParaRPr lang="de-DE" sz="1000" dirty="0">
               <a:solidFill>
@@ -2804,6 +2804,42 @@
           </a:p>
         </p:txBody>
       </p:sp>
+      <p:pic>
+        <p:nvPicPr>
+          <p:cNvPr id="3" name="Grafik 2">
+            <a:extLst>
+              <a:ext uri="{FF2B5EF4-FFF2-40B4-BE49-F238E27FC236}">
+                <a16:creationId xmlns:a16="http://schemas.microsoft.com/office/drawing/2014/main" id="{67E8DA32-C747-2F33-241F-6A11DD01CE44}"/>
+              </a:ext>
+            </a:extLst>
+          </p:cNvPr>
+          <p:cNvPicPr>
+            <a:picLocks noChangeAspect="1"/>
+          </p:cNvPicPr>
+          <p:nvPr userDrawn="1"/>
+        </p:nvPicPr>
+        <p:blipFill>
+          <a:blip r:embed="rId7">
+            <a:extLst>
+              <a:ext uri="{28A0092B-C50C-407E-A947-70E740481C1C}">
+                <a14:useLocalDpi xmlns:a14="http://schemas.microsoft.com/office/drawing/2010/main" val="0"/>
+              </a:ext>
+            </a:extLst>
+          </a:blip>
+          <a:stretch>
+            <a:fillRect/>
+          </a:stretch>
+        </p:blipFill>
+        <p:spPr>
+          <a:xfrm>
+            <a:off x="8486775" y="-15729"/>
+            <a:ext cx="636272" cy="636272"/>
+          </a:xfrm>
+          <a:prstGeom prst="rect">
+            <a:avLst/>
+          </a:prstGeom>
+        </p:spPr>
+      </p:pic>
     </p:spTree>
   </p:cSld>
   <p:clrMap bg1="lt1" tx1="dk1" bg2="lt2" tx2="dk2" accent1="accent1" accent2="accent2" accent3="accent3" accent4="accent4" accent5="accent5" accent6="accent6" hlink="hlink" folHlink="folHlink"/>
@@ -4089,7 +4125,7 @@
               <a:pPr algn="ctr">
                 <a:defRPr/>
               </a:pPr>
-              <a:t>10.06.2024</a:t>
+              <a:t>11.06.2024</a:t>
             </a:fld>
             <a:endParaRPr lang="de-DE" sz="1000">
               <a:solidFill>
@@ -4938,6 +4974,42 @@
           </a:p>
         </p:txBody>
       </p:sp>
+      <p:pic>
+        <p:nvPicPr>
+          <p:cNvPr id="3" name="Grafik 2">
+            <a:extLst>
+              <a:ext uri="{FF2B5EF4-FFF2-40B4-BE49-F238E27FC236}">
+                <a16:creationId xmlns:a16="http://schemas.microsoft.com/office/drawing/2014/main" id="{98482AA6-8150-06B1-6602-5591491C19F7}"/>
+              </a:ext>
+            </a:extLst>
+          </p:cNvPr>
+          <p:cNvPicPr>
+            <a:picLocks noChangeAspect="1"/>
+          </p:cNvPicPr>
+          <p:nvPr userDrawn="1"/>
+        </p:nvPicPr>
+        <p:blipFill>
+          <a:blip r:embed="rId7">
+            <a:extLst>
+              <a:ext uri="{28A0092B-C50C-407E-A947-70E740481C1C}">
+                <a14:useLocalDpi xmlns:a14="http://schemas.microsoft.com/office/drawing/2010/main" val="0"/>
+              </a:ext>
+            </a:extLst>
+          </a:blip>
+          <a:stretch>
+            <a:fillRect/>
+          </a:stretch>
+        </p:blipFill>
+        <p:spPr>
+          <a:xfrm>
+            <a:off x="8486775" y="-15729"/>
+            <a:ext cx="636272" cy="636272"/>
+          </a:xfrm>
+          <a:prstGeom prst="rect">
+            <a:avLst/>
+          </a:prstGeom>
+        </p:spPr>
+      </p:pic>
     </p:spTree>
     <p:extLst>
       <p:ext uri="{BB962C8B-B14F-4D97-AF65-F5344CB8AC3E}">

--- a/slides/Tag-1_6-Git-Workflow-im-Team.pptx
+++ b/slides/Tag-1_6-Git-Workflow-im-Team.pptx
@@ -1955,7 +1955,7 @@
               <a:pPr algn="ctr">
                 <a:defRPr/>
               </a:pPr>
-              <a:t>11.06.2024</a:t>
+              <a:t>13.06.2024</a:t>
             </a:fld>
             <a:endParaRPr lang="de-DE" sz="1000" dirty="0">
               <a:solidFill>
@@ -2339,8 +2339,8 @@
         </p:nvSpPr>
         <p:spPr bwMode="auto">
           <a:xfrm>
-            <a:off x="4252913" y="6424613"/>
-            <a:ext cx="2608406" cy="246221"/>
+            <a:off x="3750905" y="6424613"/>
+            <a:ext cx="2332690" cy="246221"/>
           </a:xfrm>
           <a:prstGeom prst="rect">
             <a:avLst/>
@@ -2370,7 +2370,7 @@
                 </a:solidFill>
                 <a:latin typeface="Arial" charset="0"/>
               </a:rPr>
-              <a:t>Tag-1_6-Git-Workflow-im-Team_Light.pptx</a:t>
+              <a:t>Tag-1_6-Git-Workflow-im-Team.pptx</a:t>
             </a:r>
             <a:endParaRPr lang="de-DE" dirty="0">
               <a:solidFill>
@@ -4125,7 +4125,7 @@
               <a:pPr algn="ctr">
                 <a:defRPr/>
               </a:pPr>
-              <a:t>11.06.2024</a:t>
+              <a:t>13.06.2024</a:t>
             </a:fld>
             <a:endParaRPr lang="de-DE" sz="1000">
               <a:solidFill>
@@ -4495,64 +4495,6 @@
       </p:sp>
       <p:sp>
         <p:nvSpPr>
-          <p:cNvPr id="1054" name="Text Box 30">
-            <a:extLst>
-              <a:ext uri="{FF2B5EF4-FFF2-40B4-BE49-F238E27FC236}">
-                <a16:creationId xmlns:a16="http://schemas.microsoft.com/office/drawing/2014/main" id="{9346920B-D70B-3A57-06DF-529E537954C8}"/>
-              </a:ext>
-            </a:extLst>
-          </p:cNvPr>
-          <p:cNvSpPr txBox="1">
-            <a:spLocks noChangeArrowheads="1"/>
-          </p:cNvSpPr>
-          <p:nvPr/>
-        </p:nvSpPr>
-        <p:spPr bwMode="auto">
-          <a:xfrm>
-            <a:off x="4252913" y="6424613"/>
-            <a:ext cx="2608406" cy="246221"/>
-          </a:xfrm>
-          <a:prstGeom prst="rect">
-            <a:avLst/>
-          </a:prstGeom>
-          <a:noFill/>
-          <a:ln w="12700">
-            <a:noFill/>
-            <a:miter lim="800000"/>
-            <a:headEnd type="none" w="sm" len="sm"/>
-            <a:tailEnd type="none" w="sm" len="sm"/>
-          </a:ln>
-          <a:effectLst/>
-        </p:spPr>
-        <p:txBody>
-          <a:bodyPr wrap="none">
-            <a:spAutoFit/>
-          </a:bodyPr>
-          <a:lstStyle/>
-          <a:p>
-            <a:pPr defTabSz="762000">
-              <a:defRPr/>
-            </a:pPr>
-            <a:r>
-              <a:rPr lang="de-DE" sz="1000" dirty="0">
-                <a:solidFill>
-                  <a:schemeClr val="bg1"/>
-                </a:solidFill>
-                <a:latin typeface="Arial" charset="0"/>
-              </a:rPr>
-              <a:t>Tag-1_6-Git-Workflow-im-Team_Light.pptx</a:t>
-            </a:r>
-            <a:endParaRPr lang="de-DE" dirty="0">
-              <a:solidFill>
-                <a:schemeClr val="bg1"/>
-              </a:solidFill>
-              <a:latin typeface="Arial" pitchFamily="34" charset="0"/>
-            </a:endParaRPr>
-          </a:p>
-        </p:txBody>
-      </p:sp>
-      <p:sp>
-        <p:nvSpPr>
           <p:cNvPr id="1063" name="Rectangle 39">
             <a:hlinkClick r:id="rId4"/>
             <a:extLst>
@@ -5010,6 +4952,64 @@
           </a:prstGeom>
         </p:spPr>
       </p:pic>
+      <p:sp>
+        <p:nvSpPr>
+          <p:cNvPr id="4" name="Text Box 30">
+            <a:extLst>
+              <a:ext uri="{FF2B5EF4-FFF2-40B4-BE49-F238E27FC236}">
+                <a16:creationId xmlns:a16="http://schemas.microsoft.com/office/drawing/2014/main" id="{260288F0-8A1A-C70C-294B-B03ED2C27B62}"/>
+              </a:ext>
+            </a:extLst>
+          </p:cNvPr>
+          <p:cNvSpPr txBox="1">
+            <a:spLocks noChangeArrowheads="1"/>
+          </p:cNvSpPr>
+          <p:nvPr userDrawn="1"/>
+        </p:nvSpPr>
+        <p:spPr bwMode="auto">
+          <a:xfrm>
+            <a:off x="3750905" y="6424613"/>
+            <a:ext cx="2332690" cy="246221"/>
+          </a:xfrm>
+          <a:prstGeom prst="rect">
+            <a:avLst/>
+          </a:prstGeom>
+          <a:noFill/>
+          <a:ln w="12700">
+            <a:noFill/>
+            <a:miter lim="800000"/>
+            <a:headEnd type="none" w="sm" len="sm"/>
+            <a:tailEnd type="none" w="sm" len="sm"/>
+          </a:ln>
+          <a:effectLst/>
+        </p:spPr>
+        <p:txBody>
+          <a:bodyPr wrap="none">
+            <a:spAutoFit/>
+          </a:bodyPr>
+          <a:lstStyle/>
+          <a:p>
+            <a:pPr defTabSz="762000">
+              <a:defRPr/>
+            </a:pPr>
+            <a:r>
+              <a:rPr lang="de-DE" sz="1000" dirty="0">
+                <a:solidFill>
+                  <a:schemeClr val="bg1"/>
+                </a:solidFill>
+                <a:latin typeface="Arial" charset="0"/>
+              </a:rPr>
+              <a:t>Tag-1_6-Git-Workflow-im-Team.pptx</a:t>
+            </a:r>
+            <a:endParaRPr lang="de-DE" dirty="0">
+              <a:solidFill>
+                <a:schemeClr val="bg1"/>
+              </a:solidFill>
+              <a:latin typeface="Arial" pitchFamily="34" charset="0"/>
+            </a:endParaRPr>
+          </a:p>
+        </p:txBody>
+      </p:sp>
     </p:spTree>
     <p:extLst>
       <p:ext uri="{BB962C8B-B14F-4D97-AF65-F5344CB8AC3E}">

--- a/slides/Tag-1_6-Git-Workflow-im-Team.pptx
+++ b/slides/Tag-1_6-Git-Workflow-im-Team.pptx
@@ -5880,8 +5880,13 @@
             <a:pPr lvl="1"/>
             <a:r>
               <a:rPr lang="de-DE" altLang="de-DE" dirty="0"/>
-              <a:t>Gegenbeispiel: Feature-Branch</a:t>
-            </a:r>
+              <a:t>Gegenbeispiel: Feature-</a:t>
+            </a:r>
+            <a:r>
+              <a:rPr lang="de-DE" altLang="de-DE" dirty="0" err="1"/>
+              <a:t>Branches</a:t>
+            </a:r>
+            <a:endParaRPr lang="de-DE" altLang="de-DE" dirty="0"/>
           </a:p>
           <a:p>
             <a:pPr marL="358775" indent="-176213">
@@ -7387,7 +7392,7 @@
           <a:p>
             <a:r>
               <a:rPr lang="de-DE" altLang="de-DE" dirty="0"/>
-              <a:t>Vorteilhaft in kleineren Teams</a:t>
+              <a:t>Vorteilhaft in kleineren Teams und Projekten</a:t>
             </a:r>
           </a:p>
           <a:p>
@@ -37367,6 +37372,13 @@
             </a:r>
           </a:p>
           <a:p>
+            <a:pPr lvl="1"/>
+            <a:r>
+              <a:rPr lang="de-DE" altLang="de-DE" dirty="0"/>
+              <a:t>In Open Source Projekten üblich</a:t>
+            </a:r>
+          </a:p>
+          <a:p>
             <a:pPr marL="0" indent="0">
               <a:buNone/>
             </a:pPr>
@@ -38336,7 +38348,11 @@
           <a:p>
             <a:r>
               <a:rPr lang="de-DE" altLang="de-DE" sz="1800" dirty="0"/>
-              <a:t>Es gibt nicht den einen </a:t>
+              <a:t>Es gibt nicht </a:t>
+            </a:r>
+            <a:r>
+              <a:rPr lang="de-DE" altLang="de-DE" sz="1800" i="1" dirty="0"/>
+              <a:t>den einen </a:t>
             </a:r>
             <a:r>
               <a:rPr lang="de-DE" altLang="de-DE" sz="1800" dirty="0" err="1"/>
@@ -38395,7 +38411,21 @@
             <a:pPr lvl="1"/>
             <a:r>
               <a:rPr lang="de-DE" altLang="de-DE" sz="1400" dirty="0"/>
-              <a:t>Projektart</a:t>
+              <a:t>Unternehmensprozesse</a:t>
+            </a:r>
+          </a:p>
+          <a:p>
+            <a:pPr lvl="1"/>
+            <a:r>
+              <a:rPr lang="de-DE" altLang="de-DE" sz="1400" dirty="0"/>
+              <a:t>Teamkultur</a:t>
+            </a:r>
+          </a:p>
+          <a:p>
+            <a:pPr lvl="1"/>
+            <a:r>
+              <a:rPr lang="de-DE" altLang="de-DE" sz="1400" dirty="0"/>
+              <a:t>Teamgröße</a:t>
             </a:r>
           </a:p>
           <a:p>
@@ -38403,20 +38433,6 @@
             <a:r>
               <a:rPr lang="de-DE" altLang="de-DE" sz="1400" dirty="0"/>
               <a:t>Projektgröße und Umfang</a:t>
-            </a:r>
-          </a:p>
-          <a:p>
-            <a:pPr lvl="1"/>
-            <a:r>
-              <a:rPr lang="de-DE" altLang="de-DE" sz="1400" dirty="0"/>
-              <a:t>Teamgröße</a:t>
-            </a:r>
-          </a:p>
-          <a:p>
-            <a:pPr lvl="1"/>
-            <a:r>
-              <a:rPr lang="de-DE" altLang="de-DE" sz="1400" dirty="0"/>
-              <a:t>Teamkultur</a:t>
             </a:r>
           </a:p>
           <a:p>
@@ -38654,7 +38670,7 @@
           <a:p>
             <a:r>
               <a:rPr lang="de-DE" altLang="de-DE" dirty="0"/>
-              <a:t>Erleichtert Umstieg von CVCS (Subversion)</a:t>
+              <a:t>Erleichtert Umstieg von CVCS (z.B. SVN)</a:t>
             </a:r>
           </a:p>
           <a:p>

--- a/slides/Tag-1_6-Git-Workflow-im-Team.pptx
+++ b/slides/Tag-1_6-Git-Workflow-im-Team.pptx
@@ -1955,7 +1955,7 @@
               <a:pPr algn="ctr">
                 <a:defRPr/>
               </a:pPr>
-              <a:t>13.06.2024</a:t>
+              <a:t>14.06.2024</a:t>
             </a:fld>
             <a:endParaRPr lang="de-DE" sz="1000" dirty="0">
               <a:solidFill>
@@ -2383,11 +2383,10 @@
       </p:sp>
       <p:sp>
         <p:nvSpPr>
-          <p:cNvPr id="1063" name="Rectangle 39">
-            <a:hlinkClick r:id="rId4"/>
-            <a:extLst>
-              <a:ext uri="{FF2B5EF4-FFF2-40B4-BE49-F238E27FC236}">
-                <a16:creationId xmlns:a16="http://schemas.microsoft.com/office/drawing/2014/main" id="{613611E0-DAA0-F230-CD0B-8592F1472163}"/>
+          <p:cNvPr id="1064" name="Rectangle 40">
+            <a:extLst>
+              <a:ext uri="{FF2B5EF4-FFF2-40B4-BE49-F238E27FC236}">
+                <a16:creationId xmlns:a16="http://schemas.microsoft.com/office/drawing/2014/main" id="{29E915F4-DDDF-F121-AC80-954D75E00DFB}"/>
               </a:ext>
             </a:extLst>
           </p:cNvPr>
@@ -2398,8 +2397,8 @@
         </p:nvSpPr>
         <p:spPr bwMode="auto">
           <a:xfrm>
-            <a:off x="3914775" y="3105150"/>
-            <a:ext cx="9144000" cy="461963"/>
+            <a:off x="0" y="0"/>
+            <a:ext cx="252413" cy="260350"/>
           </a:xfrm>
           <a:prstGeom prst="rect">
             <a:avLst/>
@@ -2414,26 +2413,44 @@
           <a:effectLst/>
         </p:spPr>
         <p:txBody>
-          <a:bodyPr>
+          <a:bodyPr wrap="none" anchor="ctr">
             <a:spAutoFit/>
           </a:bodyPr>
           <a:lstStyle/>
           <a:p>
-            <a:pPr>
+            <a:pPr defTabSz="762000">
               <a:defRPr/>
             </a:pPr>
+            <a:r>
+              <a:rPr lang="de-DE" sz="800" dirty="0">
+                <a:latin typeface="Arial" charset="0"/>
+                <a:ea typeface="Times New Roman" pitchFamily="18" charset="0"/>
+                <a:cs typeface="Arial" charset="0"/>
+              </a:rPr>
+              <a:t> </a:t>
+            </a:r>
+            <a:r>
+              <a:rPr lang="de-DE" sz="1100" dirty="0">
+                <a:latin typeface="Arial" pitchFamily="34" charset="0"/>
+                <a:ea typeface="Times New Roman" pitchFamily="18" charset="0"/>
+                <a:cs typeface="Arial" charset="0"/>
+              </a:rPr>
+              <a:t> </a:t>
+            </a:r>
             <a:endParaRPr lang="de-DE" dirty="0">
               <a:latin typeface="Arial" pitchFamily="34" charset="0"/>
+              <a:ea typeface="Times New Roman" pitchFamily="18" charset="0"/>
+              <a:cs typeface="Arial" charset="0"/>
             </a:endParaRPr>
           </a:p>
         </p:txBody>
       </p:sp>
       <p:sp>
         <p:nvSpPr>
-          <p:cNvPr id="1064" name="Rectangle 40">
-            <a:extLst>
-              <a:ext uri="{FF2B5EF4-FFF2-40B4-BE49-F238E27FC236}">
-                <a16:creationId xmlns:a16="http://schemas.microsoft.com/office/drawing/2014/main" id="{29E915F4-DDDF-F121-AC80-954D75E00DFB}"/>
+          <p:cNvPr id="1065" name="Rectangle 41">
+            <a:extLst>
+              <a:ext uri="{FF2B5EF4-FFF2-40B4-BE49-F238E27FC236}">
+                <a16:creationId xmlns:a16="http://schemas.microsoft.com/office/drawing/2014/main" id="{1AC20BC3-24D2-D550-0D11-5B051D92208E}"/>
               </a:ext>
             </a:extLst>
           </p:cNvPr>
@@ -2494,10 +2511,10 @@
       </p:sp>
       <p:sp>
         <p:nvSpPr>
-          <p:cNvPr id="1065" name="Rectangle 41">
-            <a:extLst>
-              <a:ext uri="{FF2B5EF4-FFF2-40B4-BE49-F238E27FC236}">
-                <a16:creationId xmlns:a16="http://schemas.microsoft.com/office/drawing/2014/main" id="{1AC20BC3-24D2-D550-0D11-5B051D92208E}"/>
+          <p:cNvPr id="1066" name="Rectangle 42">
+            <a:extLst>
+              <a:ext uri="{FF2B5EF4-FFF2-40B4-BE49-F238E27FC236}">
+                <a16:creationId xmlns:a16="http://schemas.microsoft.com/office/drawing/2014/main" id="{492F53AD-7BED-DC98-EB8F-A0EE8D11CB43}"/>
               </a:ext>
             </a:extLst>
           </p:cNvPr>
@@ -2556,70 +2573,6 @@
           </a:p>
         </p:txBody>
       </p:sp>
-      <p:sp>
-        <p:nvSpPr>
-          <p:cNvPr id="1066" name="Rectangle 42">
-            <a:extLst>
-              <a:ext uri="{FF2B5EF4-FFF2-40B4-BE49-F238E27FC236}">
-                <a16:creationId xmlns:a16="http://schemas.microsoft.com/office/drawing/2014/main" id="{492F53AD-7BED-DC98-EB8F-A0EE8D11CB43}"/>
-              </a:ext>
-            </a:extLst>
-          </p:cNvPr>
-          <p:cNvSpPr>
-            <a:spLocks noChangeArrowheads="1"/>
-          </p:cNvSpPr>
-          <p:nvPr userDrawn="1"/>
-        </p:nvSpPr>
-        <p:spPr bwMode="auto">
-          <a:xfrm>
-            <a:off x="0" y="0"/>
-            <a:ext cx="252413" cy="260350"/>
-          </a:xfrm>
-          <a:prstGeom prst="rect">
-            <a:avLst/>
-          </a:prstGeom>
-          <a:noFill/>
-          <a:ln w="12700">
-            <a:noFill/>
-            <a:miter lim="800000"/>
-            <a:headEnd type="none" w="sm" len="sm"/>
-            <a:tailEnd type="none" w="sm" len="sm"/>
-          </a:ln>
-          <a:effectLst/>
-        </p:spPr>
-        <p:txBody>
-          <a:bodyPr wrap="none" anchor="ctr">
-            <a:spAutoFit/>
-          </a:bodyPr>
-          <a:lstStyle/>
-          <a:p>
-            <a:pPr defTabSz="762000">
-              <a:defRPr/>
-            </a:pPr>
-            <a:r>
-              <a:rPr lang="de-DE" sz="800" dirty="0">
-                <a:latin typeface="Arial" charset="0"/>
-                <a:ea typeface="Times New Roman" pitchFamily="18" charset="0"/>
-                <a:cs typeface="Arial" charset="0"/>
-              </a:rPr>
-              <a:t> </a:t>
-            </a:r>
-            <a:r>
-              <a:rPr lang="de-DE" sz="1100" dirty="0">
-                <a:latin typeface="Arial" pitchFamily="34" charset="0"/>
-                <a:ea typeface="Times New Roman" pitchFamily="18" charset="0"/>
-                <a:cs typeface="Arial" charset="0"/>
-              </a:rPr>
-              <a:t> </a:t>
-            </a:r>
-            <a:endParaRPr lang="de-DE" dirty="0">
-              <a:latin typeface="Arial" pitchFamily="34" charset="0"/>
-              <a:ea typeface="Times New Roman" pitchFamily="18" charset="0"/>
-              <a:cs typeface="Arial" charset="0"/>
-            </a:endParaRPr>
-          </a:p>
-        </p:txBody>
-      </p:sp>
       <p:pic>
         <p:nvPicPr>
           <p:cNvPr id="1037" name="713fdfc0-1a72-49da-bd13-b47278f75372" descr="EAF3711E-BEB0-47E0-BD76-8002A3B4EEFA@localdomain">
@@ -2635,7 +2588,7 @@
           <p:nvPr userDrawn="1"/>
         </p:nvPicPr>
         <p:blipFill>
-          <a:blip r:embed="rId5">
+          <a:blip r:embed="rId4">
             <a:extLst>
               <a:ext uri="{28A0092B-C50C-407E-A947-70E740481C1C}">
                 <a14:useLocalDpi xmlns:a14="http://schemas.microsoft.com/office/drawing/2010/main" val="0"/>
@@ -2695,7 +2648,7 @@
           <p:nvPr userDrawn="1"/>
         </p:nvPicPr>
         <p:blipFill>
-          <a:blip r:embed="rId6">
+          <a:blip r:embed="rId5">
             <a:extLst>
               <a:ext uri="{28A0092B-C50C-407E-A947-70E740481C1C}">
                 <a14:useLocalDpi xmlns:a14="http://schemas.microsoft.com/office/drawing/2010/main" val="0"/>
@@ -2819,7 +2772,7 @@
           <p:nvPr userDrawn="1"/>
         </p:nvPicPr>
         <p:blipFill>
-          <a:blip r:embed="rId7">
+          <a:blip r:embed="rId6">
             <a:extLst>
               <a:ext uri="{28A0092B-C50C-407E-A947-70E740481C1C}">
                 <a14:useLocalDpi xmlns:a14="http://schemas.microsoft.com/office/drawing/2010/main" val="0"/>
@@ -4125,7 +4078,7 @@
               <a:pPr algn="ctr">
                 <a:defRPr/>
               </a:pPr>
-              <a:t>13.06.2024</a:t>
+              <a:t>14.06.2024</a:t>
             </a:fld>
             <a:endParaRPr lang="de-DE" sz="1000">
               <a:solidFill>
@@ -4495,11 +4448,10 @@
       </p:sp>
       <p:sp>
         <p:nvSpPr>
-          <p:cNvPr id="1063" name="Rectangle 39">
-            <a:hlinkClick r:id="rId4"/>
-            <a:extLst>
-              <a:ext uri="{FF2B5EF4-FFF2-40B4-BE49-F238E27FC236}">
-                <a16:creationId xmlns:a16="http://schemas.microsoft.com/office/drawing/2014/main" id="{613611E0-DAA0-F230-CD0B-8592F1472163}"/>
+          <p:cNvPr id="1064" name="Rectangle 40">
+            <a:extLst>
+              <a:ext uri="{FF2B5EF4-FFF2-40B4-BE49-F238E27FC236}">
+                <a16:creationId xmlns:a16="http://schemas.microsoft.com/office/drawing/2014/main" id="{29E915F4-DDDF-F121-AC80-954D75E00DFB}"/>
               </a:ext>
             </a:extLst>
           </p:cNvPr>
@@ -4510,8 +4462,8 @@
         </p:nvSpPr>
         <p:spPr bwMode="auto">
           <a:xfrm>
-            <a:off x="3914775" y="3105150"/>
-            <a:ext cx="9144000" cy="461963"/>
+            <a:off x="0" y="0"/>
+            <a:ext cx="252413" cy="260350"/>
           </a:xfrm>
           <a:prstGeom prst="rect">
             <a:avLst/>
@@ -4526,26 +4478,44 @@
           <a:effectLst/>
         </p:spPr>
         <p:txBody>
-          <a:bodyPr>
+          <a:bodyPr wrap="none" anchor="ctr">
             <a:spAutoFit/>
           </a:bodyPr>
           <a:lstStyle/>
           <a:p>
-            <a:pPr>
+            <a:pPr defTabSz="762000">
               <a:defRPr/>
             </a:pPr>
+            <a:r>
+              <a:rPr lang="de-DE" sz="800" dirty="0">
+                <a:latin typeface="Arial" charset="0"/>
+                <a:ea typeface="Times New Roman" pitchFamily="18" charset="0"/>
+                <a:cs typeface="Arial" charset="0"/>
+              </a:rPr>
+              <a:t> </a:t>
+            </a:r>
+            <a:r>
+              <a:rPr lang="de-DE" sz="1100" dirty="0">
+                <a:latin typeface="Arial" pitchFamily="34" charset="0"/>
+                <a:ea typeface="Times New Roman" pitchFamily="18" charset="0"/>
+                <a:cs typeface="Arial" charset="0"/>
+              </a:rPr>
+              <a:t> </a:t>
+            </a:r>
             <a:endParaRPr lang="de-DE" dirty="0">
               <a:latin typeface="Arial" pitchFamily="34" charset="0"/>
+              <a:ea typeface="Times New Roman" pitchFamily="18" charset="0"/>
+              <a:cs typeface="Arial" charset="0"/>
             </a:endParaRPr>
           </a:p>
         </p:txBody>
       </p:sp>
       <p:sp>
         <p:nvSpPr>
-          <p:cNvPr id="1064" name="Rectangle 40">
-            <a:extLst>
-              <a:ext uri="{FF2B5EF4-FFF2-40B4-BE49-F238E27FC236}">
-                <a16:creationId xmlns:a16="http://schemas.microsoft.com/office/drawing/2014/main" id="{29E915F4-DDDF-F121-AC80-954D75E00DFB}"/>
+          <p:cNvPr id="1065" name="Rectangle 41">
+            <a:extLst>
+              <a:ext uri="{FF2B5EF4-FFF2-40B4-BE49-F238E27FC236}">
+                <a16:creationId xmlns:a16="http://schemas.microsoft.com/office/drawing/2014/main" id="{1AC20BC3-24D2-D550-0D11-5B051D92208E}"/>
               </a:ext>
             </a:extLst>
           </p:cNvPr>
@@ -4606,10 +4576,10 @@
       </p:sp>
       <p:sp>
         <p:nvSpPr>
-          <p:cNvPr id="1065" name="Rectangle 41">
-            <a:extLst>
-              <a:ext uri="{FF2B5EF4-FFF2-40B4-BE49-F238E27FC236}">
-                <a16:creationId xmlns:a16="http://schemas.microsoft.com/office/drawing/2014/main" id="{1AC20BC3-24D2-D550-0D11-5B051D92208E}"/>
+          <p:cNvPr id="1066" name="Rectangle 42">
+            <a:extLst>
+              <a:ext uri="{FF2B5EF4-FFF2-40B4-BE49-F238E27FC236}">
+                <a16:creationId xmlns:a16="http://schemas.microsoft.com/office/drawing/2014/main" id="{492F53AD-7BED-DC98-EB8F-A0EE8D11CB43}"/>
               </a:ext>
             </a:extLst>
           </p:cNvPr>
@@ -4668,70 +4638,6 @@
           </a:p>
         </p:txBody>
       </p:sp>
-      <p:sp>
-        <p:nvSpPr>
-          <p:cNvPr id="1066" name="Rectangle 42">
-            <a:extLst>
-              <a:ext uri="{FF2B5EF4-FFF2-40B4-BE49-F238E27FC236}">
-                <a16:creationId xmlns:a16="http://schemas.microsoft.com/office/drawing/2014/main" id="{492F53AD-7BED-DC98-EB8F-A0EE8D11CB43}"/>
-              </a:ext>
-            </a:extLst>
-          </p:cNvPr>
-          <p:cNvSpPr>
-            <a:spLocks noChangeArrowheads="1"/>
-          </p:cNvSpPr>
-          <p:nvPr userDrawn="1"/>
-        </p:nvSpPr>
-        <p:spPr bwMode="auto">
-          <a:xfrm>
-            <a:off x="0" y="0"/>
-            <a:ext cx="252413" cy="260350"/>
-          </a:xfrm>
-          <a:prstGeom prst="rect">
-            <a:avLst/>
-          </a:prstGeom>
-          <a:noFill/>
-          <a:ln w="12700">
-            <a:noFill/>
-            <a:miter lim="800000"/>
-            <a:headEnd type="none" w="sm" len="sm"/>
-            <a:tailEnd type="none" w="sm" len="sm"/>
-          </a:ln>
-          <a:effectLst/>
-        </p:spPr>
-        <p:txBody>
-          <a:bodyPr wrap="none" anchor="ctr">
-            <a:spAutoFit/>
-          </a:bodyPr>
-          <a:lstStyle/>
-          <a:p>
-            <a:pPr defTabSz="762000">
-              <a:defRPr/>
-            </a:pPr>
-            <a:r>
-              <a:rPr lang="de-DE" sz="800" dirty="0">
-                <a:latin typeface="Arial" charset="0"/>
-                <a:ea typeface="Times New Roman" pitchFamily="18" charset="0"/>
-                <a:cs typeface="Arial" charset="0"/>
-              </a:rPr>
-              <a:t> </a:t>
-            </a:r>
-            <a:r>
-              <a:rPr lang="de-DE" sz="1100" dirty="0">
-                <a:latin typeface="Arial" pitchFamily="34" charset="0"/>
-                <a:ea typeface="Times New Roman" pitchFamily="18" charset="0"/>
-                <a:cs typeface="Arial" charset="0"/>
-              </a:rPr>
-              <a:t> </a:t>
-            </a:r>
-            <a:endParaRPr lang="de-DE" dirty="0">
-              <a:latin typeface="Arial" pitchFamily="34" charset="0"/>
-              <a:ea typeface="Times New Roman" pitchFamily="18" charset="0"/>
-              <a:cs typeface="Arial" charset="0"/>
-            </a:endParaRPr>
-          </a:p>
-        </p:txBody>
-      </p:sp>
       <p:pic>
         <p:nvPicPr>
           <p:cNvPr id="1037" name="713fdfc0-1a72-49da-bd13-b47278f75372" descr="EAF3711E-BEB0-47E0-BD76-8002A3B4EEFA@localdomain">
@@ -4747,7 +4653,7 @@
           <p:nvPr userDrawn="1"/>
         </p:nvPicPr>
         <p:blipFill>
-          <a:blip r:embed="rId5">
+          <a:blip r:embed="rId4">
             <a:extLst>
               <a:ext uri="{28A0092B-C50C-407E-A947-70E740481C1C}">
                 <a14:useLocalDpi xmlns:a14="http://schemas.microsoft.com/office/drawing/2010/main" val="0"/>
@@ -4807,7 +4713,7 @@
           <p:nvPr userDrawn="1"/>
         </p:nvPicPr>
         <p:blipFill>
-          <a:blip r:embed="rId6">
+          <a:blip r:embed="rId5">
             <a:extLst>
               <a:ext uri="{28A0092B-C50C-407E-A947-70E740481C1C}">
                 <a14:useLocalDpi xmlns:a14="http://schemas.microsoft.com/office/drawing/2010/main" val="0"/>
@@ -4931,7 +4837,7 @@
           <p:nvPr userDrawn="1"/>
         </p:nvPicPr>
         <p:blipFill>
-          <a:blip r:embed="rId7">
+          <a:blip r:embed="rId6">
             <a:extLst>
               <a:ext uri="{28A0092B-C50C-407E-A947-70E740481C1C}">
                 <a14:useLocalDpi xmlns:a14="http://schemas.microsoft.com/office/drawing/2010/main" val="0"/>
